--- a/ppt/Interpretation-9-20.pptx
+++ b/ppt/Interpretation-9-20.pptx
@@ -4,6 +4,9 @@
   <p:sldMasterIdLst>
     <p:sldMasterId id="2147483648" r:id="rId1"/>
   </p:sldMasterIdLst>
+  <p:notesMasterIdLst>
+    <p:notesMasterId r:id="rId13"/>
+  </p:notesMasterIdLst>
   <p:sldIdLst>
     <p:sldId id="256" r:id="rId2"/>
     <p:sldId id="258" r:id="rId3"/>
@@ -11,6 +14,11 @@
     <p:sldId id="259" r:id="rId5"/>
     <p:sldId id="260" r:id="rId6"/>
     <p:sldId id="262" r:id="rId7"/>
+    <p:sldId id="263" r:id="rId8"/>
+    <p:sldId id="264" r:id="rId9"/>
+    <p:sldId id="265" r:id="rId10"/>
+    <p:sldId id="266" r:id="rId11"/>
+    <p:sldId id="267" r:id="rId12"/>
   </p:sldIdLst>
   <p:sldSz cx="12192000" cy="6858000"/>
   <p:notesSz cx="6858000" cy="9144000"/>
@@ -109,7 +117,548 @@
       </a:defRPr>
     </a:lvl9pPr>
   </p:defaultTextStyle>
+  <p:extLst>
+    <p:ext uri="{521415D9-36F7-43E2-AB2F-B90AF26B5E84}">
+      <p14:sectionLst xmlns:p14="http://schemas.microsoft.com/office/powerpoint/2010/main">
+        <p14:section name="默认节" id="{00CC5C93-8BD6-44E3-BDAA-3784F2110946}">
+          <p14:sldIdLst>
+            <p14:sldId id="256"/>
+            <p14:sldId id="258"/>
+            <p14:sldId id="261"/>
+            <p14:sldId id="259"/>
+            <p14:sldId id="260"/>
+            <p14:sldId id="262"/>
+            <p14:sldId id="263"/>
+            <p14:sldId id="264"/>
+            <p14:sldId id="265"/>
+            <p14:sldId id="266"/>
+            <p14:sldId id="267"/>
+          </p14:sldIdLst>
+        </p14:section>
+      </p14:sectionLst>
+    </p:ext>
+    <p:ext uri="{EFAFB233-063F-42B5-8137-9DF3F51BA10A}">
+      <p15:sldGuideLst xmlns:p15="http://schemas.microsoft.com/office/powerpoint/2012/main"/>
+    </p:ext>
+  </p:extLst>
 </p:presentation>
+</file>
+
+<file path=ppt/notesMasters/notesMaster1.xml><?xml version="1.0" encoding="utf-8"?>
+<p:notesMaster xmlns:a="http://schemas.openxmlformats.org/drawingml/2006/main" xmlns:r="http://schemas.openxmlformats.org/officeDocument/2006/relationships" xmlns:p="http://schemas.openxmlformats.org/presentationml/2006/main">
+  <p:cSld>
+    <p:bg>
+      <p:bgRef idx="1001">
+        <a:schemeClr val="bg1"/>
+      </p:bgRef>
+    </p:bg>
+    <p:spTree>
+      <p:nvGrpSpPr>
+        <p:cNvPr id="1" name=""/>
+        <p:cNvGrpSpPr/>
+        <p:nvPr/>
+      </p:nvGrpSpPr>
+      <p:grpSpPr>
+        <a:xfrm>
+          <a:off x="0" y="0"/>
+          <a:ext cx="0" cy="0"/>
+          <a:chOff x="0" y="0"/>
+          <a:chExt cx="0" cy="0"/>
+        </a:xfrm>
+      </p:grpSpPr>
+      <p:sp>
+        <p:nvSpPr>
+          <p:cNvPr id="2" name="页眉占位符 1"/>
+          <p:cNvSpPr>
+            <a:spLocks noGrp="1"/>
+          </p:cNvSpPr>
+          <p:nvPr>
+            <p:ph type="hdr" sz="quarter"/>
+          </p:nvPr>
+        </p:nvSpPr>
+        <p:spPr>
+          <a:xfrm>
+            <a:off x="0" y="0"/>
+            <a:ext cx="2971800" cy="458788"/>
+          </a:xfrm>
+          <a:prstGeom prst="rect">
+            <a:avLst/>
+          </a:prstGeom>
+        </p:spPr>
+        <p:txBody>
+          <a:bodyPr vert="horz" lIns="91440" tIns="45720" rIns="91440" bIns="45720" rtlCol="0"/>
+          <a:lstStyle>
+            <a:lvl1pPr algn="l">
+              <a:defRPr sz="1200"/>
+            </a:lvl1pPr>
+          </a:lstStyle>
+          <a:p>
+            <a:endParaRPr lang="zh-CN" altLang="en-US"/>
+          </a:p>
+        </p:txBody>
+      </p:sp>
+      <p:sp>
+        <p:nvSpPr>
+          <p:cNvPr id="3" name="日期占位符 2"/>
+          <p:cNvSpPr>
+            <a:spLocks noGrp="1"/>
+          </p:cNvSpPr>
+          <p:nvPr>
+            <p:ph type="dt" idx="1"/>
+          </p:nvPr>
+        </p:nvSpPr>
+        <p:spPr>
+          <a:xfrm>
+            <a:off x="3884613" y="0"/>
+            <a:ext cx="2971800" cy="458788"/>
+          </a:xfrm>
+          <a:prstGeom prst="rect">
+            <a:avLst/>
+          </a:prstGeom>
+        </p:spPr>
+        <p:txBody>
+          <a:bodyPr vert="horz" lIns="91440" tIns="45720" rIns="91440" bIns="45720" rtlCol="0"/>
+          <a:lstStyle>
+            <a:lvl1pPr algn="r">
+              <a:defRPr sz="1200"/>
+            </a:lvl1pPr>
+          </a:lstStyle>
+          <a:p>
+            <a:fld id="{8A69F377-C162-4680-9BD9-7C23D4CFF851}" type="datetimeFigureOut">
+              <a:rPr lang="zh-CN" altLang="en-US" smtClean="0"/>
+              <a:t>2019/9/23</a:t>
+            </a:fld>
+            <a:endParaRPr lang="zh-CN" altLang="en-US"/>
+          </a:p>
+        </p:txBody>
+      </p:sp>
+      <p:sp>
+        <p:nvSpPr>
+          <p:cNvPr id="4" name="幻灯片图像占位符 3"/>
+          <p:cNvSpPr>
+            <a:spLocks noGrp="1" noRot="1" noChangeAspect="1"/>
+          </p:cNvSpPr>
+          <p:nvPr>
+            <p:ph type="sldImg" idx="2"/>
+          </p:nvPr>
+        </p:nvSpPr>
+        <p:spPr>
+          <a:xfrm>
+            <a:off x="685800" y="1143000"/>
+            <a:ext cx="5486400" cy="3086100"/>
+          </a:xfrm>
+          <a:prstGeom prst="rect">
+            <a:avLst/>
+          </a:prstGeom>
+          <a:noFill/>
+          <a:ln w="12700">
+            <a:solidFill>
+              <a:prstClr val="black"/>
+            </a:solidFill>
+          </a:ln>
+        </p:spPr>
+        <p:txBody>
+          <a:bodyPr vert="horz" lIns="91440" tIns="45720" rIns="91440" bIns="45720" rtlCol="0" anchor="ctr"/>
+          <a:lstStyle/>
+          <a:p>
+            <a:endParaRPr lang="zh-CN" altLang="en-US"/>
+          </a:p>
+        </p:txBody>
+      </p:sp>
+      <p:sp>
+        <p:nvSpPr>
+          <p:cNvPr id="5" name="备注占位符 4"/>
+          <p:cNvSpPr>
+            <a:spLocks noGrp="1"/>
+          </p:cNvSpPr>
+          <p:nvPr>
+            <p:ph type="body" sz="quarter" idx="3"/>
+          </p:nvPr>
+        </p:nvSpPr>
+        <p:spPr>
+          <a:xfrm>
+            <a:off x="685800" y="4400550"/>
+            <a:ext cx="5486400" cy="3600450"/>
+          </a:xfrm>
+          <a:prstGeom prst="rect">
+            <a:avLst/>
+          </a:prstGeom>
+        </p:spPr>
+        <p:txBody>
+          <a:bodyPr vert="horz" lIns="91440" tIns="45720" rIns="91440" bIns="45720" rtlCol="0"/>
+          <a:lstStyle/>
+          <a:p>
+            <a:pPr lvl="0"/>
+            <a:r>
+              <a:rPr lang="zh-CN" altLang="en-US"/>
+              <a:t>编辑母版文本样式</a:t>
+            </a:r>
+          </a:p>
+          <a:p>
+            <a:pPr lvl="1"/>
+            <a:r>
+              <a:rPr lang="zh-CN" altLang="en-US"/>
+              <a:t>第二级</a:t>
+            </a:r>
+          </a:p>
+          <a:p>
+            <a:pPr lvl="2"/>
+            <a:r>
+              <a:rPr lang="zh-CN" altLang="en-US"/>
+              <a:t>第三级</a:t>
+            </a:r>
+          </a:p>
+          <a:p>
+            <a:pPr lvl="3"/>
+            <a:r>
+              <a:rPr lang="zh-CN" altLang="en-US"/>
+              <a:t>第四级</a:t>
+            </a:r>
+          </a:p>
+          <a:p>
+            <a:pPr lvl="4"/>
+            <a:r>
+              <a:rPr lang="zh-CN" altLang="en-US"/>
+              <a:t>第五级</a:t>
+            </a:r>
+          </a:p>
+        </p:txBody>
+      </p:sp>
+      <p:sp>
+        <p:nvSpPr>
+          <p:cNvPr id="6" name="页脚占位符 5"/>
+          <p:cNvSpPr>
+            <a:spLocks noGrp="1"/>
+          </p:cNvSpPr>
+          <p:nvPr>
+            <p:ph type="ftr" sz="quarter" idx="4"/>
+          </p:nvPr>
+        </p:nvSpPr>
+        <p:spPr>
+          <a:xfrm>
+            <a:off x="0" y="8685213"/>
+            <a:ext cx="2971800" cy="458787"/>
+          </a:xfrm>
+          <a:prstGeom prst="rect">
+            <a:avLst/>
+          </a:prstGeom>
+        </p:spPr>
+        <p:txBody>
+          <a:bodyPr vert="horz" lIns="91440" tIns="45720" rIns="91440" bIns="45720" rtlCol="0" anchor="b"/>
+          <a:lstStyle>
+            <a:lvl1pPr algn="l">
+              <a:defRPr sz="1200"/>
+            </a:lvl1pPr>
+          </a:lstStyle>
+          <a:p>
+            <a:endParaRPr lang="zh-CN" altLang="en-US"/>
+          </a:p>
+        </p:txBody>
+      </p:sp>
+      <p:sp>
+        <p:nvSpPr>
+          <p:cNvPr id="7" name="灯片编号占位符 6"/>
+          <p:cNvSpPr>
+            <a:spLocks noGrp="1"/>
+          </p:cNvSpPr>
+          <p:nvPr>
+            <p:ph type="sldNum" sz="quarter" idx="5"/>
+          </p:nvPr>
+        </p:nvSpPr>
+        <p:spPr>
+          <a:xfrm>
+            <a:off x="3884613" y="8685213"/>
+            <a:ext cx="2971800" cy="458787"/>
+          </a:xfrm>
+          <a:prstGeom prst="rect">
+            <a:avLst/>
+          </a:prstGeom>
+        </p:spPr>
+        <p:txBody>
+          <a:bodyPr vert="horz" lIns="91440" tIns="45720" rIns="91440" bIns="45720" rtlCol="0" anchor="b"/>
+          <a:lstStyle>
+            <a:lvl1pPr algn="r">
+              <a:defRPr sz="1200"/>
+            </a:lvl1pPr>
+          </a:lstStyle>
+          <a:p>
+            <a:fld id="{116FD875-F69A-4A96-B7D4-B4AEE2998B17}" type="slidenum">
+              <a:rPr lang="zh-CN" altLang="en-US" smtClean="0"/>
+              <a:t>‹#›</a:t>
+            </a:fld>
+            <a:endParaRPr lang="zh-CN" altLang="en-US"/>
+          </a:p>
+        </p:txBody>
+      </p:sp>
+    </p:spTree>
+    <p:extLst>
+      <p:ext uri="{BB962C8B-B14F-4D97-AF65-F5344CB8AC3E}">
+        <p14:creationId xmlns:p14="http://schemas.microsoft.com/office/powerpoint/2010/main" val="1932124258"/>
+      </p:ext>
+    </p:extLst>
+  </p:cSld>
+  <p:clrMap bg1="lt1" tx1="dk1" bg2="lt2" tx2="dk2" accent1="accent1" accent2="accent2" accent3="accent3" accent4="accent4" accent5="accent5" accent6="accent6" hlink="hlink" folHlink="folHlink"/>
+  <p:notesStyle>
+    <a:lvl1pPr marL="0" algn="l" defTabSz="914400" rtl="0" eaLnBrk="1" latinLnBrk="0" hangingPunct="1">
+      <a:defRPr sz="1200" kern="1200">
+        <a:solidFill>
+          <a:schemeClr val="tx1"/>
+        </a:solidFill>
+        <a:latin typeface="+mn-lt"/>
+        <a:ea typeface="+mn-ea"/>
+        <a:cs typeface="+mn-cs"/>
+      </a:defRPr>
+    </a:lvl1pPr>
+    <a:lvl2pPr marL="457200" algn="l" defTabSz="914400" rtl="0" eaLnBrk="1" latinLnBrk="0" hangingPunct="1">
+      <a:defRPr sz="1200" kern="1200">
+        <a:solidFill>
+          <a:schemeClr val="tx1"/>
+        </a:solidFill>
+        <a:latin typeface="+mn-lt"/>
+        <a:ea typeface="+mn-ea"/>
+        <a:cs typeface="+mn-cs"/>
+      </a:defRPr>
+    </a:lvl2pPr>
+    <a:lvl3pPr marL="914400" algn="l" defTabSz="914400" rtl="0" eaLnBrk="1" latinLnBrk="0" hangingPunct="1">
+      <a:defRPr sz="1200" kern="1200">
+        <a:solidFill>
+          <a:schemeClr val="tx1"/>
+        </a:solidFill>
+        <a:latin typeface="+mn-lt"/>
+        <a:ea typeface="+mn-ea"/>
+        <a:cs typeface="+mn-cs"/>
+      </a:defRPr>
+    </a:lvl3pPr>
+    <a:lvl4pPr marL="1371600" algn="l" defTabSz="914400" rtl="0" eaLnBrk="1" latinLnBrk="0" hangingPunct="1">
+      <a:defRPr sz="1200" kern="1200">
+        <a:solidFill>
+          <a:schemeClr val="tx1"/>
+        </a:solidFill>
+        <a:latin typeface="+mn-lt"/>
+        <a:ea typeface="+mn-ea"/>
+        <a:cs typeface="+mn-cs"/>
+      </a:defRPr>
+    </a:lvl4pPr>
+    <a:lvl5pPr marL="1828800" algn="l" defTabSz="914400" rtl="0" eaLnBrk="1" latinLnBrk="0" hangingPunct="1">
+      <a:defRPr sz="1200" kern="1200">
+        <a:solidFill>
+          <a:schemeClr val="tx1"/>
+        </a:solidFill>
+        <a:latin typeface="+mn-lt"/>
+        <a:ea typeface="+mn-ea"/>
+        <a:cs typeface="+mn-cs"/>
+      </a:defRPr>
+    </a:lvl5pPr>
+    <a:lvl6pPr marL="2286000" algn="l" defTabSz="914400" rtl="0" eaLnBrk="1" latinLnBrk="0" hangingPunct="1">
+      <a:defRPr sz="1200" kern="1200">
+        <a:solidFill>
+          <a:schemeClr val="tx1"/>
+        </a:solidFill>
+        <a:latin typeface="+mn-lt"/>
+        <a:ea typeface="+mn-ea"/>
+        <a:cs typeface="+mn-cs"/>
+      </a:defRPr>
+    </a:lvl6pPr>
+    <a:lvl7pPr marL="2743200" algn="l" defTabSz="914400" rtl="0" eaLnBrk="1" latinLnBrk="0" hangingPunct="1">
+      <a:defRPr sz="1200" kern="1200">
+        <a:solidFill>
+          <a:schemeClr val="tx1"/>
+        </a:solidFill>
+        <a:latin typeface="+mn-lt"/>
+        <a:ea typeface="+mn-ea"/>
+        <a:cs typeface="+mn-cs"/>
+      </a:defRPr>
+    </a:lvl7pPr>
+    <a:lvl8pPr marL="3200400" algn="l" defTabSz="914400" rtl="0" eaLnBrk="1" latinLnBrk="0" hangingPunct="1">
+      <a:defRPr sz="1200" kern="1200">
+        <a:solidFill>
+          <a:schemeClr val="tx1"/>
+        </a:solidFill>
+        <a:latin typeface="+mn-lt"/>
+        <a:ea typeface="+mn-ea"/>
+        <a:cs typeface="+mn-cs"/>
+      </a:defRPr>
+    </a:lvl8pPr>
+    <a:lvl9pPr marL="3657600" algn="l" defTabSz="914400" rtl="0" eaLnBrk="1" latinLnBrk="0" hangingPunct="1">
+      <a:defRPr sz="1200" kern="1200">
+        <a:solidFill>
+          <a:schemeClr val="tx1"/>
+        </a:solidFill>
+        <a:latin typeface="+mn-lt"/>
+        <a:ea typeface="+mn-ea"/>
+        <a:cs typeface="+mn-cs"/>
+      </a:defRPr>
+    </a:lvl9pPr>
+  </p:notesStyle>
+</p:notesMaster>
+</file>
+
+<file path=ppt/notesSlides/notesSlide1.xml><?xml version="1.0" encoding="utf-8"?>
+<p:notes xmlns:a="http://schemas.openxmlformats.org/drawingml/2006/main" xmlns:r="http://schemas.openxmlformats.org/officeDocument/2006/relationships" xmlns:p="http://schemas.openxmlformats.org/presentationml/2006/main">
+  <p:cSld>
+    <p:spTree>
+      <p:nvGrpSpPr>
+        <p:cNvPr id="1" name=""/>
+        <p:cNvGrpSpPr/>
+        <p:nvPr/>
+      </p:nvGrpSpPr>
+      <p:grpSpPr>
+        <a:xfrm>
+          <a:off x="0" y="0"/>
+          <a:ext cx="0" cy="0"/>
+          <a:chOff x="0" y="0"/>
+          <a:chExt cx="0" cy="0"/>
+        </a:xfrm>
+      </p:grpSpPr>
+      <p:sp>
+        <p:nvSpPr>
+          <p:cNvPr id="2" name="幻灯片图像占位符 1"/>
+          <p:cNvSpPr>
+            <a:spLocks noGrp="1" noRot="1" noChangeAspect="1"/>
+          </p:cNvSpPr>
+          <p:nvPr>
+            <p:ph type="sldImg"/>
+          </p:nvPr>
+        </p:nvSpPr>
+        <p:spPr/>
+      </p:sp>
+      <p:sp>
+        <p:nvSpPr>
+          <p:cNvPr id="3" name="备注占位符 2"/>
+          <p:cNvSpPr>
+            <a:spLocks noGrp="1"/>
+          </p:cNvSpPr>
+          <p:nvPr>
+            <p:ph type="body" idx="1"/>
+          </p:nvPr>
+        </p:nvSpPr>
+        <p:spPr/>
+        <p:txBody>
+          <a:bodyPr/>
+          <a:lstStyle/>
+          <a:p>
+            <a:endParaRPr lang="zh-CN" altLang="en-US" dirty="0"/>
+          </a:p>
+        </p:txBody>
+      </p:sp>
+      <p:sp>
+        <p:nvSpPr>
+          <p:cNvPr id="4" name="灯片编号占位符 3"/>
+          <p:cNvSpPr>
+            <a:spLocks noGrp="1"/>
+          </p:cNvSpPr>
+          <p:nvPr>
+            <p:ph type="sldNum" sz="quarter" idx="5"/>
+          </p:nvPr>
+        </p:nvSpPr>
+        <p:spPr/>
+        <p:txBody>
+          <a:bodyPr/>
+          <a:lstStyle/>
+          <a:p>
+            <a:fld id="{116FD875-F69A-4A96-B7D4-B4AEE2998B17}" type="slidenum">
+              <a:rPr lang="zh-CN" altLang="en-US" smtClean="0"/>
+              <a:t>10</a:t>
+            </a:fld>
+            <a:endParaRPr lang="zh-CN" altLang="en-US"/>
+          </a:p>
+        </p:txBody>
+      </p:sp>
+    </p:spTree>
+    <p:extLst>
+      <p:ext uri="{BB962C8B-B14F-4D97-AF65-F5344CB8AC3E}">
+        <p14:creationId xmlns:p14="http://schemas.microsoft.com/office/powerpoint/2010/main" val="2137694354"/>
+      </p:ext>
+    </p:extLst>
+  </p:cSld>
+  <p:clrMapOvr>
+    <a:masterClrMapping/>
+  </p:clrMapOvr>
+</p:notes>
+</file>
+
+<file path=ppt/notesSlides/notesSlide2.xml><?xml version="1.0" encoding="utf-8"?>
+<p:notes xmlns:a="http://schemas.openxmlformats.org/drawingml/2006/main" xmlns:r="http://schemas.openxmlformats.org/officeDocument/2006/relationships" xmlns:p="http://schemas.openxmlformats.org/presentationml/2006/main">
+  <p:cSld>
+    <p:spTree>
+      <p:nvGrpSpPr>
+        <p:cNvPr id="1" name=""/>
+        <p:cNvGrpSpPr/>
+        <p:nvPr/>
+      </p:nvGrpSpPr>
+      <p:grpSpPr>
+        <a:xfrm>
+          <a:off x="0" y="0"/>
+          <a:ext cx="0" cy="0"/>
+          <a:chOff x="0" y="0"/>
+          <a:chExt cx="0" cy="0"/>
+        </a:xfrm>
+      </p:grpSpPr>
+      <p:sp>
+        <p:nvSpPr>
+          <p:cNvPr id="2" name="幻灯片图像占位符 1"/>
+          <p:cNvSpPr>
+            <a:spLocks noGrp="1" noRot="1" noChangeAspect="1"/>
+          </p:cNvSpPr>
+          <p:nvPr>
+            <p:ph type="sldImg"/>
+          </p:nvPr>
+        </p:nvSpPr>
+        <p:spPr/>
+      </p:sp>
+      <p:sp>
+        <p:nvSpPr>
+          <p:cNvPr id="3" name="备注占位符 2"/>
+          <p:cNvSpPr>
+            <a:spLocks noGrp="1"/>
+          </p:cNvSpPr>
+          <p:nvPr>
+            <p:ph type="body" idx="1"/>
+          </p:nvPr>
+        </p:nvSpPr>
+        <p:spPr/>
+        <p:txBody>
+          <a:bodyPr/>
+          <a:lstStyle/>
+          <a:p>
+            <a:endParaRPr lang="zh-CN" altLang="en-US" dirty="0"/>
+          </a:p>
+        </p:txBody>
+      </p:sp>
+      <p:sp>
+        <p:nvSpPr>
+          <p:cNvPr id="4" name="灯片编号占位符 3"/>
+          <p:cNvSpPr>
+            <a:spLocks noGrp="1"/>
+          </p:cNvSpPr>
+          <p:nvPr>
+            <p:ph type="sldNum" sz="quarter" idx="5"/>
+          </p:nvPr>
+        </p:nvSpPr>
+        <p:spPr/>
+        <p:txBody>
+          <a:bodyPr/>
+          <a:lstStyle/>
+          <a:p>
+            <a:fld id="{116FD875-F69A-4A96-B7D4-B4AEE2998B17}" type="slidenum">
+              <a:rPr lang="zh-CN" altLang="en-US" smtClean="0"/>
+              <a:t>11</a:t>
+            </a:fld>
+            <a:endParaRPr lang="zh-CN" altLang="en-US"/>
+          </a:p>
+        </p:txBody>
+      </p:sp>
+    </p:spTree>
+    <p:extLst>
+      <p:ext uri="{BB962C8B-B14F-4D97-AF65-F5344CB8AC3E}">
+        <p14:creationId xmlns:p14="http://schemas.microsoft.com/office/powerpoint/2010/main" val="1350635610"/>
+      </p:ext>
+    </p:extLst>
+  </p:cSld>
+  <p:clrMapOvr>
+    <a:masterClrMapping/>
+  </p:clrMapOvr>
+</p:notes>
 </file>
 
 <file path=ppt/slideLayouts/slideLayout1.xml><?xml version="1.0" encoding="utf-8"?>
@@ -257,9 +806,9 @@
           <a:bodyPr/>
           <a:lstStyle/>
           <a:p>
-            <a:fld id="{8E975045-9683-F041-B0AE-1460E1D7AB98}" type="datetimeFigureOut">
-              <a:rPr lang="en-US" smtClean="0"/>
-              <a:t>9/19/19</a:t>
+            <a:fld id="{6110C06D-7A5C-4EFC-997D-06100A497197}" type="datetime1">
+              <a:rPr lang="en-US" altLang="zh-CN" smtClean="0"/>
+              <a:t>9/23/19</a:t>
             </a:fld>
             <a:endParaRPr lang="en-US"/>
           </a:p>
@@ -455,9 +1004,9 @@
           <a:bodyPr/>
           <a:lstStyle/>
           <a:p>
-            <a:fld id="{8E975045-9683-F041-B0AE-1460E1D7AB98}" type="datetimeFigureOut">
-              <a:rPr lang="en-US" smtClean="0"/>
-              <a:t>9/19/19</a:t>
+            <a:fld id="{208693CD-EAB3-4C4A-B6BC-E13B4E22CFEC}" type="datetime1">
+              <a:rPr lang="en-US" altLang="zh-CN" smtClean="0"/>
+              <a:t>9/23/19</a:t>
             </a:fld>
             <a:endParaRPr lang="en-US"/>
           </a:p>
@@ -663,9 +1212,9 @@
           <a:bodyPr/>
           <a:lstStyle/>
           <a:p>
-            <a:fld id="{8E975045-9683-F041-B0AE-1460E1D7AB98}" type="datetimeFigureOut">
-              <a:rPr lang="en-US" smtClean="0"/>
-              <a:t>9/19/19</a:t>
+            <a:fld id="{DF2B9BE3-15D4-4DBE-A744-51C26D8C89F5}" type="datetime1">
+              <a:rPr lang="en-US" altLang="zh-CN" smtClean="0"/>
+              <a:t>9/23/19</a:t>
             </a:fld>
             <a:endParaRPr lang="en-US"/>
           </a:p>
@@ -861,9 +1410,9 @@
           <a:bodyPr/>
           <a:lstStyle/>
           <a:p>
-            <a:fld id="{8E975045-9683-F041-B0AE-1460E1D7AB98}" type="datetimeFigureOut">
-              <a:rPr lang="en-US" smtClean="0"/>
-              <a:t>9/19/19</a:t>
+            <a:fld id="{D483111E-5384-4450-87E5-51B3B2328436}" type="datetime1">
+              <a:rPr lang="en-US" altLang="zh-CN" smtClean="0"/>
+              <a:t>9/23/19</a:t>
             </a:fld>
             <a:endParaRPr lang="en-US"/>
           </a:p>
@@ -1136,9 +1685,9 @@
           <a:bodyPr/>
           <a:lstStyle/>
           <a:p>
-            <a:fld id="{8E975045-9683-F041-B0AE-1460E1D7AB98}" type="datetimeFigureOut">
-              <a:rPr lang="en-US" smtClean="0"/>
-              <a:t>9/19/19</a:t>
+            <a:fld id="{4C883E3E-2C2C-4299-A198-43C5B9691ED8}" type="datetime1">
+              <a:rPr lang="en-US" altLang="zh-CN" smtClean="0"/>
+              <a:t>9/23/19</a:t>
             </a:fld>
             <a:endParaRPr lang="en-US"/>
           </a:p>
@@ -1401,9 +1950,9 @@
           <a:bodyPr/>
           <a:lstStyle/>
           <a:p>
-            <a:fld id="{8E975045-9683-F041-B0AE-1460E1D7AB98}" type="datetimeFigureOut">
-              <a:rPr lang="en-US" smtClean="0"/>
-              <a:t>9/19/19</a:t>
+            <a:fld id="{8AE1C8E2-3477-408B-8A18-BC57B5A57DE5}" type="datetime1">
+              <a:rPr lang="en-US" altLang="zh-CN" smtClean="0"/>
+              <a:t>9/23/19</a:t>
             </a:fld>
             <a:endParaRPr lang="en-US"/>
           </a:p>
@@ -1813,9 +2362,9 @@
           <a:bodyPr/>
           <a:lstStyle/>
           <a:p>
-            <a:fld id="{8E975045-9683-F041-B0AE-1460E1D7AB98}" type="datetimeFigureOut">
-              <a:rPr lang="en-US" smtClean="0"/>
-              <a:t>9/19/19</a:t>
+            <a:fld id="{93B8B463-FD8B-4FE3-A2B0-56A8F331639C}" type="datetime1">
+              <a:rPr lang="en-US" altLang="zh-CN" smtClean="0"/>
+              <a:t>9/23/19</a:t>
             </a:fld>
             <a:endParaRPr lang="en-US"/>
           </a:p>
@@ -1954,9 +2503,9 @@
           <a:bodyPr/>
           <a:lstStyle/>
           <a:p>
-            <a:fld id="{8E975045-9683-F041-B0AE-1460E1D7AB98}" type="datetimeFigureOut">
-              <a:rPr lang="en-US" smtClean="0"/>
-              <a:t>9/19/19</a:t>
+            <a:fld id="{FDB557D0-8350-4B6D-8E8F-81F075A8CA5A}" type="datetime1">
+              <a:rPr lang="en-US" altLang="zh-CN" smtClean="0"/>
+              <a:t>9/23/19</a:t>
             </a:fld>
             <a:endParaRPr lang="en-US"/>
           </a:p>
@@ -2067,9 +2616,9 @@
           <a:bodyPr/>
           <a:lstStyle/>
           <a:p>
-            <a:fld id="{8E975045-9683-F041-B0AE-1460E1D7AB98}" type="datetimeFigureOut">
-              <a:rPr lang="en-US" smtClean="0"/>
-              <a:t>9/19/19</a:t>
+            <a:fld id="{2351E6A3-8727-4C49-BB0B-8D3B215E0F05}" type="datetime1">
+              <a:rPr lang="en-US" altLang="zh-CN" smtClean="0"/>
+              <a:t>9/23/19</a:t>
             </a:fld>
             <a:endParaRPr lang="en-US"/>
           </a:p>
@@ -2378,9 +2927,9 @@
           <a:bodyPr/>
           <a:lstStyle/>
           <a:p>
-            <a:fld id="{8E975045-9683-F041-B0AE-1460E1D7AB98}" type="datetimeFigureOut">
-              <a:rPr lang="en-US" smtClean="0"/>
-              <a:t>9/19/19</a:t>
+            <a:fld id="{79C7CDA5-BE82-46C9-84A7-917789A4507C}" type="datetime1">
+              <a:rPr lang="en-US" altLang="zh-CN" smtClean="0"/>
+              <a:t>9/23/19</a:t>
             </a:fld>
             <a:endParaRPr lang="en-US"/>
           </a:p>
@@ -2666,9 +3215,9 @@
           <a:bodyPr/>
           <a:lstStyle/>
           <a:p>
-            <a:fld id="{8E975045-9683-F041-B0AE-1460E1D7AB98}" type="datetimeFigureOut">
-              <a:rPr lang="en-US" smtClean="0"/>
-              <a:t>9/19/19</a:t>
+            <a:fld id="{867D3553-557E-47A6-AA35-FB9764499B9E}" type="datetime1">
+              <a:rPr lang="en-US" altLang="zh-CN" smtClean="0"/>
+              <a:t>9/23/19</a:t>
             </a:fld>
             <a:endParaRPr lang="en-US"/>
           </a:p>
@@ -2907,9 +3456,9 @@
             </a:lvl1pPr>
           </a:lstStyle>
           <a:p>
-            <a:fld id="{8E975045-9683-F041-B0AE-1460E1D7AB98}" type="datetimeFigureOut">
-              <a:rPr lang="en-US" smtClean="0"/>
-              <a:t>9/19/19</a:t>
+            <a:fld id="{8A5258A8-249F-4202-8A92-0C595567D6C5}" type="datetime1">
+              <a:rPr lang="en-US" altLang="zh-CN" smtClean="0"/>
+              <a:t>9/23/19</a:t>
             </a:fld>
             <a:endParaRPr lang="en-US"/>
           </a:p>
@@ -3026,6 +3575,7 @@
     <p:sldLayoutId id="2147483658" r:id="rId10"/>
     <p:sldLayoutId id="2147483659" r:id="rId11"/>
   </p:sldLayoutIdLst>
+  <p:hf hdr="0" ftr="0"/>
   <p:txStyles>
     <p:titleStyle>
       <a:lvl1pPr algn="l" defTabSz="914400" rtl="0" eaLnBrk="1" latinLnBrk="0" hangingPunct="1">
@@ -3379,10 +3929,406 @@
           </a:p>
         </p:txBody>
       </p:sp>
+      <p:sp>
+        <p:nvSpPr>
+          <p:cNvPr id="4" name="日期占位符 3">
+            <a:extLst>
+              <a:ext uri="{FF2B5EF4-FFF2-40B4-BE49-F238E27FC236}">
+                <a16:creationId xmlns:a16="http://schemas.microsoft.com/office/drawing/2014/main" id="{43375F58-6602-4BB2-9B52-C33DFD3534A9}"/>
+              </a:ext>
+            </a:extLst>
+          </p:cNvPr>
+          <p:cNvSpPr>
+            <a:spLocks noGrp="1"/>
+          </p:cNvSpPr>
+          <p:nvPr>
+            <p:ph type="dt" sz="half" idx="10"/>
+          </p:nvPr>
+        </p:nvSpPr>
+        <p:spPr/>
+        <p:txBody>
+          <a:bodyPr/>
+          <a:lstStyle/>
+          <a:p>
+            <a:fld id="{D17A8FA8-D9AF-44A9-9447-58E55764C556}" type="datetime1">
+              <a:rPr lang="en-US" altLang="zh-CN" smtClean="0"/>
+              <a:t>9/23/19</a:t>
+            </a:fld>
+            <a:endParaRPr lang="en-US"/>
+          </a:p>
+        </p:txBody>
+      </p:sp>
+      <p:sp>
+        <p:nvSpPr>
+          <p:cNvPr id="5" name="灯片编号占位符 4">
+            <a:extLst>
+              <a:ext uri="{FF2B5EF4-FFF2-40B4-BE49-F238E27FC236}">
+                <a16:creationId xmlns:a16="http://schemas.microsoft.com/office/drawing/2014/main" id="{800711A6-827C-49F2-A75E-F13EC8F5B0E8}"/>
+              </a:ext>
+            </a:extLst>
+          </p:cNvPr>
+          <p:cNvSpPr>
+            <a:spLocks noGrp="1"/>
+          </p:cNvSpPr>
+          <p:nvPr>
+            <p:ph type="sldNum" sz="quarter" idx="12"/>
+          </p:nvPr>
+        </p:nvSpPr>
+        <p:spPr/>
+        <p:txBody>
+          <a:bodyPr/>
+          <a:lstStyle/>
+          <a:p>
+            <a:fld id="{93D7A402-3076-2049-A745-4823B471CC62}" type="slidenum">
+              <a:rPr lang="en-US" smtClean="0"/>
+              <a:t>1</a:t>
+            </a:fld>
+            <a:endParaRPr lang="en-US"/>
+          </a:p>
+        </p:txBody>
+      </p:sp>
     </p:spTree>
     <p:extLst>
       <p:ext uri="{BB962C8B-B14F-4D97-AF65-F5344CB8AC3E}">
         <p14:creationId xmlns:p14="http://schemas.microsoft.com/office/powerpoint/2010/main" val="3254276070"/>
+      </p:ext>
+    </p:extLst>
+  </p:cSld>
+  <p:clrMapOvr>
+    <a:masterClrMapping/>
+  </p:clrMapOvr>
+</p:sld>
+</file>
+
+<file path=ppt/slides/slide10.xml><?xml version="1.0" encoding="utf-8"?>
+<p:sld xmlns:a="http://schemas.openxmlformats.org/drawingml/2006/main" xmlns:r="http://schemas.openxmlformats.org/officeDocument/2006/relationships" xmlns:p="http://schemas.openxmlformats.org/presentationml/2006/main">
+  <p:cSld>
+    <p:spTree>
+      <p:nvGrpSpPr>
+        <p:cNvPr id="1" name=""/>
+        <p:cNvGrpSpPr/>
+        <p:nvPr/>
+      </p:nvGrpSpPr>
+      <p:grpSpPr>
+        <a:xfrm>
+          <a:off x="0" y="0"/>
+          <a:ext cx="0" cy="0"/>
+          <a:chOff x="0" y="0"/>
+          <a:chExt cx="0" cy="0"/>
+        </a:xfrm>
+      </p:grpSpPr>
+      <p:sp>
+        <p:nvSpPr>
+          <p:cNvPr id="2" name="Title 1">
+            <a:extLst>
+              <a:ext uri="{FF2B5EF4-FFF2-40B4-BE49-F238E27FC236}">
+                <a16:creationId xmlns:a16="http://schemas.microsoft.com/office/drawing/2014/main" id="{B071AE84-1CB7-1C46-9F72-CB3FB82F3447}"/>
+              </a:ext>
+            </a:extLst>
+          </p:cNvPr>
+          <p:cNvSpPr>
+            <a:spLocks noGrp="1"/>
+          </p:cNvSpPr>
+          <p:nvPr>
+            <p:ph type="title"/>
+          </p:nvPr>
+        </p:nvSpPr>
+        <p:spPr/>
+        <p:txBody>
+          <a:bodyPr/>
+          <a:lstStyle/>
+          <a:p>
+            <a:r>
+              <a:rPr lang="en-US" altLang="zh-CN"/>
+              <a:t>Exp-TODO-4 </a:t>
+            </a:r>
+            <a:r>
+              <a:rPr lang="zh-CN" altLang="en-US" dirty="0"/>
+              <a:t>探究实验</a:t>
+            </a:r>
+            <a:endParaRPr lang="en-US" dirty="0"/>
+          </a:p>
+        </p:txBody>
+      </p:sp>
+      <p:sp>
+        <p:nvSpPr>
+          <p:cNvPr id="3" name="Content Placeholder 2">
+            <a:extLst>
+              <a:ext uri="{FF2B5EF4-FFF2-40B4-BE49-F238E27FC236}">
+                <a16:creationId xmlns:a16="http://schemas.microsoft.com/office/drawing/2014/main" id="{5DE9B7D8-C997-384D-98CA-E108203C4B9C}"/>
+              </a:ext>
+            </a:extLst>
+          </p:cNvPr>
+          <p:cNvSpPr>
+            <a:spLocks noGrp="1"/>
+          </p:cNvSpPr>
+          <p:nvPr>
+            <p:ph idx="1"/>
+          </p:nvPr>
+        </p:nvSpPr>
+        <p:spPr>
+          <a:xfrm>
+            <a:off x="718931" y="1547329"/>
+            <a:ext cx="10515600" cy="4787209"/>
+          </a:xfrm>
+        </p:spPr>
+        <p:txBody>
+          <a:bodyPr>
+            <a:normAutofit/>
+          </a:bodyPr>
+          <a:lstStyle/>
+          <a:p>
+            <a:endParaRPr lang="en-US" altLang="zh-CN" dirty="0"/>
+          </a:p>
+          <a:p>
+            <a:pPr lvl="1"/>
+            <a:r>
+              <a:rPr lang="zh-CN" altLang="en-US" dirty="0"/>
+              <a:t>在</a:t>
+            </a:r>
+            <a:r>
+              <a:rPr lang="en-US" altLang="zh-CN" dirty="0" err="1"/>
+              <a:t>imagenet</a:t>
+            </a:r>
+            <a:r>
+              <a:rPr lang="zh-CN" altLang="en-US" dirty="0"/>
+              <a:t>上重复实验，使用预先训练好的模型，选择训练集的图片即可（现在训练好的图片上，可能可以得到更容易解释的结果，然后再考虑更复杂的验证集）</a:t>
+            </a:r>
+            <a:endParaRPr lang="en-US" altLang="zh-CN" sz="2200" dirty="0"/>
+          </a:p>
+        </p:txBody>
+      </p:sp>
+      <p:sp>
+        <p:nvSpPr>
+          <p:cNvPr id="4" name="日期占位符 3">
+            <a:extLst>
+              <a:ext uri="{FF2B5EF4-FFF2-40B4-BE49-F238E27FC236}">
+                <a16:creationId xmlns:a16="http://schemas.microsoft.com/office/drawing/2014/main" id="{2765B96B-3E85-40A3-A296-091D4989186B}"/>
+              </a:ext>
+            </a:extLst>
+          </p:cNvPr>
+          <p:cNvSpPr>
+            <a:spLocks noGrp="1"/>
+          </p:cNvSpPr>
+          <p:nvPr>
+            <p:ph type="dt" sz="half" idx="10"/>
+          </p:nvPr>
+        </p:nvSpPr>
+        <p:spPr/>
+        <p:txBody>
+          <a:bodyPr/>
+          <a:lstStyle/>
+          <a:p>
+            <a:fld id="{BF677F50-21D8-40BE-B8F0-B2270733CF6B}" type="datetime1">
+              <a:rPr lang="en-US" altLang="zh-CN" smtClean="0"/>
+              <a:t>9/23/19</a:t>
+            </a:fld>
+            <a:endParaRPr lang="en-US"/>
+          </a:p>
+        </p:txBody>
+      </p:sp>
+      <p:sp>
+        <p:nvSpPr>
+          <p:cNvPr id="5" name="灯片编号占位符 4">
+            <a:extLst>
+              <a:ext uri="{FF2B5EF4-FFF2-40B4-BE49-F238E27FC236}">
+                <a16:creationId xmlns:a16="http://schemas.microsoft.com/office/drawing/2014/main" id="{57EAF1FF-820C-427B-BE1E-A008AA61BA6C}"/>
+              </a:ext>
+            </a:extLst>
+          </p:cNvPr>
+          <p:cNvSpPr>
+            <a:spLocks noGrp="1"/>
+          </p:cNvSpPr>
+          <p:nvPr>
+            <p:ph type="sldNum" sz="quarter" idx="12"/>
+          </p:nvPr>
+        </p:nvSpPr>
+        <p:spPr/>
+        <p:txBody>
+          <a:bodyPr/>
+          <a:lstStyle/>
+          <a:p>
+            <a:fld id="{93D7A402-3076-2049-A745-4823B471CC62}" type="slidenum">
+              <a:rPr lang="en-US" smtClean="0"/>
+              <a:t>10</a:t>
+            </a:fld>
+            <a:endParaRPr lang="en-US"/>
+          </a:p>
+        </p:txBody>
+      </p:sp>
+    </p:spTree>
+    <p:extLst>
+      <p:ext uri="{BB962C8B-B14F-4D97-AF65-F5344CB8AC3E}">
+        <p14:creationId xmlns:p14="http://schemas.microsoft.com/office/powerpoint/2010/main" val="1216967140"/>
+      </p:ext>
+    </p:extLst>
+  </p:cSld>
+  <p:clrMapOvr>
+    <a:masterClrMapping/>
+  </p:clrMapOvr>
+</p:sld>
+</file>
+
+<file path=ppt/slides/slide11.xml><?xml version="1.0" encoding="utf-8"?>
+<p:sld xmlns:a="http://schemas.openxmlformats.org/drawingml/2006/main" xmlns:r="http://schemas.openxmlformats.org/officeDocument/2006/relationships" xmlns:p="http://schemas.openxmlformats.org/presentationml/2006/main">
+  <p:cSld>
+    <p:spTree>
+      <p:nvGrpSpPr>
+        <p:cNvPr id="1" name=""/>
+        <p:cNvGrpSpPr/>
+        <p:nvPr/>
+      </p:nvGrpSpPr>
+      <p:grpSpPr>
+        <a:xfrm>
+          <a:off x="0" y="0"/>
+          <a:ext cx="0" cy="0"/>
+          <a:chOff x="0" y="0"/>
+          <a:chExt cx="0" cy="0"/>
+        </a:xfrm>
+      </p:grpSpPr>
+      <p:sp>
+        <p:nvSpPr>
+          <p:cNvPr id="2" name="Title 1">
+            <a:extLst>
+              <a:ext uri="{FF2B5EF4-FFF2-40B4-BE49-F238E27FC236}">
+                <a16:creationId xmlns:a16="http://schemas.microsoft.com/office/drawing/2014/main" id="{B071AE84-1CB7-1C46-9F72-CB3FB82F3447}"/>
+              </a:ext>
+            </a:extLst>
+          </p:cNvPr>
+          <p:cNvSpPr>
+            <a:spLocks noGrp="1"/>
+          </p:cNvSpPr>
+          <p:nvPr>
+            <p:ph type="title"/>
+          </p:nvPr>
+        </p:nvSpPr>
+        <p:spPr/>
+        <p:txBody>
+          <a:bodyPr/>
+          <a:lstStyle/>
+          <a:p>
+            <a:r>
+              <a:rPr lang="en-US" altLang="zh-CN" dirty="0"/>
+              <a:t>Exp-TODO-5 </a:t>
+            </a:r>
+            <a:r>
+              <a:rPr lang="zh-CN" altLang="en-US" dirty="0"/>
+              <a:t>探究实验</a:t>
+            </a:r>
+            <a:endParaRPr lang="en-US" dirty="0"/>
+          </a:p>
+        </p:txBody>
+      </p:sp>
+      <p:sp>
+        <p:nvSpPr>
+          <p:cNvPr id="3" name="Content Placeholder 2">
+            <a:extLst>
+              <a:ext uri="{FF2B5EF4-FFF2-40B4-BE49-F238E27FC236}">
+                <a16:creationId xmlns:a16="http://schemas.microsoft.com/office/drawing/2014/main" id="{5DE9B7D8-C997-384D-98CA-E108203C4B9C}"/>
+              </a:ext>
+            </a:extLst>
+          </p:cNvPr>
+          <p:cNvSpPr>
+            <a:spLocks noGrp="1"/>
+          </p:cNvSpPr>
+          <p:nvPr>
+            <p:ph idx="1"/>
+          </p:nvPr>
+        </p:nvSpPr>
+        <p:spPr>
+          <a:xfrm>
+            <a:off x="718931" y="1547329"/>
+            <a:ext cx="10515600" cy="4787209"/>
+          </a:xfrm>
+        </p:spPr>
+        <p:txBody>
+          <a:bodyPr>
+            <a:normAutofit/>
+          </a:bodyPr>
+          <a:lstStyle/>
+          <a:p>
+            <a:endParaRPr lang="en-US" altLang="zh-CN" dirty="0"/>
+          </a:p>
+          <a:p>
+            <a:pPr lvl="1"/>
+            <a:r>
+              <a:rPr lang="zh-CN" altLang="en-US" dirty="0"/>
+              <a:t>在</a:t>
+            </a:r>
+            <a:r>
+              <a:rPr lang="en-US" altLang="zh-CN" dirty="0" err="1"/>
+              <a:t>imagenet</a:t>
+            </a:r>
+            <a:r>
+              <a:rPr lang="zh-CN" altLang="en-US" dirty="0"/>
+              <a:t>上重复实验，使用预先训练好的模型，选择训练集的图片即可（现在训练好的图片上，可能可以得到更容易解释的结果，然后再考虑更复杂的验证集）</a:t>
+            </a:r>
+            <a:endParaRPr lang="en-US" altLang="zh-CN" sz="2200" dirty="0"/>
+          </a:p>
+        </p:txBody>
+      </p:sp>
+      <p:sp>
+        <p:nvSpPr>
+          <p:cNvPr id="4" name="日期占位符 3">
+            <a:extLst>
+              <a:ext uri="{FF2B5EF4-FFF2-40B4-BE49-F238E27FC236}">
+                <a16:creationId xmlns:a16="http://schemas.microsoft.com/office/drawing/2014/main" id="{2765B96B-3E85-40A3-A296-091D4989186B}"/>
+              </a:ext>
+            </a:extLst>
+          </p:cNvPr>
+          <p:cNvSpPr>
+            <a:spLocks noGrp="1"/>
+          </p:cNvSpPr>
+          <p:nvPr>
+            <p:ph type="dt" sz="half" idx="10"/>
+          </p:nvPr>
+        </p:nvSpPr>
+        <p:spPr/>
+        <p:txBody>
+          <a:bodyPr/>
+          <a:lstStyle/>
+          <a:p>
+            <a:fld id="{BF677F50-21D8-40BE-B8F0-B2270733CF6B}" type="datetime1">
+              <a:rPr lang="en-US" altLang="zh-CN" smtClean="0"/>
+              <a:t>9/23/19</a:t>
+            </a:fld>
+            <a:endParaRPr lang="en-US"/>
+          </a:p>
+        </p:txBody>
+      </p:sp>
+      <p:sp>
+        <p:nvSpPr>
+          <p:cNvPr id="5" name="灯片编号占位符 4">
+            <a:extLst>
+              <a:ext uri="{FF2B5EF4-FFF2-40B4-BE49-F238E27FC236}">
+                <a16:creationId xmlns:a16="http://schemas.microsoft.com/office/drawing/2014/main" id="{57EAF1FF-820C-427B-BE1E-A008AA61BA6C}"/>
+              </a:ext>
+            </a:extLst>
+          </p:cNvPr>
+          <p:cNvSpPr>
+            <a:spLocks noGrp="1"/>
+          </p:cNvSpPr>
+          <p:nvPr>
+            <p:ph type="sldNum" sz="quarter" idx="12"/>
+          </p:nvPr>
+        </p:nvSpPr>
+        <p:spPr/>
+        <p:txBody>
+          <a:bodyPr/>
+          <a:lstStyle/>
+          <a:p>
+            <a:fld id="{93D7A402-3076-2049-A745-4823B471CC62}" type="slidenum">
+              <a:rPr lang="en-US" smtClean="0"/>
+              <a:t>11</a:t>
+            </a:fld>
+            <a:endParaRPr lang="en-US"/>
+          </a:p>
+        </p:txBody>
+      </p:sp>
+    </p:spTree>
+    <p:extLst>
+      <p:ext uri="{BB962C8B-B14F-4D97-AF65-F5344CB8AC3E}">
+        <p14:creationId xmlns:p14="http://schemas.microsoft.com/office/powerpoint/2010/main" val="3291905231"/>
       </p:ext>
     </p:extLst>
   </p:cSld>
@@ -3492,6 +4438,64 @@
           </a:prstGeom>
         </p:spPr>
       </p:pic>
+      <p:sp>
+        <p:nvSpPr>
+          <p:cNvPr id="5" name="日期占位符 4">
+            <a:extLst>
+              <a:ext uri="{FF2B5EF4-FFF2-40B4-BE49-F238E27FC236}">
+                <a16:creationId xmlns:a16="http://schemas.microsoft.com/office/drawing/2014/main" id="{E069A727-5D8C-4F08-A1E8-C67DC66C2B11}"/>
+              </a:ext>
+            </a:extLst>
+          </p:cNvPr>
+          <p:cNvSpPr>
+            <a:spLocks noGrp="1"/>
+          </p:cNvSpPr>
+          <p:nvPr>
+            <p:ph type="dt" sz="half" idx="10"/>
+          </p:nvPr>
+        </p:nvSpPr>
+        <p:spPr/>
+        <p:txBody>
+          <a:bodyPr/>
+          <a:lstStyle/>
+          <a:p>
+            <a:fld id="{C563B692-CE74-499F-9357-A4F8D07A9D42}" type="datetime1">
+              <a:rPr lang="en-US" altLang="zh-CN" smtClean="0"/>
+              <a:t>9/23/19</a:t>
+            </a:fld>
+            <a:endParaRPr lang="en-US"/>
+          </a:p>
+        </p:txBody>
+      </p:sp>
+      <p:sp>
+        <p:nvSpPr>
+          <p:cNvPr id="6" name="灯片编号占位符 5">
+            <a:extLst>
+              <a:ext uri="{FF2B5EF4-FFF2-40B4-BE49-F238E27FC236}">
+                <a16:creationId xmlns:a16="http://schemas.microsoft.com/office/drawing/2014/main" id="{035B2EB2-8ED9-44AF-BB8F-6A3E917DF6BA}"/>
+              </a:ext>
+            </a:extLst>
+          </p:cNvPr>
+          <p:cNvSpPr>
+            <a:spLocks noGrp="1"/>
+          </p:cNvSpPr>
+          <p:nvPr>
+            <p:ph type="sldNum" sz="quarter" idx="12"/>
+          </p:nvPr>
+        </p:nvSpPr>
+        <p:spPr/>
+        <p:txBody>
+          <a:bodyPr/>
+          <a:lstStyle/>
+          <a:p>
+            <a:fld id="{93D7A402-3076-2049-A745-4823B471CC62}" type="slidenum">
+              <a:rPr lang="en-US" smtClean="0"/>
+              <a:t>2</a:t>
+            </a:fld>
+            <a:endParaRPr lang="en-US"/>
+          </a:p>
+        </p:txBody>
+      </p:sp>
     </p:spTree>
     <p:extLst>
       <p:ext uri="{BB962C8B-B14F-4D97-AF65-F5344CB8AC3E}">
@@ -3878,6 +4882,64 @@
           </a:p>
         </p:txBody>
       </p:sp>
+      <p:sp>
+        <p:nvSpPr>
+          <p:cNvPr id="7" name="日期占位符 6">
+            <a:extLst>
+              <a:ext uri="{FF2B5EF4-FFF2-40B4-BE49-F238E27FC236}">
+                <a16:creationId xmlns:a16="http://schemas.microsoft.com/office/drawing/2014/main" id="{EB5A5D22-CF29-4D86-BB05-C2200298FDD4}"/>
+              </a:ext>
+            </a:extLst>
+          </p:cNvPr>
+          <p:cNvSpPr>
+            <a:spLocks noGrp="1"/>
+          </p:cNvSpPr>
+          <p:nvPr>
+            <p:ph type="dt" sz="half" idx="10"/>
+          </p:nvPr>
+        </p:nvSpPr>
+        <p:spPr/>
+        <p:txBody>
+          <a:bodyPr/>
+          <a:lstStyle/>
+          <a:p>
+            <a:fld id="{A871C4F0-1127-448D-8D03-CE814C5D2706}" type="datetime1">
+              <a:rPr lang="en-US" altLang="zh-CN" smtClean="0"/>
+              <a:t>9/23/19</a:t>
+            </a:fld>
+            <a:endParaRPr lang="en-US"/>
+          </a:p>
+        </p:txBody>
+      </p:sp>
+      <p:sp>
+        <p:nvSpPr>
+          <p:cNvPr id="8" name="灯片编号占位符 7">
+            <a:extLst>
+              <a:ext uri="{FF2B5EF4-FFF2-40B4-BE49-F238E27FC236}">
+                <a16:creationId xmlns:a16="http://schemas.microsoft.com/office/drawing/2014/main" id="{5482CCEA-766C-4FE7-BA5B-83AACEB587C8}"/>
+              </a:ext>
+            </a:extLst>
+          </p:cNvPr>
+          <p:cNvSpPr>
+            <a:spLocks noGrp="1"/>
+          </p:cNvSpPr>
+          <p:nvPr>
+            <p:ph type="sldNum" sz="quarter" idx="12"/>
+          </p:nvPr>
+        </p:nvSpPr>
+        <p:spPr/>
+        <p:txBody>
+          <a:bodyPr/>
+          <a:lstStyle/>
+          <a:p>
+            <a:fld id="{93D7A402-3076-2049-A745-4823B471CC62}" type="slidenum">
+              <a:rPr lang="en-US" smtClean="0"/>
+              <a:t>3</a:t>
+            </a:fld>
+            <a:endParaRPr lang="en-US"/>
+          </a:p>
+        </p:txBody>
+      </p:sp>
     </p:spTree>
     <p:extLst>
       <p:ext uri="{BB962C8B-B14F-4D97-AF65-F5344CB8AC3E}">
@@ -4635,6 +5697,64 @@
           </a:fontRef>
         </p:style>
       </p:cxnSp>
+      <p:sp>
+        <p:nvSpPr>
+          <p:cNvPr id="3" name="日期占位符 2">
+            <a:extLst>
+              <a:ext uri="{FF2B5EF4-FFF2-40B4-BE49-F238E27FC236}">
+                <a16:creationId xmlns:a16="http://schemas.microsoft.com/office/drawing/2014/main" id="{10E00656-63CA-4714-BF82-EE1F75978D48}"/>
+              </a:ext>
+            </a:extLst>
+          </p:cNvPr>
+          <p:cNvSpPr>
+            <a:spLocks noGrp="1"/>
+          </p:cNvSpPr>
+          <p:nvPr>
+            <p:ph type="dt" sz="half" idx="10"/>
+          </p:nvPr>
+        </p:nvSpPr>
+        <p:spPr/>
+        <p:txBody>
+          <a:bodyPr/>
+          <a:lstStyle/>
+          <a:p>
+            <a:fld id="{1255B269-F348-439F-A6D0-CBB90A314411}" type="datetime1">
+              <a:rPr lang="en-US" altLang="zh-CN" smtClean="0"/>
+              <a:t>9/23/19</a:t>
+            </a:fld>
+            <a:endParaRPr lang="en-US"/>
+          </a:p>
+        </p:txBody>
+      </p:sp>
+      <p:sp>
+        <p:nvSpPr>
+          <p:cNvPr id="4" name="灯片编号占位符 3">
+            <a:extLst>
+              <a:ext uri="{FF2B5EF4-FFF2-40B4-BE49-F238E27FC236}">
+                <a16:creationId xmlns:a16="http://schemas.microsoft.com/office/drawing/2014/main" id="{20B303A2-06DF-439F-8FD1-47A9E80DC47C}"/>
+              </a:ext>
+            </a:extLst>
+          </p:cNvPr>
+          <p:cNvSpPr>
+            <a:spLocks noGrp="1"/>
+          </p:cNvSpPr>
+          <p:nvPr>
+            <p:ph type="sldNum" sz="quarter" idx="12"/>
+          </p:nvPr>
+        </p:nvSpPr>
+        <p:spPr/>
+        <p:txBody>
+          <a:bodyPr/>
+          <a:lstStyle/>
+          <a:p>
+            <a:fld id="{93D7A402-3076-2049-A745-4823B471CC62}" type="slidenum">
+              <a:rPr lang="en-US" smtClean="0"/>
+              <a:t>4</a:t>
+            </a:fld>
+            <a:endParaRPr lang="en-US"/>
+          </a:p>
+        </p:txBody>
+      </p:sp>
     </p:spTree>
     <p:extLst>
       <p:ext uri="{BB962C8B-B14F-4D97-AF65-F5344CB8AC3E}">
@@ -4968,6 +6088,64 @@
           </a:p>
         </p:txBody>
       </p:sp>
+      <p:sp>
+        <p:nvSpPr>
+          <p:cNvPr id="4" name="日期占位符 3">
+            <a:extLst>
+              <a:ext uri="{FF2B5EF4-FFF2-40B4-BE49-F238E27FC236}">
+                <a16:creationId xmlns:a16="http://schemas.microsoft.com/office/drawing/2014/main" id="{C994E394-047A-4693-BDC7-386A16AABCF9}"/>
+              </a:ext>
+            </a:extLst>
+          </p:cNvPr>
+          <p:cNvSpPr>
+            <a:spLocks noGrp="1"/>
+          </p:cNvSpPr>
+          <p:nvPr>
+            <p:ph type="dt" sz="half" idx="10"/>
+          </p:nvPr>
+        </p:nvSpPr>
+        <p:spPr/>
+        <p:txBody>
+          <a:bodyPr/>
+          <a:lstStyle/>
+          <a:p>
+            <a:fld id="{CF64532A-7BDE-40DC-A051-D57142ED605E}" type="datetime1">
+              <a:rPr lang="en-US" altLang="zh-CN" smtClean="0"/>
+              <a:t>9/23/19</a:t>
+            </a:fld>
+            <a:endParaRPr lang="en-US"/>
+          </a:p>
+        </p:txBody>
+      </p:sp>
+      <p:sp>
+        <p:nvSpPr>
+          <p:cNvPr id="5" name="灯片编号占位符 4">
+            <a:extLst>
+              <a:ext uri="{FF2B5EF4-FFF2-40B4-BE49-F238E27FC236}">
+                <a16:creationId xmlns:a16="http://schemas.microsoft.com/office/drawing/2014/main" id="{450C055F-2429-430B-834A-EE8B83228E03}"/>
+              </a:ext>
+            </a:extLst>
+          </p:cNvPr>
+          <p:cNvSpPr>
+            <a:spLocks noGrp="1"/>
+          </p:cNvSpPr>
+          <p:nvPr>
+            <p:ph type="sldNum" sz="quarter" idx="12"/>
+          </p:nvPr>
+        </p:nvSpPr>
+        <p:spPr/>
+        <p:txBody>
+          <a:bodyPr/>
+          <a:lstStyle/>
+          <a:p>
+            <a:fld id="{93D7A402-3076-2049-A745-4823B471CC62}" type="slidenum">
+              <a:rPr lang="en-US" smtClean="0"/>
+              <a:t>5</a:t>
+            </a:fld>
+            <a:endParaRPr lang="en-US"/>
+          </a:p>
+        </p:txBody>
+      </p:sp>
     </p:spTree>
     <p:extLst>
       <p:ext uri="{BB962C8B-B14F-4D97-AF65-F5344CB8AC3E}">
@@ -5135,10 +6313,795 @@
           </a:p>
         </p:txBody>
       </p:sp>
+      <p:sp>
+        <p:nvSpPr>
+          <p:cNvPr id="4" name="日期占位符 3">
+            <a:extLst>
+              <a:ext uri="{FF2B5EF4-FFF2-40B4-BE49-F238E27FC236}">
+                <a16:creationId xmlns:a16="http://schemas.microsoft.com/office/drawing/2014/main" id="{459C68B2-B75D-438D-B7C9-B7AEFBC4C2F3}"/>
+              </a:ext>
+            </a:extLst>
+          </p:cNvPr>
+          <p:cNvSpPr>
+            <a:spLocks noGrp="1"/>
+          </p:cNvSpPr>
+          <p:nvPr>
+            <p:ph type="dt" sz="half" idx="10"/>
+          </p:nvPr>
+        </p:nvSpPr>
+        <p:spPr/>
+        <p:txBody>
+          <a:bodyPr/>
+          <a:lstStyle/>
+          <a:p>
+            <a:fld id="{57C153ED-CC8E-4B72-9AF7-5F1AF4B98566}" type="datetime1">
+              <a:rPr lang="en-US" altLang="zh-CN" smtClean="0"/>
+              <a:t>9/23/19</a:t>
+            </a:fld>
+            <a:endParaRPr lang="en-US"/>
+          </a:p>
+        </p:txBody>
+      </p:sp>
+      <p:sp>
+        <p:nvSpPr>
+          <p:cNvPr id="5" name="灯片编号占位符 4">
+            <a:extLst>
+              <a:ext uri="{FF2B5EF4-FFF2-40B4-BE49-F238E27FC236}">
+                <a16:creationId xmlns:a16="http://schemas.microsoft.com/office/drawing/2014/main" id="{75592EBE-4669-4329-9CC3-19C79DCE9255}"/>
+              </a:ext>
+            </a:extLst>
+          </p:cNvPr>
+          <p:cNvSpPr>
+            <a:spLocks noGrp="1"/>
+          </p:cNvSpPr>
+          <p:nvPr>
+            <p:ph type="sldNum" sz="quarter" idx="12"/>
+          </p:nvPr>
+        </p:nvSpPr>
+        <p:spPr/>
+        <p:txBody>
+          <a:bodyPr/>
+          <a:lstStyle/>
+          <a:p>
+            <a:fld id="{93D7A402-3076-2049-A745-4823B471CC62}" type="slidenum">
+              <a:rPr lang="en-US" smtClean="0"/>
+              <a:t>6</a:t>
+            </a:fld>
+            <a:endParaRPr lang="en-US"/>
+          </a:p>
+        </p:txBody>
+      </p:sp>
     </p:spTree>
     <p:extLst>
       <p:ext uri="{BB962C8B-B14F-4D97-AF65-F5344CB8AC3E}">
         <p14:creationId xmlns:p14="http://schemas.microsoft.com/office/powerpoint/2010/main" val="2788067291"/>
+      </p:ext>
+    </p:extLst>
+  </p:cSld>
+  <p:clrMapOvr>
+    <a:masterClrMapping/>
+  </p:clrMapOvr>
+</p:sld>
+</file>
+
+<file path=ppt/slides/slide7.xml><?xml version="1.0" encoding="utf-8"?>
+<p:sld xmlns:a="http://schemas.openxmlformats.org/drawingml/2006/main" xmlns:r="http://schemas.openxmlformats.org/officeDocument/2006/relationships" xmlns:p="http://schemas.openxmlformats.org/presentationml/2006/main">
+  <p:cSld>
+    <p:spTree>
+      <p:nvGrpSpPr>
+        <p:cNvPr id="1" name=""/>
+        <p:cNvGrpSpPr/>
+        <p:nvPr/>
+      </p:nvGrpSpPr>
+      <p:grpSpPr>
+        <a:xfrm>
+          <a:off x="0" y="0"/>
+          <a:ext cx="0" cy="0"/>
+          <a:chOff x="0" y="0"/>
+          <a:chExt cx="0" cy="0"/>
+        </a:xfrm>
+      </p:grpSpPr>
+      <p:sp>
+        <p:nvSpPr>
+          <p:cNvPr id="2" name="Title 1">
+            <a:extLst>
+              <a:ext uri="{FF2B5EF4-FFF2-40B4-BE49-F238E27FC236}">
+                <a16:creationId xmlns:a16="http://schemas.microsoft.com/office/drawing/2014/main" id="{B071AE84-1CB7-1C46-9F72-CB3FB82F3447}"/>
+              </a:ext>
+            </a:extLst>
+          </p:cNvPr>
+          <p:cNvSpPr>
+            <a:spLocks noGrp="1"/>
+          </p:cNvSpPr>
+          <p:nvPr>
+            <p:ph type="title"/>
+          </p:nvPr>
+        </p:nvSpPr>
+        <p:spPr/>
+        <p:txBody>
+          <a:bodyPr/>
+          <a:lstStyle/>
+          <a:p>
+            <a:r>
+              <a:rPr lang="en-US" altLang="zh-CN" dirty="0"/>
+              <a:t>Exp-TODO-1 </a:t>
+            </a:r>
+            <a:endParaRPr lang="en-US" dirty="0"/>
+          </a:p>
+        </p:txBody>
+      </p:sp>
+      <p:sp>
+        <p:nvSpPr>
+          <p:cNvPr id="3" name="Content Placeholder 2">
+            <a:extLst>
+              <a:ext uri="{FF2B5EF4-FFF2-40B4-BE49-F238E27FC236}">
+                <a16:creationId xmlns:a16="http://schemas.microsoft.com/office/drawing/2014/main" id="{5DE9B7D8-C997-384D-98CA-E108203C4B9C}"/>
+              </a:ext>
+            </a:extLst>
+          </p:cNvPr>
+          <p:cNvSpPr>
+            <a:spLocks noGrp="1"/>
+          </p:cNvSpPr>
+          <p:nvPr>
+            <p:ph idx="1"/>
+          </p:nvPr>
+        </p:nvSpPr>
+        <p:spPr>
+          <a:xfrm>
+            <a:off x="718931" y="1547329"/>
+            <a:ext cx="10515600" cy="4787209"/>
+          </a:xfrm>
+        </p:spPr>
+        <p:txBody>
+          <a:bodyPr>
+            <a:normAutofit/>
+          </a:bodyPr>
+          <a:lstStyle/>
+          <a:p>
+            <a:r>
+              <a:rPr lang="zh-CN" altLang="en-US" dirty="0"/>
+              <a:t>训练方式</a:t>
+            </a:r>
+            <a:r>
+              <a:rPr lang="en-US" altLang="zh-CN" dirty="0"/>
+              <a:t>: </a:t>
+            </a:r>
+            <a:r>
+              <a:rPr lang="zh-CN" altLang="en-US" dirty="0"/>
+              <a:t>针对同一个</a:t>
+            </a:r>
+            <a:r>
+              <a:rPr lang="en-US" altLang="zh-CN" dirty="0"/>
+              <a:t>filter</a:t>
+            </a:r>
+            <a:r>
+              <a:rPr lang="zh-CN" altLang="en-US" dirty="0"/>
+              <a:t>，现在的方法是对针对同一张图像优化至收敛。通过观察生成图片，生成的图像有</a:t>
+            </a:r>
+            <a:r>
+              <a:rPr lang="en-US" altLang="zh-CN" dirty="0"/>
+              <a:t>pattern</a:t>
+            </a:r>
+            <a:r>
+              <a:rPr lang="zh-CN" altLang="en-US" dirty="0"/>
+              <a:t>均匀，我们希望得到的是某一块特定的小区域。可以尝试的方法（按照优先级）</a:t>
+            </a:r>
+            <a:endParaRPr lang="en-US" altLang="zh-CN" dirty="0"/>
+          </a:p>
+          <a:p>
+            <a:pPr lvl="1"/>
+            <a:r>
+              <a:rPr lang="zh-CN" altLang="en-US" dirty="0"/>
+              <a:t>同一类图片，同时优化，比如同时优化</a:t>
+            </a:r>
+            <a:r>
+              <a:rPr lang="en-US" altLang="zh-CN" dirty="0"/>
+              <a:t>MNIST</a:t>
+            </a:r>
+            <a:r>
+              <a:rPr lang="zh-CN" altLang="en-US" dirty="0"/>
+              <a:t>的</a:t>
+            </a:r>
+            <a:r>
+              <a:rPr lang="en-US" altLang="zh-CN" dirty="0"/>
+              <a:t>1000</a:t>
+            </a:r>
+            <a:r>
+              <a:rPr lang="zh-CN" altLang="en-US" dirty="0"/>
+              <a:t>张图片，这样可能部分区域会比较明显</a:t>
+            </a:r>
+            <a:endParaRPr lang="en-US" altLang="zh-CN" dirty="0"/>
+          </a:p>
+          <a:p>
+            <a:pPr lvl="1"/>
+            <a:r>
+              <a:rPr lang="zh-CN" altLang="en-US" dirty="0"/>
+              <a:t>受</a:t>
+            </a:r>
+            <a:r>
+              <a:rPr lang="en-US" altLang="zh-CN" dirty="0"/>
+              <a:t>deep dream</a:t>
+            </a:r>
+            <a:r>
+              <a:rPr lang="zh-CN" altLang="en-US" dirty="0"/>
+              <a:t>启发，对生成的</a:t>
+            </a:r>
+            <a:r>
+              <a:rPr lang="en-US" altLang="zh-CN" dirty="0"/>
+              <a:t>feature map,</a:t>
+            </a:r>
+            <a:r>
+              <a:rPr lang="zh-CN" altLang="en-US" dirty="0"/>
+              <a:t>可以加入，比如：相邻像素要比较相似，来使得优化出来的图片的语义信息更加充分。</a:t>
+            </a:r>
+            <a:endParaRPr lang="en-US" altLang="zh-CN" dirty="0"/>
+          </a:p>
+          <a:p>
+            <a:pPr lvl="1"/>
+            <a:r>
+              <a:rPr lang="zh-CN" altLang="en-US" dirty="0"/>
+              <a:t>从结果出发</a:t>
+            </a:r>
+            <a:r>
+              <a:rPr lang="en-US" altLang="zh-CN" dirty="0"/>
+              <a:t>, </a:t>
+            </a:r>
+            <a:r>
+              <a:rPr lang="zh-CN" altLang="en-US" dirty="0"/>
+              <a:t>将 “小区域” 编码入网络的训练之中。</a:t>
+            </a:r>
+            <a:endParaRPr lang="en-US" altLang="zh-CN" dirty="0"/>
+          </a:p>
+        </p:txBody>
+      </p:sp>
+      <p:sp>
+        <p:nvSpPr>
+          <p:cNvPr id="4" name="日期占位符 3">
+            <a:extLst>
+              <a:ext uri="{FF2B5EF4-FFF2-40B4-BE49-F238E27FC236}">
+                <a16:creationId xmlns:a16="http://schemas.microsoft.com/office/drawing/2014/main" id="{2765B96B-3E85-40A3-A296-091D4989186B}"/>
+              </a:ext>
+            </a:extLst>
+          </p:cNvPr>
+          <p:cNvSpPr>
+            <a:spLocks noGrp="1"/>
+          </p:cNvSpPr>
+          <p:nvPr>
+            <p:ph type="dt" sz="half" idx="10"/>
+          </p:nvPr>
+        </p:nvSpPr>
+        <p:spPr/>
+        <p:txBody>
+          <a:bodyPr/>
+          <a:lstStyle/>
+          <a:p>
+            <a:fld id="{BF677F50-21D8-40BE-B8F0-B2270733CF6B}" type="datetime1">
+              <a:rPr lang="en-US" altLang="zh-CN" smtClean="0"/>
+              <a:t>9/23/19</a:t>
+            </a:fld>
+            <a:endParaRPr lang="en-US"/>
+          </a:p>
+        </p:txBody>
+      </p:sp>
+      <p:sp>
+        <p:nvSpPr>
+          <p:cNvPr id="5" name="灯片编号占位符 4">
+            <a:extLst>
+              <a:ext uri="{FF2B5EF4-FFF2-40B4-BE49-F238E27FC236}">
+                <a16:creationId xmlns:a16="http://schemas.microsoft.com/office/drawing/2014/main" id="{57EAF1FF-820C-427B-BE1E-A008AA61BA6C}"/>
+              </a:ext>
+            </a:extLst>
+          </p:cNvPr>
+          <p:cNvSpPr>
+            <a:spLocks noGrp="1"/>
+          </p:cNvSpPr>
+          <p:nvPr>
+            <p:ph type="sldNum" sz="quarter" idx="12"/>
+          </p:nvPr>
+        </p:nvSpPr>
+        <p:spPr/>
+        <p:txBody>
+          <a:bodyPr/>
+          <a:lstStyle/>
+          <a:p>
+            <a:fld id="{93D7A402-3076-2049-A745-4823B471CC62}" type="slidenum">
+              <a:rPr lang="en-US" smtClean="0"/>
+              <a:t>7</a:t>
+            </a:fld>
+            <a:endParaRPr lang="en-US"/>
+          </a:p>
+        </p:txBody>
+      </p:sp>
+    </p:spTree>
+    <p:extLst>
+      <p:ext uri="{BB962C8B-B14F-4D97-AF65-F5344CB8AC3E}">
+        <p14:creationId xmlns:p14="http://schemas.microsoft.com/office/powerpoint/2010/main" val="1298032522"/>
+      </p:ext>
+    </p:extLst>
+  </p:cSld>
+  <p:clrMapOvr>
+    <a:masterClrMapping/>
+  </p:clrMapOvr>
+</p:sld>
+</file>
+
+<file path=ppt/slides/slide8.xml><?xml version="1.0" encoding="utf-8"?>
+<p:sld xmlns:a="http://schemas.openxmlformats.org/drawingml/2006/main" xmlns:r="http://schemas.openxmlformats.org/officeDocument/2006/relationships" xmlns:p="http://schemas.openxmlformats.org/presentationml/2006/main">
+  <p:cSld>
+    <p:spTree>
+      <p:nvGrpSpPr>
+        <p:cNvPr id="1" name=""/>
+        <p:cNvGrpSpPr/>
+        <p:nvPr/>
+      </p:nvGrpSpPr>
+      <p:grpSpPr>
+        <a:xfrm>
+          <a:off x="0" y="0"/>
+          <a:ext cx="0" cy="0"/>
+          <a:chOff x="0" y="0"/>
+          <a:chExt cx="0" cy="0"/>
+        </a:xfrm>
+      </p:grpSpPr>
+      <p:sp>
+        <p:nvSpPr>
+          <p:cNvPr id="2" name="Title 1">
+            <a:extLst>
+              <a:ext uri="{FF2B5EF4-FFF2-40B4-BE49-F238E27FC236}">
+                <a16:creationId xmlns:a16="http://schemas.microsoft.com/office/drawing/2014/main" id="{B071AE84-1CB7-1C46-9F72-CB3FB82F3447}"/>
+              </a:ext>
+            </a:extLst>
+          </p:cNvPr>
+          <p:cNvSpPr>
+            <a:spLocks noGrp="1"/>
+          </p:cNvSpPr>
+          <p:nvPr>
+            <p:ph type="title"/>
+          </p:nvPr>
+        </p:nvSpPr>
+        <p:spPr/>
+        <p:txBody>
+          <a:bodyPr/>
+          <a:lstStyle/>
+          <a:p>
+            <a:r>
+              <a:rPr lang="en-US" altLang="zh-CN" dirty="0"/>
+              <a:t>Exp-TODO-2</a:t>
+            </a:r>
+            <a:endParaRPr lang="en-US" dirty="0"/>
+          </a:p>
+        </p:txBody>
+      </p:sp>
+      <p:sp>
+        <p:nvSpPr>
+          <p:cNvPr id="3" name="Content Placeholder 2">
+            <a:extLst>
+              <a:ext uri="{FF2B5EF4-FFF2-40B4-BE49-F238E27FC236}">
+                <a16:creationId xmlns:a16="http://schemas.microsoft.com/office/drawing/2014/main" id="{5DE9B7D8-C997-384D-98CA-E108203C4B9C}"/>
+              </a:ext>
+            </a:extLst>
+          </p:cNvPr>
+          <p:cNvSpPr>
+            <a:spLocks noGrp="1"/>
+          </p:cNvSpPr>
+          <p:nvPr>
+            <p:ph idx="1"/>
+          </p:nvPr>
+        </p:nvSpPr>
+        <p:spPr>
+          <a:xfrm>
+            <a:off x="718931" y="1547329"/>
+            <a:ext cx="10515600" cy="4787209"/>
+          </a:xfrm>
+        </p:spPr>
+        <p:txBody>
+          <a:bodyPr>
+            <a:normAutofit/>
+          </a:bodyPr>
+          <a:lstStyle/>
+          <a:p>
+            <a:r>
+              <a:rPr lang="zh-CN" altLang="en-US" dirty="0"/>
+              <a:t>选择</a:t>
+            </a:r>
+            <a:r>
+              <a:rPr lang="en-US" altLang="zh-CN" dirty="0"/>
+              <a:t>filter</a:t>
+            </a:r>
+            <a:r>
+              <a:rPr lang="zh-CN" altLang="en-US" dirty="0"/>
+              <a:t>生成的</a:t>
+            </a:r>
+            <a:r>
+              <a:rPr lang="en-US" altLang="zh-CN" dirty="0"/>
+              <a:t>feature map</a:t>
+            </a:r>
+            <a:r>
+              <a:rPr lang="zh-CN" altLang="en-US" dirty="0"/>
+              <a:t>的方法：思路是，对输入图片，选择响应最强的</a:t>
+            </a:r>
+            <a:r>
+              <a:rPr lang="en-US" altLang="zh-CN" dirty="0"/>
+              <a:t>feature map</a:t>
+            </a:r>
+            <a:r>
+              <a:rPr lang="zh-CN" altLang="en-US" dirty="0"/>
+              <a:t>对应的</a:t>
+            </a:r>
+            <a:r>
+              <a:rPr lang="en-US" altLang="zh-CN" dirty="0"/>
+              <a:t>filter</a:t>
+            </a:r>
+            <a:r>
+              <a:rPr lang="zh-CN" altLang="en-US" dirty="0"/>
+              <a:t>作为观察的对象。</a:t>
+            </a:r>
+            <a:endParaRPr lang="en-US" altLang="zh-CN" dirty="0"/>
+          </a:p>
+          <a:p>
+            <a:pPr lvl="1"/>
+            <a:r>
+              <a:rPr lang="zh-CN" altLang="en-US" dirty="0"/>
+              <a:t>对于不同类别，</a:t>
+            </a:r>
+            <a:r>
+              <a:rPr lang="en-US" altLang="zh-CN" dirty="0"/>
+              <a:t>filter</a:t>
+            </a:r>
+            <a:r>
+              <a:rPr lang="zh-CN" altLang="en-US" dirty="0"/>
+              <a:t>可能不一样。</a:t>
+            </a:r>
+            <a:endParaRPr lang="en-US" altLang="zh-CN" dirty="0"/>
+          </a:p>
+          <a:p>
+            <a:pPr lvl="1"/>
+            <a:r>
+              <a:rPr lang="zh-CN" altLang="en-US" dirty="0"/>
+              <a:t>对于同一类的一批数据，可能需要通过统计的方式，选择平均响应最强对应的</a:t>
+            </a:r>
+            <a:r>
+              <a:rPr lang="en-US" altLang="zh-CN" dirty="0"/>
+              <a:t>filter</a:t>
+            </a:r>
+            <a:r>
+              <a:rPr lang="zh-CN" altLang="en-US" dirty="0"/>
+              <a:t>来作为实验对象。</a:t>
+            </a:r>
+            <a:endParaRPr lang="en-US" altLang="zh-CN" dirty="0"/>
+          </a:p>
+          <a:p>
+            <a:pPr lvl="1"/>
+            <a:r>
+              <a:rPr lang="zh-CN" altLang="en-US" dirty="0"/>
+              <a:t>定义最强：</a:t>
+            </a:r>
+            <a:endParaRPr lang="en-US" altLang="zh-CN" dirty="0"/>
+          </a:p>
+          <a:p>
+            <a:pPr lvl="2"/>
+            <a:r>
+              <a:rPr lang="zh-CN" altLang="en-US" dirty="0"/>
+              <a:t>平均绝对值幅值最大</a:t>
+            </a:r>
+            <a:endParaRPr lang="en-US" altLang="zh-CN" dirty="0"/>
+          </a:p>
+          <a:p>
+            <a:pPr lvl="2"/>
+            <a:r>
+              <a:rPr lang="zh-CN" altLang="en-US" dirty="0"/>
+              <a:t>参考</a:t>
+            </a:r>
+            <a:r>
+              <a:rPr lang="en-US" altLang="zh-CN" dirty="0"/>
+              <a:t>dissection</a:t>
+            </a:r>
+            <a:r>
+              <a:rPr lang="zh-CN" altLang="en-US" dirty="0"/>
+              <a:t>，</a:t>
+            </a:r>
+            <a:r>
+              <a:rPr lang="en-US" altLang="zh-CN" dirty="0" err="1"/>
+              <a:t>zhoubolei</a:t>
+            </a:r>
+            <a:endParaRPr lang="en-US" altLang="zh-CN" dirty="0"/>
+          </a:p>
+          <a:p>
+            <a:pPr lvl="2"/>
+            <a:r>
+              <a:rPr lang="zh-CN" altLang="en-US" dirty="0"/>
+              <a:t>参考</a:t>
+            </a:r>
+            <a:r>
+              <a:rPr lang="en-US" altLang="zh-CN" dirty="0"/>
+              <a:t>eccv2014</a:t>
+            </a:r>
+            <a:r>
+              <a:rPr lang="zh-CN" altLang="en-US" dirty="0"/>
+              <a:t>， </a:t>
+            </a:r>
+            <a:r>
+              <a:rPr lang="en-US" altLang="zh-CN" dirty="0" err="1"/>
+              <a:t>visualizeing</a:t>
+            </a:r>
+            <a:r>
+              <a:rPr lang="zh-CN" altLang="en-US" dirty="0"/>
+              <a:t>的选择方式</a:t>
+            </a:r>
+            <a:endParaRPr lang="en-US" altLang="zh-CN" dirty="0"/>
+          </a:p>
+          <a:p>
+            <a:pPr lvl="2"/>
+            <a:endParaRPr lang="en-US" altLang="zh-CN" dirty="0"/>
+          </a:p>
+          <a:p>
+            <a:pPr lvl="1"/>
+            <a:endParaRPr lang="en-US" altLang="zh-CN" dirty="0"/>
+          </a:p>
+        </p:txBody>
+      </p:sp>
+      <p:sp>
+        <p:nvSpPr>
+          <p:cNvPr id="4" name="日期占位符 3">
+            <a:extLst>
+              <a:ext uri="{FF2B5EF4-FFF2-40B4-BE49-F238E27FC236}">
+                <a16:creationId xmlns:a16="http://schemas.microsoft.com/office/drawing/2014/main" id="{2765B96B-3E85-40A3-A296-091D4989186B}"/>
+              </a:ext>
+            </a:extLst>
+          </p:cNvPr>
+          <p:cNvSpPr>
+            <a:spLocks noGrp="1"/>
+          </p:cNvSpPr>
+          <p:nvPr>
+            <p:ph type="dt" sz="half" idx="10"/>
+          </p:nvPr>
+        </p:nvSpPr>
+        <p:spPr/>
+        <p:txBody>
+          <a:bodyPr/>
+          <a:lstStyle/>
+          <a:p>
+            <a:fld id="{BF677F50-21D8-40BE-B8F0-B2270733CF6B}" type="datetime1">
+              <a:rPr lang="en-US" altLang="zh-CN" smtClean="0"/>
+              <a:t>9/23/19</a:t>
+            </a:fld>
+            <a:endParaRPr lang="en-US"/>
+          </a:p>
+        </p:txBody>
+      </p:sp>
+      <p:sp>
+        <p:nvSpPr>
+          <p:cNvPr id="5" name="灯片编号占位符 4">
+            <a:extLst>
+              <a:ext uri="{FF2B5EF4-FFF2-40B4-BE49-F238E27FC236}">
+                <a16:creationId xmlns:a16="http://schemas.microsoft.com/office/drawing/2014/main" id="{57EAF1FF-820C-427B-BE1E-A008AA61BA6C}"/>
+              </a:ext>
+            </a:extLst>
+          </p:cNvPr>
+          <p:cNvSpPr>
+            <a:spLocks noGrp="1"/>
+          </p:cNvSpPr>
+          <p:nvPr>
+            <p:ph type="sldNum" sz="quarter" idx="12"/>
+          </p:nvPr>
+        </p:nvSpPr>
+        <p:spPr/>
+        <p:txBody>
+          <a:bodyPr/>
+          <a:lstStyle/>
+          <a:p>
+            <a:fld id="{93D7A402-3076-2049-A745-4823B471CC62}" type="slidenum">
+              <a:rPr lang="en-US" smtClean="0"/>
+              <a:t>8</a:t>
+            </a:fld>
+            <a:endParaRPr lang="en-US"/>
+          </a:p>
+        </p:txBody>
+      </p:sp>
+    </p:spTree>
+    <p:extLst>
+      <p:ext uri="{BB962C8B-B14F-4D97-AF65-F5344CB8AC3E}">
+        <p14:creationId xmlns:p14="http://schemas.microsoft.com/office/powerpoint/2010/main" val="3011895022"/>
+      </p:ext>
+    </p:extLst>
+  </p:cSld>
+  <p:clrMapOvr>
+    <a:masterClrMapping/>
+  </p:clrMapOvr>
+</p:sld>
+</file>
+
+<file path=ppt/slides/slide9.xml><?xml version="1.0" encoding="utf-8"?>
+<p:sld xmlns:a="http://schemas.openxmlformats.org/drawingml/2006/main" xmlns:r="http://schemas.openxmlformats.org/officeDocument/2006/relationships" xmlns:p="http://schemas.openxmlformats.org/presentationml/2006/main">
+  <p:cSld>
+    <p:spTree>
+      <p:nvGrpSpPr>
+        <p:cNvPr id="1" name=""/>
+        <p:cNvGrpSpPr/>
+        <p:nvPr/>
+      </p:nvGrpSpPr>
+      <p:grpSpPr>
+        <a:xfrm>
+          <a:off x="0" y="0"/>
+          <a:ext cx="0" cy="0"/>
+          <a:chOff x="0" y="0"/>
+          <a:chExt cx="0" cy="0"/>
+        </a:xfrm>
+      </p:grpSpPr>
+      <p:sp>
+        <p:nvSpPr>
+          <p:cNvPr id="2" name="Title 1">
+            <a:extLst>
+              <a:ext uri="{FF2B5EF4-FFF2-40B4-BE49-F238E27FC236}">
+                <a16:creationId xmlns:a16="http://schemas.microsoft.com/office/drawing/2014/main" id="{B071AE84-1CB7-1C46-9F72-CB3FB82F3447}"/>
+              </a:ext>
+            </a:extLst>
+          </p:cNvPr>
+          <p:cNvSpPr>
+            <a:spLocks noGrp="1"/>
+          </p:cNvSpPr>
+          <p:nvPr>
+            <p:ph type="title"/>
+          </p:nvPr>
+        </p:nvSpPr>
+        <p:spPr/>
+        <p:txBody>
+          <a:bodyPr/>
+          <a:lstStyle/>
+          <a:p>
+            <a:r>
+              <a:rPr lang="en-US" altLang="zh-CN" dirty="0"/>
+              <a:t>Exp-TODO-3 </a:t>
+            </a:r>
+            <a:r>
+              <a:rPr lang="zh-CN" altLang="en-US" dirty="0"/>
+              <a:t>观察性实验</a:t>
+            </a:r>
+            <a:endParaRPr lang="en-US" dirty="0"/>
+          </a:p>
+        </p:txBody>
+      </p:sp>
+      <p:sp>
+        <p:nvSpPr>
+          <p:cNvPr id="3" name="Content Placeholder 2">
+            <a:extLst>
+              <a:ext uri="{FF2B5EF4-FFF2-40B4-BE49-F238E27FC236}">
+                <a16:creationId xmlns:a16="http://schemas.microsoft.com/office/drawing/2014/main" id="{5DE9B7D8-C997-384D-98CA-E108203C4B9C}"/>
+              </a:ext>
+            </a:extLst>
+          </p:cNvPr>
+          <p:cNvSpPr>
+            <a:spLocks noGrp="1"/>
+          </p:cNvSpPr>
+          <p:nvPr>
+            <p:ph idx="1"/>
+          </p:nvPr>
+        </p:nvSpPr>
+        <p:spPr>
+          <a:xfrm>
+            <a:off x="718931" y="1547329"/>
+            <a:ext cx="10515600" cy="4787209"/>
+          </a:xfrm>
+        </p:spPr>
+        <p:txBody>
+          <a:bodyPr>
+            <a:normAutofit/>
+          </a:bodyPr>
+          <a:lstStyle/>
+          <a:p>
+            <a:endParaRPr lang="en-US" altLang="zh-CN" dirty="0"/>
+          </a:p>
+          <a:p>
+            <a:pPr lvl="1"/>
+            <a:r>
+              <a:rPr lang="zh-CN" altLang="en-US" dirty="0"/>
+              <a:t>对于同一张图，选定</a:t>
+            </a:r>
+            <a:r>
+              <a:rPr lang="en-US" altLang="zh-CN" dirty="0"/>
+              <a:t>filter</a:t>
+            </a:r>
+            <a:r>
+              <a:rPr lang="zh-CN" altLang="en-US" dirty="0"/>
+              <a:t>之后产生的</a:t>
+            </a:r>
+            <a:r>
+              <a:rPr lang="en-US" altLang="zh-CN" dirty="0"/>
+              <a:t>feature map</a:t>
+            </a:r>
+            <a:r>
+              <a:rPr lang="zh-CN" altLang="en-US" dirty="0"/>
+              <a:t>（做了插值放大）和优化出来的图片，视觉上应该有什么差别？</a:t>
+            </a:r>
+            <a:endParaRPr lang="en-US" altLang="zh-CN" dirty="0"/>
+          </a:p>
+          <a:p>
+            <a:pPr lvl="2"/>
+            <a:r>
+              <a:rPr lang="zh-CN" altLang="en-US" dirty="0"/>
+              <a:t>（</a:t>
+            </a:r>
+            <a:r>
+              <a:rPr lang="en-US" altLang="zh-CN" dirty="0"/>
+              <a:t>JX</a:t>
+            </a:r>
+            <a:r>
+              <a:rPr lang="zh-CN" altLang="en-US" dirty="0"/>
+              <a:t>）可能区域的位置上比较重合，但是优化出来的图像应该保留了更加丰富的信息，因为经过逐层的流动，信息应该是越来越抽象的。</a:t>
+            </a:r>
+            <a:endParaRPr lang="en-US" altLang="zh-CN" sz="1800" dirty="0"/>
+          </a:p>
+          <a:p>
+            <a:pPr lvl="1"/>
+            <a:r>
+              <a:rPr lang="zh-CN" altLang="en-US" sz="2200" dirty="0"/>
+              <a:t>同一类优化出来的图片是否具有共性（无论是一张图优化，还是一批图优化）</a:t>
+            </a:r>
+            <a:endParaRPr lang="en-US" altLang="zh-CN" sz="2200" dirty="0"/>
+          </a:p>
+        </p:txBody>
+      </p:sp>
+      <p:sp>
+        <p:nvSpPr>
+          <p:cNvPr id="4" name="日期占位符 3">
+            <a:extLst>
+              <a:ext uri="{FF2B5EF4-FFF2-40B4-BE49-F238E27FC236}">
+                <a16:creationId xmlns:a16="http://schemas.microsoft.com/office/drawing/2014/main" id="{2765B96B-3E85-40A3-A296-091D4989186B}"/>
+              </a:ext>
+            </a:extLst>
+          </p:cNvPr>
+          <p:cNvSpPr>
+            <a:spLocks noGrp="1"/>
+          </p:cNvSpPr>
+          <p:nvPr>
+            <p:ph type="dt" sz="half" idx="10"/>
+          </p:nvPr>
+        </p:nvSpPr>
+        <p:spPr/>
+        <p:txBody>
+          <a:bodyPr/>
+          <a:lstStyle/>
+          <a:p>
+            <a:fld id="{BF677F50-21D8-40BE-B8F0-B2270733CF6B}" type="datetime1">
+              <a:rPr lang="en-US" altLang="zh-CN" smtClean="0"/>
+              <a:t>9/23/19</a:t>
+            </a:fld>
+            <a:endParaRPr lang="en-US"/>
+          </a:p>
+        </p:txBody>
+      </p:sp>
+      <p:sp>
+        <p:nvSpPr>
+          <p:cNvPr id="5" name="灯片编号占位符 4">
+            <a:extLst>
+              <a:ext uri="{FF2B5EF4-FFF2-40B4-BE49-F238E27FC236}">
+                <a16:creationId xmlns:a16="http://schemas.microsoft.com/office/drawing/2014/main" id="{57EAF1FF-820C-427B-BE1E-A008AA61BA6C}"/>
+              </a:ext>
+            </a:extLst>
+          </p:cNvPr>
+          <p:cNvSpPr>
+            <a:spLocks noGrp="1"/>
+          </p:cNvSpPr>
+          <p:nvPr>
+            <p:ph type="sldNum" sz="quarter" idx="12"/>
+          </p:nvPr>
+        </p:nvSpPr>
+        <p:spPr/>
+        <p:txBody>
+          <a:bodyPr/>
+          <a:lstStyle/>
+          <a:p>
+            <a:fld id="{93D7A402-3076-2049-A745-4823B471CC62}" type="slidenum">
+              <a:rPr lang="en-US" smtClean="0"/>
+              <a:t>9</a:t>
+            </a:fld>
+            <a:endParaRPr lang="en-US"/>
+          </a:p>
+        </p:txBody>
+      </p:sp>
+    </p:spTree>
+    <p:extLst>
+      <p:ext uri="{BB962C8B-B14F-4D97-AF65-F5344CB8AC3E}">
+        <p14:creationId xmlns:p14="http://schemas.microsoft.com/office/powerpoint/2010/main" val="1465195693"/>
       </p:ext>
     </p:extLst>
   </p:cSld>
@@ -5441,4 +7404,299 @@
     </a:ext>
   </a:extLst>
 </a:theme>
+</file>
+
+<file path=ppt/theme/theme2.xml><?xml version="1.0" encoding="utf-8"?>
+<a:theme xmlns:a="http://schemas.openxmlformats.org/drawingml/2006/main" name="Office 主题​​">
+  <a:themeElements>
+    <a:clrScheme name="Office">
+      <a:dk1>
+        <a:sysClr val="windowText" lastClr="000000"/>
+      </a:dk1>
+      <a:lt1>
+        <a:sysClr val="window" lastClr="FFFFFF"/>
+      </a:lt1>
+      <a:dk2>
+        <a:srgbClr val="44546A"/>
+      </a:dk2>
+      <a:lt2>
+        <a:srgbClr val="E7E6E6"/>
+      </a:lt2>
+      <a:accent1>
+        <a:srgbClr val="4472C4"/>
+      </a:accent1>
+      <a:accent2>
+        <a:srgbClr val="ED7D31"/>
+      </a:accent2>
+      <a:accent3>
+        <a:srgbClr val="A5A5A5"/>
+      </a:accent3>
+      <a:accent4>
+        <a:srgbClr val="FFC000"/>
+      </a:accent4>
+      <a:accent5>
+        <a:srgbClr val="5B9BD5"/>
+      </a:accent5>
+      <a:accent6>
+        <a:srgbClr val="70AD47"/>
+      </a:accent6>
+      <a:hlink>
+        <a:srgbClr val="0563C1"/>
+      </a:hlink>
+      <a:folHlink>
+        <a:srgbClr val="954F72"/>
+      </a:folHlink>
+    </a:clrScheme>
+    <a:fontScheme name="Office">
+      <a:majorFont>
+        <a:latin typeface="等线 Light" panose="020F0302020204030204"/>
+        <a:ea typeface=""/>
+        <a:cs typeface=""/>
+        <a:font script="Jpan" typeface="游ゴシック Light"/>
+        <a:font script="Hang" typeface="맑은 고딕"/>
+        <a:font script="Hans" typeface="等线 Light"/>
+        <a:font script="Hant" typeface="新細明體"/>
+        <a:font script="Arab" typeface="Times New Roman"/>
+        <a:font script="Hebr" typeface="Times New Roman"/>
+        <a:font script="Thai" typeface="Angsana New"/>
+        <a:font script="Ethi" typeface="Nyala"/>
+        <a:font script="Beng" typeface="Vrinda"/>
+        <a:font script="Gujr" typeface="Shruti"/>
+        <a:font script="Khmr" typeface="MoolBoran"/>
+        <a:font script="Knda" typeface="Tunga"/>
+        <a:font script="Guru" typeface="Raavi"/>
+        <a:font script="Cans" typeface="Euphemia"/>
+        <a:font script="Cher" typeface="Plantagenet Cherokee"/>
+        <a:font script="Yiii" typeface="Microsoft Yi Baiti"/>
+        <a:font script="Tibt" typeface="Microsoft Himalaya"/>
+        <a:font script="Thaa" typeface="MV Boli"/>
+        <a:font script="Deva" typeface="Mangal"/>
+        <a:font script="Telu" typeface="Gautami"/>
+        <a:font script="Taml" typeface="Latha"/>
+        <a:font script="Syrc" typeface="Estrangelo Edessa"/>
+        <a:font script="Orya" typeface="Kalinga"/>
+        <a:font script="Mlym" typeface="Kartika"/>
+        <a:font script="Laoo" typeface="DokChampa"/>
+        <a:font script="Sinh" typeface="Iskoola Pota"/>
+        <a:font script="Mong" typeface="Mongolian Baiti"/>
+        <a:font script="Viet" typeface="Times New Roman"/>
+        <a:font script="Uigh" typeface="Microsoft Uighur"/>
+        <a:font script="Geor" typeface="Sylfaen"/>
+        <a:font script="Armn" typeface="Arial"/>
+        <a:font script="Bugi" typeface="Leelawadee UI"/>
+        <a:font script="Bopo" typeface="Microsoft JhengHei"/>
+        <a:font script="Java" typeface="Javanese Text"/>
+        <a:font script="Lisu" typeface="Segoe UI"/>
+        <a:font script="Mymr" typeface="Myanmar Text"/>
+        <a:font script="Nkoo" typeface="Ebrima"/>
+        <a:font script="Olck" typeface="Nirmala UI"/>
+        <a:font script="Osma" typeface="Ebrima"/>
+        <a:font script="Phag" typeface="Phagspa"/>
+        <a:font script="Syrn" typeface="Estrangelo Edessa"/>
+        <a:font script="Syrj" typeface="Estrangelo Edessa"/>
+        <a:font script="Syre" typeface="Estrangelo Edessa"/>
+        <a:font script="Sora" typeface="Nirmala UI"/>
+        <a:font script="Tale" typeface="Microsoft Tai Le"/>
+        <a:font script="Talu" typeface="Microsoft New Tai Lue"/>
+        <a:font script="Tfng" typeface="Ebrima"/>
+      </a:majorFont>
+      <a:minorFont>
+        <a:latin typeface="等线" panose="020F0502020204030204"/>
+        <a:ea typeface=""/>
+        <a:cs typeface=""/>
+        <a:font script="Jpan" typeface="游ゴシック"/>
+        <a:font script="Hang" typeface="맑은 고딕"/>
+        <a:font script="Hans" typeface="等线"/>
+        <a:font script="Hant" typeface="新細明體"/>
+        <a:font script="Arab" typeface="Arial"/>
+        <a:font script="Hebr" typeface="Arial"/>
+        <a:font script="Thai" typeface="Cordia New"/>
+        <a:font script="Ethi" typeface="Nyala"/>
+        <a:font script="Beng" typeface="Vrinda"/>
+        <a:font script="Gujr" typeface="Shruti"/>
+        <a:font script="Khmr" typeface="DaunPenh"/>
+        <a:font script="Knda" typeface="Tunga"/>
+        <a:font script="Guru" typeface="Raavi"/>
+        <a:font script="Cans" typeface="Euphemia"/>
+        <a:font script="Cher" typeface="Plantagenet Cherokee"/>
+        <a:font script="Yiii" typeface="Microsoft Yi Baiti"/>
+        <a:font script="Tibt" typeface="Microsoft Himalaya"/>
+        <a:font script="Thaa" typeface="MV Boli"/>
+        <a:font script="Deva" typeface="Mangal"/>
+        <a:font script="Telu" typeface="Gautami"/>
+        <a:font script="Taml" typeface="Latha"/>
+        <a:font script="Syrc" typeface="Estrangelo Edessa"/>
+        <a:font script="Orya" typeface="Kalinga"/>
+        <a:font script="Mlym" typeface="Kartika"/>
+        <a:font script="Laoo" typeface="DokChampa"/>
+        <a:font script="Sinh" typeface="Iskoola Pota"/>
+        <a:font script="Mong" typeface="Mongolian Baiti"/>
+        <a:font script="Viet" typeface="Arial"/>
+        <a:font script="Uigh" typeface="Microsoft Uighur"/>
+        <a:font script="Geor" typeface="Sylfaen"/>
+        <a:font script="Armn" typeface="Arial"/>
+        <a:font script="Bugi" typeface="Leelawadee UI"/>
+        <a:font script="Bopo" typeface="Microsoft JhengHei"/>
+        <a:font script="Java" typeface="Javanese Text"/>
+        <a:font script="Lisu" typeface="Segoe UI"/>
+        <a:font script="Mymr" typeface="Myanmar Text"/>
+        <a:font script="Nkoo" typeface="Ebrima"/>
+        <a:font script="Olck" typeface="Nirmala UI"/>
+        <a:font script="Osma" typeface="Ebrima"/>
+        <a:font script="Phag" typeface="Phagspa"/>
+        <a:font script="Syrn" typeface="Estrangelo Edessa"/>
+        <a:font script="Syrj" typeface="Estrangelo Edessa"/>
+        <a:font script="Syre" typeface="Estrangelo Edessa"/>
+        <a:font script="Sora" typeface="Nirmala UI"/>
+        <a:font script="Tale" typeface="Microsoft Tai Le"/>
+        <a:font script="Talu" typeface="Microsoft New Tai Lue"/>
+        <a:font script="Tfng" typeface="Ebrima"/>
+      </a:minorFont>
+    </a:fontScheme>
+    <a:fmtScheme name="Office">
+      <a:fillStyleLst>
+        <a:solidFill>
+          <a:schemeClr val="phClr"/>
+        </a:solidFill>
+        <a:gradFill rotWithShape="1">
+          <a:gsLst>
+            <a:gs pos="0">
+              <a:schemeClr val="phClr">
+                <a:lumMod val="110000"/>
+                <a:satMod val="105000"/>
+                <a:tint val="67000"/>
+              </a:schemeClr>
+            </a:gs>
+            <a:gs pos="50000">
+              <a:schemeClr val="phClr">
+                <a:lumMod val="105000"/>
+                <a:satMod val="103000"/>
+                <a:tint val="73000"/>
+              </a:schemeClr>
+            </a:gs>
+            <a:gs pos="100000">
+              <a:schemeClr val="phClr">
+                <a:lumMod val="105000"/>
+                <a:satMod val="109000"/>
+                <a:tint val="81000"/>
+              </a:schemeClr>
+            </a:gs>
+          </a:gsLst>
+          <a:lin ang="5400000" scaled="0"/>
+        </a:gradFill>
+        <a:gradFill rotWithShape="1">
+          <a:gsLst>
+            <a:gs pos="0">
+              <a:schemeClr val="phClr">
+                <a:satMod val="103000"/>
+                <a:lumMod val="102000"/>
+                <a:tint val="94000"/>
+              </a:schemeClr>
+            </a:gs>
+            <a:gs pos="50000">
+              <a:schemeClr val="phClr">
+                <a:satMod val="110000"/>
+                <a:lumMod val="100000"/>
+                <a:shade val="100000"/>
+              </a:schemeClr>
+            </a:gs>
+            <a:gs pos="100000">
+              <a:schemeClr val="phClr">
+                <a:lumMod val="99000"/>
+                <a:satMod val="120000"/>
+                <a:shade val="78000"/>
+              </a:schemeClr>
+            </a:gs>
+          </a:gsLst>
+          <a:lin ang="5400000" scaled="0"/>
+        </a:gradFill>
+      </a:fillStyleLst>
+      <a:lnStyleLst>
+        <a:ln w="6350" cap="flat" cmpd="sng" algn="ctr">
+          <a:solidFill>
+            <a:schemeClr val="phClr"/>
+          </a:solidFill>
+          <a:prstDash val="solid"/>
+          <a:miter lim="800000"/>
+        </a:ln>
+        <a:ln w="12700" cap="flat" cmpd="sng" algn="ctr">
+          <a:solidFill>
+            <a:schemeClr val="phClr"/>
+          </a:solidFill>
+          <a:prstDash val="solid"/>
+          <a:miter lim="800000"/>
+        </a:ln>
+        <a:ln w="19050" cap="flat" cmpd="sng" algn="ctr">
+          <a:solidFill>
+            <a:schemeClr val="phClr"/>
+          </a:solidFill>
+          <a:prstDash val="solid"/>
+          <a:miter lim="800000"/>
+        </a:ln>
+      </a:lnStyleLst>
+      <a:effectStyleLst>
+        <a:effectStyle>
+          <a:effectLst/>
+        </a:effectStyle>
+        <a:effectStyle>
+          <a:effectLst/>
+        </a:effectStyle>
+        <a:effectStyle>
+          <a:effectLst>
+            <a:outerShdw blurRad="57150" dist="19050" dir="5400000" algn="ctr" rotWithShape="0">
+              <a:srgbClr val="000000">
+                <a:alpha val="63000"/>
+              </a:srgbClr>
+            </a:outerShdw>
+          </a:effectLst>
+        </a:effectStyle>
+      </a:effectStyleLst>
+      <a:bgFillStyleLst>
+        <a:solidFill>
+          <a:schemeClr val="phClr"/>
+        </a:solidFill>
+        <a:solidFill>
+          <a:schemeClr val="phClr">
+            <a:tint val="95000"/>
+            <a:satMod val="170000"/>
+          </a:schemeClr>
+        </a:solidFill>
+        <a:gradFill rotWithShape="1">
+          <a:gsLst>
+            <a:gs pos="0">
+              <a:schemeClr val="phClr">
+                <a:tint val="93000"/>
+                <a:satMod val="150000"/>
+                <a:shade val="98000"/>
+                <a:lumMod val="102000"/>
+              </a:schemeClr>
+            </a:gs>
+            <a:gs pos="50000">
+              <a:schemeClr val="phClr">
+                <a:tint val="98000"/>
+                <a:satMod val="130000"/>
+                <a:shade val="90000"/>
+                <a:lumMod val="103000"/>
+              </a:schemeClr>
+            </a:gs>
+            <a:gs pos="100000">
+              <a:schemeClr val="phClr">
+                <a:shade val="63000"/>
+                <a:satMod val="120000"/>
+              </a:schemeClr>
+            </a:gs>
+          </a:gsLst>
+          <a:lin ang="5400000" scaled="0"/>
+        </a:gradFill>
+      </a:bgFillStyleLst>
+    </a:fmtScheme>
+  </a:themeElements>
+  <a:objectDefaults/>
+  <a:extraClrSchemeLst/>
+  <a:extLst>
+    <a:ext uri="{05A4C25C-085E-4340-85A3-A5531E510DB2}">
+      <thm15:themeFamily xmlns:thm15="http://schemas.microsoft.com/office/thememl/2012/main" name="Office Theme" id="{62F939B6-93AF-4DB8-9C6B-D6C7DFDC589F}" vid="{4A3C46E8-61CC-4603-A589-7422A47A8E4A}"/>
+    </a:ext>
+  </a:extLst>
+</a:theme>
 </file>
--- a/ppt/Interpretation-9-20.pptx
+++ b/ppt/Interpretation-9-20.pptx
@@ -5,7 +5,7 @@
     <p:sldMasterId id="2147483648" r:id="rId1"/>
   </p:sldMasterIdLst>
   <p:notesMasterIdLst>
-    <p:notesMasterId r:id="rId13"/>
+    <p:notesMasterId r:id="rId15"/>
   </p:notesMasterIdLst>
   <p:sldIdLst>
     <p:sldId id="256" r:id="rId2"/>
@@ -19,6 +19,8 @@
     <p:sldId id="265" r:id="rId10"/>
     <p:sldId id="266" r:id="rId11"/>
     <p:sldId id="267" r:id="rId12"/>
+    <p:sldId id="268" r:id="rId13"/>
+    <p:sldId id="269" r:id="rId14"/>
   </p:sldIdLst>
   <p:sldSz cx="12192000" cy="6858000"/>
   <p:notesSz cx="6858000" cy="9144000"/>
@@ -133,6 +135,8 @@
             <p14:sldId id="265"/>
             <p14:sldId id="266"/>
             <p14:sldId id="267"/>
+            <p14:sldId id="268"/>
+            <p14:sldId id="269"/>
           </p14:sldIdLst>
         </p14:section>
       </p14:sectionLst>
@@ -651,7 +655,7 @@
     </p:spTree>
     <p:extLst>
       <p:ext uri="{BB962C8B-B14F-4D97-AF65-F5344CB8AC3E}">
-        <p14:creationId xmlns:p14="http://schemas.microsoft.com/office/powerpoint/2010/main" val="1350635610"/>
+        <p14:creationId xmlns:p14="http://schemas.microsoft.com/office/powerpoint/2010/main" val="367010992"/>
       </p:ext>
     </p:extLst>
   </p:cSld>
@@ -4208,8 +4212,8 @@
           <a:lstStyle/>
           <a:p>
             <a:r>
-              <a:rPr lang="en-US" altLang="zh-CN" dirty="0"/>
-              <a:t>Exp-TODO-5 </a:t>
+              <a:rPr lang="en-US" altLang="zh-CN"/>
+              <a:t>Exp-TODO-4 </a:t>
             </a:r>
             <a:r>
               <a:rPr lang="zh-CN" altLang="en-US" dirty="0"/>
@@ -4252,16 +4256,8 @@
           <a:p>
             <a:pPr lvl="1"/>
             <a:r>
-              <a:rPr lang="zh-CN" altLang="en-US" dirty="0"/>
-              <a:t>在</a:t>
-            </a:r>
-            <a:r>
-              <a:rPr lang="en-US" altLang="zh-CN" dirty="0" err="1"/>
-              <a:t>imagenet</a:t>
-            </a:r>
-            <a:r>
-              <a:rPr lang="zh-CN" altLang="en-US" dirty="0"/>
-              <a:t>上重复实验，使用预先训练好的模型，选择训练集的图片即可（现在训练好的图片上，可能可以得到更容易解释的结果，然后再考虑更复杂的验证集）</a:t>
+              <a:rPr lang="zh-CN" altLang="en-US" sz="2200" dirty="0"/>
+              <a:t>更新好的图作为输入</a:t>
             </a:r>
             <a:endParaRPr lang="en-US" altLang="zh-CN" sz="2200" dirty="0"/>
           </a:p>
@@ -4328,7 +4324,382 @@
     </p:spTree>
     <p:extLst>
       <p:ext uri="{BB962C8B-B14F-4D97-AF65-F5344CB8AC3E}">
-        <p14:creationId xmlns:p14="http://schemas.microsoft.com/office/powerpoint/2010/main" val="3291905231"/>
+        <p14:creationId xmlns:p14="http://schemas.microsoft.com/office/powerpoint/2010/main" val="160395671"/>
+      </p:ext>
+    </p:extLst>
+  </p:cSld>
+  <p:clrMapOvr>
+    <a:masterClrMapping/>
+  </p:clrMapOvr>
+</p:sld>
+</file>
+
+<file path=ppt/slides/slide12.xml><?xml version="1.0" encoding="utf-8"?>
+<p:sld xmlns:a="http://schemas.openxmlformats.org/drawingml/2006/main" xmlns:r="http://schemas.openxmlformats.org/officeDocument/2006/relationships" xmlns:p="http://schemas.openxmlformats.org/presentationml/2006/main">
+  <p:cSld>
+    <p:spTree>
+      <p:nvGrpSpPr>
+        <p:cNvPr id="1" name=""/>
+        <p:cNvGrpSpPr/>
+        <p:nvPr/>
+      </p:nvGrpSpPr>
+      <p:grpSpPr>
+        <a:xfrm>
+          <a:off x="0" y="0"/>
+          <a:ext cx="0" cy="0"/>
+          <a:chOff x="0" y="0"/>
+          <a:chExt cx="0" cy="0"/>
+        </a:xfrm>
+      </p:grpSpPr>
+      <p:sp>
+        <p:nvSpPr>
+          <p:cNvPr id="2" name="Title 1">
+            <a:extLst>
+              <a:ext uri="{FF2B5EF4-FFF2-40B4-BE49-F238E27FC236}">
+                <a16:creationId xmlns:a16="http://schemas.microsoft.com/office/drawing/2014/main" id="{C7AD168B-F31C-F24B-A01A-D6C41301391F}"/>
+              </a:ext>
+            </a:extLst>
+          </p:cNvPr>
+          <p:cNvSpPr>
+            <a:spLocks noGrp="1"/>
+          </p:cNvSpPr>
+          <p:nvPr>
+            <p:ph type="title"/>
+          </p:nvPr>
+        </p:nvSpPr>
+        <p:spPr/>
+        <p:txBody>
+          <a:bodyPr/>
+          <a:lstStyle/>
+          <a:p>
+            <a:r>
+              <a:rPr lang="en-US" dirty="0"/>
+              <a:t>JX</a:t>
+            </a:r>
+            <a:r>
+              <a:rPr lang="en-US" altLang="zh-CN" dirty="0"/>
+              <a:t>-</a:t>
+            </a:r>
+            <a:r>
+              <a:rPr lang="zh-CN" altLang="en-US" dirty="0"/>
+              <a:t>可视化</a:t>
+            </a:r>
+            <a:r>
+              <a:rPr lang="en-US" altLang="zh-CN" dirty="0"/>
+              <a:t>feature map</a:t>
+            </a:r>
+            <a:endParaRPr lang="en-US" dirty="0"/>
+          </a:p>
+        </p:txBody>
+      </p:sp>
+      <p:sp>
+        <p:nvSpPr>
+          <p:cNvPr id="3" name="Content Placeholder 2">
+            <a:extLst>
+              <a:ext uri="{FF2B5EF4-FFF2-40B4-BE49-F238E27FC236}">
+                <a16:creationId xmlns:a16="http://schemas.microsoft.com/office/drawing/2014/main" id="{081D77C2-CD68-8944-AB87-3A854D1C32EC}"/>
+              </a:ext>
+            </a:extLst>
+          </p:cNvPr>
+          <p:cNvSpPr>
+            <a:spLocks noGrp="1"/>
+          </p:cNvSpPr>
+          <p:nvPr>
+            <p:ph idx="1"/>
+          </p:nvPr>
+        </p:nvSpPr>
+        <p:spPr/>
+        <p:txBody>
+          <a:bodyPr/>
+          <a:lstStyle/>
+          <a:p>
+            <a:r>
+              <a:rPr lang="zh-CN" altLang="en-US" dirty="0"/>
+              <a:t>在</a:t>
+            </a:r>
+            <a:r>
+              <a:rPr lang="en-US" altLang="zh-CN" dirty="0" err="1"/>
+              <a:t>jupyter</a:t>
+            </a:r>
+            <a:r>
+              <a:rPr lang="zh-CN" altLang="en-US" dirty="0"/>
+              <a:t>上，构建可视化</a:t>
+            </a:r>
+            <a:r>
+              <a:rPr lang="en-US" altLang="zh-CN" dirty="0"/>
+              <a:t>feature map</a:t>
+            </a:r>
+            <a:r>
+              <a:rPr lang="zh-CN" altLang="en-US" dirty="0"/>
+              <a:t>的方法，并且进行可视化。</a:t>
+            </a:r>
+            <a:endParaRPr lang="en-US" altLang="zh-CN" dirty="0"/>
+          </a:p>
+          <a:p>
+            <a:r>
+              <a:rPr lang="en-US" dirty="0"/>
+              <a:t>Ref: </a:t>
+            </a:r>
+            <a:r>
+              <a:rPr lang="en-US" dirty="0">
+                <a:hlinkClick r:id="rId2"/>
+              </a:rPr>
+              <a:t>How to Visualize Filters and Feature Maps in Convolutional Neural Networks</a:t>
+            </a:r>
+            <a:endParaRPr lang="en-US" dirty="0"/>
+          </a:p>
+          <a:p>
+            <a:endParaRPr lang="en-US" dirty="0"/>
+          </a:p>
+        </p:txBody>
+      </p:sp>
+      <p:sp>
+        <p:nvSpPr>
+          <p:cNvPr id="4" name="Date Placeholder 3">
+            <a:extLst>
+              <a:ext uri="{FF2B5EF4-FFF2-40B4-BE49-F238E27FC236}">
+                <a16:creationId xmlns:a16="http://schemas.microsoft.com/office/drawing/2014/main" id="{D4F46E80-CB5D-2846-B36E-EE50A34F84C8}"/>
+              </a:ext>
+            </a:extLst>
+          </p:cNvPr>
+          <p:cNvSpPr>
+            <a:spLocks noGrp="1"/>
+          </p:cNvSpPr>
+          <p:nvPr>
+            <p:ph type="dt" sz="half" idx="10"/>
+          </p:nvPr>
+        </p:nvSpPr>
+        <p:spPr/>
+        <p:txBody>
+          <a:bodyPr/>
+          <a:lstStyle/>
+          <a:p>
+            <a:fld id="{D483111E-5384-4450-87E5-51B3B2328436}" type="datetime1">
+              <a:rPr lang="en-US" altLang="zh-CN" smtClean="0"/>
+              <a:t>9/23/19</a:t>
+            </a:fld>
+            <a:endParaRPr lang="en-US"/>
+          </a:p>
+        </p:txBody>
+      </p:sp>
+      <p:sp>
+        <p:nvSpPr>
+          <p:cNvPr id="5" name="Slide Number Placeholder 4">
+            <a:extLst>
+              <a:ext uri="{FF2B5EF4-FFF2-40B4-BE49-F238E27FC236}">
+                <a16:creationId xmlns:a16="http://schemas.microsoft.com/office/drawing/2014/main" id="{C733172F-CA26-D24C-A717-04495F9B2A0E}"/>
+              </a:ext>
+            </a:extLst>
+          </p:cNvPr>
+          <p:cNvSpPr>
+            <a:spLocks noGrp="1"/>
+          </p:cNvSpPr>
+          <p:nvPr>
+            <p:ph type="sldNum" sz="quarter" idx="12"/>
+          </p:nvPr>
+        </p:nvSpPr>
+        <p:spPr/>
+        <p:txBody>
+          <a:bodyPr/>
+          <a:lstStyle/>
+          <a:p>
+            <a:fld id="{93D7A402-3076-2049-A745-4823B471CC62}" type="slidenum">
+              <a:rPr lang="en-US" smtClean="0"/>
+              <a:t>12</a:t>
+            </a:fld>
+            <a:endParaRPr lang="en-US"/>
+          </a:p>
+        </p:txBody>
+      </p:sp>
+    </p:spTree>
+    <p:extLst>
+      <p:ext uri="{BB962C8B-B14F-4D97-AF65-F5344CB8AC3E}">
+        <p14:creationId xmlns:p14="http://schemas.microsoft.com/office/powerpoint/2010/main" val="2422101946"/>
+      </p:ext>
+    </p:extLst>
+  </p:cSld>
+  <p:clrMapOvr>
+    <a:masterClrMapping/>
+  </p:clrMapOvr>
+</p:sld>
+</file>
+
+<file path=ppt/slides/slide13.xml><?xml version="1.0" encoding="utf-8"?>
+<p:sld xmlns:a="http://schemas.openxmlformats.org/drawingml/2006/main" xmlns:r="http://schemas.openxmlformats.org/officeDocument/2006/relationships" xmlns:p="http://schemas.openxmlformats.org/presentationml/2006/main">
+  <p:cSld>
+    <p:spTree>
+      <p:nvGrpSpPr>
+        <p:cNvPr id="1" name=""/>
+        <p:cNvGrpSpPr/>
+        <p:nvPr/>
+      </p:nvGrpSpPr>
+      <p:grpSpPr>
+        <a:xfrm>
+          <a:off x="0" y="0"/>
+          <a:ext cx="0" cy="0"/>
+          <a:chOff x="0" y="0"/>
+          <a:chExt cx="0" cy="0"/>
+        </a:xfrm>
+      </p:grpSpPr>
+      <p:sp>
+        <p:nvSpPr>
+          <p:cNvPr id="2" name="Title 1">
+            <a:extLst>
+              <a:ext uri="{FF2B5EF4-FFF2-40B4-BE49-F238E27FC236}">
+                <a16:creationId xmlns:a16="http://schemas.microsoft.com/office/drawing/2014/main" id="{C7AD168B-F31C-F24B-A01A-D6C41301391F}"/>
+              </a:ext>
+            </a:extLst>
+          </p:cNvPr>
+          <p:cNvSpPr>
+            <a:spLocks noGrp="1"/>
+          </p:cNvSpPr>
+          <p:nvPr>
+            <p:ph type="title"/>
+          </p:nvPr>
+        </p:nvSpPr>
+        <p:spPr/>
+        <p:txBody>
+          <a:bodyPr/>
+          <a:lstStyle/>
+          <a:p>
+            <a:r>
+              <a:rPr lang="en-US" dirty="0"/>
+              <a:t>JX</a:t>
+            </a:r>
+            <a:r>
+              <a:rPr lang="en-US" altLang="zh-CN" dirty="0"/>
+              <a:t>-</a:t>
+            </a:r>
+            <a:r>
+              <a:rPr lang="zh-CN" altLang="en-US" dirty="0"/>
+              <a:t>损失函数的范数</a:t>
+            </a:r>
+            <a:endParaRPr lang="en-US" dirty="0"/>
+          </a:p>
+        </p:txBody>
+      </p:sp>
+      <p:sp>
+        <p:nvSpPr>
+          <p:cNvPr id="3" name="Content Placeholder 2">
+            <a:extLst>
+              <a:ext uri="{FF2B5EF4-FFF2-40B4-BE49-F238E27FC236}">
+                <a16:creationId xmlns:a16="http://schemas.microsoft.com/office/drawing/2014/main" id="{081D77C2-CD68-8944-AB87-3A854D1C32EC}"/>
+              </a:ext>
+            </a:extLst>
+          </p:cNvPr>
+          <p:cNvSpPr>
+            <a:spLocks noGrp="1"/>
+          </p:cNvSpPr>
+          <p:nvPr>
+            <p:ph idx="1"/>
+          </p:nvPr>
+        </p:nvSpPr>
+        <p:spPr/>
+        <p:txBody>
+          <a:bodyPr/>
+          <a:lstStyle/>
+          <a:p>
+            <a:r>
+              <a:rPr lang="zh-CN" altLang="en-US" dirty="0"/>
+              <a:t>损失函数的范数可以尝试</a:t>
+            </a:r>
+            <a:r>
+              <a:rPr lang="en-US" altLang="zh-CN" dirty="0"/>
+              <a:t>L2</a:t>
+            </a:r>
+            <a:r>
+              <a:rPr lang="zh-CN" altLang="en-US" dirty="0"/>
+              <a:t>或者</a:t>
+            </a:r>
+            <a:r>
+              <a:rPr lang="en-US" altLang="zh-CN" dirty="0"/>
+              <a:t>L1, </a:t>
+            </a:r>
+            <a:r>
+              <a:rPr lang="zh-CN" altLang="en-US" dirty="0"/>
+              <a:t>需要通过实验比较其意义</a:t>
+            </a:r>
+            <a:endParaRPr lang="en-US" altLang="zh-CN" dirty="0"/>
+          </a:p>
+          <a:p>
+            <a:r>
+              <a:rPr lang="zh-CN" altLang="en-US" dirty="0"/>
+              <a:t>在</a:t>
+            </a:r>
+            <a:r>
+              <a:rPr lang="en-US" altLang="zh-CN" dirty="0" err="1"/>
+              <a:t>config.py</a:t>
+            </a:r>
+            <a:r>
+              <a:rPr lang="zh-CN" altLang="en-US" dirty="0"/>
+              <a:t>中增加该选项</a:t>
+            </a:r>
+            <a:endParaRPr lang="en-US" altLang="zh-CN" dirty="0"/>
+          </a:p>
+        </p:txBody>
+      </p:sp>
+      <p:sp>
+        <p:nvSpPr>
+          <p:cNvPr id="4" name="Date Placeholder 3">
+            <a:extLst>
+              <a:ext uri="{FF2B5EF4-FFF2-40B4-BE49-F238E27FC236}">
+                <a16:creationId xmlns:a16="http://schemas.microsoft.com/office/drawing/2014/main" id="{D4F46E80-CB5D-2846-B36E-EE50A34F84C8}"/>
+              </a:ext>
+            </a:extLst>
+          </p:cNvPr>
+          <p:cNvSpPr>
+            <a:spLocks noGrp="1"/>
+          </p:cNvSpPr>
+          <p:nvPr>
+            <p:ph type="dt" sz="half" idx="10"/>
+          </p:nvPr>
+        </p:nvSpPr>
+        <p:spPr/>
+        <p:txBody>
+          <a:bodyPr/>
+          <a:lstStyle/>
+          <a:p>
+            <a:fld id="{D483111E-5384-4450-87E5-51B3B2328436}" type="datetime1">
+              <a:rPr lang="en-US" altLang="zh-CN" smtClean="0"/>
+              <a:t>9/23/19</a:t>
+            </a:fld>
+            <a:endParaRPr lang="en-US"/>
+          </a:p>
+        </p:txBody>
+      </p:sp>
+      <p:sp>
+        <p:nvSpPr>
+          <p:cNvPr id="5" name="Slide Number Placeholder 4">
+            <a:extLst>
+              <a:ext uri="{FF2B5EF4-FFF2-40B4-BE49-F238E27FC236}">
+                <a16:creationId xmlns:a16="http://schemas.microsoft.com/office/drawing/2014/main" id="{C733172F-CA26-D24C-A717-04495F9B2A0E}"/>
+              </a:ext>
+            </a:extLst>
+          </p:cNvPr>
+          <p:cNvSpPr>
+            <a:spLocks noGrp="1"/>
+          </p:cNvSpPr>
+          <p:nvPr>
+            <p:ph type="sldNum" sz="quarter" idx="12"/>
+          </p:nvPr>
+        </p:nvSpPr>
+        <p:spPr/>
+        <p:txBody>
+          <a:bodyPr/>
+          <a:lstStyle/>
+          <a:p>
+            <a:fld id="{93D7A402-3076-2049-A745-4823B471CC62}" type="slidenum">
+              <a:rPr lang="en-US" smtClean="0"/>
+              <a:t>13</a:t>
+            </a:fld>
+            <a:endParaRPr lang="en-US"/>
+          </a:p>
+        </p:txBody>
+      </p:sp>
+    </p:spTree>
+    <p:extLst>
+      <p:ext uri="{BB962C8B-B14F-4D97-AF65-F5344CB8AC3E}">
+        <p14:creationId xmlns:p14="http://schemas.microsoft.com/office/powerpoint/2010/main" val="1580152589"/>
       </p:ext>
     </p:extLst>
   </p:cSld>
@@ -6579,7 +6950,7 @@
               <a:rPr lang="en-US" altLang="zh-CN" smtClean="0"/>
               <a:t>9/23/19</a:t>
             </a:fld>
-            <a:endParaRPr lang="en-US"/>
+            <a:endParaRPr lang="en-US" dirty="0"/>
           </a:p>
         </p:txBody>
       </p:sp>

--- a/ppt/Interpretation-9-20.pptx
+++ b/ppt/Interpretation-9-20.pptx
@@ -5,7 +5,7 @@
     <p:sldMasterId id="2147483648" r:id="rId1"/>
   </p:sldMasterIdLst>
   <p:notesMasterIdLst>
-    <p:notesMasterId r:id="rId15"/>
+    <p:notesMasterId r:id="rId21"/>
   </p:notesMasterIdLst>
   <p:sldIdLst>
     <p:sldId id="256" r:id="rId2"/>
@@ -20,7 +20,13 @@
     <p:sldId id="266" r:id="rId11"/>
     <p:sldId id="267" r:id="rId12"/>
     <p:sldId id="268" r:id="rId13"/>
-    <p:sldId id="269" r:id="rId14"/>
+    <p:sldId id="270" r:id="rId14"/>
+    <p:sldId id="271" r:id="rId15"/>
+    <p:sldId id="272" r:id="rId16"/>
+    <p:sldId id="273" r:id="rId17"/>
+    <p:sldId id="274" r:id="rId18"/>
+    <p:sldId id="275" r:id="rId19"/>
+    <p:sldId id="269" r:id="rId20"/>
   </p:sldIdLst>
   <p:sldSz cx="12192000" cy="6858000"/>
   <p:notesSz cx="6858000" cy="9144000"/>
@@ -136,6 +142,12 @@
             <p14:sldId id="266"/>
             <p14:sldId id="267"/>
             <p14:sldId id="268"/>
+            <p14:sldId id="270"/>
+            <p14:sldId id="271"/>
+            <p14:sldId id="272"/>
+            <p14:sldId id="273"/>
+            <p14:sldId id="274"/>
+            <p14:sldId id="275"/>
             <p14:sldId id="269"/>
           </p14:sldIdLst>
         </p14:section>
@@ -230,7 +242,7 @@
           <a:p>
             <a:fld id="{8A69F377-C162-4680-9BD9-7C23D4CFF851}" type="datetimeFigureOut">
               <a:rPr lang="zh-CN" altLang="en-US" smtClean="0"/>
-              <a:t>2019/9/23</a:t>
+              <a:t>2019/9/24</a:t>
             </a:fld>
             <a:endParaRPr lang="zh-CN" altLang="en-US"/>
           </a:p>
@@ -812,7 +824,7 @@
           <a:p>
             <a:fld id="{6110C06D-7A5C-4EFC-997D-06100A497197}" type="datetime1">
               <a:rPr lang="en-US" altLang="zh-CN" smtClean="0"/>
-              <a:t>9/23/19</a:t>
+              <a:t>9/24/19</a:t>
             </a:fld>
             <a:endParaRPr lang="en-US"/>
           </a:p>
@@ -1010,7 +1022,7 @@
           <a:p>
             <a:fld id="{208693CD-EAB3-4C4A-B6BC-E13B4E22CFEC}" type="datetime1">
               <a:rPr lang="en-US" altLang="zh-CN" smtClean="0"/>
-              <a:t>9/23/19</a:t>
+              <a:t>9/24/19</a:t>
             </a:fld>
             <a:endParaRPr lang="en-US"/>
           </a:p>
@@ -1218,7 +1230,7 @@
           <a:p>
             <a:fld id="{DF2B9BE3-15D4-4DBE-A744-51C26D8C89F5}" type="datetime1">
               <a:rPr lang="en-US" altLang="zh-CN" smtClean="0"/>
-              <a:t>9/23/19</a:t>
+              <a:t>9/24/19</a:t>
             </a:fld>
             <a:endParaRPr lang="en-US"/>
           </a:p>
@@ -1416,7 +1428,7 @@
           <a:p>
             <a:fld id="{D483111E-5384-4450-87E5-51B3B2328436}" type="datetime1">
               <a:rPr lang="en-US" altLang="zh-CN" smtClean="0"/>
-              <a:t>9/23/19</a:t>
+              <a:t>9/24/19</a:t>
             </a:fld>
             <a:endParaRPr lang="en-US"/>
           </a:p>
@@ -1691,7 +1703,7 @@
           <a:p>
             <a:fld id="{4C883E3E-2C2C-4299-A198-43C5B9691ED8}" type="datetime1">
               <a:rPr lang="en-US" altLang="zh-CN" smtClean="0"/>
-              <a:t>9/23/19</a:t>
+              <a:t>9/24/19</a:t>
             </a:fld>
             <a:endParaRPr lang="en-US"/>
           </a:p>
@@ -1956,7 +1968,7 @@
           <a:p>
             <a:fld id="{8AE1C8E2-3477-408B-8A18-BC57B5A57DE5}" type="datetime1">
               <a:rPr lang="en-US" altLang="zh-CN" smtClean="0"/>
-              <a:t>9/23/19</a:t>
+              <a:t>9/24/19</a:t>
             </a:fld>
             <a:endParaRPr lang="en-US"/>
           </a:p>
@@ -2368,7 +2380,7 @@
           <a:p>
             <a:fld id="{93B8B463-FD8B-4FE3-A2B0-56A8F331639C}" type="datetime1">
               <a:rPr lang="en-US" altLang="zh-CN" smtClean="0"/>
-              <a:t>9/23/19</a:t>
+              <a:t>9/24/19</a:t>
             </a:fld>
             <a:endParaRPr lang="en-US"/>
           </a:p>
@@ -2509,7 +2521,7 @@
           <a:p>
             <a:fld id="{FDB557D0-8350-4B6D-8E8F-81F075A8CA5A}" type="datetime1">
               <a:rPr lang="en-US" altLang="zh-CN" smtClean="0"/>
-              <a:t>9/23/19</a:t>
+              <a:t>9/24/19</a:t>
             </a:fld>
             <a:endParaRPr lang="en-US"/>
           </a:p>
@@ -2622,7 +2634,7 @@
           <a:p>
             <a:fld id="{2351E6A3-8727-4C49-BB0B-8D3B215E0F05}" type="datetime1">
               <a:rPr lang="en-US" altLang="zh-CN" smtClean="0"/>
-              <a:t>9/23/19</a:t>
+              <a:t>9/24/19</a:t>
             </a:fld>
             <a:endParaRPr lang="en-US"/>
           </a:p>
@@ -2933,7 +2945,7 @@
           <a:p>
             <a:fld id="{79C7CDA5-BE82-46C9-84A7-917789A4507C}" type="datetime1">
               <a:rPr lang="en-US" altLang="zh-CN" smtClean="0"/>
-              <a:t>9/23/19</a:t>
+              <a:t>9/24/19</a:t>
             </a:fld>
             <a:endParaRPr lang="en-US"/>
           </a:p>
@@ -3221,7 +3233,7 @@
           <a:p>
             <a:fld id="{867D3553-557E-47A6-AA35-FB9764499B9E}" type="datetime1">
               <a:rPr lang="en-US" altLang="zh-CN" smtClean="0"/>
-              <a:t>9/23/19</a:t>
+              <a:t>9/24/19</a:t>
             </a:fld>
             <a:endParaRPr lang="en-US"/>
           </a:p>
@@ -3462,7 +3474,7 @@
           <a:p>
             <a:fld id="{8A5258A8-249F-4202-8A92-0C595567D6C5}" type="datetime1">
               <a:rPr lang="en-US" altLang="zh-CN" smtClean="0"/>
-              <a:t>9/23/19</a:t>
+              <a:t>9/24/19</a:t>
             </a:fld>
             <a:endParaRPr lang="en-US"/>
           </a:p>
@@ -3956,7 +3968,7 @@
           <a:p>
             <a:fld id="{D17A8FA8-D9AF-44A9-9447-58E55764C556}" type="datetime1">
               <a:rPr lang="en-US" altLang="zh-CN" smtClean="0"/>
-              <a:t>9/23/19</a:t>
+              <a:t>9/24/19</a:t>
             </a:fld>
             <a:endParaRPr lang="en-US"/>
           </a:p>
@@ -4125,7 +4137,7 @@
           <a:p>
             <a:fld id="{BF677F50-21D8-40BE-B8F0-B2270733CF6B}" type="datetime1">
               <a:rPr lang="en-US" altLang="zh-CN" smtClean="0"/>
-              <a:t>9/23/19</a:t>
+              <a:t>9/24/19</a:t>
             </a:fld>
             <a:endParaRPr lang="en-US"/>
           </a:p>
@@ -4286,7 +4298,7 @@
           <a:p>
             <a:fld id="{BF677F50-21D8-40BE-B8F0-B2270733CF6B}" type="datetime1">
               <a:rPr lang="en-US" altLang="zh-CN" smtClean="0"/>
-              <a:t>9/23/19</a:t>
+              <a:t>9/24/19</a:t>
             </a:fld>
             <a:endParaRPr lang="en-US"/>
           </a:p>
@@ -4410,7 +4422,9 @@
         </p:nvSpPr>
         <p:spPr/>
         <p:txBody>
-          <a:bodyPr/>
+          <a:bodyPr>
+            <a:normAutofit fontScale="92500" lnSpcReduction="10000"/>
+          </a:bodyPr>
           <a:lstStyle/>
           <a:p>
             <a:r>
@@ -4449,7 +4463,48 @@
             <a:endParaRPr lang="en-US" dirty="0"/>
           </a:p>
           <a:p>
-            <a:endParaRPr lang="en-US" dirty="0"/>
+            <a:r>
+              <a:rPr lang="en-US" dirty="0"/>
+              <a:t>The idea of visualizing a feature map for a specific input image would be to understand </a:t>
+            </a:r>
+            <a:r>
+              <a:rPr lang="en-US" b="1" dirty="0"/>
+              <a:t>what features of the input are detected </a:t>
+            </a:r>
+            <a:r>
+              <a:rPr lang="en-US" dirty="0"/>
+              <a:t>or </a:t>
+            </a:r>
+            <a:r>
+              <a:rPr lang="en-US" b="1" dirty="0"/>
+              <a:t>preserved in the feature maps</a:t>
+            </a:r>
+            <a:r>
+              <a:rPr lang="en-US" dirty="0"/>
+              <a:t>. The expectation would be that the feature maps </a:t>
+            </a:r>
+            <a:r>
+              <a:rPr lang="en-US" b="1" dirty="0"/>
+              <a:t>close to the input detect small or fine-grained detail</a:t>
+            </a:r>
+            <a:r>
+              <a:rPr lang="en-US" dirty="0"/>
+              <a:t>, whereas feature maps </a:t>
+            </a:r>
+            <a:r>
+              <a:rPr lang="en-US" b="1" dirty="0"/>
+              <a:t>close to the output of the model capture more general features</a:t>
+            </a:r>
+            <a:r>
+              <a:rPr lang="en-US" dirty="0"/>
+              <a:t>. </a:t>
+            </a:r>
+          </a:p>
+          <a:p>
+            <a:r>
+              <a:rPr lang="en-US" dirty="0"/>
+              <a:t>Model abstract features from the image into more general concepts that can be used to make a classification. We generally lose the ability to interpret these deeper feature maps. </a:t>
+            </a:r>
           </a:p>
         </p:txBody>
       </p:sp>
@@ -4476,7 +4531,7 @@
           <a:p>
             <a:fld id="{D483111E-5384-4450-87E5-51B3B2328436}" type="datetime1">
               <a:rPr lang="en-US" altLang="zh-CN" smtClean="0"/>
-              <a:t>9/23/19</a:t>
+              <a:t>9/24/19</a:t>
             </a:fld>
             <a:endParaRPr lang="en-US"/>
           </a:p>
@@ -4572,7 +4627,11 @@
             </a:r>
             <a:r>
               <a:rPr lang="zh-CN" altLang="en-US" dirty="0"/>
-              <a:t>损失函数的范数</a:t>
+              <a:t>可视化</a:t>
+            </a:r>
+            <a:r>
+              <a:rPr lang="en-US" altLang="zh-CN" dirty="0"/>
+              <a:t>feature map</a:t>
             </a:r>
             <a:endParaRPr lang="en-US" dirty="0"/>
           </a:p>
@@ -4596,45 +4655,44 @@
         </p:nvSpPr>
         <p:spPr/>
         <p:txBody>
-          <a:bodyPr/>
-          <a:lstStyle/>
-          <a:p>
-            <a:r>
-              <a:rPr lang="zh-CN" altLang="en-US" dirty="0"/>
-              <a:t>损失函数的范数可以尝试</a:t>
+          <a:bodyPr>
+            <a:normAutofit/>
+          </a:bodyPr>
+          <a:lstStyle/>
+          <a:p>
+            <a:r>
+              <a:rPr lang="en-US" dirty="0"/>
+              <a:t>Features</a:t>
+            </a:r>
+            <a:r>
+              <a:rPr lang="zh-CN" altLang="en-US" dirty="0"/>
+              <a:t> </a:t>
             </a:r>
             <a:r>
               <a:rPr lang="en-US" altLang="zh-CN" dirty="0"/>
-              <a:t>L2</a:t>
-            </a:r>
-            <a:r>
-              <a:rPr lang="zh-CN" altLang="en-US" dirty="0"/>
-              <a:t>或者</a:t>
-            </a:r>
-            <a:r>
-              <a:rPr lang="en-US" altLang="zh-CN" dirty="0"/>
-              <a:t>L1, </a:t>
-            </a:r>
-            <a:r>
-              <a:rPr lang="zh-CN" altLang="en-US" dirty="0"/>
-              <a:t>需要通过实验比较其意义</a:t>
-            </a:r>
-            <a:endParaRPr lang="en-US" altLang="zh-CN" dirty="0"/>
-          </a:p>
-          <a:p>
-            <a:r>
-              <a:rPr lang="zh-CN" altLang="en-US" dirty="0"/>
-              <a:t>在</a:t>
+              <a:t>map</a:t>
+            </a:r>
+            <a:r>
+              <a:rPr lang="zh-CN" altLang="en-US" dirty="0"/>
+              <a:t>的可视化应该是在卷积后还是</a:t>
             </a:r>
             <a:r>
               <a:rPr lang="en-US" altLang="zh-CN" dirty="0" err="1"/>
-              <a:t>config.py</a:t>
-            </a:r>
-            <a:r>
-              <a:rPr lang="zh-CN" altLang="en-US" dirty="0"/>
-              <a:t>中增加该选项</a:t>
-            </a:r>
-            <a:endParaRPr lang="en-US" altLang="zh-CN" dirty="0"/>
+              <a:t>relu</a:t>
+            </a:r>
+            <a:r>
+              <a:rPr lang="zh-CN" altLang="en-US" dirty="0"/>
+              <a:t>之后， 看到的做法：</a:t>
+            </a:r>
+            <a:r>
+              <a:rPr lang="en-US" altLang="zh-CN" dirty="0" err="1"/>
+              <a:t>relu</a:t>
+            </a:r>
+            <a:r>
+              <a:rPr lang="zh-CN" altLang="en-US" dirty="0"/>
+              <a:t>之后</a:t>
+            </a:r>
+            <a:endParaRPr lang="en-US" dirty="0"/>
           </a:p>
         </p:txBody>
       </p:sp>
@@ -4661,7 +4719,7 @@
           <a:p>
             <a:fld id="{D483111E-5384-4450-87E5-51B3B2328436}" type="datetime1">
               <a:rPr lang="en-US" altLang="zh-CN" smtClean="0"/>
-              <a:t>9/23/19</a:t>
+              <a:t>9/24/19</a:t>
             </a:fld>
             <a:endParaRPr lang="en-US"/>
           </a:p>
@@ -4691,6 +4749,1606 @@
             <a:fld id="{93D7A402-3076-2049-A745-4823B471CC62}" type="slidenum">
               <a:rPr lang="en-US" smtClean="0"/>
               <a:t>13</a:t>
+            </a:fld>
+            <a:endParaRPr lang="en-US"/>
+          </a:p>
+        </p:txBody>
+      </p:sp>
+    </p:spTree>
+    <p:extLst>
+      <p:ext uri="{BB962C8B-B14F-4D97-AF65-F5344CB8AC3E}">
+        <p14:creationId xmlns:p14="http://schemas.microsoft.com/office/powerpoint/2010/main" val="2308448632"/>
+      </p:ext>
+    </p:extLst>
+  </p:cSld>
+  <p:clrMapOvr>
+    <a:masterClrMapping/>
+  </p:clrMapOvr>
+</p:sld>
+</file>
+
+<file path=ppt/slides/slide14.xml><?xml version="1.0" encoding="utf-8"?>
+<p:sld xmlns:a="http://schemas.openxmlformats.org/drawingml/2006/main" xmlns:r="http://schemas.openxmlformats.org/officeDocument/2006/relationships" xmlns:p="http://schemas.openxmlformats.org/presentationml/2006/main">
+  <p:cSld>
+    <p:spTree>
+      <p:nvGrpSpPr>
+        <p:cNvPr id="1" name=""/>
+        <p:cNvGrpSpPr/>
+        <p:nvPr/>
+      </p:nvGrpSpPr>
+      <p:grpSpPr>
+        <a:xfrm>
+          <a:off x="0" y="0"/>
+          <a:ext cx="0" cy="0"/>
+          <a:chOff x="0" y="0"/>
+          <a:chExt cx="0" cy="0"/>
+        </a:xfrm>
+      </p:grpSpPr>
+      <p:sp>
+        <p:nvSpPr>
+          <p:cNvPr id="2" name="Title 1">
+            <a:extLst>
+              <a:ext uri="{FF2B5EF4-FFF2-40B4-BE49-F238E27FC236}">
+                <a16:creationId xmlns:a16="http://schemas.microsoft.com/office/drawing/2014/main" id="{C7AD168B-F31C-F24B-A01A-D6C41301391F}"/>
+              </a:ext>
+            </a:extLst>
+          </p:cNvPr>
+          <p:cNvSpPr>
+            <a:spLocks noGrp="1"/>
+          </p:cNvSpPr>
+          <p:nvPr>
+            <p:ph type="title"/>
+          </p:nvPr>
+        </p:nvSpPr>
+        <p:spPr/>
+        <p:txBody>
+          <a:bodyPr/>
+          <a:lstStyle/>
+          <a:p>
+            <a:r>
+              <a:rPr lang="en-US" dirty="0"/>
+              <a:t>JX</a:t>
+            </a:r>
+            <a:r>
+              <a:rPr lang="en-US" altLang="zh-CN" dirty="0"/>
+              <a:t>-</a:t>
+            </a:r>
+            <a:r>
+              <a:rPr lang="zh-CN" altLang="en-US" dirty="0"/>
+              <a:t>可视化</a:t>
+            </a:r>
+            <a:r>
+              <a:rPr lang="en-US" altLang="zh-CN" dirty="0"/>
+              <a:t>feature map-</a:t>
+            </a:r>
+            <a:r>
+              <a:rPr lang="zh-CN" altLang="en-US" dirty="0">
+                <a:solidFill>
+                  <a:srgbClr val="FF0000"/>
+                </a:solidFill>
+              </a:rPr>
+              <a:t>结果分析（</a:t>
+            </a:r>
+            <a:r>
+              <a:rPr lang="en-US" altLang="zh-CN" dirty="0">
+                <a:solidFill>
+                  <a:srgbClr val="FF0000"/>
+                </a:solidFill>
+              </a:rPr>
+              <a:t>1</a:t>
+            </a:r>
+            <a:r>
+              <a:rPr lang="zh-CN" altLang="en-US" dirty="0">
+                <a:solidFill>
+                  <a:srgbClr val="FF0000"/>
+                </a:solidFill>
+              </a:rPr>
+              <a:t>）</a:t>
+            </a:r>
+            <a:endParaRPr lang="en-US" dirty="0">
+              <a:solidFill>
+                <a:srgbClr val="FF0000"/>
+              </a:solidFill>
+            </a:endParaRPr>
+          </a:p>
+        </p:txBody>
+      </p:sp>
+      <p:sp>
+        <p:nvSpPr>
+          <p:cNvPr id="3" name="Content Placeholder 2">
+            <a:extLst>
+              <a:ext uri="{FF2B5EF4-FFF2-40B4-BE49-F238E27FC236}">
+                <a16:creationId xmlns:a16="http://schemas.microsoft.com/office/drawing/2014/main" id="{081D77C2-CD68-8944-AB87-3A854D1C32EC}"/>
+              </a:ext>
+            </a:extLst>
+          </p:cNvPr>
+          <p:cNvSpPr>
+            <a:spLocks noGrp="1"/>
+          </p:cNvSpPr>
+          <p:nvPr>
+            <p:ph idx="1"/>
+          </p:nvPr>
+        </p:nvSpPr>
+        <p:spPr/>
+        <p:txBody>
+          <a:bodyPr>
+            <a:normAutofit/>
+          </a:bodyPr>
+          <a:lstStyle/>
+          <a:p>
+            <a:r>
+              <a:rPr lang="zh-CN" altLang="en-US" dirty="0"/>
+              <a:t>选用了</a:t>
+            </a:r>
+            <a:r>
+              <a:rPr lang="en-US" altLang="zh-CN" dirty="0" err="1"/>
+              <a:t>relu</a:t>
+            </a:r>
+            <a:r>
+              <a:rPr lang="zh-CN" altLang="en-US" dirty="0"/>
+              <a:t>出来的结果做分析。</a:t>
+            </a:r>
+            <a:endParaRPr lang="en-US" altLang="zh-CN" dirty="0"/>
+          </a:p>
+          <a:p>
+            <a:r>
+              <a:rPr lang="en-US" dirty="0"/>
+              <a:t>Low layer </a:t>
+            </a:r>
+            <a:r>
+              <a:rPr lang="zh-CN" altLang="en-US" dirty="0"/>
+              <a:t>显然更接近输入，不同</a:t>
+            </a:r>
+            <a:r>
+              <a:rPr lang="en-US" altLang="zh-CN" dirty="0"/>
+              <a:t>filter</a:t>
+            </a:r>
+            <a:r>
+              <a:rPr lang="zh-CN" altLang="en-US" dirty="0"/>
+              <a:t>激活的区域显然不相同。比如说</a:t>
+            </a:r>
+            <a:r>
+              <a:rPr lang="en-US" altLang="zh-CN" dirty="0"/>
+              <a:t>6</a:t>
+            </a:r>
+            <a:r>
+              <a:rPr lang="zh-CN" altLang="en-US" dirty="0"/>
+              <a:t>号（左边）和</a:t>
+            </a:r>
+            <a:r>
+              <a:rPr lang="en-US" altLang="zh-CN" dirty="0"/>
+              <a:t>8</a:t>
+            </a:r>
+            <a:r>
+              <a:rPr lang="zh-CN" altLang="en-US" dirty="0"/>
+              <a:t>号（右边），一个背景激活，一个</a:t>
+            </a:r>
+            <a:r>
+              <a:rPr lang="en-US" altLang="zh-CN" dirty="0"/>
+              <a:t>5</a:t>
+            </a:r>
+            <a:r>
+              <a:rPr lang="zh-CN" altLang="en-US" dirty="0"/>
+              <a:t>本身被激活</a:t>
+            </a:r>
+            <a:endParaRPr lang="en-US" altLang="zh-CN" dirty="0"/>
+          </a:p>
+          <a:p>
+            <a:endParaRPr lang="en-US" dirty="0"/>
+          </a:p>
+          <a:p>
+            <a:pPr marL="0" indent="0">
+              <a:buNone/>
+            </a:pPr>
+            <a:endParaRPr lang="en-US" dirty="0"/>
+          </a:p>
+          <a:p>
+            <a:r>
+              <a:rPr lang="en-US" dirty="0"/>
+              <a:t>High layer </a:t>
+            </a:r>
+            <a:r>
+              <a:rPr lang="zh-CN" altLang="en-US" dirty="0"/>
+              <a:t>更抽象，关注的特征难以理解</a:t>
+            </a:r>
+            <a:endParaRPr lang="en-US" altLang="zh-CN" dirty="0"/>
+          </a:p>
+          <a:p>
+            <a:endParaRPr lang="en-US" dirty="0"/>
+          </a:p>
+          <a:p>
+            <a:endParaRPr lang="en-US" dirty="0"/>
+          </a:p>
+        </p:txBody>
+      </p:sp>
+      <p:sp>
+        <p:nvSpPr>
+          <p:cNvPr id="4" name="Date Placeholder 3">
+            <a:extLst>
+              <a:ext uri="{FF2B5EF4-FFF2-40B4-BE49-F238E27FC236}">
+                <a16:creationId xmlns:a16="http://schemas.microsoft.com/office/drawing/2014/main" id="{D4F46E80-CB5D-2846-B36E-EE50A34F84C8}"/>
+              </a:ext>
+            </a:extLst>
+          </p:cNvPr>
+          <p:cNvSpPr>
+            <a:spLocks noGrp="1"/>
+          </p:cNvSpPr>
+          <p:nvPr>
+            <p:ph type="dt" sz="half" idx="10"/>
+          </p:nvPr>
+        </p:nvSpPr>
+        <p:spPr/>
+        <p:txBody>
+          <a:bodyPr/>
+          <a:lstStyle/>
+          <a:p>
+            <a:fld id="{D483111E-5384-4450-87E5-51B3B2328436}" type="datetime1">
+              <a:rPr lang="en-US" altLang="zh-CN" smtClean="0"/>
+              <a:t>9/24/19</a:t>
+            </a:fld>
+            <a:endParaRPr lang="en-US"/>
+          </a:p>
+        </p:txBody>
+      </p:sp>
+      <p:sp>
+        <p:nvSpPr>
+          <p:cNvPr id="5" name="Slide Number Placeholder 4">
+            <a:extLst>
+              <a:ext uri="{FF2B5EF4-FFF2-40B4-BE49-F238E27FC236}">
+                <a16:creationId xmlns:a16="http://schemas.microsoft.com/office/drawing/2014/main" id="{C733172F-CA26-D24C-A717-04495F9B2A0E}"/>
+              </a:ext>
+            </a:extLst>
+          </p:cNvPr>
+          <p:cNvSpPr>
+            <a:spLocks noGrp="1"/>
+          </p:cNvSpPr>
+          <p:nvPr>
+            <p:ph type="sldNum" sz="quarter" idx="12"/>
+          </p:nvPr>
+        </p:nvSpPr>
+        <p:spPr/>
+        <p:txBody>
+          <a:bodyPr/>
+          <a:lstStyle/>
+          <a:p>
+            <a:fld id="{93D7A402-3076-2049-A745-4823B471CC62}" type="slidenum">
+              <a:rPr lang="en-US" smtClean="0"/>
+              <a:t>14</a:t>
+            </a:fld>
+            <a:endParaRPr lang="en-US"/>
+          </a:p>
+        </p:txBody>
+      </p:sp>
+      <p:pic>
+        <p:nvPicPr>
+          <p:cNvPr id="6" name="Picture 5">
+            <a:extLst>
+              <a:ext uri="{FF2B5EF4-FFF2-40B4-BE49-F238E27FC236}">
+                <a16:creationId xmlns:a16="http://schemas.microsoft.com/office/drawing/2014/main" id="{26605874-F861-2546-9BF0-3698178EEF71}"/>
+              </a:ext>
+            </a:extLst>
+          </p:cNvPr>
+          <p:cNvPicPr>
+            <a:picLocks noChangeAspect="1"/>
+          </p:cNvPicPr>
+          <p:nvPr/>
+        </p:nvPicPr>
+        <p:blipFill>
+          <a:blip r:embed="rId2"/>
+          <a:stretch>
+            <a:fillRect/>
+          </a:stretch>
+        </p:blipFill>
+        <p:spPr>
+          <a:xfrm>
+            <a:off x="3306539" y="3496469"/>
+            <a:ext cx="1801776" cy="880868"/>
+          </a:xfrm>
+          <a:prstGeom prst="rect">
+            <a:avLst/>
+          </a:prstGeom>
+        </p:spPr>
+      </p:pic>
+      <p:pic>
+        <p:nvPicPr>
+          <p:cNvPr id="7" name="Picture 6">
+            <a:extLst>
+              <a:ext uri="{FF2B5EF4-FFF2-40B4-BE49-F238E27FC236}">
+                <a16:creationId xmlns:a16="http://schemas.microsoft.com/office/drawing/2014/main" id="{F7FD3785-9DA4-5D41-86F1-F08F1E61C089}"/>
+              </a:ext>
+            </a:extLst>
+          </p:cNvPr>
+          <p:cNvPicPr>
+            <a:picLocks noChangeAspect="1"/>
+          </p:cNvPicPr>
+          <p:nvPr/>
+        </p:nvPicPr>
+        <p:blipFill>
+          <a:blip r:embed="rId3"/>
+          <a:stretch>
+            <a:fillRect/>
+          </a:stretch>
+        </p:blipFill>
+        <p:spPr>
+          <a:xfrm>
+            <a:off x="5535372" y="3429000"/>
+            <a:ext cx="1439503" cy="972637"/>
+          </a:xfrm>
+          <a:prstGeom prst="rect">
+            <a:avLst/>
+          </a:prstGeom>
+        </p:spPr>
+      </p:pic>
+      <p:pic>
+        <p:nvPicPr>
+          <p:cNvPr id="8" name="Picture 7">
+            <a:extLst>
+              <a:ext uri="{FF2B5EF4-FFF2-40B4-BE49-F238E27FC236}">
+                <a16:creationId xmlns:a16="http://schemas.microsoft.com/office/drawing/2014/main" id="{BB3D636A-25C5-4348-ABF6-B89229B18ECA}"/>
+              </a:ext>
+            </a:extLst>
+          </p:cNvPr>
+          <p:cNvPicPr>
+            <a:picLocks noChangeAspect="1"/>
+          </p:cNvPicPr>
+          <p:nvPr/>
+        </p:nvPicPr>
+        <p:blipFill>
+          <a:blip r:embed="rId4"/>
+          <a:stretch>
+            <a:fillRect/>
+          </a:stretch>
+        </p:blipFill>
+        <p:spPr>
+          <a:xfrm rot="16200000">
+            <a:off x="4353303" y="2125237"/>
+            <a:ext cx="1276050" cy="7186176"/>
+          </a:xfrm>
+          <a:prstGeom prst="rect">
+            <a:avLst/>
+          </a:prstGeom>
+        </p:spPr>
+      </p:pic>
+      <p:pic>
+        <p:nvPicPr>
+          <p:cNvPr id="9" name="Picture 8">
+            <a:extLst>
+              <a:ext uri="{FF2B5EF4-FFF2-40B4-BE49-F238E27FC236}">
+                <a16:creationId xmlns:a16="http://schemas.microsoft.com/office/drawing/2014/main" id="{28712C10-3A9E-9F48-B1E1-2C9649A2064B}"/>
+              </a:ext>
+            </a:extLst>
+          </p:cNvPr>
+          <p:cNvPicPr>
+            <a:picLocks noChangeAspect="1"/>
+          </p:cNvPicPr>
+          <p:nvPr/>
+        </p:nvPicPr>
+        <p:blipFill>
+          <a:blip r:embed="rId5"/>
+          <a:stretch>
+            <a:fillRect/>
+          </a:stretch>
+        </p:blipFill>
+        <p:spPr>
+          <a:xfrm>
+            <a:off x="5971522" y="1512671"/>
+            <a:ext cx="1003353" cy="721160"/>
+          </a:xfrm>
+          <a:prstGeom prst="rect">
+            <a:avLst/>
+          </a:prstGeom>
+        </p:spPr>
+      </p:pic>
+    </p:spTree>
+    <p:extLst>
+      <p:ext uri="{BB962C8B-B14F-4D97-AF65-F5344CB8AC3E}">
+        <p14:creationId xmlns:p14="http://schemas.microsoft.com/office/powerpoint/2010/main" val="1916724574"/>
+      </p:ext>
+    </p:extLst>
+  </p:cSld>
+  <p:clrMapOvr>
+    <a:masterClrMapping/>
+  </p:clrMapOvr>
+</p:sld>
+</file>
+
+<file path=ppt/slides/slide15.xml><?xml version="1.0" encoding="utf-8"?>
+<p:sld xmlns:a="http://schemas.openxmlformats.org/drawingml/2006/main" xmlns:r="http://schemas.openxmlformats.org/officeDocument/2006/relationships" xmlns:p="http://schemas.openxmlformats.org/presentationml/2006/main">
+  <p:cSld>
+    <p:spTree>
+      <p:nvGrpSpPr>
+        <p:cNvPr id="1" name=""/>
+        <p:cNvGrpSpPr/>
+        <p:nvPr/>
+      </p:nvGrpSpPr>
+      <p:grpSpPr>
+        <a:xfrm>
+          <a:off x="0" y="0"/>
+          <a:ext cx="0" cy="0"/>
+          <a:chOff x="0" y="0"/>
+          <a:chExt cx="0" cy="0"/>
+        </a:xfrm>
+      </p:grpSpPr>
+      <p:sp>
+        <p:nvSpPr>
+          <p:cNvPr id="2" name="Title 1">
+            <a:extLst>
+              <a:ext uri="{FF2B5EF4-FFF2-40B4-BE49-F238E27FC236}">
+                <a16:creationId xmlns:a16="http://schemas.microsoft.com/office/drawing/2014/main" id="{C7AD168B-F31C-F24B-A01A-D6C41301391F}"/>
+              </a:ext>
+            </a:extLst>
+          </p:cNvPr>
+          <p:cNvSpPr>
+            <a:spLocks noGrp="1"/>
+          </p:cNvSpPr>
+          <p:nvPr>
+            <p:ph type="title"/>
+          </p:nvPr>
+        </p:nvSpPr>
+        <p:spPr/>
+        <p:txBody>
+          <a:bodyPr/>
+          <a:lstStyle/>
+          <a:p>
+            <a:r>
+              <a:rPr lang="en-US" dirty="0"/>
+              <a:t>JX</a:t>
+            </a:r>
+            <a:r>
+              <a:rPr lang="en-US" altLang="zh-CN" dirty="0"/>
+              <a:t>-</a:t>
+            </a:r>
+            <a:r>
+              <a:rPr lang="zh-CN" altLang="en-US" dirty="0"/>
+              <a:t>可视化</a:t>
+            </a:r>
+            <a:r>
+              <a:rPr lang="en-US" altLang="zh-CN" dirty="0"/>
+              <a:t>feature map-</a:t>
+            </a:r>
+            <a:r>
+              <a:rPr lang="zh-CN" altLang="en-US" dirty="0">
+                <a:solidFill>
+                  <a:srgbClr val="FF0000"/>
+                </a:solidFill>
+              </a:rPr>
+              <a:t>结果分析（</a:t>
+            </a:r>
+            <a:r>
+              <a:rPr lang="en-US" altLang="zh-CN" dirty="0">
+                <a:solidFill>
+                  <a:srgbClr val="FF0000"/>
+                </a:solidFill>
+              </a:rPr>
+              <a:t>2</a:t>
+            </a:r>
+            <a:r>
+              <a:rPr lang="zh-CN" altLang="en-US" dirty="0">
+                <a:solidFill>
+                  <a:srgbClr val="FF0000"/>
+                </a:solidFill>
+              </a:rPr>
+              <a:t>）</a:t>
+            </a:r>
+            <a:endParaRPr lang="en-US" dirty="0">
+              <a:solidFill>
+                <a:srgbClr val="FF0000"/>
+              </a:solidFill>
+            </a:endParaRPr>
+          </a:p>
+        </p:txBody>
+      </p:sp>
+      <p:sp>
+        <p:nvSpPr>
+          <p:cNvPr id="3" name="Content Placeholder 2">
+            <a:extLst>
+              <a:ext uri="{FF2B5EF4-FFF2-40B4-BE49-F238E27FC236}">
+                <a16:creationId xmlns:a16="http://schemas.microsoft.com/office/drawing/2014/main" id="{081D77C2-CD68-8944-AB87-3A854D1C32EC}"/>
+              </a:ext>
+            </a:extLst>
+          </p:cNvPr>
+          <p:cNvSpPr>
+            <a:spLocks noGrp="1"/>
+          </p:cNvSpPr>
+          <p:nvPr>
+            <p:ph idx="1"/>
+          </p:nvPr>
+        </p:nvSpPr>
+        <p:spPr/>
+        <p:txBody>
+          <a:bodyPr>
+            <a:normAutofit/>
+          </a:bodyPr>
+          <a:lstStyle/>
+          <a:p>
+            <a:r>
+              <a:rPr lang="zh-CN" altLang="en-US" dirty="0"/>
+              <a:t>根据</a:t>
+            </a:r>
+            <a:r>
+              <a:rPr lang="en-US" altLang="zh-CN" dirty="0"/>
+              <a:t>feature</a:t>
+            </a:r>
+            <a:r>
+              <a:rPr lang="zh-CN" altLang="en-US" dirty="0"/>
+              <a:t> </a:t>
+            </a:r>
+            <a:r>
+              <a:rPr lang="en-US" altLang="zh-CN" dirty="0"/>
+              <a:t>map</a:t>
+            </a:r>
+            <a:r>
+              <a:rPr lang="zh-CN" altLang="en-US" dirty="0"/>
+              <a:t>激活的情况，选择了</a:t>
+            </a:r>
+            <a:r>
+              <a:rPr lang="en-US" altLang="zh-CN" dirty="0"/>
+              <a:t>low layer 8</a:t>
+            </a:r>
+            <a:r>
+              <a:rPr lang="zh-CN" altLang="en-US" dirty="0"/>
+              <a:t>号</a:t>
+            </a:r>
+            <a:r>
+              <a:rPr lang="en-US" altLang="zh-CN" dirty="0"/>
+              <a:t>filter</a:t>
+            </a:r>
+            <a:r>
+              <a:rPr lang="zh-CN" altLang="en-US" dirty="0"/>
+              <a:t>来分析，做了</a:t>
+            </a:r>
+            <a:r>
+              <a:rPr lang="en-US" altLang="zh-CN" dirty="0"/>
+              <a:t>101, 102</a:t>
+            </a:r>
+            <a:r>
+              <a:rPr lang="zh-CN" altLang="en-US" dirty="0"/>
+              <a:t>两组实验</a:t>
+            </a:r>
+            <a:r>
+              <a:rPr lang="en-US" altLang="zh-CN" dirty="0"/>
+              <a:t>, </a:t>
+            </a:r>
+            <a:r>
+              <a:rPr lang="en-US" altLang="zh-CN" dirty="0" err="1"/>
+              <a:t>relu</a:t>
+            </a:r>
+            <a:r>
+              <a:rPr lang="zh-CN" altLang="en-US" dirty="0"/>
+              <a:t>前和</a:t>
+            </a:r>
+            <a:r>
+              <a:rPr lang="en-US" altLang="zh-CN" dirty="0" err="1"/>
+              <a:t>relu</a:t>
+            </a:r>
+            <a:r>
+              <a:rPr lang="zh-CN" altLang="en-US" dirty="0"/>
+              <a:t>后。从效果来看，</a:t>
+            </a:r>
+            <a:r>
+              <a:rPr lang="en-US" altLang="zh-CN" dirty="0" err="1"/>
+              <a:t>relu</a:t>
+            </a:r>
+            <a:r>
+              <a:rPr lang="zh-CN" altLang="en-US" dirty="0"/>
+              <a:t>后可能更好。</a:t>
+            </a:r>
+            <a:endParaRPr lang="en-US" dirty="0"/>
+          </a:p>
+        </p:txBody>
+      </p:sp>
+      <p:sp>
+        <p:nvSpPr>
+          <p:cNvPr id="4" name="Date Placeholder 3">
+            <a:extLst>
+              <a:ext uri="{FF2B5EF4-FFF2-40B4-BE49-F238E27FC236}">
+                <a16:creationId xmlns:a16="http://schemas.microsoft.com/office/drawing/2014/main" id="{D4F46E80-CB5D-2846-B36E-EE50A34F84C8}"/>
+              </a:ext>
+            </a:extLst>
+          </p:cNvPr>
+          <p:cNvSpPr>
+            <a:spLocks noGrp="1"/>
+          </p:cNvSpPr>
+          <p:nvPr>
+            <p:ph type="dt" sz="half" idx="10"/>
+          </p:nvPr>
+        </p:nvSpPr>
+        <p:spPr/>
+        <p:txBody>
+          <a:bodyPr/>
+          <a:lstStyle/>
+          <a:p>
+            <a:fld id="{D483111E-5384-4450-87E5-51B3B2328436}" type="datetime1">
+              <a:rPr lang="en-US" altLang="zh-CN" smtClean="0"/>
+              <a:t>9/24/19</a:t>
+            </a:fld>
+            <a:endParaRPr lang="en-US"/>
+          </a:p>
+        </p:txBody>
+      </p:sp>
+      <p:sp>
+        <p:nvSpPr>
+          <p:cNvPr id="5" name="Slide Number Placeholder 4">
+            <a:extLst>
+              <a:ext uri="{FF2B5EF4-FFF2-40B4-BE49-F238E27FC236}">
+                <a16:creationId xmlns:a16="http://schemas.microsoft.com/office/drawing/2014/main" id="{C733172F-CA26-D24C-A717-04495F9B2A0E}"/>
+              </a:ext>
+            </a:extLst>
+          </p:cNvPr>
+          <p:cNvSpPr>
+            <a:spLocks noGrp="1"/>
+          </p:cNvSpPr>
+          <p:nvPr>
+            <p:ph type="sldNum" sz="quarter" idx="12"/>
+          </p:nvPr>
+        </p:nvSpPr>
+        <p:spPr/>
+        <p:txBody>
+          <a:bodyPr/>
+          <a:lstStyle/>
+          <a:p>
+            <a:fld id="{93D7A402-3076-2049-A745-4823B471CC62}" type="slidenum">
+              <a:rPr lang="en-US" smtClean="0"/>
+              <a:t>15</a:t>
+            </a:fld>
+            <a:endParaRPr lang="en-US"/>
+          </a:p>
+        </p:txBody>
+      </p:sp>
+      <p:pic>
+        <p:nvPicPr>
+          <p:cNvPr id="9" name="Picture 8">
+            <a:extLst>
+              <a:ext uri="{FF2B5EF4-FFF2-40B4-BE49-F238E27FC236}">
+                <a16:creationId xmlns:a16="http://schemas.microsoft.com/office/drawing/2014/main" id="{FED7B5D4-44EA-AE4F-92F4-E813ECBDCD11}"/>
+              </a:ext>
+            </a:extLst>
+          </p:cNvPr>
+          <p:cNvPicPr>
+            <a:picLocks noChangeAspect="1"/>
+          </p:cNvPicPr>
+          <p:nvPr/>
+        </p:nvPicPr>
+        <p:blipFill>
+          <a:blip r:embed="rId2"/>
+          <a:stretch>
+            <a:fillRect/>
+          </a:stretch>
+        </p:blipFill>
+        <p:spPr>
+          <a:xfrm>
+            <a:off x="1943100" y="2786606"/>
+            <a:ext cx="3276600" cy="3263900"/>
+          </a:xfrm>
+          <a:prstGeom prst="rect">
+            <a:avLst/>
+          </a:prstGeom>
+        </p:spPr>
+      </p:pic>
+      <p:pic>
+        <p:nvPicPr>
+          <p:cNvPr id="10" name="Picture 9">
+            <a:extLst>
+              <a:ext uri="{FF2B5EF4-FFF2-40B4-BE49-F238E27FC236}">
+                <a16:creationId xmlns:a16="http://schemas.microsoft.com/office/drawing/2014/main" id="{881186E0-F7FD-DC49-ABE7-E7716A7AB032}"/>
+              </a:ext>
+            </a:extLst>
+          </p:cNvPr>
+          <p:cNvPicPr>
+            <a:picLocks noChangeAspect="1"/>
+          </p:cNvPicPr>
+          <p:nvPr/>
+        </p:nvPicPr>
+        <p:blipFill>
+          <a:blip r:embed="rId3"/>
+          <a:stretch>
+            <a:fillRect/>
+          </a:stretch>
+        </p:blipFill>
+        <p:spPr>
+          <a:xfrm>
+            <a:off x="5916895" y="2748506"/>
+            <a:ext cx="3289300" cy="3302000"/>
+          </a:xfrm>
+          <a:prstGeom prst="rect">
+            <a:avLst/>
+          </a:prstGeom>
+        </p:spPr>
+      </p:pic>
+    </p:spTree>
+    <p:extLst>
+      <p:ext uri="{BB962C8B-B14F-4D97-AF65-F5344CB8AC3E}">
+        <p14:creationId xmlns:p14="http://schemas.microsoft.com/office/powerpoint/2010/main" val="3467647917"/>
+      </p:ext>
+    </p:extLst>
+  </p:cSld>
+  <p:clrMapOvr>
+    <a:masterClrMapping/>
+  </p:clrMapOvr>
+</p:sld>
+</file>
+
+<file path=ppt/slides/slide16.xml><?xml version="1.0" encoding="utf-8"?>
+<p:sld xmlns:a="http://schemas.openxmlformats.org/drawingml/2006/main" xmlns:r="http://schemas.openxmlformats.org/officeDocument/2006/relationships" xmlns:p="http://schemas.openxmlformats.org/presentationml/2006/main">
+  <p:cSld>
+    <p:spTree>
+      <p:nvGrpSpPr>
+        <p:cNvPr id="1" name=""/>
+        <p:cNvGrpSpPr/>
+        <p:nvPr/>
+      </p:nvGrpSpPr>
+      <p:grpSpPr>
+        <a:xfrm>
+          <a:off x="0" y="0"/>
+          <a:ext cx="0" cy="0"/>
+          <a:chOff x="0" y="0"/>
+          <a:chExt cx="0" cy="0"/>
+        </a:xfrm>
+      </p:grpSpPr>
+      <p:sp>
+        <p:nvSpPr>
+          <p:cNvPr id="2" name="Title 1">
+            <a:extLst>
+              <a:ext uri="{FF2B5EF4-FFF2-40B4-BE49-F238E27FC236}">
+                <a16:creationId xmlns:a16="http://schemas.microsoft.com/office/drawing/2014/main" id="{C7AD168B-F31C-F24B-A01A-D6C41301391F}"/>
+              </a:ext>
+            </a:extLst>
+          </p:cNvPr>
+          <p:cNvSpPr>
+            <a:spLocks noGrp="1"/>
+          </p:cNvSpPr>
+          <p:nvPr>
+            <p:ph type="title"/>
+          </p:nvPr>
+        </p:nvSpPr>
+        <p:spPr/>
+        <p:txBody>
+          <a:bodyPr/>
+          <a:lstStyle/>
+          <a:p>
+            <a:r>
+              <a:rPr lang="en-US" dirty="0"/>
+              <a:t>JX</a:t>
+            </a:r>
+            <a:r>
+              <a:rPr lang="en-US" altLang="zh-CN" dirty="0"/>
+              <a:t>-</a:t>
+            </a:r>
+            <a:r>
+              <a:rPr lang="zh-CN" altLang="en-US" dirty="0"/>
+              <a:t>可视化</a:t>
+            </a:r>
+            <a:r>
+              <a:rPr lang="en-US" altLang="zh-CN" dirty="0"/>
+              <a:t>feature map-</a:t>
+            </a:r>
+            <a:r>
+              <a:rPr lang="zh-CN" altLang="en-US" dirty="0">
+                <a:solidFill>
+                  <a:srgbClr val="FF0000"/>
+                </a:solidFill>
+              </a:rPr>
+              <a:t>结果分析（</a:t>
+            </a:r>
+            <a:r>
+              <a:rPr lang="en-US" altLang="zh-CN" dirty="0">
+                <a:solidFill>
+                  <a:srgbClr val="FF0000"/>
+                </a:solidFill>
+              </a:rPr>
+              <a:t>3</a:t>
+            </a:r>
+            <a:r>
+              <a:rPr lang="zh-CN" altLang="en-US" dirty="0">
+                <a:solidFill>
+                  <a:srgbClr val="FF0000"/>
+                </a:solidFill>
+              </a:rPr>
+              <a:t>）</a:t>
+            </a:r>
+            <a:endParaRPr lang="en-US" dirty="0">
+              <a:solidFill>
+                <a:srgbClr val="FF0000"/>
+              </a:solidFill>
+            </a:endParaRPr>
+          </a:p>
+        </p:txBody>
+      </p:sp>
+      <p:sp>
+        <p:nvSpPr>
+          <p:cNvPr id="3" name="Content Placeholder 2">
+            <a:extLst>
+              <a:ext uri="{FF2B5EF4-FFF2-40B4-BE49-F238E27FC236}">
+                <a16:creationId xmlns:a16="http://schemas.microsoft.com/office/drawing/2014/main" id="{081D77C2-CD68-8944-AB87-3A854D1C32EC}"/>
+              </a:ext>
+            </a:extLst>
+          </p:cNvPr>
+          <p:cNvSpPr>
+            <a:spLocks noGrp="1"/>
+          </p:cNvSpPr>
+          <p:nvPr>
+            <p:ph idx="1"/>
+          </p:nvPr>
+        </p:nvSpPr>
+        <p:spPr/>
+        <p:txBody>
+          <a:bodyPr>
+            <a:normAutofit/>
+          </a:bodyPr>
+          <a:lstStyle/>
+          <a:p>
+            <a:r>
+              <a:rPr lang="zh-CN" altLang="en-US" dirty="0"/>
+              <a:t>从损失函数的优化角度来看，两者的损失函数绝对值依旧非常大。相比</a:t>
+            </a:r>
+            <a:r>
+              <a:rPr lang="en-US" altLang="zh-CN" dirty="0"/>
+              <a:t> high layer</a:t>
+            </a:r>
+            <a:r>
+              <a:rPr lang="zh-CN" altLang="en-US" dirty="0"/>
+              <a:t>优化出来的结果。</a:t>
+            </a:r>
+            <a:endParaRPr lang="en-US" dirty="0"/>
+          </a:p>
+        </p:txBody>
+      </p:sp>
+      <p:sp>
+        <p:nvSpPr>
+          <p:cNvPr id="4" name="Date Placeholder 3">
+            <a:extLst>
+              <a:ext uri="{FF2B5EF4-FFF2-40B4-BE49-F238E27FC236}">
+                <a16:creationId xmlns:a16="http://schemas.microsoft.com/office/drawing/2014/main" id="{D4F46E80-CB5D-2846-B36E-EE50A34F84C8}"/>
+              </a:ext>
+            </a:extLst>
+          </p:cNvPr>
+          <p:cNvSpPr>
+            <a:spLocks noGrp="1"/>
+          </p:cNvSpPr>
+          <p:nvPr>
+            <p:ph type="dt" sz="half" idx="10"/>
+          </p:nvPr>
+        </p:nvSpPr>
+        <p:spPr/>
+        <p:txBody>
+          <a:bodyPr/>
+          <a:lstStyle/>
+          <a:p>
+            <a:fld id="{D483111E-5384-4450-87E5-51B3B2328436}" type="datetime1">
+              <a:rPr lang="en-US" altLang="zh-CN" smtClean="0"/>
+              <a:t>9/24/19</a:t>
+            </a:fld>
+            <a:endParaRPr lang="en-US"/>
+          </a:p>
+        </p:txBody>
+      </p:sp>
+      <p:sp>
+        <p:nvSpPr>
+          <p:cNvPr id="5" name="Slide Number Placeholder 4">
+            <a:extLst>
+              <a:ext uri="{FF2B5EF4-FFF2-40B4-BE49-F238E27FC236}">
+                <a16:creationId xmlns:a16="http://schemas.microsoft.com/office/drawing/2014/main" id="{C733172F-CA26-D24C-A717-04495F9B2A0E}"/>
+              </a:ext>
+            </a:extLst>
+          </p:cNvPr>
+          <p:cNvSpPr>
+            <a:spLocks noGrp="1"/>
+          </p:cNvSpPr>
+          <p:nvPr>
+            <p:ph type="sldNum" sz="quarter" idx="12"/>
+          </p:nvPr>
+        </p:nvSpPr>
+        <p:spPr/>
+        <p:txBody>
+          <a:bodyPr/>
+          <a:lstStyle/>
+          <a:p>
+            <a:fld id="{93D7A402-3076-2049-A745-4823B471CC62}" type="slidenum">
+              <a:rPr lang="en-US" smtClean="0"/>
+              <a:t>16</a:t>
+            </a:fld>
+            <a:endParaRPr lang="en-US"/>
+          </a:p>
+        </p:txBody>
+      </p:sp>
+      <p:pic>
+        <p:nvPicPr>
+          <p:cNvPr id="6" name="Picture 5">
+            <a:extLst>
+              <a:ext uri="{FF2B5EF4-FFF2-40B4-BE49-F238E27FC236}">
+                <a16:creationId xmlns:a16="http://schemas.microsoft.com/office/drawing/2014/main" id="{D9C98EEE-C2F6-9446-9893-86282ECDA68A}"/>
+              </a:ext>
+            </a:extLst>
+          </p:cNvPr>
+          <p:cNvPicPr>
+            <a:picLocks noChangeAspect="1"/>
+          </p:cNvPicPr>
+          <p:nvPr/>
+        </p:nvPicPr>
+        <p:blipFill>
+          <a:blip r:embed="rId2"/>
+          <a:stretch>
+            <a:fillRect/>
+          </a:stretch>
+        </p:blipFill>
+        <p:spPr>
+          <a:xfrm>
+            <a:off x="1620420" y="3175478"/>
+            <a:ext cx="8951159" cy="3105150"/>
+          </a:xfrm>
+          <a:prstGeom prst="rect">
+            <a:avLst/>
+          </a:prstGeom>
+        </p:spPr>
+      </p:pic>
+    </p:spTree>
+    <p:extLst>
+      <p:ext uri="{BB962C8B-B14F-4D97-AF65-F5344CB8AC3E}">
+        <p14:creationId xmlns:p14="http://schemas.microsoft.com/office/powerpoint/2010/main" val="3196728068"/>
+      </p:ext>
+    </p:extLst>
+  </p:cSld>
+  <p:clrMapOvr>
+    <a:masterClrMapping/>
+  </p:clrMapOvr>
+</p:sld>
+</file>
+
+<file path=ppt/slides/slide17.xml><?xml version="1.0" encoding="utf-8"?>
+<p:sld xmlns:a="http://schemas.openxmlformats.org/drawingml/2006/main" xmlns:r="http://schemas.openxmlformats.org/officeDocument/2006/relationships" xmlns:p="http://schemas.openxmlformats.org/presentationml/2006/main">
+  <p:cSld>
+    <p:spTree>
+      <p:nvGrpSpPr>
+        <p:cNvPr id="1" name=""/>
+        <p:cNvGrpSpPr/>
+        <p:nvPr/>
+      </p:nvGrpSpPr>
+      <p:grpSpPr>
+        <a:xfrm>
+          <a:off x="0" y="0"/>
+          <a:ext cx="0" cy="0"/>
+          <a:chOff x="0" y="0"/>
+          <a:chExt cx="0" cy="0"/>
+        </a:xfrm>
+      </p:grpSpPr>
+      <p:sp>
+        <p:nvSpPr>
+          <p:cNvPr id="2" name="Title 1">
+            <a:extLst>
+              <a:ext uri="{FF2B5EF4-FFF2-40B4-BE49-F238E27FC236}">
+                <a16:creationId xmlns:a16="http://schemas.microsoft.com/office/drawing/2014/main" id="{C7AD168B-F31C-F24B-A01A-D6C41301391F}"/>
+              </a:ext>
+            </a:extLst>
+          </p:cNvPr>
+          <p:cNvSpPr>
+            <a:spLocks noGrp="1"/>
+          </p:cNvSpPr>
+          <p:nvPr>
+            <p:ph type="title"/>
+          </p:nvPr>
+        </p:nvSpPr>
+        <p:spPr/>
+        <p:txBody>
+          <a:bodyPr/>
+          <a:lstStyle/>
+          <a:p>
+            <a:r>
+              <a:rPr lang="en-US" dirty="0"/>
+              <a:t>JX</a:t>
+            </a:r>
+            <a:r>
+              <a:rPr lang="en-US" altLang="zh-CN" dirty="0"/>
+              <a:t>-</a:t>
+            </a:r>
+            <a:r>
+              <a:rPr lang="zh-CN" altLang="en-US" dirty="0"/>
+              <a:t>可视化</a:t>
+            </a:r>
+            <a:r>
+              <a:rPr lang="en-US" altLang="zh-CN" dirty="0"/>
+              <a:t>feature map-</a:t>
+            </a:r>
+            <a:r>
+              <a:rPr lang="zh-CN" altLang="en-US" dirty="0">
+                <a:solidFill>
+                  <a:srgbClr val="FF0000"/>
+                </a:solidFill>
+              </a:rPr>
+              <a:t>结果分析（</a:t>
+            </a:r>
+            <a:r>
+              <a:rPr lang="en-US" altLang="zh-CN" dirty="0">
+                <a:solidFill>
+                  <a:srgbClr val="FF0000"/>
+                </a:solidFill>
+              </a:rPr>
+              <a:t>4</a:t>
+            </a:r>
+            <a:r>
+              <a:rPr lang="zh-CN" altLang="en-US" dirty="0">
+                <a:solidFill>
+                  <a:srgbClr val="FF0000"/>
+                </a:solidFill>
+              </a:rPr>
+              <a:t>）</a:t>
+            </a:r>
+            <a:endParaRPr lang="en-US" dirty="0">
+              <a:solidFill>
+                <a:srgbClr val="FF0000"/>
+              </a:solidFill>
+            </a:endParaRPr>
+          </a:p>
+        </p:txBody>
+      </p:sp>
+      <p:sp>
+        <p:nvSpPr>
+          <p:cNvPr id="3" name="Content Placeholder 2">
+            <a:extLst>
+              <a:ext uri="{FF2B5EF4-FFF2-40B4-BE49-F238E27FC236}">
+                <a16:creationId xmlns:a16="http://schemas.microsoft.com/office/drawing/2014/main" id="{081D77C2-CD68-8944-AB87-3A854D1C32EC}"/>
+              </a:ext>
+            </a:extLst>
+          </p:cNvPr>
+          <p:cNvSpPr>
+            <a:spLocks noGrp="1"/>
+          </p:cNvSpPr>
+          <p:nvPr>
+            <p:ph idx="1"/>
+          </p:nvPr>
+        </p:nvSpPr>
+        <p:spPr/>
+        <p:txBody>
+          <a:bodyPr>
+            <a:normAutofit/>
+          </a:bodyPr>
+          <a:lstStyle/>
+          <a:p>
+            <a:r>
+              <a:rPr lang="zh-CN" altLang="en-US" dirty="0"/>
+              <a:t>根据</a:t>
+            </a:r>
+            <a:r>
+              <a:rPr lang="en-US" altLang="zh-CN" dirty="0"/>
+              <a:t>feature</a:t>
+            </a:r>
+            <a:r>
+              <a:rPr lang="zh-CN" altLang="en-US" dirty="0"/>
+              <a:t> </a:t>
+            </a:r>
+            <a:r>
+              <a:rPr lang="en-US" altLang="zh-CN" dirty="0"/>
+              <a:t>map</a:t>
+            </a:r>
+            <a:r>
+              <a:rPr lang="zh-CN" altLang="en-US" dirty="0"/>
+              <a:t>激活的情况，选择了</a:t>
+            </a:r>
+            <a:r>
+              <a:rPr lang="en-US" altLang="zh-CN" dirty="0"/>
+              <a:t>low layer 6</a:t>
+            </a:r>
+            <a:r>
+              <a:rPr lang="zh-CN" altLang="en-US" dirty="0"/>
+              <a:t>号</a:t>
+            </a:r>
+            <a:r>
+              <a:rPr lang="en-US" altLang="zh-CN" dirty="0"/>
+              <a:t>filter</a:t>
+            </a:r>
+            <a:r>
+              <a:rPr lang="zh-CN" altLang="en-US" dirty="0"/>
+              <a:t>来分析，做了</a:t>
+            </a:r>
+            <a:r>
+              <a:rPr lang="en-US" altLang="zh-CN" dirty="0"/>
+              <a:t>103</a:t>
+            </a:r>
+            <a:r>
+              <a:rPr lang="zh-CN" altLang="en-US" dirty="0"/>
+              <a:t>实验。优化不出任何东西。</a:t>
+            </a:r>
+            <a:endParaRPr lang="en-US" dirty="0"/>
+          </a:p>
+        </p:txBody>
+      </p:sp>
+      <p:sp>
+        <p:nvSpPr>
+          <p:cNvPr id="4" name="Date Placeholder 3">
+            <a:extLst>
+              <a:ext uri="{FF2B5EF4-FFF2-40B4-BE49-F238E27FC236}">
+                <a16:creationId xmlns:a16="http://schemas.microsoft.com/office/drawing/2014/main" id="{D4F46E80-CB5D-2846-B36E-EE50A34F84C8}"/>
+              </a:ext>
+            </a:extLst>
+          </p:cNvPr>
+          <p:cNvSpPr>
+            <a:spLocks noGrp="1"/>
+          </p:cNvSpPr>
+          <p:nvPr>
+            <p:ph type="dt" sz="half" idx="10"/>
+          </p:nvPr>
+        </p:nvSpPr>
+        <p:spPr/>
+        <p:txBody>
+          <a:bodyPr/>
+          <a:lstStyle/>
+          <a:p>
+            <a:fld id="{D483111E-5384-4450-87E5-51B3B2328436}" type="datetime1">
+              <a:rPr lang="en-US" altLang="zh-CN" smtClean="0"/>
+              <a:t>9/24/19</a:t>
+            </a:fld>
+            <a:endParaRPr lang="en-US"/>
+          </a:p>
+        </p:txBody>
+      </p:sp>
+      <p:sp>
+        <p:nvSpPr>
+          <p:cNvPr id="5" name="Slide Number Placeholder 4">
+            <a:extLst>
+              <a:ext uri="{FF2B5EF4-FFF2-40B4-BE49-F238E27FC236}">
+                <a16:creationId xmlns:a16="http://schemas.microsoft.com/office/drawing/2014/main" id="{C733172F-CA26-D24C-A717-04495F9B2A0E}"/>
+              </a:ext>
+            </a:extLst>
+          </p:cNvPr>
+          <p:cNvSpPr>
+            <a:spLocks noGrp="1"/>
+          </p:cNvSpPr>
+          <p:nvPr>
+            <p:ph type="sldNum" sz="quarter" idx="12"/>
+          </p:nvPr>
+        </p:nvSpPr>
+        <p:spPr/>
+        <p:txBody>
+          <a:bodyPr/>
+          <a:lstStyle/>
+          <a:p>
+            <a:fld id="{93D7A402-3076-2049-A745-4823B471CC62}" type="slidenum">
+              <a:rPr lang="en-US" smtClean="0"/>
+              <a:t>17</a:t>
+            </a:fld>
+            <a:endParaRPr lang="en-US"/>
+          </a:p>
+        </p:txBody>
+      </p:sp>
+      <p:pic>
+        <p:nvPicPr>
+          <p:cNvPr id="7" name="Picture 6">
+            <a:extLst>
+              <a:ext uri="{FF2B5EF4-FFF2-40B4-BE49-F238E27FC236}">
+                <a16:creationId xmlns:a16="http://schemas.microsoft.com/office/drawing/2014/main" id="{3D7F14CC-E12E-D846-A725-4E450EFD1E82}"/>
+              </a:ext>
+            </a:extLst>
+          </p:cNvPr>
+          <p:cNvPicPr>
+            <a:picLocks noChangeAspect="1"/>
+          </p:cNvPicPr>
+          <p:nvPr/>
+        </p:nvPicPr>
+        <p:blipFill>
+          <a:blip r:embed="rId2"/>
+          <a:stretch>
+            <a:fillRect/>
+          </a:stretch>
+        </p:blipFill>
+        <p:spPr>
+          <a:xfrm>
+            <a:off x="1002270" y="2723463"/>
+            <a:ext cx="3403600" cy="3289300"/>
+          </a:xfrm>
+          <a:prstGeom prst="rect">
+            <a:avLst/>
+          </a:prstGeom>
+        </p:spPr>
+      </p:pic>
+      <p:pic>
+        <p:nvPicPr>
+          <p:cNvPr id="8" name="Picture 7">
+            <a:extLst>
+              <a:ext uri="{FF2B5EF4-FFF2-40B4-BE49-F238E27FC236}">
+                <a16:creationId xmlns:a16="http://schemas.microsoft.com/office/drawing/2014/main" id="{A19A2C39-C6CE-9E4A-87CB-FE842F341FAA}"/>
+              </a:ext>
+            </a:extLst>
+          </p:cNvPr>
+          <p:cNvPicPr>
+            <a:picLocks noChangeAspect="1"/>
+          </p:cNvPicPr>
+          <p:nvPr/>
+        </p:nvPicPr>
+        <p:blipFill>
+          <a:blip r:embed="rId3"/>
+          <a:stretch>
+            <a:fillRect/>
+          </a:stretch>
+        </p:blipFill>
+        <p:spPr>
+          <a:xfrm>
+            <a:off x="4509532" y="3429000"/>
+            <a:ext cx="6553200" cy="1600200"/>
+          </a:xfrm>
+          <a:prstGeom prst="rect">
+            <a:avLst/>
+          </a:prstGeom>
+        </p:spPr>
+      </p:pic>
+    </p:spTree>
+    <p:extLst>
+      <p:ext uri="{BB962C8B-B14F-4D97-AF65-F5344CB8AC3E}">
+        <p14:creationId xmlns:p14="http://schemas.microsoft.com/office/powerpoint/2010/main" val="3181450666"/>
+      </p:ext>
+    </p:extLst>
+  </p:cSld>
+  <p:clrMapOvr>
+    <a:masterClrMapping/>
+  </p:clrMapOvr>
+</p:sld>
+</file>
+
+<file path=ppt/slides/slide18.xml><?xml version="1.0" encoding="utf-8"?>
+<p:sld xmlns:a="http://schemas.openxmlformats.org/drawingml/2006/main" xmlns:r="http://schemas.openxmlformats.org/officeDocument/2006/relationships" xmlns:p="http://schemas.openxmlformats.org/presentationml/2006/main">
+  <p:cSld>
+    <p:spTree>
+      <p:nvGrpSpPr>
+        <p:cNvPr id="1" name=""/>
+        <p:cNvGrpSpPr/>
+        <p:nvPr/>
+      </p:nvGrpSpPr>
+      <p:grpSpPr>
+        <a:xfrm>
+          <a:off x="0" y="0"/>
+          <a:ext cx="0" cy="0"/>
+          <a:chOff x="0" y="0"/>
+          <a:chExt cx="0" cy="0"/>
+        </a:xfrm>
+      </p:grpSpPr>
+      <p:sp>
+        <p:nvSpPr>
+          <p:cNvPr id="2" name="Title 1">
+            <a:extLst>
+              <a:ext uri="{FF2B5EF4-FFF2-40B4-BE49-F238E27FC236}">
+                <a16:creationId xmlns:a16="http://schemas.microsoft.com/office/drawing/2014/main" id="{C7AD168B-F31C-F24B-A01A-D6C41301391F}"/>
+              </a:ext>
+            </a:extLst>
+          </p:cNvPr>
+          <p:cNvSpPr>
+            <a:spLocks noGrp="1"/>
+          </p:cNvSpPr>
+          <p:nvPr>
+            <p:ph type="title"/>
+          </p:nvPr>
+        </p:nvSpPr>
+        <p:spPr/>
+        <p:txBody>
+          <a:bodyPr/>
+          <a:lstStyle/>
+          <a:p>
+            <a:r>
+              <a:rPr lang="en-US" dirty="0"/>
+              <a:t>JX</a:t>
+            </a:r>
+            <a:r>
+              <a:rPr lang="en-US" altLang="zh-CN" dirty="0"/>
+              <a:t>-</a:t>
+            </a:r>
+            <a:r>
+              <a:rPr lang="zh-CN" altLang="en-US" dirty="0"/>
+              <a:t>可视化</a:t>
+            </a:r>
+            <a:r>
+              <a:rPr lang="en-US" altLang="zh-CN" dirty="0"/>
+              <a:t>feature map-</a:t>
+            </a:r>
+            <a:r>
+              <a:rPr lang="zh-CN" altLang="en-US" dirty="0">
+                <a:solidFill>
+                  <a:srgbClr val="FF0000"/>
+                </a:solidFill>
+              </a:rPr>
+              <a:t>结果分析（</a:t>
+            </a:r>
+            <a:r>
+              <a:rPr lang="en-US" altLang="zh-CN" dirty="0">
+                <a:solidFill>
+                  <a:srgbClr val="FF0000"/>
+                </a:solidFill>
+              </a:rPr>
+              <a:t>5</a:t>
+            </a:r>
+            <a:r>
+              <a:rPr lang="zh-CN" altLang="en-US" dirty="0">
+                <a:solidFill>
+                  <a:srgbClr val="FF0000"/>
+                </a:solidFill>
+              </a:rPr>
+              <a:t>）</a:t>
+            </a:r>
+            <a:endParaRPr lang="en-US" dirty="0">
+              <a:solidFill>
+                <a:srgbClr val="FF0000"/>
+              </a:solidFill>
+            </a:endParaRPr>
+          </a:p>
+        </p:txBody>
+      </p:sp>
+      <p:sp>
+        <p:nvSpPr>
+          <p:cNvPr id="3" name="Content Placeholder 2">
+            <a:extLst>
+              <a:ext uri="{FF2B5EF4-FFF2-40B4-BE49-F238E27FC236}">
+                <a16:creationId xmlns:a16="http://schemas.microsoft.com/office/drawing/2014/main" id="{081D77C2-CD68-8944-AB87-3A854D1C32EC}"/>
+              </a:ext>
+            </a:extLst>
+          </p:cNvPr>
+          <p:cNvSpPr>
+            <a:spLocks noGrp="1"/>
+          </p:cNvSpPr>
+          <p:nvPr>
+            <p:ph idx="1"/>
+          </p:nvPr>
+        </p:nvSpPr>
+        <p:spPr/>
+        <p:txBody>
+          <a:bodyPr>
+            <a:normAutofit/>
+          </a:bodyPr>
+          <a:lstStyle/>
+          <a:p>
+            <a:r>
+              <a:rPr lang="zh-CN" altLang="en-US" dirty="0"/>
+              <a:t>可视化的结果可能不一定能正确反应数据的分布，要不要考虑使用</a:t>
+            </a:r>
+            <a:r>
+              <a:rPr lang="en-US" altLang="zh-CN" dirty="0"/>
+              <a:t>seaborn</a:t>
+            </a:r>
+            <a:r>
+              <a:rPr lang="zh-CN" altLang="en-US" dirty="0"/>
+              <a:t>之类的将数据分布</a:t>
+            </a:r>
+            <a:r>
+              <a:rPr lang="zh-CN" altLang="en-US"/>
+              <a:t>显示出来？</a:t>
+            </a:r>
+            <a:endParaRPr lang="en-US" dirty="0"/>
+          </a:p>
+        </p:txBody>
+      </p:sp>
+      <p:sp>
+        <p:nvSpPr>
+          <p:cNvPr id="4" name="Date Placeholder 3">
+            <a:extLst>
+              <a:ext uri="{FF2B5EF4-FFF2-40B4-BE49-F238E27FC236}">
+                <a16:creationId xmlns:a16="http://schemas.microsoft.com/office/drawing/2014/main" id="{D4F46E80-CB5D-2846-B36E-EE50A34F84C8}"/>
+              </a:ext>
+            </a:extLst>
+          </p:cNvPr>
+          <p:cNvSpPr>
+            <a:spLocks noGrp="1"/>
+          </p:cNvSpPr>
+          <p:nvPr>
+            <p:ph type="dt" sz="half" idx="10"/>
+          </p:nvPr>
+        </p:nvSpPr>
+        <p:spPr/>
+        <p:txBody>
+          <a:bodyPr/>
+          <a:lstStyle/>
+          <a:p>
+            <a:fld id="{D483111E-5384-4450-87E5-51B3B2328436}" type="datetime1">
+              <a:rPr lang="en-US" altLang="zh-CN" smtClean="0"/>
+              <a:t>9/24/19</a:t>
+            </a:fld>
+            <a:endParaRPr lang="en-US"/>
+          </a:p>
+        </p:txBody>
+      </p:sp>
+      <p:sp>
+        <p:nvSpPr>
+          <p:cNvPr id="5" name="Slide Number Placeholder 4">
+            <a:extLst>
+              <a:ext uri="{FF2B5EF4-FFF2-40B4-BE49-F238E27FC236}">
+                <a16:creationId xmlns:a16="http://schemas.microsoft.com/office/drawing/2014/main" id="{C733172F-CA26-D24C-A717-04495F9B2A0E}"/>
+              </a:ext>
+            </a:extLst>
+          </p:cNvPr>
+          <p:cNvSpPr>
+            <a:spLocks noGrp="1"/>
+          </p:cNvSpPr>
+          <p:nvPr>
+            <p:ph type="sldNum" sz="quarter" idx="12"/>
+          </p:nvPr>
+        </p:nvSpPr>
+        <p:spPr/>
+        <p:txBody>
+          <a:bodyPr/>
+          <a:lstStyle/>
+          <a:p>
+            <a:fld id="{93D7A402-3076-2049-A745-4823B471CC62}" type="slidenum">
+              <a:rPr lang="en-US" smtClean="0"/>
+              <a:t>18</a:t>
+            </a:fld>
+            <a:endParaRPr lang="en-US"/>
+          </a:p>
+        </p:txBody>
+      </p:sp>
+    </p:spTree>
+    <p:extLst>
+      <p:ext uri="{BB962C8B-B14F-4D97-AF65-F5344CB8AC3E}">
+        <p14:creationId xmlns:p14="http://schemas.microsoft.com/office/powerpoint/2010/main" val="920862445"/>
+      </p:ext>
+    </p:extLst>
+  </p:cSld>
+  <p:clrMapOvr>
+    <a:masterClrMapping/>
+  </p:clrMapOvr>
+</p:sld>
+</file>
+
+<file path=ppt/slides/slide19.xml><?xml version="1.0" encoding="utf-8"?>
+<p:sld xmlns:a="http://schemas.openxmlformats.org/drawingml/2006/main" xmlns:r="http://schemas.openxmlformats.org/officeDocument/2006/relationships" xmlns:p="http://schemas.openxmlformats.org/presentationml/2006/main">
+  <p:cSld>
+    <p:spTree>
+      <p:nvGrpSpPr>
+        <p:cNvPr id="1" name=""/>
+        <p:cNvGrpSpPr/>
+        <p:nvPr/>
+      </p:nvGrpSpPr>
+      <p:grpSpPr>
+        <a:xfrm>
+          <a:off x="0" y="0"/>
+          <a:ext cx="0" cy="0"/>
+          <a:chOff x="0" y="0"/>
+          <a:chExt cx="0" cy="0"/>
+        </a:xfrm>
+      </p:grpSpPr>
+      <p:sp>
+        <p:nvSpPr>
+          <p:cNvPr id="2" name="Title 1">
+            <a:extLst>
+              <a:ext uri="{FF2B5EF4-FFF2-40B4-BE49-F238E27FC236}">
+                <a16:creationId xmlns:a16="http://schemas.microsoft.com/office/drawing/2014/main" id="{C7AD168B-F31C-F24B-A01A-D6C41301391F}"/>
+              </a:ext>
+            </a:extLst>
+          </p:cNvPr>
+          <p:cNvSpPr>
+            <a:spLocks noGrp="1"/>
+          </p:cNvSpPr>
+          <p:nvPr>
+            <p:ph type="title"/>
+          </p:nvPr>
+        </p:nvSpPr>
+        <p:spPr/>
+        <p:txBody>
+          <a:bodyPr/>
+          <a:lstStyle/>
+          <a:p>
+            <a:r>
+              <a:rPr lang="en-US" dirty="0"/>
+              <a:t>JX</a:t>
+            </a:r>
+            <a:r>
+              <a:rPr lang="en-US" altLang="zh-CN" dirty="0"/>
+              <a:t>-</a:t>
+            </a:r>
+            <a:r>
+              <a:rPr lang="zh-CN" altLang="en-US" dirty="0"/>
+              <a:t>损失函数的范数</a:t>
+            </a:r>
+            <a:endParaRPr lang="en-US" dirty="0"/>
+          </a:p>
+        </p:txBody>
+      </p:sp>
+      <p:sp>
+        <p:nvSpPr>
+          <p:cNvPr id="3" name="Content Placeholder 2">
+            <a:extLst>
+              <a:ext uri="{FF2B5EF4-FFF2-40B4-BE49-F238E27FC236}">
+                <a16:creationId xmlns:a16="http://schemas.microsoft.com/office/drawing/2014/main" id="{081D77C2-CD68-8944-AB87-3A854D1C32EC}"/>
+              </a:ext>
+            </a:extLst>
+          </p:cNvPr>
+          <p:cNvSpPr>
+            <a:spLocks noGrp="1"/>
+          </p:cNvSpPr>
+          <p:nvPr>
+            <p:ph idx="1"/>
+          </p:nvPr>
+        </p:nvSpPr>
+        <p:spPr/>
+        <p:txBody>
+          <a:bodyPr/>
+          <a:lstStyle/>
+          <a:p>
+            <a:r>
+              <a:rPr lang="zh-CN" altLang="en-US" dirty="0"/>
+              <a:t>损失函数的范数可以尝试</a:t>
+            </a:r>
+            <a:r>
+              <a:rPr lang="en-US" altLang="zh-CN" dirty="0"/>
+              <a:t>L2</a:t>
+            </a:r>
+            <a:r>
+              <a:rPr lang="zh-CN" altLang="en-US" dirty="0"/>
+              <a:t>或者</a:t>
+            </a:r>
+            <a:r>
+              <a:rPr lang="en-US" altLang="zh-CN" dirty="0"/>
+              <a:t>L1, </a:t>
+            </a:r>
+            <a:r>
+              <a:rPr lang="zh-CN" altLang="en-US" dirty="0"/>
+              <a:t>需要通过实验比较其意义</a:t>
+            </a:r>
+            <a:endParaRPr lang="en-US" altLang="zh-CN" dirty="0"/>
+          </a:p>
+          <a:p>
+            <a:r>
+              <a:rPr lang="zh-CN" altLang="en-US" dirty="0"/>
+              <a:t>在</a:t>
+            </a:r>
+            <a:r>
+              <a:rPr lang="en-US" altLang="zh-CN" dirty="0" err="1"/>
+              <a:t>config.py</a:t>
+            </a:r>
+            <a:r>
+              <a:rPr lang="zh-CN" altLang="en-US" dirty="0"/>
+              <a:t>中增加该选项</a:t>
+            </a:r>
+            <a:endParaRPr lang="en-US" altLang="zh-CN" dirty="0"/>
+          </a:p>
+        </p:txBody>
+      </p:sp>
+      <p:sp>
+        <p:nvSpPr>
+          <p:cNvPr id="4" name="Date Placeholder 3">
+            <a:extLst>
+              <a:ext uri="{FF2B5EF4-FFF2-40B4-BE49-F238E27FC236}">
+                <a16:creationId xmlns:a16="http://schemas.microsoft.com/office/drawing/2014/main" id="{D4F46E80-CB5D-2846-B36E-EE50A34F84C8}"/>
+              </a:ext>
+            </a:extLst>
+          </p:cNvPr>
+          <p:cNvSpPr>
+            <a:spLocks noGrp="1"/>
+          </p:cNvSpPr>
+          <p:nvPr>
+            <p:ph type="dt" sz="half" idx="10"/>
+          </p:nvPr>
+        </p:nvSpPr>
+        <p:spPr/>
+        <p:txBody>
+          <a:bodyPr/>
+          <a:lstStyle/>
+          <a:p>
+            <a:fld id="{D483111E-5384-4450-87E5-51B3B2328436}" type="datetime1">
+              <a:rPr lang="en-US" altLang="zh-CN" smtClean="0"/>
+              <a:t>9/24/19</a:t>
+            </a:fld>
+            <a:endParaRPr lang="en-US"/>
+          </a:p>
+        </p:txBody>
+      </p:sp>
+      <p:sp>
+        <p:nvSpPr>
+          <p:cNvPr id="5" name="Slide Number Placeholder 4">
+            <a:extLst>
+              <a:ext uri="{FF2B5EF4-FFF2-40B4-BE49-F238E27FC236}">
+                <a16:creationId xmlns:a16="http://schemas.microsoft.com/office/drawing/2014/main" id="{C733172F-CA26-D24C-A717-04495F9B2A0E}"/>
+              </a:ext>
+            </a:extLst>
+          </p:cNvPr>
+          <p:cNvSpPr>
+            <a:spLocks noGrp="1"/>
+          </p:cNvSpPr>
+          <p:nvPr>
+            <p:ph type="sldNum" sz="quarter" idx="12"/>
+          </p:nvPr>
+        </p:nvSpPr>
+        <p:spPr/>
+        <p:txBody>
+          <a:bodyPr/>
+          <a:lstStyle/>
+          <a:p>
+            <a:fld id="{93D7A402-3076-2049-A745-4823B471CC62}" type="slidenum">
+              <a:rPr lang="en-US" smtClean="0"/>
+              <a:t>19</a:t>
             </a:fld>
             <a:endParaRPr lang="en-US"/>
           </a:p>
@@ -4832,7 +6490,7 @@
           <a:p>
             <a:fld id="{C563B692-CE74-499F-9357-A4F8D07A9D42}" type="datetime1">
               <a:rPr lang="en-US" altLang="zh-CN" smtClean="0"/>
-              <a:t>9/23/19</a:t>
+              <a:t>9/24/19</a:t>
             </a:fld>
             <a:endParaRPr lang="en-US"/>
           </a:p>
@@ -5276,7 +6934,7 @@
           <a:p>
             <a:fld id="{A871C4F0-1127-448D-8D03-CE814C5D2706}" type="datetime1">
               <a:rPr lang="en-US" altLang="zh-CN" smtClean="0"/>
-              <a:t>9/23/19</a:t>
+              <a:t>9/24/19</a:t>
             </a:fld>
             <a:endParaRPr lang="en-US"/>
           </a:p>
@@ -6091,7 +7749,7 @@
           <a:p>
             <a:fld id="{1255B269-F348-439F-A6D0-CBB90A314411}" type="datetime1">
               <a:rPr lang="en-US" altLang="zh-CN" smtClean="0"/>
-              <a:t>9/23/19</a:t>
+              <a:t>9/24/19</a:t>
             </a:fld>
             <a:endParaRPr lang="en-US"/>
           </a:p>
@@ -6482,7 +8140,7 @@
           <a:p>
             <a:fld id="{CF64532A-7BDE-40DC-A051-D57142ED605E}" type="datetime1">
               <a:rPr lang="en-US" altLang="zh-CN" smtClean="0"/>
-              <a:t>9/23/19</a:t>
+              <a:t>9/24/19</a:t>
             </a:fld>
             <a:endParaRPr lang="en-US"/>
           </a:p>
@@ -6707,7 +8365,7 @@
           <a:p>
             <a:fld id="{57C153ED-CC8E-4B72-9AF7-5F1AF4B98566}" type="datetime1">
               <a:rPr lang="en-US" altLang="zh-CN" smtClean="0"/>
-              <a:t>9/23/19</a:t>
+              <a:t>9/24/19</a:t>
             </a:fld>
             <a:endParaRPr lang="en-US"/>
           </a:p>
@@ -6948,7 +8606,7 @@
           <a:p>
             <a:fld id="{BF677F50-21D8-40BE-B8F0-B2270733CF6B}" type="datetime1">
               <a:rPr lang="en-US" altLang="zh-CN" smtClean="0"/>
-              <a:t>9/23/19</a:t>
+              <a:t>9/24/19</a:t>
             </a:fld>
             <a:endParaRPr lang="en-US" dirty="0"/>
           </a:p>
@@ -7233,7 +8891,7 @@
           <a:p>
             <a:fld id="{BF677F50-21D8-40BE-B8F0-B2270733CF6B}" type="datetime1">
               <a:rPr lang="en-US" altLang="zh-CN" smtClean="0"/>
-              <a:t>9/23/19</a:t>
+              <a:t>9/24/19</a:t>
             </a:fld>
             <a:endParaRPr lang="en-US"/>
           </a:p>
@@ -7434,7 +9092,7 @@
           <a:p>
             <a:fld id="{BF677F50-21D8-40BE-B8F0-B2270733CF6B}" type="datetime1">
               <a:rPr lang="en-US" altLang="zh-CN" smtClean="0"/>
-              <a:t>9/23/19</a:t>
+              <a:t>9/24/19</a:t>
             </a:fld>
             <a:endParaRPr lang="en-US"/>
           </a:p>

--- a/ppt/Interpretation-9-20.pptx
+++ b/ppt/Interpretation-9-20.pptx
@@ -242,7 +242,7 @@
           <a:p>
             <a:fld id="{8A69F377-C162-4680-9BD9-7C23D4CFF851}" type="datetimeFigureOut">
               <a:rPr lang="zh-CN" altLang="en-US" smtClean="0"/>
-              <a:t>2019/9/24</a:t>
+              <a:t>2019/10/5</a:t>
             </a:fld>
             <a:endParaRPr lang="zh-CN" altLang="en-US"/>
           </a:p>
@@ -824,7 +824,7 @@
           <a:p>
             <a:fld id="{6110C06D-7A5C-4EFC-997D-06100A497197}" type="datetime1">
               <a:rPr lang="en-US" altLang="zh-CN" smtClean="0"/>
-              <a:t>9/24/19</a:t>
+              <a:t>10/5/19</a:t>
             </a:fld>
             <a:endParaRPr lang="en-US"/>
           </a:p>
@@ -1022,7 +1022,7 @@
           <a:p>
             <a:fld id="{208693CD-EAB3-4C4A-B6BC-E13B4E22CFEC}" type="datetime1">
               <a:rPr lang="en-US" altLang="zh-CN" smtClean="0"/>
-              <a:t>9/24/19</a:t>
+              <a:t>10/5/19</a:t>
             </a:fld>
             <a:endParaRPr lang="en-US"/>
           </a:p>
@@ -1230,7 +1230,7 @@
           <a:p>
             <a:fld id="{DF2B9BE3-15D4-4DBE-A744-51C26D8C89F5}" type="datetime1">
               <a:rPr lang="en-US" altLang="zh-CN" smtClean="0"/>
-              <a:t>9/24/19</a:t>
+              <a:t>10/5/19</a:t>
             </a:fld>
             <a:endParaRPr lang="en-US"/>
           </a:p>
@@ -1428,7 +1428,7 @@
           <a:p>
             <a:fld id="{D483111E-5384-4450-87E5-51B3B2328436}" type="datetime1">
               <a:rPr lang="en-US" altLang="zh-CN" smtClean="0"/>
-              <a:t>9/24/19</a:t>
+              <a:t>10/5/19</a:t>
             </a:fld>
             <a:endParaRPr lang="en-US"/>
           </a:p>
@@ -1703,7 +1703,7 @@
           <a:p>
             <a:fld id="{4C883E3E-2C2C-4299-A198-43C5B9691ED8}" type="datetime1">
               <a:rPr lang="en-US" altLang="zh-CN" smtClean="0"/>
-              <a:t>9/24/19</a:t>
+              <a:t>10/5/19</a:t>
             </a:fld>
             <a:endParaRPr lang="en-US"/>
           </a:p>
@@ -1968,7 +1968,7 @@
           <a:p>
             <a:fld id="{8AE1C8E2-3477-408B-8A18-BC57B5A57DE5}" type="datetime1">
               <a:rPr lang="en-US" altLang="zh-CN" smtClean="0"/>
-              <a:t>9/24/19</a:t>
+              <a:t>10/5/19</a:t>
             </a:fld>
             <a:endParaRPr lang="en-US"/>
           </a:p>
@@ -2380,7 +2380,7 @@
           <a:p>
             <a:fld id="{93B8B463-FD8B-4FE3-A2B0-56A8F331639C}" type="datetime1">
               <a:rPr lang="en-US" altLang="zh-CN" smtClean="0"/>
-              <a:t>9/24/19</a:t>
+              <a:t>10/5/19</a:t>
             </a:fld>
             <a:endParaRPr lang="en-US"/>
           </a:p>
@@ -2521,7 +2521,7 @@
           <a:p>
             <a:fld id="{FDB557D0-8350-4B6D-8E8F-81F075A8CA5A}" type="datetime1">
               <a:rPr lang="en-US" altLang="zh-CN" smtClean="0"/>
-              <a:t>9/24/19</a:t>
+              <a:t>10/5/19</a:t>
             </a:fld>
             <a:endParaRPr lang="en-US"/>
           </a:p>
@@ -2634,7 +2634,7 @@
           <a:p>
             <a:fld id="{2351E6A3-8727-4C49-BB0B-8D3B215E0F05}" type="datetime1">
               <a:rPr lang="en-US" altLang="zh-CN" smtClean="0"/>
-              <a:t>9/24/19</a:t>
+              <a:t>10/5/19</a:t>
             </a:fld>
             <a:endParaRPr lang="en-US"/>
           </a:p>
@@ -2945,7 +2945,7 @@
           <a:p>
             <a:fld id="{79C7CDA5-BE82-46C9-84A7-917789A4507C}" type="datetime1">
               <a:rPr lang="en-US" altLang="zh-CN" smtClean="0"/>
-              <a:t>9/24/19</a:t>
+              <a:t>10/5/19</a:t>
             </a:fld>
             <a:endParaRPr lang="en-US"/>
           </a:p>
@@ -3233,7 +3233,7 @@
           <a:p>
             <a:fld id="{867D3553-557E-47A6-AA35-FB9764499B9E}" type="datetime1">
               <a:rPr lang="en-US" altLang="zh-CN" smtClean="0"/>
-              <a:t>9/24/19</a:t>
+              <a:t>10/5/19</a:t>
             </a:fld>
             <a:endParaRPr lang="en-US"/>
           </a:p>
@@ -3474,7 +3474,7 @@
           <a:p>
             <a:fld id="{8A5258A8-249F-4202-8A92-0C595567D6C5}" type="datetime1">
               <a:rPr lang="en-US" altLang="zh-CN" smtClean="0"/>
-              <a:t>9/24/19</a:t>
+              <a:t>10/5/19</a:t>
             </a:fld>
             <a:endParaRPr lang="en-US"/>
           </a:p>
@@ -3968,7 +3968,7 @@
           <a:p>
             <a:fld id="{D17A8FA8-D9AF-44A9-9447-58E55764C556}" type="datetime1">
               <a:rPr lang="en-US" altLang="zh-CN" smtClean="0"/>
-              <a:t>9/24/19</a:t>
+              <a:t>10/5/19</a:t>
             </a:fld>
             <a:endParaRPr lang="en-US"/>
           </a:p>
@@ -4137,7 +4137,7 @@
           <a:p>
             <a:fld id="{BF677F50-21D8-40BE-B8F0-B2270733CF6B}" type="datetime1">
               <a:rPr lang="en-US" altLang="zh-CN" smtClean="0"/>
-              <a:t>9/24/19</a:t>
+              <a:t>10/5/19</a:t>
             </a:fld>
             <a:endParaRPr lang="en-US"/>
           </a:p>
@@ -4298,7 +4298,7 @@
           <a:p>
             <a:fld id="{BF677F50-21D8-40BE-B8F0-B2270733CF6B}" type="datetime1">
               <a:rPr lang="en-US" altLang="zh-CN" smtClean="0"/>
-              <a:t>9/24/19</a:t>
+              <a:t>10/5/19</a:t>
             </a:fld>
             <a:endParaRPr lang="en-US"/>
           </a:p>
@@ -4531,7 +4531,7 @@
           <a:p>
             <a:fld id="{D483111E-5384-4450-87E5-51B3B2328436}" type="datetime1">
               <a:rPr lang="en-US" altLang="zh-CN" smtClean="0"/>
-              <a:t>9/24/19</a:t>
+              <a:t>10/5/19</a:t>
             </a:fld>
             <a:endParaRPr lang="en-US"/>
           </a:p>
@@ -4719,7 +4719,7 @@
           <a:p>
             <a:fld id="{D483111E-5384-4450-87E5-51B3B2328436}" type="datetime1">
               <a:rPr lang="en-US" altLang="zh-CN" smtClean="0"/>
-              <a:t>9/24/19</a:t>
+              <a:t>10/5/19</a:t>
             </a:fld>
             <a:endParaRPr lang="en-US"/>
           </a:p>
@@ -4984,7 +4984,7 @@
           <a:p>
             <a:fld id="{D483111E-5384-4450-87E5-51B3B2328436}" type="datetime1">
               <a:rPr lang="en-US" altLang="zh-CN" smtClean="0"/>
-              <a:t>9/24/19</a:t>
+              <a:t>10/5/19</a:t>
             </a:fld>
             <a:endParaRPr lang="en-US"/>
           </a:p>
@@ -5360,7 +5360,7 @@
           <a:p>
             <a:fld id="{D483111E-5384-4450-87E5-51B3B2328436}" type="datetime1">
               <a:rPr lang="en-US" altLang="zh-CN" smtClean="0"/>
-              <a:t>9/24/19</a:t>
+              <a:t>10/5/19</a:t>
             </a:fld>
             <a:endParaRPr lang="en-US"/>
           </a:p>
@@ -5616,7 +5616,7 @@
           <a:p>
             <a:fld id="{D483111E-5384-4450-87E5-51B3B2328436}" type="datetime1">
               <a:rPr lang="en-US" altLang="zh-CN" smtClean="0"/>
-              <a:t>9/24/19</a:t>
+              <a:t>10/5/19</a:t>
             </a:fld>
             <a:endParaRPr lang="en-US"/>
           </a:p>
@@ -5874,7 +5874,7 @@
           <a:p>
             <a:fld id="{D483111E-5384-4450-87E5-51B3B2328436}" type="datetime1">
               <a:rPr lang="en-US" altLang="zh-CN" smtClean="0"/>
-              <a:t>9/24/19</a:t>
+              <a:t>10/5/19</a:t>
             </a:fld>
             <a:endParaRPr lang="en-US"/>
           </a:p>
@@ -6134,7 +6134,7 @@
           <a:p>
             <a:fld id="{D483111E-5384-4450-87E5-51B3B2328436}" type="datetime1">
               <a:rPr lang="en-US" altLang="zh-CN" smtClean="0"/>
-              <a:t>9/24/19</a:t>
+              <a:t>10/5/19</a:t>
             </a:fld>
             <a:endParaRPr lang="en-US"/>
           </a:p>
@@ -6319,7 +6319,7 @@
           <a:p>
             <a:fld id="{D483111E-5384-4450-87E5-51B3B2328436}" type="datetime1">
               <a:rPr lang="en-US" altLang="zh-CN" smtClean="0"/>
-              <a:t>9/24/19</a:t>
+              <a:t>10/5/19</a:t>
             </a:fld>
             <a:endParaRPr lang="en-US"/>
           </a:p>
@@ -6490,7 +6490,7 @@
           <a:p>
             <a:fld id="{C563B692-CE74-499F-9357-A4F8D07A9D42}" type="datetime1">
               <a:rPr lang="en-US" altLang="zh-CN" smtClean="0"/>
-              <a:t>9/24/19</a:t>
+              <a:t>10/5/19</a:t>
             </a:fld>
             <a:endParaRPr lang="en-US"/>
           </a:p>
@@ -6934,7 +6934,7 @@
           <a:p>
             <a:fld id="{A871C4F0-1127-448D-8D03-CE814C5D2706}" type="datetime1">
               <a:rPr lang="en-US" altLang="zh-CN" smtClean="0"/>
-              <a:t>9/24/19</a:t>
+              <a:t>10/5/19</a:t>
             </a:fld>
             <a:endParaRPr lang="en-US"/>
           </a:p>
@@ -7749,7 +7749,7 @@
           <a:p>
             <a:fld id="{1255B269-F348-439F-A6D0-CBB90A314411}" type="datetime1">
               <a:rPr lang="en-US" altLang="zh-CN" smtClean="0"/>
-              <a:t>9/24/19</a:t>
+              <a:t>10/5/19</a:t>
             </a:fld>
             <a:endParaRPr lang="en-US"/>
           </a:p>
@@ -8140,7 +8140,7 @@
           <a:p>
             <a:fld id="{CF64532A-7BDE-40DC-A051-D57142ED605E}" type="datetime1">
               <a:rPr lang="en-US" altLang="zh-CN" smtClean="0"/>
-              <a:t>9/24/19</a:t>
+              <a:t>10/5/19</a:t>
             </a:fld>
             <a:endParaRPr lang="en-US"/>
           </a:p>
@@ -8365,7 +8365,7 @@
           <a:p>
             <a:fld id="{57C153ED-CC8E-4B72-9AF7-5F1AF4B98566}" type="datetime1">
               <a:rPr lang="en-US" altLang="zh-CN" smtClean="0"/>
-              <a:t>9/24/19</a:t>
+              <a:t>10/5/19</a:t>
             </a:fld>
             <a:endParaRPr lang="en-US"/>
           </a:p>
@@ -8606,7 +8606,7 @@
           <a:p>
             <a:fld id="{BF677F50-21D8-40BE-B8F0-B2270733CF6B}" type="datetime1">
               <a:rPr lang="en-US" altLang="zh-CN" smtClean="0"/>
-              <a:t>9/24/19</a:t>
+              <a:t>10/5/19</a:t>
             </a:fld>
             <a:endParaRPr lang="en-US" dirty="0"/>
           </a:p>
@@ -8891,7 +8891,7 @@
           <a:p>
             <a:fld id="{BF677F50-21D8-40BE-B8F0-B2270733CF6B}" type="datetime1">
               <a:rPr lang="en-US" altLang="zh-CN" smtClean="0"/>
-              <a:t>9/24/19</a:t>
+              <a:t>10/5/19</a:t>
             </a:fld>
             <a:endParaRPr lang="en-US"/>
           </a:p>
@@ -9092,7 +9092,7 @@
           <a:p>
             <a:fld id="{BF677F50-21D8-40BE-B8F0-B2270733CF6B}" type="datetime1">
               <a:rPr lang="en-US" altLang="zh-CN" smtClean="0"/>
-              <a:t>9/24/19</a:t>
+              <a:t>10/5/19</a:t>
             </a:fld>
             <a:endParaRPr lang="en-US"/>
           </a:p>

--- a/ppt/Interpretation-9-20.pptx
+++ b/ppt/Interpretation-9-20.pptx
@@ -1,32 +1,33 @@
 
 <file path=ppt/presentation.xml><?xml version="1.0" encoding="utf-8"?>
-<p:presentation xmlns:a="http://schemas.openxmlformats.org/drawingml/2006/main" xmlns:r="http://schemas.openxmlformats.org/officeDocument/2006/relationships" xmlns:p="http://schemas.openxmlformats.org/presentationml/2006/main" saveSubsetFonts="1" autoCompressPictures="0">
+<p:presentation xmlns:a="http://schemas.openxmlformats.org/drawingml/2006/main" xmlns:r="http://schemas.openxmlformats.org/officeDocument/2006/relationships" xmlns:p="http://schemas.openxmlformats.org/presentationml/2006/main" autoCompressPictures="0">
   <p:sldMasterIdLst>
     <p:sldMasterId id="2147483648" r:id="rId1"/>
   </p:sldMasterIdLst>
   <p:notesMasterIdLst>
-    <p:notesMasterId r:id="rId21"/>
+    <p:notesMasterId r:id="rId13"/>
   </p:notesMasterIdLst>
   <p:sldIdLst>
-    <p:sldId id="256" r:id="rId2"/>
-    <p:sldId id="258" r:id="rId3"/>
-    <p:sldId id="261" r:id="rId4"/>
-    <p:sldId id="259" r:id="rId5"/>
-    <p:sldId id="260" r:id="rId6"/>
-    <p:sldId id="262" r:id="rId7"/>
-    <p:sldId id="263" r:id="rId8"/>
-    <p:sldId id="264" r:id="rId9"/>
-    <p:sldId id="265" r:id="rId10"/>
-    <p:sldId id="266" r:id="rId11"/>
-    <p:sldId id="267" r:id="rId12"/>
-    <p:sldId id="268" r:id="rId13"/>
-    <p:sldId id="270" r:id="rId14"/>
-    <p:sldId id="271" r:id="rId15"/>
-    <p:sldId id="272" r:id="rId16"/>
-    <p:sldId id="273" r:id="rId17"/>
-    <p:sldId id="274" r:id="rId18"/>
-    <p:sldId id="275" r:id="rId19"/>
-    <p:sldId id="269" r:id="rId20"/>
+    <p:sldId id="256" r:id="rId3"/>
+    <p:sldId id="258" r:id="rId4"/>
+    <p:sldId id="261" r:id="rId5"/>
+    <p:sldId id="259" r:id="rId6"/>
+    <p:sldId id="260" r:id="rId7"/>
+    <p:sldId id="262" r:id="rId8"/>
+    <p:sldId id="263" r:id="rId9"/>
+    <p:sldId id="264" r:id="rId10"/>
+    <p:sldId id="265" r:id="rId11"/>
+    <p:sldId id="266" r:id="rId12"/>
+    <p:sldId id="267" r:id="rId14"/>
+    <p:sldId id="268" r:id="rId15"/>
+    <p:sldId id="270" r:id="rId16"/>
+    <p:sldId id="271" r:id="rId17"/>
+    <p:sldId id="272" r:id="rId18"/>
+    <p:sldId id="273" r:id="rId19"/>
+    <p:sldId id="274" r:id="rId20"/>
+    <p:sldId id="275" r:id="rId21"/>
+    <p:sldId id="269" r:id="rId22"/>
+    <p:sldId id="278" r:id="rId23"/>
   </p:sldIdLst>
   <p:sldSz cx="12192000" cy="6858000"/>
   <p:notesSz cx="6858000" cy="9144000"/>
@@ -149,12 +150,10 @@
             <p14:sldId id="274"/>
             <p14:sldId id="275"/>
             <p14:sldId id="269"/>
+            <p14:sldId id="278"/>
           </p14:sldIdLst>
         </p14:section>
       </p14:sectionLst>
-    </p:ext>
-    <p:ext uri="{EFAFB233-063F-42B5-8137-9DF3F51BA10A}">
-      <p15:sldGuideLst xmlns:p15="http://schemas.microsoft.com/office/powerpoint/2012/main"/>
     </p:ext>
   </p:extLst>
 </p:presentation>
@@ -242,7 +241,6 @@
           <a:p>
             <a:fld id="{8A69F377-C162-4680-9BD9-7C23D4CFF851}" type="datetimeFigureOut">
               <a:rPr lang="zh-CN" altLang="en-US" smtClean="0"/>
-              <a:t>2019/10/5</a:t>
             </a:fld>
             <a:endParaRPr lang="zh-CN" altLang="en-US"/>
           </a:p>
@@ -309,6 +307,7 @@
               <a:rPr lang="zh-CN" altLang="en-US"/>
               <a:t>编辑母版文本样式</a:t>
             </a:r>
+            <a:endParaRPr lang="zh-CN" altLang="en-US"/>
           </a:p>
           <a:p>
             <a:pPr lvl="1"/>
@@ -316,6 +315,7 @@
               <a:rPr lang="zh-CN" altLang="en-US"/>
               <a:t>第二级</a:t>
             </a:r>
+            <a:endParaRPr lang="zh-CN" altLang="en-US"/>
           </a:p>
           <a:p>
             <a:pPr lvl="2"/>
@@ -323,6 +323,7 @@
               <a:rPr lang="zh-CN" altLang="en-US"/>
               <a:t>第三级</a:t>
             </a:r>
+            <a:endParaRPr lang="zh-CN" altLang="en-US"/>
           </a:p>
           <a:p>
             <a:pPr lvl="3"/>
@@ -330,6 +331,7 @@
               <a:rPr lang="zh-CN" altLang="en-US"/>
               <a:t>第四级</a:t>
             </a:r>
+            <a:endParaRPr lang="zh-CN" altLang="en-US"/>
           </a:p>
           <a:p>
             <a:pPr lvl="4"/>
@@ -337,6 +339,7 @@
               <a:rPr lang="zh-CN" altLang="en-US"/>
               <a:t>第五级</a:t>
             </a:r>
+            <a:endParaRPr lang="zh-CN" altLang="en-US"/>
           </a:p>
         </p:txBody>
       </p:sp>
@@ -400,18 +403,12 @@
           <a:p>
             <a:fld id="{116FD875-F69A-4A96-B7D4-B4AEE2998B17}" type="slidenum">
               <a:rPr lang="zh-CN" altLang="en-US" smtClean="0"/>
-              <a:t>‹#›</a:t>
             </a:fld>
             <a:endParaRPr lang="zh-CN" altLang="en-US"/>
           </a:p>
         </p:txBody>
       </p:sp>
     </p:spTree>
-    <p:extLst>
-      <p:ext uri="{BB962C8B-B14F-4D97-AF65-F5344CB8AC3E}">
-        <p14:creationId xmlns:p14="http://schemas.microsoft.com/office/powerpoint/2010/main" val="1932124258"/>
-      </p:ext>
-    </p:extLst>
   </p:cSld>
   <p:clrMap bg1="lt1" tx1="dk1" bg2="lt2" tx2="dk2" accent1="accent1" accent2="accent2" accent3="accent3" accent4="accent4" accent5="accent5" accent6="accent6" hlink="hlink" folHlink="folHlink"/>
   <p:notesStyle>
@@ -574,18 +571,12 @@
           <a:p>
             <a:fld id="{116FD875-F69A-4A96-B7D4-B4AEE2998B17}" type="slidenum">
               <a:rPr lang="zh-CN" altLang="en-US" smtClean="0"/>
-              <a:t>10</a:t>
             </a:fld>
             <a:endParaRPr lang="zh-CN" altLang="en-US"/>
           </a:p>
         </p:txBody>
       </p:sp>
     </p:spTree>
-    <p:extLst>
-      <p:ext uri="{BB962C8B-B14F-4D97-AF65-F5344CB8AC3E}">
-        <p14:creationId xmlns:p14="http://schemas.microsoft.com/office/powerpoint/2010/main" val="2137694354"/>
-      </p:ext>
-    </p:extLst>
   </p:cSld>
   <p:clrMapOvr>
     <a:masterClrMapping/>
@@ -658,18 +649,63 @@
           <a:p>
             <a:fld id="{116FD875-F69A-4A96-B7D4-B4AEE2998B17}" type="slidenum">
               <a:rPr lang="zh-CN" altLang="en-US" smtClean="0"/>
-              <a:t>11</a:t>
             </a:fld>
             <a:endParaRPr lang="zh-CN" altLang="en-US"/>
           </a:p>
         </p:txBody>
       </p:sp>
     </p:spTree>
-    <p:extLst>
-      <p:ext uri="{BB962C8B-B14F-4D97-AF65-F5344CB8AC3E}">
-        <p14:creationId xmlns:p14="http://schemas.microsoft.com/office/powerpoint/2010/main" val="367010992"/>
-      </p:ext>
-    </p:extLst>
+  </p:cSld>
+  <p:clrMapOvr>
+    <a:masterClrMapping/>
+  </p:clrMapOvr>
+</p:notes>
+</file>
+
+<file path=ppt/notesSlides/notesSlide3.xml><?xml version="1.0" encoding="utf-8"?>
+<p:notes xmlns:a="http://schemas.openxmlformats.org/drawingml/2006/main" xmlns:r="http://schemas.openxmlformats.org/officeDocument/2006/relationships" xmlns:p="http://schemas.openxmlformats.org/presentationml/2006/main">
+  <p:cSld>
+    <p:spTree>
+      <p:nvGrpSpPr>
+        <p:cNvPr id="1" name=""/>
+        <p:cNvGrpSpPr/>
+        <p:nvPr/>
+      </p:nvGrpSpPr>
+      <p:grpSpPr/>
+      <p:sp>
+        <p:nvSpPr>
+          <p:cNvPr id="2" name="Slide Image Placeholder 1"/>
+          <p:cNvSpPr/>
+          <p:nvPr>
+            <p:ph type="sldImg" idx="2"/>
+          </p:nvPr>
+        </p:nvSpPr>
+        <p:spPr/>
+      </p:sp>
+      <p:sp>
+        <p:nvSpPr>
+          <p:cNvPr id="3" name="Text Placeholder 2"/>
+          <p:cNvSpPr/>
+          <p:nvPr>
+            <p:ph type="body" idx="3"/>
+          </p:nvPr>
+        </p:nvSpPr>
+        <p:spPr/>
+        <p:txBody>
+          <a:bodyPr/>
+          <a:p>
+            <a:r>
+              <a:rPr lang="" altLang="en-US"/>
+              <a:t>选择单一kernel的假设是：单一kernel能捕获我们能理解的特征</a:t>
+            </a:r>
+            <a:endParaRPr lang="" altLang="en-US"/>
+          </a:p>
+          <a:p>
+            <a:endParaRPr lang="" altLang="en-US"/>
+          </a:p>
+        </p:txBody>
+      </p:sp>
+    </p:spTree>
   </p:cSld>
   <p:clrMapOvr>
     <a:masterClrMapping/>
@@ -696,13 +732,7 @@
       </p:grpSpPr>
       <p:sp>
         <p:nvSpPr>
-          <p:cNvPr id="2" name="Title 1">
-            <a:extLst>
-              <a:ext uri="{FF2B5EF4-FFF2-40B4-BE49-F238E27FC236}">
-                <a16:creationId xmlns:a16="http://schemas.microsoft.com/office/drawing/2014/main" id="{46E3829F-BF5F-C64F-A4DB-3B1FA54F6DCB}"/>
-              </a:ext>
-            </a:extLst>
-          </p:cNvPr>
+          <p:cNvPr id="2" name="Title 1"/>
           <p:cNvSpPr>
             <a:spLocks noGrp="1"/>
           </p:cNvSpPr>
@@ -728,18 +758,13 @@
               <a:rPr lang="en-US"/>
               <a:t>Click to edit Master title style</a:t>
             </a:r>
-          </a:p>
-        </p:txBody>
-      </p:sp>
-      <p:sp>
-        <p:nvSpPr>
-          <p:cNvPr id="3" name="Subtitle 2">
-            <a:extLst>
-              <a:ext uri="{FF2B5EF4-FFF2-40B4-BE49-F238E27FC236}">
-                <a16:creationId xmlns:a16="http://schemas.microsoft.com/office/drawing/2014/main" id="{91D72878-19A5-054F-8320-52CA733C0EE6}"/>
-              </a:ext>
-            </a:extLst>
-          </p:cNvPr>
+            <a:endParaRPr lang="en-US"/>
+          </a:p>
+        </p:txBody>
+      </p:sp>
+      <p:sp>
+        <p:nvSpPr>
+          <p:cNvPr id="3" name="Subtitle 2"/>
           <p:cNvSpPr>
             <a:spLocks noGrp="1"/>
           </p:cNvSpPr>
@@ -798,18 +823,13 @@
               <a:rPr lang="en-US"/>
               <a:t>Click to edit Master subtitle style</a:t>
             </a:r>
-          </a:p>
-        </p:txBody>
-      </p:sp>
-      <p:sp>
-        <p:nvSpPr>
-          <p:cNvPr id="4" name="Date Placeholder 3">
-            <a:extLst>
-              <a:ext uri="{FF2B5EF4-FFF2-40B4-BE49-F238E27FC236}">
-                <a16:creationId xmlns:a16="http://schemas.microsoft.com/office/drawing/2014/main" id="{8E956647-629D-E14F-97D0-0945B6D80321}"/>
-              </a:ext>
-            </a:extLst>
-          </p:cNvPr>
+            <a:endParaRPr lang="en-US"/>
+          </a:p>
+        </p:txBody>
+      </p:sp>
+      <p:sp>
+        <p:nvSpPr>
+          <p:cNvPr id="4" name="Date Placeholder 3"/>
           <p:cNvSpPr>
             <a:spLocks noGrp="1"/>
           </p:cNvSpPr>
@@ -824,7 +844,6 @@
           <a:p>
             <a:fld id="{6110C06D-7A5C-4EFC-997D-06100A497197}" type="datetime1">
               <a:rPr lang="en-US" altLang="zh-CN" smtClean="0"/>
-              <a:t>10/5/19</a:t>
             </a:fld>
             <a:endParaRPr lang="en-US"/>
           </a:p>
@@ -832,13 +851,7 @@
       </p:sp>
       <p:sp>
         <p:nvSpPr>
-          <p:cNvPr id="5" name="Footer Placeholder 4">
-            <a:extLst>
-              <a:ext uri="{FF2B5EF4-FFF2-40B4-BE49-F238E27FC236}">
-                <a16:creationId xmlns:a16="http://schemas.microsoft.com/office/drawing/2014/main" id="{90934420-CE63-6C4B-AB29-43CB2F601D3A}"/>
-              </a:ext>
-            </a:extLst>
-          </p:cNvPr>
+          <p:cNvPr id="5" name="Footer Placeholder 4"/>
           <p:cNvSpPr>
             <a:spLocks noGrp="1"/>
           </p:cNvSpPr>
@@ -857,13 +870,7 @@
       </p:sp>
       <p:sp>
         <p:nvSpPr>
-          <p:cNvPr id="6" name="Slide Number Placeholder 5">
-            <a:extLst>
-              <a:ext uri="{FF2B5EF4-FFF2-40B4-BE49-F238E27FC236}">
-                <a16:creationId xmlns:a16="http://schemas.microsoft.com/office/drawing/2014/main" id="{50724E28-E60F-6C4C-BE06-9CFD40C22AC9}"/>
-              </a:ext>
-            </a:extLst>
-          </p:cNvPr>
+          <p:cNvPr id="6" name="Slide Number Placeholder 5"/>
           <p:cNvSpPr>
             <a:spLocks noGrp="1"/>
           </p:cNvSpPr>
@@ -878,18 +885,12 @@
           <a:p>
             <a:fld id="{93D7A402-3076-2049-A745-4823B471CC62}" type="slidenum">
               <a:rPr lang="en-US" smtClean="0"/>
-              <a:t>‹#›</a:t>
             </a:fld>
             <a:endParaRPr lang="en-US"/>
           </a:p>
         </p:txBody>
       </p:sp>
     </p:spTree>
-    <p:extLst>
-      <p:ext uri="{BB962C8B-B14F-4D97-AF65-F5344CB8AC3E}">
-        <p14:creationId xmlns:p14="http://schemas.microsoft.com/office/powerpoint/2010/main" val="4146399374"/>
-      </p:ext>
-    </p:extLst>
   </p:cSld>
   <p:clrMapOvr>
     <a:masterClrMapping/>
@@ -916,13 +917,7 @@
       </p:grpSpPr>
       <p:sp>
         <p:nvSpPr>
-          <p:cNvPr id="2" name="Title 1">
-            <a:extLst>
-              <a:ext uri="{FF2B5EF4-FFF2-40B4-BE49-F238E27FC236}">
-                <a16:creationId xmlns:a16="http://schemas.microsoft.com/office/drawing/2014/main" id="{CB581F86-6811-2545-8197-AC2618CDE26B}"/>
-              </a:ext>
-            </a:extLst>
-          </p:cNvPr>
+          <p:cNvPr id="2" name="Title 1"/>
           <p:cNvSpPr>
             <a:spLocks noGrp="1"/>
           </p:cNvSpPr>
@@ -939,18 +934,13 @@
               <a:rPr lang="en-US"/>
               <a:t>Click to edit Master title style</a:t>
             </a:r>
-          </a:p>
-        </p:txBody>
-      </p:sp>
-      <p:sp>
-        <p:nvSpPr>
-          <p:cNvPr id="3" name="Vertical Text Placeholder 2">
-            <a:extLst>
-              <a:ext uri="{FF2B5EF4-FFF2-40B4-BE49-F238E27FC236}">
-                <a16:creationId xmlns:a16="http://schemas.microsoft.com/office/drawing/2014/main" id="{9EB629E2-8938-0642-8879-C0AC37EC9FA3}"/>
-              </a:ext>
-            </a:extLst>
-          </p:cNvPr>
+            <a:endParaRPr lang="en-US"/>
+          </a:p>
+        </p:txBody>
+      </p:sp>
+      <p:sp>
+        <p:nvSpPr>
+          <p:cNvPr id="3" name="Vertical Text Placeholder 2"/>
           <p:cNvSpPr>
             <a:spLocks noGrp="1"/>
           </p:cNvSpPr>
@@ -968,6 +958,7 @@
               <a:rPr lang="en-US"/>
               <a:t>Click to edit Master text styles</a:t>
             </a:r>
+            <a:endParaRPr lang="en-US"/>
           </a:p>
           <a:p>
             <a:pPr lvl="1"/>
@@ -975,6 +966,7 @@
               <a:rPr lang="en-US"/>
               <a:t>Second level</a:t>
             </a:r>
+            <a:endParaRPr lang="en-US"/>
           </a:p>
           <a:p>
             <a:pPr lvl="2"/>
@@ -982,6 +974,7 @@
               <a:rPr lang="en-US"/>
               <a:t>Third level</a:t>
             </a:r>
+            <a:endParaRPr lang="en-US"/>
           </a:p>
           <a:p>
             <a:pPr lvl="3"/>
@@ -989,6 +982,7 @@
               <a:rPr lang="en-US"/>
               <a:t>Fourth level</a:t>
             </a:r>
+            <a:endParaRPr lang="en-US"/>
           </a:p>
           <a:p>
             <a:pPr lvl="4"/>
@@ -996,18 +990,13 @@
               <a:rPr lang="en-US"/>
               <a:t>Fifth level</a:t>
             </a:r>
-          </a:p>
-        </p:txBody>
-      </p:sp>
-      <p:sp>
-        <p:nvSpPr>
-          <p:cNvPr id="4" name="Date Placeholder 3">
-            <a:extLst>
-              <a:ext uri="{FF2B5EF4-FFF2-40B4-BE49-F238E27FC236}">
-                <a16:creationId xmlns:a16="http://schemas.microsoft.com/office/drawing/2014/main" id="{C31B99C2-60BD-504E-8CF3-F33C15F460D3}"/>
-              </a:ext>
-            </a:extLst>
-          </p:cNvPr>
+            <a:endParaRPr lang="en-US"/>
+          </a:p>
+        </p:txBody>
+      </p:sp>
+      <p:sp>
+        <p:nvSpPr>
+          <p:cNvPr id="4" name="Date Placeholder 3"/>
           <p:cNvSpPr>
             <a:spLocks noGrp="1"/>
           </p:cNvSpPr>
@@ -1022,7 +1011,6 @@
           <a:p>
             <a:fld id="{208693CD-EAB3-4C4A-B6BC-E13B4E22CFEC}" type="datetime1">
               <a:rPr lang="en-US" altLang="zh-CN" smtClean="0"/>
-              <a:t>10/5/19</a:t>
             </a:fld>
             <a:endParaRPr lang="en-US"/>
           </a:p>
@@ -1030,13 +1018,7 @@
       </p:sp>
       <p:sp>
         <p:nvSpPr>
-          <p:cNvPr id="5" name="Footer Placeholder 4">
-            <a:extLst>
-              <a:ext uri="{FF2B5EF4-FFF2-40B4-BE49-F238E27FC236}">
-                <a16:creationId xmlns:a16="http://schemas.microsoft.com/office/drawing/2014/main" id="{44B6C5A2-78E7-2D45-8A69-AC1A23CF1341}"/>
-              </a:ext>
-            </a:extLst>
-          </p:cNvPr>
+          <p:cNvPr id="5" name="Footer Placeholder 4"/>
           <p:cNvSpPr>
             <a:spLocks noGrp="1"/>
           </p:cNvSpPr>
@@ -1055,13 +1037,7 @@
       </p:sp>
       <p:sp>
         <p:nvSpPr>
-          <p:cNvPr id="6" name="Slide Number Placeholder 5">
-            <a:extLst>
-              <a:ext uri="{FF2B5EF4-FFF2-40B4-BE49-F238E27FC236}">
-                <a16:creationId xmlns:a16="http://schemas.microsoft.com/office/drawing/2014/main" id="{332422B8-96CF-2443-B61A-BFF7E0046F48}"/>
-              </a:ext>
-            </a:extLst>
-          </p:cNvPr>
+          <p:cNvPr id="6" name="Slide Number Placeholder 5"/>
           <p:cNvSpPr>
             <a:spLocks noGrp="1"/>
           </p:cNvSpPr>
@@ -1076,18 +1052,12 @@
           <a:p>
             <a:fld id="{93D7A402-3076-2049-A745-4823B471CC62}" type="slidenum">
               <a:rPr lang="en-US" smtClean="0"/>
-              <a:t>‹#›</a:t>
             </a:fld>
             <a:endParaRPr lang="en-US"/>
           </a:p>
         </p:txBody>
       </p:sp>
     </p:spTree>
-    <p:extLst>
-      <p:ext uri="{BB962C8B-B14F-4D97-AF65-F5344CB8AC3E}">
-        <p14:creationId xmlns:p14="http://schemas.microsoft.com/office/powerpoint/2010/main" val="3236313807"/>
-      </p:ext>
-    </p:extLst>
   </p:cSld>
   <p:clrMapOvr>
     <a:masterClrMapping/>
@@ -1114,13 +1084,7 @@
       </p:grpSpPr>
       <p:sp>
         <p:nvSpPr>
-          <p:cNvPr id="2" name="Vertical Title 1">
-            <a:extLst>
-              <a:ext uri="{FF2B5EF4-FFF2-40B4-BE49-F238E27FC236}">
-                <a16:creationId xmlns:a16="http://schemas.microsoft.com/office/drawing/2014/main" id="{B76CDC2A-0AAE-E24B-AB7A-6EED93D8CD80}"/>
-              </a:ext>
-            </a:extLst>
-          </p:cNvPr>
+          <p:cNvPr id="2" name="Vertical Title 1"/>
           <p:cNvSpPr>
             <a:spLocks noGrp="1"/>
           </p:cNvSpPr>
@@ -1142,18 +1106,13 @@
               <a:rPr lang="en-US"/>
               <a:t>Click to edit Master title style</a:t>
             </a:r>
-          </a:p>
-        </p:txBody>
-      </p:sp>
-      <p:sp>
-        <p:nvSpPr>
-          <p:cNvPr id="3" name="Vertical Text Placeholder 2">
-            <a:extLst>
-              <a:ext uri="{FF2B5EF4-FFF2-40B4-BE49-F238E27FC236}">
-                <a16:creationId xmlns:a16="http://schemas.microsoft.com/office/drawing/2014/main" id="{306BBBAA-6931-1944-8EB3-35E80043F375}"/>
-              </a:ext>
-            </a:extLst>
-          </p:cNvPr>
+            <a:endParaRPr lang="en-US"/>
+          </a:p>
+        </p:txBody>
+      </p:sp>
+      <p:sp>
+        <p:nvSpPr>
+          <p:cNvPr id="3" name="Vertical Text Placeholder 2"/>
           <p:cNvSpPr>
             <a:spLocks noGrp="1"/>
           </p:cNvSpPr>
@@ -1176,6 +1135,7 @@
               <a:rPr lang="en-US"/>
               <a:t>Click to edit Master text styles</a:t>
             </a:r>
+            <a:endParaRPr lang="en-US"/>
           </a:p>
           <a:p>
             <a:pPr lvl="1"/>
@@ -1183,6 +1143,7 @@
               <a:rPr lang="en-US"/>
               <a:t>Second level</a:t>
             </a:r>
+            <a:endParaRPr lang="en-US"/>
           </a:p>
           <a:p>
             <a:pPr lvl="2"/>
@@ -1190,6 +1151,7 @@
               <a:rPr lang="en-US"/>
               <a:t>Third level</a:t>
             </a:r>
+            <a:endParaRPr lang="en-US"/>
           </a:p>
           <a:p>
             <a:pPr lvl="3"/>
@@ -1197,6 +1159,7 @@
               <a:rPr lang="en-US"/>
               <a:t>Fourth level</a:t>
             </a:r>
+            <a:endParaRPr lang="en-US"/>
           </a:p>
           <a:p>
             <a:pPr lvl="4"/>
@@ -1204,18 +1167,13 @@
               <a:rPr lang="en-US"/>
               <a:t>Fifth level</a:t>
             </a:r>
-          </a:p>
-        </p:txBody>
-      </p:sp>
-      <p:sp>
-        <p:nvSpPr>
-          <p:cNvPr id="4" name="Date Placeholder 3">
-            <a:extLst>
-              <a:ext uri="{FF2B5EF4-FFF2-40B4-BE49-F238E27FC236}">
-                <a16:creationId xmlns:a16="http://schemas.microsoft.com/office/drawing/2014/main" id="{13E685B0-768B-AC41-B01E-21705204181C}"/>
-              </a:ext>
-            </a:extLst>
-          </p:cNvPr>
+            <a:endParaRPr lang="en-US"/>
+          </a:p>
+        </p:txBody>
+      </p:sp>
+      <p:sp>
+        <p:nvSpPr>
+          <p:cNvPr id="4" name="Date Placeholder 3"/>
           <p:cNvSpPr>
             <a:spLocks noGrp="1"/>
           </p:cNvSpPr>
@@ -1230,7 +1188,6 @@
           <a:p>
             <a:fld id="{DF2B9BE3-15D4-4DBE-A744-51C26D8C89F5}" type="datetime1">
               <a:rPr lang="en-US" altLang="zh-CN" smtClean="0"/>
-              <a:t>10/5/19</a:t>
             </a:fld>
             <a:endParaRPr lang="en-US"/>
           </a:p>
@@ -1238,13 +1195,7 @@
       </p:sp>
       <p:sp>
         <p:nvSpPr>
-          <p:cNvPr id="5" name="Footer Placeholder 4">
-            <a:extLst>
-              <a:ext uri="{FF2B5EF4-FFF2-40B4-BE49-F238E27FC236}">
-                <a16:creationId xmlns:a16="http://schemas.microsoft.com/office/drawing/2014/main" id="{6EFF17E4-3EBE-6D45-9667-26DEC9DDF10C}"/>
-              </a:ext>
-            </a:extLst>
-          </p:cNvPr>
+          <p:cNvPr id="5" name="Footer Placeholder 4"/>
           <p:cNvSpPr>
             <a:spLocks noGrp="1"/>
           </p:cNvSpPr>
@@ -1263,13 +1214,7 @@
       </p:sp>
       <p:sp>
         <p:nvSpPr>
-          <p:cNvPr id="6" name="Slide Number Placeholder 5">
-            <a:extLst>
-              <a:ext uri="{FF2B5EF4-FFF2-40B4-BE49-F238E27FC236}">
-                <a16:creationId xmlns:a16="http://schemas.microsoft.com/office/drawing/2014/main" id="{0249FE94-228B-6947-B52A-8E9EFB052A34}"/>
-              </a:ext>
-            </a:extLst>
-          </p:cNvPr>
+          <p:cNvPr id="6" name="Slide Number Placeholder 5"/>
           <p:cNvSpPr>
             <a:spLocks noGrp="1"/>
           </p:cNvSpPr>
@@ -1284,18 +1229,12 @@
           <a:p>
             <a:fld id="{93D7A402-3076-2049-A745-4823B471CC62}" type="slidenum">
               <a:rPr lang="en-US" smtClean="0"/>
-              <a:t>‹#›</a:t>
             </a:fld>
             <a:endParaRPr lang="en-US"/>
           </a:p>
         </p:txBody>
       </p:sp>
     </p:spTree>
-    <p:extLst>
-      <p:ext uri="{BB962C8B-B14F-4D97-AF65-F5344CB8AC3E}">
-        <p14:creationId xmlns:p14="http://schemas.microsoft.com/office/powerpoint/2010/main" val="342175808"/>
-      </p:ext>
-    </p:extLst>
   </p:cSld>
   <p:clrMapOvr>
     <a:masterClrMapping/>
@@ -1322,13 +1261,7 @@
       </p:grpSpPr>
       <p:sp>
         <p:nvSpPr>
-          <p:cNvPr id="2" name="Title 1">
-            <a:extLst>
-              <a:ext uri="{FF2B5EF4-FFF2-40B4-BE49-F238E27FC236}">
-                <a16:creationId xmlns:a16="http://schemas.microsoft.com/office/drawing/2014/main" id="{F120AE72-FFA9-FC48-8A98-57191909D2B4}"/>
-              </a:ext>
-            </a:extLst>
-          </p:cNvPr>
+          <p:cNvPr id="2" name="Title 1"/>
           <p:cNvSpPr>
             <a:spLocks noGrp="1"/>
           </p:cNvSpPr>
@@ -1345,18 +1278,13 @@
               <a:rPr lang="en-US"/>
               <a:t>Click to edit Master title style</a:t>
             </a:r>
-          </a:p>
-        </p:txBody>
-      </p:sp>
-      <p:sp>
-        <p:nvSpPr>
-          <p:cNvPr id="3" name="Content Placeholder 2">
-            <a:extLst>
-              <a:ext uri="{FF2B5EF4-FFF2-40B4-BE49-F238E27FC236}">
-                <a16:creationId xmlns:a16="http://schemas.microsoft.com/office/drawing/2014/main" id="{2BCC77F1-69D7-4D4C-991A-1B51633CE5AF}"/>
-              </a:ext>
-            </a:extLst>
-          </p:cNvPr>
+            <a:endParaRPr lang="en-US"/>
+          </a:p>
+        </p:txBody>
+      </p:sp>
+      <p:sp>
+        <p:nvSpPr>
+          <p:cNvPr id="3" name="Content Placeholder 2"/>
           <p:cNvSpPr>
             <a:spLocks noGrp="1"/>
           </p:cNvSpPr>
@@ -1374,6 +1302,7 @@
               <a:rPr lang="en-US"/>
               <a:t>Click to edit Master text styles</a:t>
             </a:r>
+            <a:endParaRPr lang="en-US"/>
           </a:p>
           <a:p>
             <a:pPr lvl="1"/>
@@ -1381,6 +1310,7 @@
               <a:rPr lang="en-US"/>
               <a:t>Second level</a:t>
             </a:r>
+            <a:endParaRPr lang="en-US"/>
           </a:p>
           <a:p>
             <a:pPr lvl="2"/>
@@ -1388,6 +1318,7 @@
               <a:rPr lang="en-US"/>
               <a:t>Third level</a:t>
             </a:r>
+            <a:endParaRPr lang="en-US"/>
           </a:p>
           <a:p>
             <a:pPr lvl="3"/>
@@ -1395,6 +1326,7 @@
               <a:rPr lang="en-US"/>
               <a:t>Fourth level</a:t>
             </a:r>
+            <a:endParaRPr lang="en-US"/>
           </a:p>
           <a:p>
             <a:pPr lvl="4"/>
@@ -1402,18 +1334,13 @@
               <a:rPr lang="en-US"/>
               <a:t>Fifth level</a:t>
             </a:r>
-          </a:p>
-        </p:txBody>
-      </p:sp>
-      <p:sp>
-        <p:nvSpPr>
-          <p:cNvPr id="4" name="Date Placeholder 3">
-            <a:extLst>
-              <a:ext uri="{FF2B5EF4-FFF2-40B4-BE49-F238E27FC236}">
-                <a16:creationId xmlns:a16="http://schemas.microsoft.com/office/drawing/2014/main" id="{4F88D77E-6AC4-7C45-BAB4-066E584809A0}"/>
-              </a:ext>
-            </a:extLst>
-          </p:cNvPr>
+            <a:endParaRPr lang="en-US"/>
+          </a:p>
+        </p:txBody>
+      </p:sp>
+      <p:sp>
+        <p:nvSpPr>
+          <p:cNvPr id="4" name="Date Placeholder 3"/>
           <p:cNvSpPr>
             <a:spLocks noGrp="1"/>
           </p:cNvSpPr>
@@ -1428,7 +1355,6 @@
           <a:p>
             <a:fld id="{D483111E-5384-4450-87E5-51B3B2328436}" type="datetime1">
               <a:rPr lang="en-US" altLang="zh-CN" smtClean="0"/>
-              <a:t>10/5/19</a:t>
             </a:fld>
             <a:endParaRPr lang="en-US"/>
           </a:p>
@@ -1436,13 +1362,7 @@
       </p:sp>
       <p:sp>
         <p:nvSpPr>
-          <p:cNvPr id="5" name="Footer Placeholder 4">
-            <a:extLst>
-              <a:ext uri="{FF2B5EF4-FFF2-40B4-BE49-F238E27FC236}">
-                <a16:creationId xmlns:a16="http://schemas.microsoft.com/office/drawing/2014/main" id="{30EE8241-B2B3-AD45-9931-DB7A5892B52D}"/>
-              </a:ext>
-            </a:extLst>
-          </p:cNvPr>
+          <p:cNvPr id="5" name="Footer Placeholder 4"/>
           <p:cNvSpPr>
             <a:spLocks noGrp="1"/>
           </p:cNvSpPr>
@@ -1461,13 +1381,7 @@
       </p:sp>
       <p:sp>
         <p:nvSpPr>
-          <p:cNvPr id="6" name="Slide Number Placeholder 5">
-            <a:extLst>
-              <a:ext uri="{FF2B5EF4-FFF2-40B4-BE49-F238E27FC236}">
-                <a16:creationId xmlns:a16="http://schemas.microsoft.com/office/drawing/2014/main" id="{D66564C0-DD60-E84F-996C-75E6E9AFC7AE}"/>
-              </a:ext>
-            </a:extLst>
-          </p:cNvPr>
+          <p:cNvPr id="6" name="Slide Number Placeholder 5"/>
           <p:cNvSpPr>
             <a:spLocks noGrp="1"/>
           </p:cNvSpPr>
@@ -1482,18 +1396,12 @@
           <a:p>
             <a:fld id="{93D7A402-3076-2049-A745-4823B471CC62}" type="slidenum">
               <a:rPr lang="en-US" smtClean="0"/>
-              <a:t>‹#›</a:t>
             </a:fld>
             <a:endParaRPr lang="en-US"/>
           </a:p>
         </p:txBody>
       </p:sp>
     </p:spTree>
-    <p:extLst>
-      <p:ext uri="{BB962C8B-B14F-4D97-AF65-F5344CB8AC3E}">
-        <p14:creationId xmlns:p14="http://schemas.microsoft.com/office/powerpoint/2010/main" val="1619125639"/>
-      </p:ext>
-    </p:extLst>
   </p:cSld>
   <p:clrMapOvr>
     <a:masterClrMapping/>
@@ -1520,13 +1428,7 @@
       </p:grpSpPr>
       <p:sp>
         <p:nvSpPr>
-          <p:cNvPr id="2" name="Title 1">
-            <a:extLst>
-              <a:ext uri="{FF2B5EF4-FFF2-40B4-BE49-F238E27FC236}">
-                <a16:creationId xmlns:a16="http://schemas.microsoft.com/office/drawing/2014/main" id="{6A6B1F3F-7A34-D04E-9DBF-EE371EB07ABD}"/>
-              </a:ext>
-            </a:extLst>
-          </p:cNvPr>
+          <p:cNvPr id="2" name="Title 1"/>
           <p:cNvSpPr>
             <a:spLocks noGrp="1"/>
           </p:cNvSpPr>
@@ -1552,18 +1454,13 @@
               <a:rPr lang="en-US"/>
               <a:t>Click to edit Master title style</a:t>
             </a:r>
-          </a:p>
-        </p:txBody>
-      </p:sp>
-      <p:sp>
-        <p:nvSpPr>
-          <p:cNvPr id="3" name="Text Placeholder 2">
-            <a:extLst>
-              <a:ext uri="{FF2B5EF4-FFF2-40B4-BE49-F238E27FC236}">
-                <a16:creationId xmlns:a16="http://schemas.microsoft.com/office/drawing/2014/main" id="{F309A265-6F40-CB49-A260-4654BB09F2F9}"/>
-              </a:ext>
-            </a:extLst>
-          </p:cNvPr>
+            <a:endParaRPr lang="en-US"/>
+          </a:p>
+        </p:txBody>
+      </p:sp>
+      <p:sp>
+        <p:nvSpPr>
+          <p:cNvPr id="3" name="Text Placeholder 2"/>
           <p:cNvSpPr>
             <a:spLocks noGrp="1"/>
           </p:cNvSpPr>
@@ -1677,18 +1574,13 @@
               <a:rPr lang="en-US"/>
               <a:t>Click to edit Master text styles</a:t>
             </a:r>
-          </a:p>
-        </p:txBody>
-      </p:sp>
-      <p:sp>
-        <p:nvSpPr>
-          <p:cNvPr id="4" name="Date Placeholder 3">
-            <a:extLst>
-              <a:ext uri="{FF2B5EF4-FFF2-40B4-BE49-F238E27FC236}">
-                <a16:creationId xmlns:a16="http://schemas.microsoft.com/office/drawing/2014/main" id="{3C28B024-993E-4449-8069-C4AB3D3DAC0D}"/>
-              </a:ext>
-            </a:extLst>
-          </p:cNvPr>
+            <a:endParaRPr lang="en-US"/>
+          </a:p>
+        </p:txBody>
+      </p:sp>
+      <p:sp>
+        <p:nvSpPr>
+          <p:cNvPr id="4" name="Date Placeholder 3"/>
           <p:cNvSpPr>
             <a:spLocks noGrp="1"/>
           </p:cNvSpPr>
@@ -1703,7 +1595,6 @@
           <a:p>
             <a:fld id="{4C883E3E-2C2C-4299-A198-43C5B9691ED8}" type="datetime1">
               <a:rPr lang="en-US" altLang="zh-CN" smtClean="0"/>
-              <a:t>10/5/19</a:t>
             </a:fld>
             <a:endParaRPr lang="en-US"/>
           </a:p>
@@ -1711,13 +1602,7 @@
       </p:sp>
       <p:sp>
         <p:nvSpPr>
-          <p:cNvPr id="5" name="Footer Placeholder 4">
-            <a:extLst>
-              <a:ext uri="{FF2B5EF4-FFF2-40B4-BE49-F238E27FC236}">
-                <a16:creationId xmlns:a16="http://schemas.microsoft.com/office/drawing/2014/main" id="{511BC803-7071-7A4A-BA70-72C1F2A461EA}"/>
-              </a:ext>
-            </a:extLst>
-          </p:cNvPr>
+          <p:cNvPr id="5" name="Footer Placeholder 4"/>
           <p:cNvSpPr>
             <a:spLocks noGrp="1"/>
           </p:cNvSpPr>
@@ -1736,13 +1621,7 @@
       </p:sp>
       <p:sp>
         <p:nvSpPr>
-          <p:cNvPr id="6" name="Slide Number Placeholder 5">
-            <a:extLst>
-              <a:ext uri="{FF2B5EF4-FFF2-40B4-BE49-F238E27FC236}">
-                <a16:creationId xmlns:a16="http://schemas.microsoft.com/office/drawing/2014/main" id="{492183B2-0C56-D549-8192-228B6ECE6A51}"/>
-              </a:ext>
-            </a:extLst>
-          </p:cNvPr>
+          <p:cNvPr id="6" name="Slide Number Placeholder 5"/>
           <p:cNvSpPr>
             <a:spLocks noGrp="1"/>
           </p:cNvSpPr>
@@ -1757,18 +1636,12 @@
           <a:p>
             <a:fld id="{93D7A402-3076-2049-A745-4823B471CC62}" type="slidenum">
               <a:rPr lang="en-US" smtClean="0"/>
-              <a:t>‹#›</a:t>
             </a:fld>
             <a:endParaRPr lang="en-US"/>
           </a:p>
         </p:txBody>
       </p:sp>
     </p:spTree>
-    <p:extLst>
-      <p:ext uri="{BB962C8B-B14F-4D97-AF65-F5344CB8AC3E}">
-        <p14:creationId xmlns:p14="http://schemas.microsoft.com/office/powerpoint/2010/main" val="177407923"/>
-      </p:ext>
-    </p:extLst>
   </p:cSld>
   <p:clrMapOvr>
     <a:masterClrMapping/>
@@ -1795,13 +1668,7 @@
       </p:grpSpPr>
       <p:sp>
         <p:nvSpPr>
-          <p:cNvPr id="2" name="Title 1">
-            <a:extLst>
-              <a:ext uri="{FF2B5EF4-FFF2-40B4-BE49-F238E27FC236}">
-                <a16:creationId xmlns:a16="http://schemas.microsoft.com/office/drawing/2014/main" id="{80DEA13D-4CFF-7447-A09B-F1885D10C163}"/>
-              </a:ext>
-            </a:extLst>
-          </p:cNvPr>
+          <p:cNvPr id="2" name="Title 1"/>
           <p:cNvSpPr>
             <a:spLocks noGrp="1"/>
           </p:cNvSpPr>
@@ -1818,18 +1685,13 @@
               <a:rPr lang="en-US"/>
               <a:t>Click to edit Master title style</a:t>
             </a:r>
-          </a:p>
-        </p:txBody>
-      </p:sp>
-      <p:sp>
-        <p:nvSpPr>
-          <p:cNvPr id="3" name="Content Placeholder 2">
-            <a:extLst>
-              <a:ext uri="{FF2B5EF4-FFF2-40B4-BE49-F238E27FC236}">
-                <a16:creationId xmlns:a16="http://schemas.microsoft.com/office/drawing/2014/main" id="{E0DFC84D-0357-D94A-81CC-B191A850CA8F}"/>
-              </a:ext>
-            </a:extLst>
-          </p:cNvPr>
+            <a:endParaRPr lang="en-US"/>
+          </a:p>
+        </p:txBody>
+      </p:sp>
+      <p:sp>
+        <p:nvSpPr>
+          <p:cNvPr id="3" name="Content Placeholder 2"/>
           <p:cNvSpPr>
             <a:spLocks noGrp="1"/>
           </p:cNvSpPr>
@@ -1852,6 +1714,7 @@
               <a:rPr lang="en-US"/>
               <a:t>Click to edit Master text styles</a:t>
             </a:r>
+            <a:endParaRPr lang="en-US"/>
           </a:p>
           <a:p>
             <a:pPr lvl="1"/>
@@ -1859,6 +1722,7 @@
               <a:rPr lang="en-US"/>
               <a:t>Second level</a:t>
             </a:r>
+            <a:endParaRPr lang="en-US"/>
           </a:p>
           <a:p>
             <a:pPr lvl="2"/>
@@ -1866,6 +1730,7 @@
               <a:rPr lang="en-US"/>
               <a:t>Third level</a:t>
             </a:r>
+            <a:endParaRPr lang="en-US"/>
           </a:p>
           <a:p>
             <a:pPr lvl="3"/>
@@ -1873,6 +1738,7 @@
               <a:rPr lang="en-US"/>
               <a:t>Fourth level</a:t>
             </a:r>
+            <a:endParaRPr lang="en-US"/>
           </a:p>
           <a:p>
             <a:pPr lvl="4"/>
@@ -1880,18 +1746,13 @@
               <a:rPr lang="en-US"/>
               <a:t>Fifth level</a:t>
             </a:r>
-          </a:p>
-        </p:txBody>
-      </p:sp>
-      <p:sp>
-        <p:nvSpPr>
-          <p:cNvPr id="4" name="Content Placeholder 3">
-            <a:extLst>
-              <a:ext uri="{FF2B5EF4-FFF2-40B4-BE49-F238E27FC236}">
-                <a16:creationId xmlns:a16="http://schemas.microsoft.com/office/drawing/2014/main" id="{6FF49A8E-A4FC-E041-90E0-78126D1539B0}"/>
-              </a:ext>
-            </a:extLst>
-          </p:cNvPr>
+            <a:endParaRPr lang="en-US"/>
+          </a:p>
+        </p:txBody>
+      </p:sp>
+      <p:sp>
+        <p:nvSpPr>
+          <p:cNvPr id="4" name="Content Placeholder 3"/>
           <p:cNvSpPr>
             <a:spLocks noGrp="1"/>
           </p:cNvSpPr>
@@ -1914,6 +1775,7 @@
               <a:rPr lang="en-US"/>
               <a:t>Click to edit Master text styles</a:t>
             </a:r>
+            <a:endParaRPr lang="en-US"/>
           </a:p>
           <a:p>
             <a:pPr lvl="1"/>
@@ -1921,6 +1783,7 @@
               <a:rPr lang="en-US"/>
               <a:t>Second level</a:t>
             </a:r>
+            <a:endParaRPr lang="en-US"/>
           </a:p>
           <a:p>
             <a:pPr lvl="2"/>
@@ -1928,6 +1791,7 @@
               <a:rPr lang="en-US"/>
               <a:t>Third level</a:t>
             </a:r>
+            <a:endParaRPr lang="en-US"/>
           </a:p>
           <a:p>
             <a:pPr lvl="3"/>
@@ -1935,6 +1799,7 @@
               <a:rPr lang="en-US"/>
               <a:t>Fourth level</a:t>
             </a:r>
+            <a:endParaRPr lang="en-US"/>
           </a:p>
           <a:p>
             <a:pPr lvl="4"/>
@@ -1942,18 +1807,13 @@
               <a:rPr lang="en-US"/>
               <a:t>Fifth level</a:t>
             </a:r>
-          </a:p>
-        </p:txBody>
-      </p:sp>
-      <p:sp>
-        <p:nvSpPr>
-          <p:cNvPr id="5" name="Date Placeholder 4">
-            <a:extLst>
-              <a:ext uri="{FF2B5EF4-FFF2-40B4-BE49-F238E27FC236}">
-                <a16:creationId xmlns:a16="http://schemas.microsoft.com/office/drawing/2014/main" id="{480C4BEF-269C-9449-9BDB-F4B528C222CA}"/>
-              </a:ext>
-            </a:extLst>
-          </p:cNvPr>
+            <a:endParaRPr lang="en-US"/>
+          </a:p>
+        </p:txBody>
+      </p:sp>
+      <p:sp>
+        <p:nvSpPr>
+          <p:cNvPr id="5" name="Date Placeholder 4"/>
           <p:cNvSpPr>
             <a:spLocks noGrp="1"/>
           </p:cNvSpPr>
@@ -1968,7 +1828,6 @@
           <a:p>
             <a:fld id="{8AE1C8E2-3477-408B-8A18-BC57B5A57DE5}" type="datetime1">
               <a:rPr lang="en-US" altLang="zh-CN" smtClean="0"/>
-              <a:t>10/5/19</a:t>
             </a:fld>
             <a:endParaRPr lang="en-US"/>
           </a:p>
@@ -1976,13 +1835,7 @@
       </p:sp>
       <p:sp>
         <p:nvSpPr>
-          <p:cNvPr id="6" name="Footer Placeholder 5">
-            <a:extLst>
-              <a:ext uri="{FF2B5EF4-FFF2-40B4-BE49-F238E27FC236}">
-                <a16:creationId xmlns:a16="http://schemas.microsoft.com/office/drawing/2014/main" id="{95F48855-E967-4F46-A1F4-CF2202799139}"/>
-              </a:ext>
-            </a:extLst>
-          </p:cNvPr>
+          <p:cNvPr id="6" name="Footer Placeholder 5"/>
           <p:cNvSpPr>
             <a:spLocks noGrp="1"/>
           </p:cNvSpPr>
@@ -2001,13 +1854,7 @@
       </p:sp>
       <p:sp>
         <p:nvSpPr>
-          <p:cNvPr id="7" name="Slide Number Placeholder 6">
-            <a:extLst>
-              <a:ext uri="{FF2B5EF4-FFF2-40B4-BE49-F238E27FC236}">
-                <a16:creationId xmlns:a16="http://schemas.microsoft.com/office/drawing/2014/main" id="{E3E84540-752C-7F4F-9A16-452DFA2CECFE}"/>
-              </a:ext>
-            </a:extLst>
-          </p:cNvPr>
+          <p:cNvPr id="7" name="Slide Number Placeholder 6"/>
           <p:cNvSpPr>
             <a:spLocks noGrp="1"/>
           </p:cNvSpPr>
@@ -2022,18 +1869,12 @@
           <a:p>
             <a:fld id="{93D7A402-3076-2049-A745-4823B471CC62}" type="slidenum">
               <a:rPr lang="en-US" smtClean="0"/>
-              <a:t>‹#›</a:t>
             </a:fld>
             <a:endParaRPr lang="en-US"/>
           </a:p>
         </p:txBody>
       </p:sp>
     </p:spTree>
-    <p:extLst>
-      <p:ext uri="{BB962C8B-B14F-4D97-AF65-F5344CB8AC3E}">
-        <p14:creationId xmlns:p14="http://schemas.microsoft.com/office/powerpoint/2010/main" val="4073376397"/>
-      </p:ext>
-    </p:extLst>
   </p:cSld>
   <p:clrMapOvr>
     <a:masterClrMapping/>
@@ -2060,13 +1901,7 @@
       </p:grpSpPr>
       <p:sp>
         <p:nvSpPr>
-          <p:cNvPr id="2" name="Title 1">
-            <a:extLst>
-              <a:ext uri="{FF2B5EF4-FFF2-40B4-BE49-F238E27FC236}">
-                <a16:creationId xmlns:a16="http://schemas.microsoft.com/office/drawing/2014/main" id="{DE5C8900-F10B-644F-9D91-683F055E1A1C}"/>
-              </a:ext>
-            </a:extLst>
-          </p:cNvPr>
+          <p:cNvPr id="2" name="Title 1"/>
           <p:cNvSpPr>
             <a:spLocks noGrp="1"/>
           </p:cNvSpPr>
@@ -2088,18 +1923,13 @@
               <a:rPr lang="en-US"/>
               <a:t>Click to edit Master title style</a:t>
             </a:r>
-          </a:p>
-        </p:txBody>
-      </p:sp>
-      <p:sp>
-        <p:nvSpPr>
-          <p:cNvPr id="3" name="Text Placeholder 2">
-            <a:extLst>
-              <a:ext uri="{FF2B5EF4-FFF2-40B4-BE49-F238E27FC236}">
-                <a16:creationId xmlns:a16="http://schemas.microsoft.com/office/drawing/2014/main" id="{62A6BBD7-7AC1-8E43-8A56-8FDE305B3D84}"/>
-              </a:ext>
-            </a:extLst>
-          </p:cNvPr>
+            <a:endParaRPr lang="en-US"/>
+          </a:p>
+        </p:txBody>
+      </p:sp>
+      <p:sp>
+        <p:nvSpPr>
+          <p:cNvPr id="3" name="Text Placeholder 2"/>
           <p:cNvSpPr>
             <a:spLocks noGrp="1"/>
           </p:cNvSpPr>
@@ -2159,18 +1989,13 @@
               <a:rPr lang="en-US"/>
               <a:t>Click to edit Master text styles</a:t>
             </a:r>
-          </a:p>
-        </p:txBody>
-      </p:sp>
-      <p:sp>
-        <p:nvSpPr>
-          <p:cNvPr id="4" name="Content Placeholder 3">
-            <a:extLst>
-              <a:ext uri="{FF2B5EF4-FFF2-40B4-BE49-F238E27FC236}">
-                <a16:creationId xmlns:a16="http://schemas.microsoft.com/office/drawing/2014/main" id="{421BA28E-A638-814B-B186-64225373E867}"/>
-              </a:ext>
-            </a:extLst>
-          </p:cNvPr>
+            <a:endParaRPr lang="en-US"/>
+          </a:p>
+        </p:txBody>
+      </p:sp>
+      <p:sp>
+        <p:nvSpPr>
+          <p:cNvPr id="4" name="Content Placeholder 3"/>
           <p:cNvSpPr>
             <a:spLocks noGrp="1"/>
           </p:cNvSpPr>
@@ -2193,6 +2018,7 @@
               <a:rPr lang="en-US"/>
               <a:t>Click to edit Master text styles</a:t>
             </a:r>
+            <a:endParaRPr lang="en-US"/>
           </a:p>
           <a:p>
             <a:pPr lvl="1"/>
@@ -2200,6 +2026,7 @@
               <a:rPr lang="en-US"/>
               <a:t>Second level</a:t>
             </a:r>
+            <a:endParaRPr lang="en-US"/>
           </a:p>
           <a:p>
             <a:pPr lvl="2"/>
@@ -2207,6 +2034,7 @@
               <a:rPr lang="en-US"/>
               <a:t>Third level</a:t>
             </a:r>
+            <a:endParaRPr lang="en-US"/>
           </a:p>
           <a:p>
             <a:pPr lvl="3"/>
@@ -2214,6 +2042,7 @@
               <a:rPr lang="en-US"/>
               <a:t>Fourth level</a:t>
             </a:r>
+            <a:endParaRPr lang="en-US"/>
           </a:p>
           <a:p>
             <a:pPr lvl="4"/>
@@ -2221,18 +2050,13 @@
               <a:rPr lang="en-US"/>
               <a:t>Fifth level</a:t>
             </a:r>
-          </a:p>
-        </p:txBody>
-      </p:sp>
-      <p:sp>
-        <p:nvSpPr>
-          <p:cNvPr id="5" name="Text Placeholder 4">
-            <a:extLst>
-              <a:ext uri="{FF2B5EF4-FFF2-40B4-BE49-F238E27FC236}">
-                <a16:creationId xmlns:a16="http://schemas.microsoft.com/office/drawing/2014/main" id="{27B19DDB-9DFE-D64D-B826-2D310021441A}"/>
-              </a:ext>
-            </a:extLst>
-          </p:cNvPr>
+            <a:endParaRPr lang="en-US"/>
+          </a:p>
+        </p:txBody>
+      </p:sp>
+      <p:sp>
+        <p:nvSpPr>
+          <p:cNvPr id="5" name="Text Placeholder 4"/>
           <p:cNvSpPr>
             <a:spLocks noGrp="1"/>
           </p:cNvSpPr>
@@ -2292,18 +2116,13 @@
               <a:rPr lang="en-US"/>
               <a:t>Click to edit Master text styles</a:t>
             </a:r>
-          </a:p>
-        </p:txBody>
-      </p:sp>
-      <p:sp>
-        <p:nvSpPr>
-          <p:cNvPr id="6" name="Content Placeholder 5">
-            <a:extLst>
-              <a:ext uri="{FF2B5EF4-FFF2-40B4-BE49-F238E27FC236}">
-                <a16:creationId xmlns:a16="http://schemas.microsoft.com/office/drawing/2014/main" id="{A38BAA6E-CEB8-4345-92E9-592CCA73FB22}"/>
-              </a:ext>
-            </a:extLst>
-          </p:cNvPr>
+            <a:endParaRPr lang="en-US"/>
+          </a:p>
+        </p:txBody>
+      </p:sp>
+      <p:sp>
+        <p:nvSpPr>
+          <p:cNvPr id="6" name="Content Placeholder 5"/>
           <p:cNvSpPr>
             <a:spLocks noGrp="1"/>
           </p:cNvSpPr>
@@ -2326,6 +2145,7 @@
               <a:rPr lang="en-US"/>
               <a:t>Click to edit Master text styles</a:t>
             </a:r>
+            <a:endParaRPr lang="en-US"/>
           </a:p>
           <a:p>
             <a:pPr lvl="1"/>
@@ -2333,6 +2153,7 @@
               <a:rPr lang="en-US"/>
               <a:t>Second level</a:t>
             </a:r>
+            <a:endParaRPr lang="en-US"/>
           </a:p>
           <a:p>
             <a:pPr lvl="2"/>
@@ -2340,6 +2161,7 @@
               <a:rPr lang="en-US"/>
               <a:t>Third level</a:t>
             </a:r>
+            <a:endParaRPr lang="en-US"/>
           </a:p>
           <a:p>
             <a:pPr lvl="3"/>
@@ -2347,6 +2169,7 @@
               <a:rPr lang="en-US"/>
               <a:t>Fourth level</a:t>
             </a:r>
+            <a:endParaRPr lang="en-US"/>
           </a:p>
           <a:p>
             <a:pPr lvl="4"/>
@@ -2354,18 +2177,13 @@
               <a:rPr lang="en-US"/>
               <a:t>Fifth level</a:t>
             </a:r>
-          </a:p>
-        </p:txBody>
-      </p:sp>
-      <p:sp>
-        <p:nvSpPr>
-          <p:cNvPr id="7" name="Date Placeholder 6">
-            <a:extLst>
-              <a:ext uri="{FF2B5EF4-FFF2-40B4-BE49-F238E27FC236}">
-                <a16:creationId xmlns:a16="http://schemas.microsoft.com/office/drawing/2014/main" id="{2DBD2457-22A4-044E-A25F-05009AD309C0}"/>
-              </a:ext>
-            </a:extLst>
-          </p:cNvPr>
+            <a:endParaRPr lang="en-US"/>
+          </a:p>
+        </p:txBody>
+      </p:sp>
+      <p:sp>
+        <p:nvSpPr>
+          <p:cNvPr id="7" name="Date Placeholder 6"/>
           <p:cNvSpPr>
             <a:spLocks noGrp="1"/>
           </p:cNvSpPr>
@@ -2380,7 +2198,6 @@
           <a:p>
             <a:fld id="{93B8B463-FD8B-4FE3-A2B0-56A8F331639C}" type="datetime1">
               <a:rPr lang="en-US" altLang="zh-CN" smtClean="0"/>
-              <a:t>10/5/19</a:t>
             </a:fld>
             <a:endParaRPr lang="en-US"/>
           </a:p>
@@ -2388,13 +2205,7 @@
       </p:sp>
       <p:sp>
         <p:nvSpPr>
-          <p:cNvPr id="8" name="Footer Placeholder 7">
-            <a:extLst>
-              <a:ext uri="{FF2B5EF4-FFF2-40B4-BE49-F238E27FC236}">
-                <a16:creationId xmlns:a16="http://schemas.microsoft.com/office/drawing/2014/main" id="{3BC86D4F-7BFE-B443-87D1-A91B313AB5D1}"/>
-              </a:ext>
-            </a:extLst>
-          </p:cNvPr>
+          <p:cNvPr id="8" name="Footer Placeholder 7"/>
           <p:cNvSpPr>
             <a:spLocks noGrp="1"/>
           </p:cNvSpPr>
@@ -2413,13 +2224,7 @@
       </p:sp>
       <p:sp>
         <p:nvSpPr>
-          <p:cNvPr id="9" name="Slide Number Placeholder 8">
-            <a:extLst>
-              <a:ext uri="{FF2B5EF4-FFF2-40B4-BE49-F238E27FC236}">
-                <a16:creationId xmlns:a16="http://schemas.microsoft.com/office/drawing/2014/main" id="{E0084E80-28D8-3341-B7F3-F5EDD65AA96F}"/>
-              </a:ext>
-            </a:extLst>
-          </p:cNvPr>
+          <p:cNvPr id="9" name="Slide Number Placeholder 8"/>
           <p:cNvSpPr>
             <a:spLocks noGrp="1"/>
           </p:cNvSpPr>
@@ -2434,18 +2239,12 @@
           <a:p>
             <a:fld id="{93D7A402-3076-2049-A745-4823B471CC62}" type="slidenum">
               <a:rPr lang="en-US" smtClean="0"/>
-              <a:t>‹#›</a:t>
             </a:fld>
             <a:endParaRPr lang="en-US"/>
           </a:p>
         </p:txBody>
       </p:sp>
     </p:spTree>
-    <p:extLst>
-      <p:ext uri="{BB962C8B-B14F-4D97-AF65-F5344CB8AC3E}">
-        <p14:creationId xmlns:p14="http://schemas.microsoft.com/office/powerpoint/2010/main" val="3308093654"/>
-      </p:ext>
-    </p:extLst>
   </p:cSld>
   <p:clrMapOvr>
     <a:masterClrMapping/>
@@ -2472,13 +2271,7 @@
       </p:grpSpPr>
       <p:sp>
         <p:nvSpPr>
-          <p:cNvPr id="2" name="Title 1">
-            <a:extLst>
-              <a:ext uri="{FF2B5EF4-FFF2-40B4-BE49-F238E27FC236}">
-                <a16:creationId xmlns:a16="http://schemas.microsoft.com/office/drawing/2014/main" id="{E8137E4E-4CAF-A64F-AFAB-C17D6B0C42F2}"/>
-              </a:ext>
-            </a:extLst>
-          </p:cNvPr>
+          <p:cNvPr id="2" name="Title 1"/>
           <p:cNvSpPr>
             <a:spLocks noGrp="1"/>
           </p:cNvSpPr>
@@ -2495,18 +2288,13 @@
               <a:rPr lang="en-US"/>
               <a:t>Click to edit Master title style</a:t>
             </a:r>
-          </a:p>
-        </p:txBody>
-      </p:sp>
-      <p:sp>
-        <p:nvSpPr>
-          <p:cNvPr id="3" name="Date Placeholder 2">
-            <a:extLst>
-              <a:ext uri="{FF2B5EF4-FFF2-40B4-BE49-F238E27FC236}">
-                <a16:creationId xmlns:a16="http://schemas.microsoft.com/office/drawing/2014/main" id="{A188D2BF-4436-BD44-BBC1-FC4177620446}"/>
-              </a:ext>
-            </a:extLst>
-          </p:cNvPr>
+            <a:endParaRPr lang="en-US"/>
+          </a:p>
+        </p:txBody>
+      </p:sp>
+      <p:sp>
+        <p:nvSpPr>
+          <p:cNvPr id="3" name="Date Placeholder 2"/>
           <p:cNvSpPr>
             <a:spLocks noGrp="1"/>
           </p:cNvSpPr>
@@ -2521,7 +2309,6 @@
           <a:p>
             <a:fld id="{FDB557D0-8350-4B6D-8E8F-81F075A8CA5A}" type="datetime1">
               <a:rPr lang="en-US" altLang="zh-CN" smtClean="0"/>
-              <a:t>10/5/19</a:t>
             </a:fld>
             <a:endParaRPr lang="en-US"/>
           </a:p>
@@ -2529,13 +2316,7 @@
       </p:sp>
       <p:sp>
         <p:nvSpPr>
-          <p:cNvPr id="4" name="Footer Placeholder 3">
-            <a:extLst>
-              <a:ext uri="{FF2B5EF4-FFF2-40B4-BE49-F238E27FC236}">
-                <a16:creationId xmlns:a16="http://schemas.microsoft.com/office/drawing/2014/main" id="{B47CB94F-03B6-DC45-A0D0-47377546B076}"/>
-              </a:ext>
-            </a:extLst>
-          </p:cNvPr>
+          <p:cNvPr id="4" name="Footer Placeholder 3"/>
           <p:cNvSpPr>
             <a:spLocks noGrp="1"/>
           </p:cNvSpPr>
@@ -2554,13 +2335,7 @@
       </p:sp>
       <p:sp>
         <p:nvSpPr>
-          <p:cNvPr id="5" name="Slide Number Placeholder 4">
-            <a:extLst>
-              <a:ext uri="{FF2B5EF4-FFF2-40B4-BE49-F238E27FC236}">
-                <a16:creationId xmlns:a16="http://schemas.microsoft.com/office/drawing/2014/main" id="{840BDA9A-85C2-7644-9D3D-772FBB4889A0}"/>
-              </a:ext>
-            </a:extLst>
-          </p:cNvPr>
+          <p:cNvPr id="5" name="Slide Number Placeholder 4"/>
           <p:cNvSpPr>
             <a:spLocks noGrp="1"/>
           </p:cNvSpPr>
@@ -2575,18 +2350,12 @@
           <a:p>
             <a:fld id="{93D7A402-3076-2049-A745-4823B471CC62}" type="slidenum">
               <a:rPr lang="en-US" smtClean="0"/>
-              <a:t>‹#›</a:t>
             </a:fld>
             <a:endParaRPr lang="en-US"/>
           </a:p>
         </p:txBody>
       </p:sp>
     </p:spTree>
-    <p:extLst>
-      <p:ext uri="{BB962C8B-B14F-4D97-AF65-F5344CB8AC3E}">
-        <p14:creationId xmlns:p14="http://schemas.microsoft.com/office/powerpoint/2010/main" val="939701508"/>
-      </p:ext>
-    </p:extLst>
   </p:cSld>
   <p:clrMapOvr>
     <a:masterClrMapping/>
@@ -2613,13 +2382,7 @@
       </p:grpSpPr>
       <p:sp>
         <p:nvSpPr>
-          <p:cNvPr id="2" name="Date Placeholder 1">
-            <a:extLst>
-              <a:ext uri="{FF2B5EF4-FFF2-40B4-BE49-F238E27FC236}">
-                <a16:creationId xmlns:a16="http://schemas.microsoft.com/office/drawing/2014/main" id="{E2CFFCAA-E2C5-A84A-BC91-DBDBA8C92BC6}"/>
-              </a:ext>
-            </a:extLst>
-          </p:cNvPr>
+          <p:cNvPr id="2" name="Date Placeholder 1"/>
           <p:cNvSpPr>
             <a:spLocks noGrp="1"/>
           </p:cNvSpPr>
@@ -2634,7 +2397,6 @@
           <a:p>
             <a:fld id="{2351E6A3-8727-4C49-BB0B-8D3B215E0F05}" type="datetime1">
               <a:rPr lang="en-US" altLang="zh-CN" smtClean="0"/>
-              <a:t>10/5/19</a:t>
             </a:fld>
             <a:endParaRPr lang="en-US"/>
           </a:p>
@@ -2642,13 +2404,7 @@
       </p:sp>
       <p:sp>
         <p:nvSpPr>
-          <p:cNvPr id="3" name="Footer Placeholder 2">
-            <a:extLst>
-              <a:ext uri="{FF2B5EF4-FFF2-40B4-BE49-F238E27FC236}">
-                <a16:creationId xmlns:a16="http://schemas.microsoft.com/office/drawing/2014/main" id="{4669A22A-10AF-DB49-92B3-39DFB5607E97}"/>
-              </a:ext>
-            </a:extLst>
-          </p:cNvPr>
+          <p:cNvPr id="3" name="Footer Placeholder 2"/>
           <p:cNvSpPr>
             <a:spLocks noGrp="1"/>
           </p:cNvSpPr>
@@ -2667,13 +2423,7 @@
       </p:sp>
       <p:sp>
         <p:nvSpPr>
-          <p:cNvPr id="4" name="Slide Number Placeholder 3">
-            <a:extLst>
-              <a:ext uri="{FF2B5EF4-FFF2-40B4-BE49-F238E27FC236}">
-                <a16:creationId xmlns:a16="http://schemas.microsoft.com/office/drawing/2014/main" id="{18B80798-407D-C240-B0B8-0733767DA2F6}"/>
-              </a:ext>
-            </a:extLst>
-          </p:cNvPr>
+          <p:cNvPr id="4" name="Slide Number Placeholder 3"/>
           <p:cNvSpPr>
             <a:spLocks noGrp="1"/>
           </p:cNvSpPr>
@@ -2688,18 +2438,12 @@
           <a:p>
             <a:fld id="{93D7A402-3076-2049-A745-4823B471CC62}" type="slidenum">
               <a:rPr lang="en-US" smtClean="0"/>
-              <a:t>‹#›</a:t>
             </a:fld>
             <a:endParaRPr lang="en-US"/>
           </a:p>
         </p:txBody>
       </p:sp>
     </p:spTree>
-    <p:extLst>
-      <p:ext uri="{BB962C8B-B14F-4D97-AF65-F5344CB8AC3E}">
-        <p14:creationId xmlns:p14="http://schemas.microsoft.com/office/powerpoint/2010/main" val="1482590231"/>
-      </p:ext>
-    </p:extLst>
   </p:cSld>
   <p:clrMapOvr>
     <a:masterClrMapping/>
@@ -2726,13 +2470,7 @@
       </p:grpSpPr>
       <p:sp>
         <p:nvSpPr>
-          <p:cNvPr id="2" name="Title 1">
-            <a:extLst>
-              <a:ext uri="{FF2B5EF4-FFF2-40B4-BE49-F238E27FC236}">
-                <a16:creationId xmlns:a16="http://schemas.microsoft.com/office/drawing/2014/main" id="{B83BA108-C413-BB4E-A171-C68D6E55A1CB}"/>
-              </a:ext>
-            </a:extLst>
-          </p:cNvPr>
+          <p:cNvPr id="2" name="Title 1"/>
           <p:cNvSpPr>
             <a:spLocks noGrp="1"/>
           </p:cNvSpPr>
@@ -2758,18 +2496,13 @@
               <a:rPr lang="en-US"/>
               <a:t>Click to edit Master title style</a:t>
             </a:r>
-          </a:p>
-        </p:txBody>
-      </p:sp>
-      <p:sp>
-        <p:nvSpPr>
-          <p:cNvPr id="3" name="Content Placeholder 2">
-            <a:extLst>
-              <a:ext uri="{FF2B5EF4-FFF2-40B4-BE49-F238E27FC236}">
-                <a16:creationId xmlns:a16="http://schemas.microsoft.com/office/drawing/2014/main" id="{5D81605C-DB47-5C42-A09A-72FFD44CB491}"/>
-              </a:ext>
-            </a:extLst>
-          </p:cNvPr>
+            <a:endParaRPr lang="en-US"/>
+          </a:p>
+        </p:txBody>
+      </p:sp>
+      <p:sp>
+        <p:nvSpPr>
+          <p:cNvPr id="3" name="Content Placeholder 2"/>
           <p:cNvSpPr>
             <a:spLocks noGrp="1"/>
           </p:cNvSpPr>
@@ -2820,6 +2553,7 @@
               <a:rPr lang="en-US"/>
               <a:t>Click to edit Master text styles</a:t>
             </a:r>
+            <a:endParaRPr lang="en-US"/>
           </a:p>
           <a:p>
             <a:pPr lvl="1"/>
@@ -2827,6 +2561,7 @@
               <a:rPr lang="en-US"/>
               <a:t>Second level</a:t>
             </a:r>
+            <a:endParaRPr lang="en-US"/>
           </a:p>
           <a:p>
             <a:pPr lvl="2"/>
@@ -2834,6 +2569,7 @@
               <a:rPr lang="en-US"/>
               <a:t>Third level</a:t>
             </a:r>
+            <a:endParaRPr lang="en-US"/>
           </a:p>
           <a:p>
             <a:pPr lvl="3"/>
@@ -2841,6 +2577,7 @@
               <a:rPr lang="en-US"/>
               <a:t>Fourth level</a:t>
             </a:r>
+            <a:endParaRPr lang="en-US"/>
           </a:p>
           <a:p>
             <a:pPr lvl="4"/>
@@ -2848,18 +2585,13 @@
               <a:rPr lang="en-US"/>
               <a:t>Fifth level</a:t>
             </a:r>
-          </a:p>
-        </p:txBody>
-      </p:sp>
-      <p:sp>
-        <p:nvSpPr>
-          <p:cNvPr id="4" name="Text Placeholder 3">
-            <a:extLst>
-              <a:ext uri="{FF2B5EF4-FFF2-40B4-BE49-F238E27FC236}">
-                <a16:creationId xmlns:a16="http://schemas.microsoft.com/office/drawing/2014/main" id="{D17C131C-421F-0B49-918E-E07C0B9AE99A}"/>
-              </a:ext>
-            </a:extLst>
-          </p:cNvPr>
+            <a:endParaRPr lang="en-US"/>
+          </a:p>
+        </p:txBody>
+      </p:sp>
+      <p:sp>
+        <p:nvSpPr>
+          <p:cNvPr id="4" name="Text Placeholder 3"/>
           <p:cNvSpPr>
             <a:spLocks noGrp="1"/>
           </p:cNvSpPr>
@@ -2919,18 +2651,13 @@
               <a:rPr lang="en-US"/>
               <a:t>Click to edit Master text styles</a:t>
             </a:r>
-          </a:p>
-        </p:txBody>
-      </p:sp>
-      <p:sp>
-        <p:nvSpPr>
-          <p:cNvPr id="5" name="Date Placeholder 4">
-            <a:extLst>
-              <a:ext uri="{FF2B5EF4-FFF2-40B4-BE49-F238E27FC236}">
-                <a16:creationId xmlns:a16="http://schemas.microsoft.com/office/drawing/2014/main" id="{7774F09C-1153-524B-8017-1542CD80BC85}"/>
-              </a:ext>
-            </a:extLst>
-          </p:cNvPr>
+            <a:endParaRPr lang="en-US"/>
+          </a:p>
+        </p:txBody>
+      </p:sp>
+      <p:sp>
+        <p:nvSpPr>
+          <p:cNvPr id="5" name="Date Placeholder 4"/>
           <p:cNvSpPr>
             <a:spLocks noGrp="1"/>
           </p:cNvSpPr>
@@ -2945,7 +2672,6 @@
           <a:p>
             <a:fld id="{79C7CDA5-BE82-46C9-84A7-917789A4507C}" type="datetime1">
               <a:rPr lang="en-US" altLang="zh-CN" smtClean="0"/>
-              <a:t>10/5/19</a:t>
             </a:fld>
             <a:endParaRPr lang="en-US"/>
           </a:p>
@@ -2953,13 +2679,7 @@
       </p:sp>
       <p:sp>
         <p:nvSpPr>
-          <p:cNvPr id="6" name="Footer Placeholder 5">
-            <a:extLst>
-              <a:ext uri="{FF2B5EF4-FFF2-40B4-BE49-F238E27FC236}">
-                <a16:creationId xmlns:a16="http://schemas.microsoft.com/office/drawing/2014/main" id="{68C07F31-68B9-CF4F-B8E6-7353F954F830}"/>
-              </a:ext>
-            </a:extLst>
-          </p:cNvPr>
+          <p:cNvPr id="6" name="Footer Placeholder 5"/>
           <p:cNvSpPr>
             <a:spLocks noGrp="1"/>
           </p:cNvSpPr>
@@ -2978,13 +2698,7 @@
       </p:sp>
       <p:sp>
         <p:nvSpPr>
-          <p:cNvPr id="7" name="Slide Number Placeholder 6">
-            <a:extLst>
-              <a:ext uri="{FF2B5EF4-FFF2-40B4-BE49-F238E27FC236}">
-                <a16:creationId xmlns:a16="http://schemas.microsoft.com/office/drawing/2014/main" id="{C6EEA3C9-E2B9-9F4B-9587-55383F1C230A}"/>
-              </a:ext>
-            </a:extLst>
-          </p:cNvPr>
+          <p:cNvPr id="7" name="Slide Number Placeholder 6"/>
           <p:cNvSpPr>
             <a:spLocks noGrp="1"/>
           </p:cNvSpPr>
@@ -2999,18 +2713,12 @@
           <a:p>
             <a:fld id="{93D7A402-3076-2049-A745-4823B471CC62}" type="slidenum">
               <a:rPr lang="en-US" smtClean="0"/>
-              <a:t>‹#›</a:t>
             </a:fld>
             <a:endParaRPr lang="en-US"/>
           </a:p>
         </p:txBody>
       </p:sp>
     </p:spTree>
-    <p:extLst>
-      <p:ext uri="{BB962C8B-B14F-4D97-AF65-F5344CB8AC3E}">
-        <p14:creationId xmlns:p14="http://schemas.microsoft.com/office/powerpoint/2010/main" val="3209143807"/>
-      </p:ext>
-    </p:extLst>
   </p:cSld>
   <p:clrMapOvr>
     <a:masterClrMapping/>
@@ -3037,13 +2745,7 @@
       </p:grpSpPr>
       <p:sp>
         <p:nvSpPr>
-          <p:cNvPr id="2" name="Title 1">
-            <a:extLst>
-              <a:ext uri="{FF2B5EF4-FFF2-40B4-BE49-F238E27FC236}">
-                <a16:creationId xmlns:a16="http://schemas.microsoft.com/office/drawing/2014/main" id="{9DB17540-8F5D-8A41-98DB-CC75A942A52B}"/>
-              </a:ext>
-            </a:extLst>
-          </p:cNvPr>
+          <p:cNvPr id="2" name="Title 1"/>
           <p:cNvSpPr>
             <a:spLocks noGrp="1"/>
           </p:cNvSpPr>
@@ -3069,18 +2771,13 @@
               <a:rPr lang="en-US"/>
               <a:t>Click to edit Master title style</a:t>
             </a:r>
-          </a:p>
-        </p:txBody>
-      </p:sp>
-      <p:sp>
-        <p:nvSpPr>
-          <p:cNvPr id="3" name="Picture Placeholder 2">
-            <a:extLst>
-              <a:ext uri="{FF2B5EF4-FFF2-40B4-BE49-F238E27FC236}">
-                <a16:creationId xmlns:a16="http://schemas.microsoft.com/office/drawing/2014/main" id="{4EDDEE5C-AC39-3D4C-B60D-EA009172EED0}"/>
-              </a:ext>
-            </a:extLst>
-          </p:cNvPr>
+            <a:endParaRPr lang="en-US"/>
+          </a:p>
+        </p:txBody>
+      </p:sp>
+      <p:sp>
+        <p:nvSpPr>
+          <p:cNvPr id="3" name="Picture Placeholder 2"/>
           <p:cNvSpPr>
             <a:spLocks noGrp="1"/>
           </p:cNvSpPr>
@@ -3141,13 +2838,7 @@
       </p:sp>
       <p:sp>
         <p:nvSpPr>
-          <p:cNvPr id="4" name="Text Placeholder 3">
-            <a:extLst>
-              <a:ext uri="{FF2B5EF4-FFF2-40B4-BE49-F238E27FC236}">
-                <a16:creationId xmlns:a16="http://schemas.microsoft.com/office/drawing/2014/main" id="{045464B8-8FFF-3A4B-B014-1A6DB8334286}"/>
-              </a:ext>
-            </a:extLst>
-          </p:cNvPr>
+          <p:cNvPr id="4" name="Text Placeholder 3"/>
           <p:cNvSpPr>
             <a:spLocks noGrp="1"/>
           </p:cNvSpPr>
@@ -3207,18 +2898,13 @@
               <a:rPr lang="en-US"/>
               <a:t>Click to edit Master text styles</a:t>
             </a:r>
-          </a:p>
-        </p:txBody>
-      </p:sp>
-      <p:sp>
-        <p:nvSpPr>
-          <p:cNvPr id="5" name="Date Placeholder 4">
-            <a:extLst>
-              <a:ext uri="{FF2B5EF4-FFF2-40B4-BE49-F238E27FC236}">
-                <a16:creationId xmlns:a16="http://schemas.microsoft.com/office/drawing/2014/main" id="{24F15E46-BC8E-F04E-BD5F-1D1CCE8D587F}"/>
-              </a:ext>
-            </a:extLst>
-          </p:cNvPr>
+            <a:endParaRPr lang="en-US"/>
+          </a:p>
+        </p:txBody>
+      </p:sp>
+      <p:sp>
+        <p:nvSpPr>
+          <p:cNvPr id="5" name="Date Placeholder 4"/>
           <p:cNvSpPr>
             <a:spLocks noGrp="1"/>
           </p:cNvSpPr>
@@ -3233,7 +2919,6 @@
           <a:p>
             <a:fld id="{867D3553-557E-47A6-AA35-FB9764499B9E}" type="datetime1">
               <a:rPr lang="en-US" altLang="zh-CN" smtClean="0"/>
-              <a:t>10/5/19</a:t>
             </a:fld>
             <a:endParaRPr lang="en-US"/>
           </a:p>
@@ -3241,13 +2926,7 @@
       </p:sp>
       <p:sp>
         <p:nvSpPr>
-          <p:cNvPr id="6" name="Footer Placeholder 5">
-            <a:extLst>
-              <a:ext uri="{FF2B5EF4-FFF2-40B4-BE49-F238E27FC236}">
-                <a16:creationId xmlns:a16="http://schemas.microsoft.com/office/drawing/2014/main" id="{6CC03CE4-1593-7F4F-B4A9-C08620E38AE8}"/>
-              </a:ext>
-            </a:extLst>
-          </p:cNvPr>
+          <p:cNvPr id="6" name="Footer Placeholder 5"/>
           <p:cNvSpPr>
             <a:spLocks noGrp="1"/>
           </p:cNvSpPr>
@@ -3266,13 +2945,7 @@
       </p:sp>
       <p:sp>
         <p:nvSpPr>
-          <p:cNvPr id="7" name="Slide Number Placeholder 6">
-            <a:extLst>
-              <a:ext uri="{FF2B5EF4-FFF2-40B4-BE49-F238E27FC236}">
-                <a16:creationId xmlns:a16="http://schemas.microsoft.com/office/drawing/2014/main" id="{CAE9ED8D-E5D5-0445-B5B1-D742B5C075BA}"/>
-              </a:ext>
-            </a:extLst>
-          </p:cNvPr>
+          <p:cNvPr id="7" name="Slide Number Placeholder 6"/>
           <p:cNvSpPr>
             <a:spLocks noGrp="1"/>
           </p:cNvSpPr>
@@ -3287,18 +2960,12 @@
           <a:p>
             <a:fld id="{93D7A402-3076-2049-A745-4823B471CC62}" type="slidenum">
               <a:rPr lang="en-US" smtClean="0"/>
-              <a:t>‹#›</a:t>
             </a:fld>
             <a:endParaRPr lang="en-US"/>
           </a:p>
         </p:txBody>
       </p:sp>
     </p:spTree>
-    <p:extLst>
-      <p:ext uri="{BB962C8B-B14F-4D97-AF65-F5344CB8AC3E}">
-        <p14:creationId xmlns:p14="http://schemas.microsoft.com/office/powerpoint/2010/main" val="4051337201"/>
-      </p:ext>
-    </p:extLst>
   </p:cSld>
   <p:clrMapOvr>
     <a:masterClrMapping/>
@@ -3330,13 +2997,7 @@
       </p:grpSpPr>
       <p:sp>
         <p:nvSpPr>
-          <p:cNvPr id="2" name="Title Placeholder 1">
-            <a:extLst>
-              <a:ext uri="{FF2B5EF4-FFF2-40B4-BE49-F238E27FC236}">
-                <a16:creationId xmlns:a16="http://schemas.microsoft.com/office/drawing/2014/main" id="{035C8C61-1B62-494F-A4B4-A2C0D1AABCF3}"/>
-              </a:ext>
-            </a:extLst>
-          </p:cNvPr>
+          <p:cNvPr id="2" name="Title Placeholder 1"/>
           <p:cNvSpPr>
             <a:spLocks noGrp="1"/>
           </p:cNvSpPr>
@@ -3363,18 +3024,13 @@
               <a:rPr lang="en-US"/>
               <a:t>Click to edit Master title style</a:t>
             </a:r>
-          </a:p>
-        </p:txBody>
-      </p:sp>
-      <p:sp>
-        <p:nvSpPr>
-          <p:cNvPr id="3" name="Text Placeholder 2">
-            <a:extLst>
-              <a:ext uri="{FF2B5EF4-FFF2-40B4-BE49-F238E27FC236}">
-                <a16:creationId xmlns:a16="http://schemas.microsoft.com/office/drawing/2014/main" id="{3222C5A3-9D1F-FC49-A8B6-9FC1A204E589}"/>
-              </a:ext>
-            </a:extLst>
-          </p:cNvPr>
+            <a:endParaRPr lang="en-US"/>
+          </a:p>
+        </p:txBody>
+      </p:sp>
+      <p:sp>
+        <p:nvSpPr>
+          <p:cNvPr id="3" name="Text Placeholder 2"/>
           <p:cNvSpPr>
             <a:spLocks noGrp="1"/>
           </p:cNvSpPr>
@@ -3402,6 +3058,7 @@
               <a:rPr lang="en-US"/>
               <a:t>Click to edit Master text styles</a:t>
             </a:r>
+            <a:endParaRPr lang="en-US"/>
           </a:p>
           <a:p>
             <a:pPr lvl="1"/>
@@ -3409,6 +3066,7 @@
               <a:rPr lang="en-US"/>
               <a:t>Second level</a:t>
             </a:r>
+            <a:endParaRPr lang="en-US"/>
           </a:p>
           <a:p>
             <a:pPr lvl="2"/>
@@ -3416,6 +3074,7 @@
               <a:rPr lang="en-US"/>
               <a:t>Third level</a:t>
             </a:r>
+            <a:endParaRPr lang="en-US"/>
           </a:p>
           <a:p>
             <a:pPr lvl="3"/>
@@ -3423,6 +3082,7 @@
               <a:rPr lang="en-US"/>
               <a:t>Fourth level</a:t>
             </a:r>
+            <a:endParaRPr lang="en-US"/>
           </a:p>
           <a:p>
             <a:pPr lvl="4"/>
@@ -3430,18 +3090,13 @@
               <a:rPr lang="en-US"/>
               <a:t>Fifth level</a:t>
             </a:r>
-          </a:p>
-        </p:txBody>
-      </p:sp>
-      <p:sp>
-        <p:nvSpPr>
-          <p:cNvPr id="4" name="Date Placeholder 3">
-            <a:extLst>
-              <a:ext uri="{FF2B5EF4-FFF2-40B4-BE49-F238E27FC236}">
-                <a16:creationId xmlns:a16="http://schemas.microsoft.com/office/drawing/2014/main" id="{DBD44991-B31D-974B-B0BA-8CD95B70DCAC}"/>
-              </a:ext>
-            </a:extLst>
-          </p:cNvPr>
+            <a:endParaRPr lang="en-US"/>
+          </a:p>
+        </p:txBody>
+      </p:sp>
+      <p:sp>
+        <p:nvSpPr>
+          <p:cNvPr id="4" name="Date Placeholder 3"/>
           <p:cNvSpPr>
             <a:spLocks noGrp="1"/>
           </p:cNvSpPr>
@@ -3474,7 +3129,6 @@
           <a:p>
             <a:fld id="{8A5258A8-249F-4202-8A92-0C595567D6C5}" type="datetime1">
               <a:rPr lang="en-US" altLang="zh-CN" smtClean="0"/>
-              <a:t>10/5/19</a:t>
             </a:fld>
             <a:endParaRPr lang="en-US"/>
           </a:p>
@@ -3482,13 +3136,7 @@
       </p:sp>
       <p:sp>
         <p:nvSpPr>
-          <p:cNvPr id="5" name="Footer Placeholder 4">
-            <a:extLst>
-              <a:ext uri="{FF2B5EF4-FFF2-40B4-BE49-F238E27FC236}">
-                <a16:creationId xmlns:a16="http://schemas.microsoft.com/office/drawing/2014/main" id="{B3C693CF-B262-3B42-9A3A-6833317BE1D0}"/>
-              </a:ext>
-            </a:extLst>
-          </p:cNvPr>
+          <p:cNvPr id="5" name="Footer Placeholder 4"/>
           <p:cNvSpPr>
             <a:spLocks noGrp="1"/>
           </p:cNvSpPr>
@@ -3525,13 +3173,7 @@
       </p:sp>
       <p:sp>
         <p:nvSpPr>
-          <p:cNvPr id="6" name="Slide Number Placeholder 5">
-            <a:extLst>
-              <a:ext uri="{FF2B5EF4-FFF2-40B4-BE49-F238E27FC236}">
-                <a16:creationId xmlns:a16="http://schemas.microsoft.com/office/drawing/2014/main" id="{98D752E0-2312-C949-9360-D446A09B241C}"/>
-              </a:ext>
-            </a:extLst>
-          </p:cNvPr>
+          <p:cNvPr id="6" name="Slide Number Placeholder 5"/>
           <p:cNvSpPr>
             <a:spLocks noGrp="1"/>
           </p:cNvSpPr>
@@ -3564,18 +3206,12 @@
           <a:p>
             <a:fld id="{93D7A402-3076-2049-A745-4823B471CC62}" type="slidenum">
               <a:rPr lang="en-US" smtClean="0"/>
-              <a:t>‹#›</a:t>
             </a:fld>
             <a:endParaRPr lang="en-US"/>
           </a:p>
         </p:txBody>
       </p:sp>
     </p:spTree>
-    <p:extLst>
-      <p:ext uri="{BB962C8B-B14F-4D97-AF65-F5344CB8AC3E}">
-        <p14:creationId xmlns:p14="http://schemas.microsoft.com/office/powerpoint/2010/main" val="3951554958"/>
-      </p:ext>
-    </p:extLst>
   </p:cSld>
   <p:clrMap bg1="lt1" tx1="dk1" bg2="lt2" tx2="dk2" accent1="accent1" accent2="accent2" accent3="accent3" accent4="accent4" accent5="accent5" accent6="accent6" hlink="hlink" folHlink="folHlink"/>
   <p:sldLayoutIdLst>
@@ -3620,7 +3256,7 @@
         <a:spcBef>
           <a:spcPts val="1000"/>
         </a:spcBef>
-        <a:buFont typeface="Arial" panose="020B0604020202020204" pitchFamily="34" charset="0"/>
+        <a:buFont typeface="Arial" panose="02080604020202020204" pitchFamily="34" charset="0"/>
         <a:buChar char="•"/>
         <a:defRPr sz="2800" kern="1200">
           <a:solidFill>
@@ -3638,7 +3274,7 @@
         <a:spcBef>
           <a:spcPts val="500"/>
         </a:spcBef>
-        <a:buFont typeface="Arial" panose="020B0604020202020204" pitchFamily="34" charset="0"/>
+        <a:buFont typeface="Arial" panose="02080604020202020204" pitchFamily="34" charset="0"/>
         <a:buChar char="•"/>
         <a:defRPr sz="2400" kern="1200">
           <a:solidFill>
@@ -3656,7 +3292,7 @@
         <a:spcBef>
           <a:spcPts val="500"/>
         </a:spcBef>
-        <a:buFont typeface="Arial" panose="020B0604020202020204" pitchFamily="34" charset="0"/>
+        <a:buFont typeface="Arial" panose="02080604020202020204" pitchFamily="34" charset="0"/>
         <a:buChar char="•"/>
         <a:defRPr sz="2000" kern="1200">
           <a:solidFill>
@@ -3674,7 +3310,7 @@
         <a:spcBef>
           <a:spcPts val="500"/>
         </a:spcBef>
-        <a:buFont typeface="Arial" panose="020B0604020202020204" pitchFamily="34" charset="0"/>
+        <a:buFont typeface="Arial" panose="02080604020202020204" pitchFamily="34" charset="0"/>
         <a:buChar char="•"/>
         <a:defRPr sz="1800" kern="1200">
           <a:solidFill>
@@ -3692,7 +3328,7 @@
         <a:spcBef>
           <a:spcPts val="500"/>
         </a:spcBef>
-        <a:buFont typeface="Arial" panose="020B0604020202020204" pitchFamily="34" charset="0"/>
+        <a:buFont typeface="Arial" panose="02080604020202020204" pitchFamily="34" charset="0"/>
         <a:buChar char="•"/>
         <a:defRPr sz="1800" kern="1200">
           <a:solidFill>
@@ -3710,7 +3346,7 @@
         <a:spcBef>
           <a:spcPts val="500"/>
         </a:spcBef>
-        <a:buFont typeface="Arial" panose="020B0604020202020204" pitchFamily="34" charset="0"/>
+        <a:buFont typeface="Arial" panose="02080604020202020204" pitchFamily="34" charset="0"/>
         <a:buChar char="•"/>
         <a:defRPr sz="1800" kern="1200">
           <a:solidFill>
@@ -3728,7 +3364,7 @@
         <a:spcBef>
           <a:spcPts val="500"/>
         </a:spcBef>
-        <a:buFont typeface="Arial" panose="020B0604020202020204" pitchFamily="34" charset="0"/>
+        <a:buFont typeface="Arial" panose="02080604020202020204" pitchFamily="34" charset="0"/>
         <a:buChar char="•"/>
         <a:defRPr sz="1800" kern="1200">
           <a:solidFill>
@@ -3746,7 +3382,7 @@
         <a:spcBef>
           <a:spcPts val="500"/>
         </a:spcBef>
-        <a:buFont typeface="Arial" panose="020B0604020202020204" pitchFamily="34" charset="0"/>
+        <a:buFont typeface="Arial" panose="02080604020202020204" pitchFamily="34" charset="0"/>
         <a:buChar char="•"/>
         <a:defRPr sz="1800" kern="1200">
           <a:solidFill>
@@ -3764,7 +3400,7 @@
         <a:spcBef>
           <a:spcPts val="500"/>
         </a:spcBef>
-        <a:buFont typeface="Arial" panose="020B0604020202020204" pitchFamily="34" charset="0"/>
+        <a:buFont typeface="Arial" panose="02080604020202020204" pitchFamily="34" charset="0"/>
         <a:buChar char="•"/>
         <a:defRPr sz="1800" kern="1200">
           <a:solidFill>
@@ -3894,13 +3530,7 @@
       </p:grpSpPr>
       <p:sp>
         <p:nvSpPr>
-          <p:cNvPr id="2" name="Title 1">
-            <a:extLst>
-              <a:ext uri="{FF2B5EF4-FFF2-40B4-BE49-F238E27FC236}">
-                <a16:creationId xmlns:a16="http://schemas.microsoft.com/office/drawing/2014/main" id="{A001A980-E7EE-6B4B-9EC1-CD5251FC40A0}"/>
-              </a:ext>
-            </a:extLst>
-          </p:cNvPr>
+          <p:cNvPr id="2" name="Title 1"/>
           <p:cNvSpPr>
             <a:spLocks noGrp="1"/>
           </p:cNvSpPr>
@@ -3917,18 +3547,13 @@
               <a:rPr lang="en-US" dirty="0"/>
               <a:t>Interpretation</a:t>
             </a:r>
-          </a:p>
-        </p:txBody>
-      </p:sp>
-      <p:sp>
-        <p:nvSpPr>
-          <p:cNvPr id="3" name="Subtitle 2">
-            <a:extLst>
-              <a:ext uri="{FF2B5EF4-FFF2-40B4-BE49-F238E27FC236}">
-                <a16:creationId xmlns:a16="http://schemas.microsoft.com/office/drawing/2014/main" id="{47676204-3E6E-724F-86C1-33DEAD64D6D7}"/>
-              </a:ext>
-            </a:extLst>
-          </p:cNvPr>
+            <a:endParaRPr lang="en-US" dirty="0"/>
+          </a:p>
+        </p:txBody>
+      </p:sp>
+      <p:sp>
+        <p:nvSpPr>
+          <p:cNvPr id="3" name="Subtitle 2"/>
           <p:cNvSpPr>
             <a:spLocks noGrp="1"/>
           </p:cNvSpPr>
@@ -3947,13 +3572,7 @@
       </p:sp>
       <p:sp>
         <p:nvSpPr>
-          <p:cNvPr id="4" name="日期占位符 3">
-            <a:extLst>
-              <a:ext uri="{FF2B5EF4-FFF2-40B4-BE49-F238E27FC236}">
-                <a16:creationId xmlns:a16="http://schemas.microsoft.com/office/drawing/2014/main" id="{43375F58-6602-4BB2-9B52-C33DFD3534A9}"/>
-              </a:ext>
-            </a:extLst>
-          </p:cNvPr>
+          <p:cNvPr id="4" name="日期占位符 3"/>
           <p:cNvSpPr>
             <a:spLocks noGrp="1"/>
           </p:cNvSpPr>
@@ -3968,7 +3587,6 @@
           <a:p>
             <a:fld id="{D17A8FA8-D9AF-44A9-9447-58E55764C556}" type="datetime1">
               <a:rPr lang="en-US" altLang="zh-CN" smtClean="0"/>
-              <a:t>10/5/19</a:t>
             </a:fld>
             <a:endParaRPr lang="en-US"/>
           </a:p>
@@ -3976,13 +3594,7 @@
       </p:sp>
       <p:sp>
         <p:nvSpPr>
-          <p:cNvPr id="5" name="灯片编号占位符 4">
-            <a:extLst>
-              <a:ext uri="{FF2B5EF4-FFF2-40B4-BE49-F238E27FC236}">
-                <a16:creationId xmlns:a16="http://schemas.microsoft.com/office/drawing/2014/main" id="{800711A6-827C-49F2-A75E-F13EC8F5B0E8}"/>
-              </a:ext>
-            </a:extLst>
-          </p:cNvPr>
+          <p:cNvPr id="5" name="灯片编号占位符 4"/>
           <p:cNvSpPr>
             <a:spLocks noGrp="1"/>
           </p:cNvSpPr>
@@ -3997,18 +3609,12 @@
           <a:p>
             <a:fld id="{93D7A402-3076-2049-A745-4823B471CC62}" type="slidenum">
               <a:rPr lang="en-US" smtClean="0"/>
-              <a:t>1</a:t>
             </a:fld>
             <a:endParaRPr lang="en-US"/>
           </a:p>
         </p:txBody>
       </p:sp>
     </p:spTree>
-    <p:extLst>
-      <p:ext uri="{BB962C8B-B14F-4D97-AF65-F5344CB8AC3E}">
-        <p14:creationId xmlns:p14="http://schemas.microsoft.com/office/powerpoint/2010/main" val="3254276070"/>
-      </p:ext>
-    </p:extLst>
   </p:cSld>
   <p:clrMapOvr>
     <a:masterClrMapping/>
@@ -4035,13 +3641,7 @@
       </p:grpSpPr>
       <p:sp>
         <p:nvSpPr>
-          <p:cNvPr id="2" name="Title 1">
-            <a:extLst>
-              <a:ext uri="{FF2B5EF4-FFF2-40B4-BE49-F238E27FC236}">
-                <a16:creationId xmlns:a16="http://schemas.microsoft.com/office/drawing/2014/main" id="{B071AE84-1CB7-1C46-9F72-CB3FB82F3447}"/>
-              </a:ext>
-            </a:extLst>
-          </p:cNvPr>
+          <p:cNvPr id="2" name="Title 1"/>
           <p:cNvSpPr>
             <a:spLocks noGrp="1"/>
           </p:cNvSpPr>
@@ -4068,13 +3668,7 @@
       </p:sp>
       <p:sp>
         <p:nvSpPr>
-          <p:cNvPr id="3" name="Content Placeholder 2">
-            <a:extLst>
-              <a:ext uri="{FF2B5EF4-FFF2-40B4-BE49-F238E27FC236}">
-                <a16:creationId xmlns:a16="http://schemas.microsoft.com/office/drawing/2014/main" id="{5DE9B7D8-C997-384D-98CA-E108203C4B9C}"/>
-              </a:ext>
-            </a:extLst>
-          </p:cNvPr>
+          <p:cNvPr id="3" name="Content Placeholder 2"/>
           <p:cNvSpPr>
             <a:spLocks noGrp="1"/>
           </p:cNvSpPr>
@@ -4116,13 +3710,7 @@
       </p:sp>
       <p:sp>
         <p:nvSpPr>
-          <p:cNvPr id="4" name="日期占位符 3">
-            <a:extLst>
-              <a:ext uri="{FF2B5EF4-FFF2-40B4-BE49-F238E27FC236}">
-                <a16:creationId xmlns:a16="http://schemas.microsoft.com/office/drawing/2014/main" id="{2765B96B-3E85-40A3-A296-091D4989186B}"/>
-              </a:ext>
-            </a:extLst>
-          </p:cNvPr>
+          <p:cNvPr id="4" name="日期占位符 3"/>
           <p:cNvSpPr>
             <a:spLocks noGrp="1"/>
           </p:cNvSpPr>
@@ -4137,7 +3725,6 @@
           <a:p>
             <a:fld id="{BF677F50-21D8-40BE-B8F0-B2270733CF6B}" type="datetime1">
               <a:rPr lang="en-US" altLang="zh-CN" smtClean="0"/>
-              <a:t>10/5/19</a:t>
             </a:fld>
             <a:endParaRPr lang="en-US"/>
           </a:p>
@@ -4145,13 +3732,7 @@
       </p:sp>
       <p:sp>
         <p:nvSpPr>
-          <p:cNvPr id="5" name="灯片编号占位符 4">
-            <a:extLst>
-              <a:ext uri="{FF2B5EF4-FFF2-40B4-BE49-F238E27FC236}">
-                <a16:creationId xmlns:a16="http://schemas.microsoft.com/office/drawing/2014/main" id="{57EAF1FF-820C-427B-BE1E-A008AA61BA6C}"/>
-              </a:ext>
-            </a:extLst>
-          </p:cNvPr>
+          <p:cNvPr id="5" name="灯片编号占位符 4"/>
           <p:cNvSpPr>
             <a:spLocks noGrp="1"/>
           </p:cNvSpPr>
@@ -4166,18 +3747,12 @@
           <a:p>
             <a:fld id="{93D7A402-3076-2049-A745-4823B471CC62}" type="slidenum">
               <a:rPr lang="en-US" smtClean="0"/>
-              <a:t>10</a:t>
             </a:fld>
             <a:endParaRPr lang="en-US"/>
           </a:p>
         </p:txBody>
       </p:sp>
     </p:spTree>
-    <p:extLst>
-      <p:ext uri="{BB962C8B-B14F-4D97-AF65-F5344CB8AC3E}">
-        <p14:creationId xmlns:p14="http://schemas.microsoft.com/office/powerpoint/2010/main" val="1216967140"/>
-      </p:ext>
-    </p:extLst>
   </p:cSld>
   <p:clrMapOvr>
     <a:masterClrMapping/>
@@ -4204,13 +3779,7 @@
       </p:grpSpPr>
       <p:sp>
         <p:nvSpPr>
-          <p:cNvPr id="2" name="Title 1">
-            <a:extLst>
-              <a:ext uri="{FF2B5EF4-FFF2-40B4-BE49-F238E27FC236}">
-                <a16:creationId xmlns:a16="http://schemas.microsoft.com/office/drawing/2014/main" id="{B071AE84-1CB7-1C46-9F72-CB3FB82F3447}"/>
-              </a:ext>
-            </a:extLst>
-          </p:cNvPr>
+          <p:cNvPr id="2" name="Title 1"/>
           <p:cNvSpPr>
             <a:spLocks noGrp="1"/>
           </p:cNvSpPr>
@@ -4237,13 +3806,7 @@
       </p:sp>
       <p:sp>
         <p:nvSpPr>
-          <p:cNvPr id="3" name="Content Placeholder 2">
-            <a:extLst>
-              <a:ext uri="{FF2B5EF4-FFF2-40B4-BE49-F238E27FC236}">
-                <a16:creationId xmlns:a16="http://schemas.microsoft.com/office/drawing/2014/main" id="{5DE9B7D8-C997-384D-98CA-E108203C4B9C}"/>
-              </a:ext>
-            </a:extLst>
-          </p:cNvPr>
+          <p:cNvPr id="3" name="Content Placeholder 2"/>
           <p:cNvSpPr>
             <a:spLocks noGrp="1"/>
           </p:cNvSpPr>
@@ -4277,13 +3840,7 @@
       </p:sp>
       <p:sp>
         <p:nvSpPr>
-          <p:cNvPr id="4" name="日期占位符 3">
-            <a:extLst>
-              <a:ext uri="{FF2B5EF4-FFF2-40B4-BE49-F238E27FC236}">
-                <a16:creationId xmlns:a16="http://schemas.microsoft.com/office/drawing/2014/main" id="{2765B96B-3E85-40A3-A296-091D4989186B}"/>
-              </a:ext>
-            </a:extLst>
-          </p:cNvPr>
+          <p:cNvPr id="4" name="日期占位符 3"/>
           <p:cNvSpPr>
             <a:spLocks noGrp="1"/>
           </p:cNvSpPr>
@@ -4298,7 +3855,6 @@
           <a:p>
             <a:fld id="{BF677F50-21D8-40BE-B8F0-B2270733CF6B}" type="datetime1">
               <a:rPr lang="en-US" altLang="zh-CN" smtClean="0"/>
-              <a:t>10/5/19</a:t>
             </a:fld>
             <a:endParaRPr lang="en-US"/>
           </a:p>
@@ -4306,13 +3862,7 @@
       </p:sp>
       <p:sp>
         <p:nvSpPr>
-          <p:cNvPr id="5" name="灯片编号占位符 4">
-            <a:extLst>
-              <a:ext uri="{FF2B5EF4-FFF2-40B4-BE49-F238E27FC236}">
-                <a16:creationId xmlns:a16="http://schemas.microsoft.com/office/drawing/2014/main" id="{57EAF1FF-820C-427B-BE1E-A008AA61BA6C}"/>
-              </a:ext>
-            </a:extLst>
-          </p:cNvPr>
+          <p:cNvPr id="5" name="灯片编号占位符 4"/>
           <p:cNvSpPr>
             <a:spLocks noGrp="1"/>
           </p:cNvSpPr>
@@ -4327,18 +3877,12 @@
           <a:p>
             <a:fld id="{93D7A402-3076-2049-A745-4823B471CC62}" type="slidenum">
               <a:rPr lang="en-US" smtClean="0"/>
-              <a:t>11</a:t>
             </a:fld>
             <a:endParaRPr lang="en-US"/>
           </a:p>
         </p:txBody>
       </p:sp>
     </p:spTree>
-    <p:extLst>
-      <p:ext uri="{BB962C8B-B14F-4D97-AF65-F5344CB8AC3E}">
-        <p14:creationId xmlns:p14="http://schemas.microsoft.com/office/powerpoint/2010/main" val="160395671"/>
-      </p:ext>
-    </p:extLst>
   </p:cSld>
   <p:clrMapOvr>
     <a:masterClrMapping/>
@@ -4365,13 +3909,7 @@
       </p:grpSpPr>
       <p:sp>
         <p:nvSpPr>
-          <p:cNvPr id="2" name="Title 1">
-            <a:extLst>
-              <a:ext uri="{FF2B5EF4-FFF2-40B4-BE49-F238E27FC236}">
-                <a16:creationId xmlns:a16="http://schemas.microsoft.com/office/drawing/2014/main" id="{C7AD168B-F31C-F24B-A01A-D6C41301391F}"/>
-              </a:ext>
-            </a:extLst>
-          </p:cNvPr>
+          <p:cNvPr id="2" name="Title 1"/>
           <p:cNvSpPr>
             <a:spLocks noGrp="1"/>
           </p:cNvSpPr>
@@ -4406,13 +3944,7 @@
       </p:sp>
       <p:sp>
         <p:nvSpPr>
-          <p:cNvPr id="3" name="Content Placeholder 2">
-            <a:extLst>
-              <a:ext uri="{FF2B5EF4-FFF2-40B4-BE49-F238E27FC236}">
-                <a16:creationId xmlns:a16="http://schemas.microsoft.com/office/drawing/2014/main" id="{081D77C2-CD68-8944-AB87-3A854D1C32EC}"/>
-              </a:ext>
-            </a:extLst>
-          </p:cNvPr>
+          <p:cNvPr id="3" name="Content Placeholder 2"/>
           <p:cNvSpPr>
             <a:spLocks noGrp="1"/>
           </p:cNvSpPr>
@@ -4456,7 +3988,7 @@
             </a:r>
             <a:r>
               <a:rPr lang="en-US" dirty="0">
-                <a:hlinkClick r:id="rId2"/>
+                <a:hlinkClick r:id="rId1"/>
               </a:rPr>
               <a:t>How to Visualize Filters and Feature Maps in Convolutional Neural Networks</a:t>
             </a:r>
@@ -4499,24 +4031,20 @@
               <a:rPr lang="en-US" dirty="0"/>
               <a:t>. </a:t>
             </a:r>
+            <a:endParaRPr lang="en-US" dirty="0"/>
           </a:p>
           <a:p>
             <a:r>
               <a:rPr lang="en-US" dirty="0"/>
               <a:t>Model abstract features from the image into more general concepts that can be used to make a classification. We generally lose the ability to interpret these deeper feature maps. </a:t>
             </a:r>
-          </a:p>
-        </p:txBody>
-      </p:sp>
-      <p:sp>
-        <p:nvSpPr>
-          <p:cNvPr id="4" name="Date Placeholder 3">
-            <a:extLst>
-              <a:ext uri="{FF2B5EF4-FFF2-40B4-BE49-F238E27FC236}">
-                <a16:creationId xmlns:a16="http://schemas.microsoft.com/office/drawing/2014/main" id="{D4F46E80-CB5D-2846-B36E-EE50A34F84C8}"/>
-              </a:ext>
-            </a:extLst>
-          </p:cNvPr>
+            <a:endParaRPr lang="en-US" dirty="0"/>
+          </a:p>
+        </p:txBody>
+      </p:sp>
+      <p:sp>
+        <p:nvSpPr>
+          <p:cNvPr id="4" name="Date Placeholder 3"/>
           <p:cNvSpPr>
             <a:spLocks noGrp="1"/>
           </p:cNvSpPr>
@@ -4531,7 +4059,6 @@
           <a:p>
             <a:fld id="{D483111E-5384-4450-87E5-51B3B2328436}" type="datetime1">
               <a:rPr lang="en-US" altLang="zh-CN" smtClean="0"/>
-              <a:t>10/5/19</a:t>
             </a:fld>
             <a:endParaRPr lang="en-US"/>
           </a:p>
@@ -4539,13 +4066,7 @@
       </p:sp>
       <p:sp>
         <p:nvSpPr>
-          <p:cNvPr id="5" name="Slide Number Placeholder 4">
-            <a:extLst>
-              <a:ext uri="{FF2B5EF4-FFF2-40B4-BE49-F238E27FC236}">
-                <a16:creationId xmlns:a16="http://schemas.microsoft.com/office/drawing/2014/main" id="{C733172F-CA26-D24C-A717-04495F9B2A0E}"/>
-              </a:ext>
-            </a:extLst>
-          </p:cNvPr>
+          <p:cNvPr id="5" name="Slide Number Placeholder 4"/>
           <p:cNvSpPr>
             <a:spLocks noGrp="1"/>
           </p:cNvSpPr>
@@ -4560,18 +4081,12 @@
           <a:p>
             <a:fld id="{93D7A402-3076-2049-A745-4823B471CC62}" type="slidenum">
               <a:rPr lang="en-US" smtClean="0"/>
-              <a:t>12</a:t>
             </a:fld>
             <a:endParaRPr lang="en-US"/>
           </a:p>
         </p:txBody>
       </p:sp>
     </p:spTree>
-    <p:extLst>
-      <p:ext uri="{BB962C8B-B14F-4D97-AF65-F5344CB8AC3E}">
-        <p14:creationId xmlns:p14="http://schemas.microsoft.com/office/powerpoint/2010/main" val="2422101946"/>
-      </p:ext>
-    </p:extLst>
   </p:cSld>
   <p:clrMapOvr>
     <a:masterClrMapping/>
@@ -4598,13 +4113,7 @@
       </p:grpSpPr>
       <p:sp>
         <p:nvSpPr>
-          <p:cNvPr id="2" name="Title 1">
-            <a:extLst>
-              <a:ext uri="{FF2B5EF4-FFF2-40B4-BE49-F238E27FC236}">
-                <a16:creationId xmlns:a16="http://schemas.microsoft.com/office/drawing/2014/main" id="{C7AD168B-F31C-F24B-A01A-D6C41301391F}"/>
-              </a:ext>
-            </a:extLst>
-          </p:cNvPr>
+          <p:cNvPr id="2" name="Title 1"/>
           <p:cNvSpPr>
             <a:spLocks noGrp="1"/>
           </p:cNvSpPr>
@@ -4639,13 +4148,7 @@
       </p:sp>
       <p:sp>
         <p:nvSpPr>
-          <p:cNvPr id="3" name="Content Placeholder 2">
-            <a:extLst>
-              <a:ext uri="{FF2B5EF4-FFF2-40B4-BE49-F238E27FC236}">
-                <a16:creationId xmlns:a16="http://schemas.microsoft.com/office/drawing/2014/main" id="{081D77C2-CD68-8944-AB87-3A854D1C32EC}"/>
-              </a:ext>
-            </a:extLst>
-          </p:cNvPr>
+          <p:cNvPr id="3" name="Content Placeholder 2"/>
           <p:cNvSpPr>
             <a:spLocks noGrp="1"/>
           </p:cNvSpPr>
@@ -4698,13 +4201,7 @@
       </p:sp>
       <p:sp>
         <p:nvSpPr>
-          <p:cNvPr id="4" name="Date Placeholder 3">
-            <a:extLst>
-              <a:ext uri="{FF2B5EF4-FFF2-40B4-BE49-F238E27FC236}">
-                <a16:creationId xmlns:a16="http://schemas.microsoft.com/office/drawing/2014/main" id="{D4F46E80-CB5D-2846-B36E-EE50A34F84C8}"/>
-              </a:ext>
-            </a:extLst>
-          </p:cNvPr>
+          <p:cNvPr id="4" name="Date Placeholder 3"/>
           <p:cNvSpPr>
             <a:spLocks noGrp="1"/>
           </p:cNvSpPr>
@@ -4719,7 +4216,6 @@
           <a:p>
             <a:fld id="{D483111E-5384-4450-87E5-51B3B2328436}" type="datetime1">
               <a:rPr lang="en-US" altLang="zh-CN" smtClean="0"/>
-              <a:t>10/5/19</a:t>
             </a:fld>
             <a:endParaRPr lang="en-US"/>
           </a:p>
@@ -4727,13 +4223,7 @@
       </p:sp>
       <p:sp>
         <p:nvSpPr>
-          <p:cNvPr id="5" name="Slide Number Placeholder 4">
-            <a:extLst>
-              <a:ext uri="{FF2B5EF4-FFF2-40B4-BE49-F238E27FC236}">
-                <a16:creationId xmlns:a16="http://schemas.microsoft.com/office/drawing/2014/main" id="{C733172F-CA26-D24C-A717-04495F9B2A0E}"/>
-              </a:ext>
-            </a:extLst>
-          </p:cNvPr>
+          <p:cNvPr id="5" name="Slide Number Placeholder 4"/>
           <p:cNvSpPr>
             <a:spLocks noGrp="1"/>
           </p:cNvSpPr>
@@ -4748,18 +4238,12 @@
           <a:p>
             <a:fld id="{93D7A402-3076-2049-A745-4823B471CC62}" type="slidenum">
               <a:rPr lang="en-US" smtClean="0"/>
-              <a:t>13</a:t>
             </a:fld>
             <a:endParaRPr lang="en-US"/>
           </a:p>
         </p:txBody>
       </p:sp>
     </p:spTree>
-    <p:extLst>
-      <p:ext uri="{BB962C8B-B14F-4D97-AF65-F5344CB8AC3E}">
-        <p14:creationId xmlns:p14="http://schemas.microsoft.com/office/powerpoint/2010/main" val="2308448632"/>
-      </p:ext>
-    </p:extLst>
   </p:cSld>
   <p:clrMapOvr>
     <a:masterClrMapping/>
@@ -4786,13 +4270,7 @@
       </p:grpSpPr>
       <p:sp>
         <p:nvSpPr>
-          <p:cNvPr id="2" name="Title 1">
-            <a:extLst>
-              <a:ext uri="{FF2B5EF4-FFF2-40B4-BE49-F238E27FC236}">
-                <a16:creationId xmlns:a16="http://schemas.microsoft.com/office/drawing/2014/main" id="{C7AD168B-F31C-F24B-A01A-D6C41301391F}"/>
-              </a:ext>
-            </a:extLst>
-          </p:cNvPr>
+          <p:cNvPr id="2" name="Title 1"/>
           <p:cNvSpPr>
             <a:spLocks noGrp="1"/>
           </p:cNvSpPr>
@@ -4855,13 +4333,7 @@
       </p:sp>
       <p:sp>
         <p:nvSpPr>
-          <p:cNvPr id="3" name="Content Placeholder 2">
-            <a:extLst>
-              <a:ext uri="{FF2B5EF4-FFF2-40B4-BE49-F238E27FC236}">
-                <a16:creationId xmlns:a16="http://schemas.microsoft.com/office/drawing/2014/main" id="{081D77C2-CD68-8944-AB87-3A854D1C32EC}"/>
-              </a:ext>
-            </a:extLst>
-          </p:cNvPr>
+          <p:cNvPr id="3" name="Content Placeholder 2"/>
           <p:cNvSpPr>
             <a:spLocks noGrp="1"/>
           </p:cNvSpPr>
@@ -4963,13 +4435,7 @@
       </p:sp>
       <p:sp>
         <p:nvSpPr>
-          <p:cNvPr id="4" name="Date Placeholder 3">
-            <a:extLst>
-              <a:ext uri="{FF2B5EF4-FFF2-40B4-BE49-F238E27FC236}">
-                <a16:creationId xmlns:a16="http://schemas.microsoft.com/office/drawing/2014/main" id="{D4F46E80-CB5D-2846-B36E-EE50A34F84C8}"/>
-              </a:ext>
-            </a:extLst>
-          </p:cNvPr>
+          <p:cNvPr id="4" name="Date Placeholder 3"/>
           <p:cNvSpPr>
             <a:spLocks noGrp="1"/>
           </p:cNvSpPr>
@@ -4984,7 +4450,6 @@
           <a:p>
             <a:fld id="{D483111E-5384-4450-87E5-51B3B2328436}" type="datetime1">
               <a:rPr lang="en-US" altLang="zh-CN" smtClean="0"/>
-              <a:t>10/5/19</a:t>
             </a:fld>
             <a:endParaRPr lang="en-US"/>
           </a:p>
@@ -4992,13 +4457,7 @@
       </p:sp>
       <p:sp>
         <p:nvSpPr>
-          <p:cNvPr id="5" name="Slide Number Placeholder 4">
-            <a:extLst>
-              <a:ext uri="{FF2B5EF4-FFF2-40B4-BE49-F238E27FC236}">
-                <a16:creationId xmlns:a16="http://schemas.microsoft.com/office/drawing/2014/main" id="{C733172F-CA26-D24C-A717-04495F9B2A0E}"/>
-              </a:ext>
-            </a:extLst>
-          </p:cNvPr>
+          <p:cNvPr id="5" name="Slide Number Placeholder 4"/>
           <p:cNvSpPr>
             <a:spLocks noGrp="1"/>
           </p:cNvSpPr>
@@ -5013,7 +4472,6 @@
           <a:p>
             <a:fld id="{93D7A402-3076-2049-A745-4823B471CC62}" type="slidenum">
               <a:rPr lang="en-US" smtClean="0"/>
-              <a:t>14</a:t>
             </a:fld>
             <a:endParaRPr lang="en-US"/>
           </a:p>
@@ -5021,20 +4479,14 @@
       </p:sp>
       <p:pic>
         <p:nvPicPr>
-          <p:cNvPr id="6" name="Picture 5">
-            <a:extLst>
-              <a:ext uri="{FF2B5EF4-FFF2-40B4-BE49-F238E27FC236}">
-                <a16:creationId xmlns:a16="http://schemas.microsoft.com/office/drawing/2014/main" id="{26605874-F861-2546-9BF0-3698178EEF71}"/>
-              </a:ext>
-            </a:extLst>
-          </p:cNvPr>
+          <p:cNvPr id="6" name="Picture 5"/>
           <p:cNvPicPr>
             <a:picLocks noChangeAspect="1"/>
           </p:cNvPicPr>
           <p:nvPr/>
         </p:nvPicPr>
         <p:blipFill>
-          <a:blip r:embed="rId2"/>
+          <a:blip r:embed="rId1"/>
           <a:stretch>
             <a:fillRect/>
           </a:stretch>
@@ -5051,20 +4503,14 @@
       </p:pic>
       <p:pic>
         <p:nvPicPr>
-          <p:cNvPr id="7" name="Picture 6">
-            <a:extLst>
-              <a:ext uri="{FF2B5EF4-FFF2-40B4-BE49-F238E27FC236}">
-                <a16:creationId xmlns:a16="http://schemas.microsoft.com/office/drawing/2014/main" id="{F7FD3785-9DA4-5D41-86F1-F08F1E61C089}"/>
-              </a:ext>
-            </a:extLst>
-          </p:cNvPr>
+          <p:cNvPr id="7" name="Picture 6"/>
           <p:cNvPicPr>
             <a:picLocks noChangeAspect="1"/>
           </p:cNvPicPr>
           <p:nvPr/>
         </p:nvPicPr>
         <p:blipFill>
-          <a:blip r:embed="rId3"/>
+          <a:blip r:embed="rId2"/>
           <a:stretch>
             <a:fillRect/>
           </a:stretch>
@@ -5081,20 +4527,14 @@
       </p:pic>
       <p:pic>
         <p:nvPicPr>
-          <p:cNvPr id="8" name="Picture 7">
-            <a:extLst>
-              <a:ext uri="{FF2B5EF4-FFF2-40B4-BE49-F238E27FC236}">
-                <a16:creationId xmlns:a16="http://schemas.microsoft.com/office/drawing/2014/main" id="{BB3D636A-25C5-4348-ABF6-B89229B18ECA}"/>
-              </a:ext>
-            </a:extLst>
-          </p:cNvPr>
+          <p:cNvPr id="8" name="Picture 7"/>
           <p:cNvPicPr>
             <a:picLocks noChangeAspect="1"/>
           </p:cNvPicPr>
           <p:nvPr/>
         </p:nvPicPr>
         <p:blipFill>
-          <a:blip r:embed="rId4"/>
+          <a:blip r:embed="rId3"/>
           <a:stretch>
             <a:fillRect/>
           </a:stretch>
@@ -5111,20 +4551,14 @@
       </p:pic>
       <p:pic>
         <p:nvPicPr>
-          <p:cNvPr id="9" name="Picture 8">
-            <a:extLst>
-              <a:ext uri="{FF2B5EF4-FFF2-40B4-BE49-F238E27FC236}">
-                <a16:creationId xmlns:a16="http://schemas.microsoft.com/office/drawing/2014/main" id="{28712C10-3A9E-9F48-B1E1-2C9649A2064B}"/>
-              </a:ext>
-            </a:extLst>
-          </p:cNvPr>
+          <p:cNvPr id="9" name="Picture 8"/>
           <p:cNvPicPr>
             <a:picLocks noChangeAspect="1"/>
           </p:cNvPicPr>
           <p:nvPr/>
         </p:nvPicPr>
         <p:blipFill>
-          <a:blip r:embed="rId5"/>
+          <a:blip r:embed="rId4"/>
           <a:stretch>
             <a:fillRect/>
           </a:stretch>
@@ -5140,11 +4574,6 @@
         </p:spPr>
       </p:pic>
     </p:spTree>
-    <p:extLst>
-      <p:ext uri="{BB962C8B-B14F-4D97-AF65-F5344CB8AC3E}">
-        <p14:creationId xmlns:p14="http://schemas.microsoft.com/office/powerpoint/2010/main" val="1916724574"/>
-      </p:ext>
-    </p:extLst>
   </p:cSld>
   <p:clrMapOvr>
     <a:masterClrMapping/>
@@ -5171,13 +4600,7 @@
       </p:grpSpPr>
       <p:sp>
         <p:nvSpPr>
-          <p:cNvPr id="2" name="Title 1">
-            <a:extLst>
-              <a:ext uri="{FF2B5EF4-FFF2-40B4-BE49-F238E27FC236}">
-                <a16:creationId xmlns:a16="http://schemas.microsoft.com/office/drawing/2014/main" id="{C7AD168B-F31C-F24B-A01A-D6C41301391F}"/>
-              </a:ext>
-            </a:extLst>
-          </p:cNvPr>
+          <p:cNvPr id="2" name="Title 1"/>
           <p:cNvSpPr>
             <a:spLocks noGrp="1"/>
           </p:cNvSpPr>
@@ -5240,13 +4663,7 @@
       </p:sp>
       <p:sp>
         <p:nvSpPr>
-          <p:cNvPr id="3" name="Content Placeholder 2">
-            <a:extLst>
-              <a:ext uri="{FF2B5EF4-FFF2-40B4-BE49-F238E27FC236}">
-                <a16:creationId xmlns:a16="http://schemas.microsoft.com/office/drawing/2014/main" id="{081D77C2-CD68-8944-AB87-3A854D1C32EC}"/>
-              </a:ext>
-            </a:extLst>
-          </p:cNvPr>
+          <p:cNvPr id="3" name="Content Placeholder 2"/>
           <p:cNvSpPr>
             <a:spLocks noGrp="1"/>
           </p:cNvSpPr>
@@ -5339,13 +4756,7 @@
       </p:sp>
       <p:sp>
         <p:nvSpPr>
-          <p:cNvPr id="4" name="Date Placeholder 3">
-            <a:extLst>
-              <a:ext uri="{FF2B5EF4-FFF2-40B4-BE49-F238E27FC236}">
-                <a16:creationId xmlns:a16="http://schemas.microsoft.com/office/drawing/2014/main" id="{D4F46E80-CB5D-2846-B36E-EE50A34F84C8}"/>
-              </a:ext>
-            </a:extLst>
-          </p:cNvPr>
+          <p:cNvPr id="4" name="Date Placeholder 3"/>
           <p:cNvSpPr>
             <a:spLocks noGrp="1"/>
           </p:cNvSpPr>
@@ -5360,7 +4771,6 @@
           <a:p>
             <a:fld id="{D483111E-5384-4450-87E5-51B3B2328436}" type="datetime1">
               <a:rPr lang="en-US" altLang="zh-CN" smtClean="0"/>
-              <a:t>10/5/19</a:t>
             </a:fld>
             <a:endParaRPr lang="en-US"/>
           </a:p>
@@ -5368,13 +4778,7 @@
       </p:sp>
       <p:sp>
         <p:nvSpPr>
-          <p:cNvPr id="5" name="Slide Number Placeholder 4">
-            <a:extLst>
-              <a:ext uri="{FF2B5EF4-FFF2-40B4-BE49-F238E27FC236}">
-                <a16:creationId xmlns:a16="http://schemas.microsoft.com/office/drawing/2014/main" id="{C733172F-CA26-D24C-A717-04495F9B2A0E}"/>
-              </a:ext>
-            </a:extLst>
-          </p:cNvPr>
+          <p:cNvPr id="5" name="Slide Number Placeholder 4"/>
           <p:cNvSpPr>
             <a:spLocks noGrp="1"/>
           </p:cNvSpPr>
@@ -5389,7 +4793,6 @@
           <a:p>
             <a:fld id="{93D7A402-3076-2049-A745-4823B471CC62}" type="slidenum">
               <a:rPr lang="en-US" smtClean="0"/>
-              <a:t>15</a:t>
             </a:fld>
             <a:endParaRPr lang="en-US"/>
           </a:p>
@@ -5397,20 +4800,14 @@
       </p:sp>
       <p:pic>
         <p:nvPicPr>
-          <p:cNvPr id="9" name="Picture 8">
-            <a:extLst>
-              <a:ext uri="{FF2B5EF4-FFF2-40B4-BE49-F238E27FC236}">
-                <a16:creationId xmlns:a16="http://schemas.microsoft.com/office/drawing/2014/main" id="{FED7B5D4-44EA-AE4F-92F4-E813ECBDCD11}"/>
-              </a:ext>
-            </a:extLst>
-          </p:cNvPr>
+          <p:cNvPr id="9" name="Picture 8"/>
           <p:cNvPicPr>
             <a:picLocks noChangeAspect="1"/>
           </p:cNvPicPr>
           <p:nvPr/>
         </p:nvPicPr>
         <p:blipFill>
-          <a:blip r:embed="rId2"/>
+          <a:blip r:embed="rId1"/>
           <a:stretch>
             <a:fillRect/>
           </a:stretch>
@@ -5427,20 +4824,14 @@
       </p:pic>
       <p:pic>
         <p:nvPicPr>
-          <p:cNvPr id="10" name="Picture 9">
-            <a:extLst>
-              <a:ext uri="{FF2B5EF4-FFF2-40B4-BE49-F238E27FC236}">
-                <a16:creationId xmlns:a16="http://schemas.microsoft.com/office/drawing/2014/main" id="{881186E0-F7FD-DC49-ABE7-E7716A7AB032}"/>
-              </a:ext>
-            </a:extLst>
-          </p:cNvPr>
+          <p:cNvPr id="10" name="Picture 9"/>
           <p:cNvPicPr>
             <a:picLocks noChangeAspect="1"/>
           </p:cNvPicPr>
           <p:nvPr/>
         </p:nvPicPr>
         <p:blipFill>
-          <a:blip r:embed="rId3"/>
+          <a:blip r:embed="rId2"/>
           <a:stretch>
             <a:fillRect/>
           </a:stretch>
@@ -5456,11 +4847,6 @@
         </p:spPr>
       </p:pic>
     </p:spTree>
-    <p:extLst>
-      <p:ext uri="{BB962C8B-B14F-4D97-AF65-F5344CB8AC3E}">
-        <p14:creationId xmlns:p14="http://schemas.microsoft.com/office/powerpoint/2010/main" val="3467647917"/>
-      </p:ext>
-    </p:extLst>
   </p:cSld>
   <p:clrMapOvr>
     <a:masterClrMapping/>
@@ -5487,13 +4873,7 @@
       </p:grpSpPr>
       <p:sp>
         <p:nvSpPr>
-          <p:cNvPr id="2" name="Title 1">
-            <a:extLst>
-              <a:ext uri="{FF2B5EF4-FFF2-40B4-BE49-F238E27FC236}">
-                <a16:creationId xmlns:a16="http://schemas.microsoft.com/office/drawing/2014/main" id="{C7AD168B-F31C-F24B-A01A-D6C41301391F}"/>
-              </a:ext>
-            </a:extLst>
-          </p:cNvPr>
+          <p:cNvPr id="2" name="Title 1"/>
           <p:cNvSpPr>
             <a:spLocks noGrp="1"/>
           </p:cNvSpPr>
@@ -5556,13 +4936,7 @@
       </p:sp>
       <p:sp>
         <p:nvSpPr>
-          <p:cNvPr id="3" name="Content Placeholder 2">
-            <a:extLst>
-              <a:ext uri="{FF2B5EF4-FFF2-40B4-BE49-F238E27FC236}">
-                <a16:creationId xmlns:a16="http://schemas.microsoft.com/office/drawing/2014/main" id="{081D77C2-CD68-8944-AB87-3A854D1C32EC}"/>
-              </a:ext>
-            </a:extLst>
-          </p:cNvPr>
+          <p:cNvPr id="3" name="Content Placeholder 2"/>
           <p:cNvSpPr>
             <a:spLocks noGrp="1"/>
           </p:cNvSpPr>
@@ -5595,13 +4969,7 @@
       </p:sp>
       <p:sp>
         <p:nvSpPr>
-          <p:cNvPr id="4" name="Date Placeholder 3">
-            <a:extLst>
-              <a:ext uri="{FF2B5EF4-FFF2-40B4-BE49-F238E27FC236}">
-                <a16:creationId xmlns:a16="http://schemas.microsoft.com/office/drawing/2014/main" id="{D4F46E80-CB5D-2846-B36E-EE50A34F84C8}"/>
-              </a:ext>
-            </a:extLst>
-          </p:cNvPr>
+          <p:cNvPr id="4" name="Date Placeholder 3"/>
           <p:cNvSpPr>
             <a:spLocks noGrp="1"/>
           </p:cNvSpPr>
@@ -5616,7 +4984,6 @@
           <a:p>
             <a:fld id="{D483111E-5384-4450-87E5-51B3B2328436}" type="datetime1">
               <a:rPr lang="en-US" altLang="zh-CN" smtClean="0"/>
-              <a:t>10/5/19</a:t>
             </a:fld>
             <a:endParaRPr lang="en-US"/>
           </a:p>
@@ -5624,13 +4991,7 @@
       </p:sp>
       <p:sp>
         <p:nvSpPr>
-          <p:cNvPr id="5" name="Slide Number Placeholder 4">
-            <a:extLst>
-              <a:ext uri="{FF2B5EF4-FFF2-40B4-BE49-F238E27FC236}">
-                <a16:creationId xmlns:a16="http://schemas.microsoft.com/office/drawing/2014/main" id="{C733172F-CA26-D24C-A717-04495F9B2A0E}"/>
-              </a:ext>
-            </a:extLst>
-          </p:cNvPr>
+          <p:cNvPr id="5" name="Slide Number Placeholder 4"/>
           <p:cNvSpPr>
             <a:spLocks noGrp="1"/>
           </p:cNvSpPr>
@@ -5645,7 +5006,6 @@
           <a:p>
             <a:fld id="{93D7A402-3076-2049-A745-4823B471CC62}" type="slidenum">
               <a:rPr lang="en-US" smtClean="0"/>
-              <a:t>16</a:t>
             </a:fld>
             <a:endParaRPr lang="en-US"/>
           </a:p>
@@ -5653,20 +5013,14 @@
       </p:sp>
       <p:pic>
         <p:nvPicPr>
-          <p:cNvPr id="6" name="Picture 5">
-            <a:extLst>
-              <a:ext uri="{FF2B5EF4-FFF2-40B4-BE49-F238E27FC236}">
-                <a16:creationId xmlns:a16="http://schemas.microsoft.com/office/drawing/2014/main" id="{D9C98EEE-C2F6-9446-9893-86282ECDA68A}"/>
-              </a:ext>
-            </a:extLst>
-          </p:cNvPr>
+          <p:cNvPr id="6" name="Picture 5"/>
           <p:cNvPicPr>
             <a:picLocks noChangeAspect="1"/>
           </p:cNvPicPr>
           <p:nvPr/>
         </p:nvPicPr>
         <p:blipFill>
-          <a:blip r:embed="rId2"/>
+          <a:blip r:embed="rId1"/>
           <a:stretch>
             <a:fillRect/>
           </a:stretch>
@@ -5682,11 +5036,6 @@
         </p:spPr>
       </p:pic>
     </p:spTree>
-    <p:extLst>
-      <p:ext uri="{BB962C8B-B14F-4D97-AF65-F5344CB8AC3E}">
-        <p14:creationId xmlns:p14="http://schemas.microsoft.com/office/powerpoint/2010/main" val="3196728068"/>
-      </p:ext>
-    </p:extLst>
   </p:cSld>
   <p:clrMapOvr>
     <a:masterClrMapping/>
@@ -5713,13 +5062,7 @@
       </p:grpSpPr>
       <p:sp>
         <p:nvSpPr>
-          <p:cNvPr id="2" name="Title 1">
-            <a:extLst>
-              <a:ext uri="{FF2B5EF4-FFF2-40B4-BE49-F238E27FC236}">
-                <a16:creationId xmlns:a16="http://schemas.microsoft.com/office/drawing/2014/main" id="{C7AD168B-F31C-F24B-A01A-D6C41301391F}"/>
-              </a:ext>
-            </a:extLst>
-          </p:cNvPr>
+          <p:cNvPr id="2" name="Title 1"/>
           <p:cNvSpPr>
             <a:spLocks noGrp="1"/>
           </p:cNvSpPr>
@@ -5782,13 +5125,7 @@
       </p:sp>
       <p:sp>
         <p:nvSpPr>
-          <p:cNvPr id="3" name="Content Placeholder 2">
-            <a:extLst>
-              <a:ext uri="{FF2B5EF4-FFF2-40B4-BE49-F238E27FC236}">
-                <a16:creationId xmlns:a16="http://schemas.microsoft.com/office/drawing/2014/main" id="{081D77C2-CD68-8944-AB87-3A854D1C32EC}"/>
-              </a:ext>
-            </a:extLst>
-          </p:cNvPr>
+          <p:cNvPr id="3" name="Content Placeholder 2"/>
           <p:cNvSpPr>
             <a:spLocks noGrp="1"/>
           </p:cNvSpPr>
@@ -5853,13 +5190,7 @@
       </p:sp>
       <p:sp>
         <p:nvSpPr>
-          <p:cNvPr id="4" name="Date Placeholder 3">
-            <a:extLst>
-              <a:ext uri="{FF2B5EF4-FFF2-40B4-BE49-F238E27FC236}">
-                <a16:creationId xmlns:a16="http://schemas.microsoft.com/office/drawing/2014/main" id="{D4F46E80-CB5D-2846-B36E-EE50A34F84C8}"/>
-              </a:ext>
-            </a:extLst>
-          </p:cNvPr>
+          <p:cNvPr id="4" name="Date Placeholder 3"/>
           <p:cNvSpPr>
             <a:spLocks noGrp="1"/>
           </p:cNvSpPr>
@@ -5874,7 +5205,6 @@
           <a:p>
             <a:fld id="{D483111E-5384-4450-87E5-51B3B2328436}" type="datetime1">
               <a:rPr lang="en-US" altLang="zh-CN" smtClean="0"/>
-              <a:t>10/5/19</a:t>
             </a:fld>
             <a:endParaRPr lang="en-US"/>
           </a:p>
@@ -5882,13 +5212,7 @@
       </p:sp>
       <p:sp>
         <p:nvSpPr>
-          <p:cNvPr id="5" name="Slide Number Placeholder 4">
-            <a:extLst>
-              <a:ext uri="{FF2B5EF4-FFF2-40B4-BE49-F238E27FC236}">
-                <a16:creationId xmlns:a16="http://schemas.microsoft.com/office/drawing/2014/main" id="{C733172F-CA26-D24C-A717-04495F9B2A0E}"/>
-              </a:ext>
-            </a:extLst>
-          </p:cNvPr>
+          <p:cNvPr id="5" name="Slide Number Placeholder 4"/>
           <p:cNvSpPr>
             <a:spLocks noGrp="1"/>
           </p:cNvSpPr>
@@ -5903,7 +5227,6 @@
           <a:p>
             <a:fld id="{93D7A402-3076-2049-A745-4823B471CC62}" type="slidenum">
               <a:rPr lang="en-US" smtClean="0"/>
-              <a:t>17</a:t>
             </a:fld>
             <a:endParaRPr lang="en-US"/>
           </a:p>
@@ -5911,20 +5234,14 @@
       </p:sp>
       <p:pic>
         <p:nvPicPr>
-          <p:cNvPr id="7" name="Picture 6">
-            <a:extLst>
-              <a:ext uri="{FF2B5EF4-FFF2-40B4-BE49-F238E27FC236}">
-                <a16:creationId xmlns:a16="http://schemas.microsoft.com/office/drawing/2014/main" id="{3D7F14CC-E12E-D846-A725-4E450EFD1E82}"/>
-              </a:ext>
-            </a:extLst>
-          </p:cNvPr>
+          <p:cNvPr id="7" name="Picture 6"/>
           <p:cNvPicPr>
             <a:picLocks noChangeAspect="1"/>
           </p:cNvPicPr>
           <p:nvPr/>
         </p:nvPicPr>
         <p:blipFill>
-          <a:blip r:embed="rId2"/>
+          <a:blip r:embed="rId1"/>
           <a:stretch>
             <a:fillRect/>
           </a:stretch>
@@ -5941,20 +5258,14 @@
       </p:pic>
       <p:pic>
         <p:nvPicPr>
-          <p:cNvPr id="8" name="Picture 7">
-            <a:extLst>
-              <a:ext uri="{FF2B5EF4-FFF2-40B4-BE49-F238E27FC236}">
-                <a16:creationId xmlns:a16="http://schemas.microsoft.com/office/drawing/2014/main" id="{A19A2C39-C6CE-9E4A-87CB-FE842F341FAA}"/>
-              </a:ext>
-            </a:extLst>
-          </p:cNvPr>
+          <p:cNvPr id="8" name="Picture 7"/>
           <p:cNvPicPr>
             <a:picLocks noChangeAspect="1"/>
           </p:cNvPicPr>
           <p:nvPr/>
         </p:nvPicPr>
         <p:blipFill>
-          <a:blip r:embed="rId3"/>
+          <a:blip r:embed="rId2"/>
           <a:stretch>
             <a:fillRect/>
           </a:stretch>
@@ -5970,11 +5281,6 @@
         </p:spPr>
       </p:pic>
     </p:spTree>
-    <p:extLst>
-      <p:ext uri="{BB962C8B-B14F-4D97-AF65-F5344CB8AC3E}">
-        <p14:creationId xmlns:p14="http://schemas.microsoft.com/office/powerpoint/2010/main" val="3181450666"/>
-      </p:ext>
-    </p:extLst>
   </p:cSld>
   <p:clrMapOvr>
     <a:masterClrMapping/>
@@ -6001,13 +5307,7 @@
       </p:grpSpPr>
       <p:sp>
         <p:nvSpPr>
-          <p:cNvPr id="2" name="Title 1">
-            <a:extLst>
-              <a:ext uri="{FF2B5EF4-FFF2-40B4-BE49-F238E27FC236}">
-                <a16:creationId xmlns:a16="http://schemas.microsoft.com/office/drawing/2014/main" id="{C7AD168B-F31C-F24B-A01A-D6C41301391F}"/>
-              </a:ext>
-            </a:extLst>
-          </p:cNvPr>
+          <p:cNvPr id="2" name="Title 1"/>
           <p:cNvSpPr>
             <a:spLocks noGrp="1"/>
           </p:cNvSpPr>
@@ -6070,13 +5370,7 @@
       </p:sp>
       <p:sp>
         <p:nvSpPr>
-          <p:cNvPr id="3" name="Content Placeholder 2">
-            <a:extLst>
-              <a:ext uri="{FF2B5EF4-FFF2-40B4-BE49-F238E27FC236}">
-                <a16:creationId xmlns:a16="http://schemas.microsoft.com/office/drawing/2014/main" id="{081D77C2-CD68-8944-AB87-3A854D1C32EC}"/>
-              </a:ext>
-            </a:extLst>
-          </p:cNvPr>
+          <p:cNvPr id="3" name="Content Placeholder 2"/>
           <p:cNvSpPr>
             <a:spLocks noGrp="1"/>
           </p:cNvSpPr>
@@ -6113,13 +5407,7 @@
       </p:sp>
       <p:sp>
         <p:nvSpPr>
-          <p:cNvPr id="4" name="Date Placeholder 3">
-            <a:extLst>
-              <a:ext uri="{FF2B5EF4-FFF2-40B4-BE49-F238E27FC236}">
-                <a16:creationId xmlns:a16="http://schemas.microsoft.com/office/drawing/2014/main" id="{D4F46E80-CB5D-2846-B36E-EE50A34F84C8}"/>
-              </a:ext>
-            </a:extLst>
-          </p:cNvPr>
+          <p:cNvPr id="4" name="Date Placeholder 3"/>
           <p:cNvSpPr>
             <a:spLocks noGrp="1"/>
           </p:cNvSpPr>
@@ -6134,7 +5422,6 @@
           <a:p>
             <a:fld id="{D483111E-5384-4450-87E5-51B3B2328436}" type="datetime1">
               <a:rPr lang="en-US" altLang="zh-CN" smtClean="0"/>
-              <a:t>10/5/19</a:t>
             </a:fld>
             <a:endParaRPr lang="en-US"/>
           </a:p>
@@ -6142,13 +5429,7 @@
       </p:sp>
       <p:sp>
         <p:nvSpPr>
-          <p:cNvPr id="5" name="Slide Number Placeholder 4">
-            <a:extLst>
-              <a:ext uri="{FF2B5EF4-FFF2-40B4-BE49-F238E27FC236}">
-                <a16:creationId xmlns:a16="http://schemas.microsoft.com/office/drawing/2014/main" id="{C733172F-CA26-D24C-A717-04495F9B2A0E}"/>
-              </a:ext>
-            </a:extLst>
-          </p:cNvPr>
+          <p:cNvPr id="5" name="Slide Number Placeholder 4"/>
           <p:cNvSpPr>
             <a:spLocks noGrp="1"/>
           </p:cNvSpPr>
@@ -6163,18 +5444,12 @@
           <a:p>
             <a:fld id="{93D7A402-3076-2049-A745-4823B471CC62}" type="slidenum">
               <a:rPr lang="en-US" smtClean="0"/>
-              <a:t>18</a:t>
             </a:fld>
             <a:endParaRPr lang="en-US"/>
           </a:p>
         </p:txBody>
       </p:sp>
     </p:spTree>
-    <p:extLst>
-      <p:ext uri="{BB962C8B-B14F-4D97-AF65-F5344CB8AC3E}">
-        <p14:creationId xmlns:p14="http://schemas.microsoft.com/office/powerpoint/2010/main" val="920862445"/>
-      </p:ext>
-    </p:extLst>
   </p:cSld>
   <p:clrMapOvr>
     <a:masterClrMapping/>
@@ -6201,13 +5476,7 @@
       </p:grpSpPr>
       <p:sp>
         <p:nvSpPr>
-          <p:cNvPr id="2" name="Title 1">
-            <a:extLst>
-              <a:ext uri="{FF2B5EF4-FFF2-40B4-BE49-F238E27FC236}">
-                <a16:creationId xmlns:a16="http://schemas.microsoft.com/office/drawing/2014/main" id="{C7AD168B-F31C-F24B-A01A-D6C41301391F}"/>
-              </a:ext>
-            </a:extLst>
-          </p:cNvPr>
+          <p:cNvPr id="2" name="Title 1"/>
           <p:cNvSpPr>
             <a:spLocks noGrp="1"/>
           </p:cNvSpPr>
@@ -6238,13 +5507,7 @@
       </p:sp>
       <p:sp>
         <p:nvSpPr>
-          <p:cNvPr id="3" name="Content Placeholder 2">
-            <a:extLst>
-              <a:ext uri="{FF2B5EF4-FFF2-40B4-BE49-F238E27FC236}">
-                <a16:creationId xmlns:a16="http://schemas.microsoft.com/office/drawing/2014/main" id="{081D77C2-CD68-8944-AB87-3A854D1C32EC}"/>
-              </a:ext>
-            </a:extLst>
-          </p:cNvPr>
+          <p:cNvPr id="3" name="Content Placeholder 2"/>
           <p:cNvSpPr>
             <a:spLocks noGrp="1"/>
           </p:cNvSpPr>
@@ -6298,13 +5561,7 @@
       </p:sp>
       <p:sp>
         <p:nvSpPr>
-          <p:cNvPr id="4" name="Date Placeholder 3">
-            <a:extLst>
-              <a:ext uri="{FF2B5EF4-FFF2-40B4-BE49-F238E27FC236}">
-                <a16:creationId xmlns:a16="http://schemas.microsoft.com/office/drawing/2014/main" id="{D4F46E80-CB5D-2846-B36E-EE50A34F84C8}"/>
-              </a:ext>
-            </a:extLst>
-          </p:cNvPr>
+          <p:cNvPr id="4" name="Date Placeholder 3"/>
           <p:cNvSpPr>
             <a:spLocks noGrp="1"/>
           </p:cNvSpPr>
@@ -6319,7 +5576,6 @@
           <a:p>
             <a:fld id="{D483111E-5384-4450-87E5-51B3B2328436}" type="datetime1">
               <a:rPr lang="en-US" altLang="zh-CN" smtClean="0"/>
-              <a:t>10/5/19</a:t>
             </a:fld>
             <a:endParaRPr lang="en-US"/>
           </a:p>
@@ -6327,13 +5583,7 @@
       </p:sp>
       <p:sp>
         <p:nvSpPr>
-          <p:cNvPr id="5" name="Slide Number Placeholder 4">
-            <a:extLst>
-              <a:ext uri="{FF2B5EF4-FFF2-40B4-BE49-F238E27FC236}">
-                <a16:creationId xmlns:a16="http://schemas.microsoft.com/office/drawing/2014/main" id="{C733172F-CA26-D24C-A717-04495F9B2A0E}"/>
-              </a:ext>
-            </a:extLst>
-          </p:cNvPr>
+          <p:cNvPr id="5" name="Slide Number Placeholder 4"/>
           <p:cNvSpPr>
             <a:spLocks noGrp="1"/>
           </p:cNvSpPr>
@@ -6348,18 +5598,12 @@
           <a:p>
             <a:fld id="{93D7A402-3076-2049-A745-4823B471CC62}" type="slidenum">
               <a:rPr lang="en-US" smtClean="0"/>
-              <a:t>19</a:t>
             </a:fld>
             <a:endParaRPr lang="en-US"/>
           </a:p>
         </p:txBody>
       </p:sp>
     </p:spTree>
-    <p:extLst>
-      <p:ext uri="{BB962C8B-B14F-4D97-AF65-F5344CB8AC3E}">
-        <p14:creationId xmlns:p14="http://schemas.microsoft.com/office/powerpoint/2010/main" val="1580152589"/>
-      </p:ext>
-    </p:extLst>
   </p:cSld>
   <p:clrMapOvr>
     <a:masterClrMapping/>
@@ -6386,13 +5630,7 @@
       </p:grpSpPr>
       <p:sp>
         <p:nvSpPr>
-          <p:cNvPr id="2" name="Title 1">
-            <a:extLst>
-              <a:ext uri="{FF2B5EF4-FFF2-40B4-BE49-F238E27FC236}">
-                <a16:creationId xmlns:a16="http://schemas.microsoft.com/office/drawing/2014/main" id="{B071AE84-1CB7-1C46-9F72-CB3FB82F3447}"/>
-              </a:ext>
-            </a:extLst>
-          </p:cNvPr>
+          <p:cNvPr id="2" name="Title 1"/>
           <p:cNvSpPr>
             <a:spLocks noGrp="1"/>
           </p:cNvSpPr>
@@ -6409,18 +5647,13 @@
               <a:rPr lang="en-US" dirty="0"/>
               <a:t>Loss function</a:t>
             </a:r>
-          </a:p>
-        </p:txBody>
-      </p:sp>
-      <p:sp>
-        <p:nvSpPr>
-          <p:cNvPr id="3" name="Content Placeholder 2">
-            <a:extLst>
-              <a:ext uri="{FF2B5EF4-FFF2-40B4-BE49-F238E27FC236}">
-                <a16:creationId xmlns:a16="http://schemas.microsoft.com/office/drawing/2014/main" id="{5DE9B7D8-C997-384D-98CA-E108203C4B9C}"/>
-              </a:ext>
-            </a:extLst>
-          </p:cNvPr>
+            <a:endParaRPr lang="en-US" dirty="0"/>
+          </a:p>
+        </p:txBody>
+      </p:sp>
+      <p:sp>
+        <p:nvSpPr>
+          <p:cNvPr id="3" name="Content Placeholder 2"/>
           <p:cNvSpPr>
             <a:spLocks noGrp="1"/>
           </p:cNvSpPr>
@@ -6439,20 +5672,14 @@
       </p:sp>
       <p:pic>
         <p:nvPicPr>
-          <p:cNvPr id="4" name="Picture 3">
-            <a:extLst>
-              <a:ext uri="{FF2B5EF4-FFF2-40B4-BE49-F238E27FC236}">
-                <a16:creationId xmlns:a16="http://schemas.microsoft.com/office/drawing/2014/main" id="{D1837C14-DAE2-1F45-B75A-A879E1DFAF76}"/>
-              </a:ext>
-            </a:extLst>
-          </p:cNvPr>
+          <p:cNvPr id="4" name="Picture 3"/>
           <p:cNvPicPr>
             <a:picLocks noChangeAspect="1"/>
           </p:cNvPicPr>
           <p:nvPr/>
         </p:nvPicPr>
         <p:blipFill>
-          <a:blip r:embed="rId2"/>
+          <a:blip r:embed="rId1"/>
           <a:stretch>
             <a:fillRect/>
           </a:stretch>
@@ -6469,13 +5696,7 @@
       </p:pic>
       <p:sp>
         <p:nvSpPr>
-          <p:cNvPr id="5" name="日期占位符 4">
-            <a:extLst>
-              <a:ext uri="{FF2B5EF4-FFF2-40B4-BE49-F238E27FC236}">
-                <a16:creationId xmlns:a16="http://schemas.microsoft.com/office/drawing/2014/main" id="{E069A727-5D8C-4F08-A1E8-C67DC66C2B11}"/>
-              </a:ext>
-            </a:extLst>
-          </p:cNvPr>
+          <p:cNvPr id="5" name="日期占位符 4"/>
           <p:cNvSpPr>
             <a:spLocks noGrp="1"/>
           </p:cNvSpPr>
@@ -6490,7 +5711,6 @@
           <a:p>
             <a:fld id="{C563B692-CE74-499F-9357-A4F8D07A9D42}" type="datetime1">
               <a:rPr lang="en-US" altLang="zh-CN" smtClean="0"/>
-              <a:t>10/5/19</a:t>
             </a:fld>
             <a:endParaRPr lang="en-US"/>
           </a:p>
@@ -6498,13 +5718,7 @@
       </p:sp>
       <p:sp>
         <p:nvSpPr>
-          <p:cNvPr id="6" name="灯片编号占位符 5">
-            <a:extLst>
-              <a:ext uri="{FF2B5EF4-FFF2-40B4-BE49-F238E27FC236}">
-                <a16:creationId xmlns:a16="http://schemas.microsoft.com/office/drawing/2014/main" id="{035B2EB2-8ED9-44AF-BB8F-6A3E917DF6BA}"/>
-              </a:ext>
-            </a:extLst>
-          </p:cNvPr>
+          <p:cNvPr id="6" name="灯片编号占位符 5"/>
           <p:cNvSpPr>
             <a:spLocks noGrp="1"/>
           </p:cNvSpPr>
@@ -6519,18 +5733,194 @@
           <a:p>
             <a:fld id="{93D7A402-3076-2049-A745-4823B471CC62}" type="slidenum">
               <a:rPr lang="en-US" smtClean="0"/>
-              <a:t>2</a:t>
             </a:fld>
             <a:endParaRPr lang="en-US"/>
           </a:p>
         </p:txBody>
       </p:sp>
     </p:spTree>
-    <p:extLst>
-      <p:ext uri="{BB962C8B-B14F-4D97-AF65-F5344CB8AC3E}">
-        <p14:creationId xmlns:p14="http://schemas.microsoft.com/office/powerpoint/2010/main" val="390534855"/>
-      </p:ext>
-    </p:extLst>
+  </p:cSld>
+  <p:clrMapOvr>
+    <a:masterClrMapping/>
+  </p:clrMapOvr>
+</p:sld>
+</file>
+
+<file path=ppt/slides/slide20.xml><?xml version="1.0" encoding="utf-8"?>
+<p:sld xmlns:a="http://schemas.openxmlformats.org/drawingml/2006/main" xmlns:r="http://schemas.openxmlformats.org/officeDocument/2006/relationships" xmlns:p="http://schemas.openxmlformats.org/presentationml/2006/main">
+  <p:cSld>
+    <p:spTree>
+      <p:nvGrpSpPr>
+        <p:cNvPr id="1" name=""/>
+        <p:cNvGrpSpPr/>
+        <p:nvPr/>
+      </p:nvGrpSpPr>
+      <p:grpSpPr/>
+      <p:sp>
+        <p:nvSpPr>
+          <p:cNvPr id="2" name="Title 1"/>
+          <p:cNvSpPr>
+            <a:spLocks noGrp="1"/>
+          </p:cNvSpPr>
+          <p:nvPr>
+            <p:ph type="title"/>
+          </p:nvPr>
+        </p:nvSpPr>
+        <p:spPr/>
+        <p:txBody>
+          <a:bodyPr/>
+          <a:p>
+            <a:endParaRPr lang="en-US"/>
+          </a:p>
+        </p:txBody>
+      </p:sp>
+      <p:sp>
+        <p:nvSpPr>
+          <p:cNvPr id="3" name="Content Placeholder 2"/>
+          <p:cNvSpPr>
+            <a:spLocks noGrp="1"/>
+          </p:cNvSpPr>
+          <p:nvPr>
+            <p:ph idx="1"/>
+          </p:nvPr>
+        </p:nvSpPr>
+        <p:spPr/>
+        <p:txBody>
+          <a:bodyPr>
+            <a:normAutofit lnSpcReduction="20000"/>
+          </a:bodyPr>
+          <a:p>
+            <a:r>
+              <a:rPr lang="" altLang="en-US"/>
+              <a:t>怎么通过forward选择kernel,</a:t>
+            </a:r>
+            <a:endParaRPr lang="" altLang="en-US"/>
+          </a:p>
+          <a:p>
+            <a:pPr lvl="1"/>
+            <a:r>
+              <a:rPr lang="" altLang="en-US"/>
+              <a:t>最大值，不得</a:t>
+            </a:r>
+            <a:endParaRPr lang="" altLang="en-US"/>
+          </a:p>
+          <a:p>
+            <a:pPr lvl="1"/>
+            <a:r>
+              <a:rPr lang="" altLang="en-US"/>
+              <a:t>非零均值，不好</a:t>
+            </a:r>
+            <a:endParaRPr lang="" altLang="en-US"/>
+          </a:p>
+          <a:p>
+            <a:pPr lvl="1"/>
+            <a:r>
+              <a:rPr lang="" altLang="en-US"/>
+              <a:t>Top-N, 试试</a:t>
+            </a:r>
+            <a:endParaRPr lang="" altLang="en-US"/>
+          </a:p>
+          <a:p>
+            <a:pPr lvl="1"/>
+            <a:r>
+              <a:rPr lang="" altLang="en-US"/>
+              <a:t>dissection</a:t>
+            </a:r>
+            <a:endParaRPr lang="" altLang="en-US"/>
+          </a:p>
+          <a:p>
+            <a:pPr lvl="1"/>
+            <a:r>
+              <a:rPr lang="" altLang="en-US"/>
+              <a:t>暴力选</a:t>
+            </a:r>
+            <a:endParaRPr lang="" altLang="en-US"/>
+          </a:p>
+          <a:p>
+            <a:pPr lvl="0"/>
+            <a:r>
+              <a:rPr lang="" altLang="en-US" sz="2800"/>
+              <a:t>一个容易看的出变化的可视化？的手段</a:t>
+            </a:r>
+            <a:endParaRPr lang="" altLang="en-US" sz="2800"/>
+          </a:p>
+          <a:p>
+            <a:pPr lvl="1"/>
+            <a:r>
+              <a:rPr lang="" altLang="en-US" sz="2400"/>
+              <a:t>做差值，colormap，贴上去 (cam)</a:t>
+            </a:r>
+            <a:endParaRPr lang="" altLang="en-US" sz="2400"/>
+          </a:p>
+          <a:p>
+            <a:pPr lvl="0"/>
+            <a:r>
+              <a:rPr lang="" altLang="en-US"/>
+              <a:t>网络优化：极端值去除（模仿 </a:t>
+            </a:r>
+            <a:r>
+              <a:rPr lang="" altLang="en-US" sz="1800"/>
+              <a:t>Interpretable and Fine-Grained Visual Explanations for Convolutional Neural Networks </a:t>
+            </a:r>
+            <a:r>
+              <a:rPr lang="" altLang="en-US" sz="2400"/>
+              <a:t>)</a:t>
+            </a:r>
+            <a:endParaRPr lang="" altLang="en-US" sz="2400"/>
+          </a:p>
+          <a:p>
+            <a:pPr lvl="0"/>
+            <a:r>
+              <a:rPr lang="" altLang="en-US" sz="2400"/>
+              <a:t>NMF</a:t>
+            </a:r>
+            <a:endParaRPr lang="" altLang="en-US" sz="1800"/>
+          </a:p>
+        </p:txBody>
+      </p:sp>
+      <p:sp>
+        <p:nvSpPr>
+          <p:cNvPr id="4" name="Date Placeholder 3"/>
+          <p:cNvSpPr>
+            <a:spLocks noGrp="1"/>
+          </p:cNvSpPr>
+          <p:nvPr>
+            <p:ph type="dt" sz="half" idx="10"/>
+          </p:nvPr>
+        </p:nvSpPr>
+        <p:spPr/>
+        <p:txBody>
+          <a:bodyPr/>
+          <a:p>
+            <a:fld id="{D483111E-5384-4450-87E5-51B3B2328436}" type="datetime1">
+              <a:rPr lang="en-US" altLang="zh-CN" smtClean="0"/>
+            </a:fld>
+            <a:endParaRPr lang="en-US"/>
+          </a:p>
+        </p:txBody>
+      </p:sp>
+      <p:sp>
+        <p:nvSpPr>
+          <p:cNvPr id="5" name="Slide Number Placeholder 4"/>
+          <p:cNvSpPr>
+            <a:spLocks noGrp="1"/>
+          </p:cNvSpPr>
+          <p:nvPr>
+            <p:ph type="sldNum" sz="quarter" idx="12"/>
+          </p:nvPr>
+        </p:nvSpPr>
+        <p:spPr/>
+        <p:txBody>
+          <a:bodyPr/>
+          <a:p>
+            <a:fld id="{93D7A402-3076-2049-A745-4823B471CC62}" type="slidenum">
+              <a:rPr lang="en-US" smtClean="0"/>
+            </a:fld>
+            <a:endParaRPr lang="en-US"/>
+          </a:p>
+        </p:txBody>
+      </p:sp>
+    </p:spTree>
   </p:cSld>
   <p:clrMapOvr>
     <a:masterClrMapping/>
@@ -6557,13 +5947,7 @@
       </p:grpSpPr>
       <p:sp>
         <p:nvSpPr>
-          <p:cNvPr id="2" name="Title 1">
-            <a:extLst>
-              <a:ext uri="{FF2B5EF4-FFF2-40B4-BE49-F238E27FC236}">
-                <a16:creationId xmlns:a16="http://schemas.microsoft.com/office/drawing/2014/main" id="{B071AE84-1CB7-1C46-9F72-CB3FB82F3447}"/>
-              </a:ext>
-            </a:extLst>
-          </p:cNvPr>
+          <p:cNvPr id="2" name="Title 1"/>
           <p:cNvSpPr>
             <a:spLocks noGrp="1"/>
           </p:cNvSpPr>
@@ -6580,18 +5964,13 @@
               <a:rPr lang="en-US" b="1" dirty="0"/>
               <a:t>Setting</a:t>
             </a:r>
-          </a:p>
-        </p:txBody>
-      </p:sp>
-      <p:sp>
-        <p:nvSpPr>
-          <p:cNvPr id="3" name="Content Placeholder 2">
-            <a:extLst>
-              <a:ext uri="{FF2B5EF4-FFF2-40B4-BE49-F238E27FC236}">
-                <a16:creationId xmlns:a16="http://schemas.microsoft.com/office/drawing/2014/main" id="{5DE9B7D8-C997-384D-98CA-E108203C4B9C}"/>
-              </a:ext>
-            </a:extLst>
-          </p:cNvPr>
+            <a:endParaRPr lang="en-US" b="1" dirty="0"/>
+          </a:p>
+        </p:txBody>
+      </p:sp>
+      <p:sp>
+        <p:nvSpPr>
+          <p:cNvPr id="3" name="Content Placeholder 2"/>
           <p:cNvSpPr>
             <a:spLocks noGrp="1"/>
           </p:cNvSpPr>
@@ -6615,25 +5994,20 @@
               <a:rPr lang="en-US" dirty="0"/>
               <a:t>Network</a:t>
             </a:r>
+            <a:endParaRPr lang="en-US" dirty="0"/>
           </a:p>
         </p:txBody>
       </p:sp>
       <p:pic>
         <p:nvPicPr>
-          <p:cNvPr id="4" name="Picture 3">
-            <a:extLst>
-              <a:ext uri="{FF2B5EF4-FFF2-40B4-BE49-F238E27FC236}">
-                <a16:creationId xmlns:a16="http://schemas.microsoft.com/office/drawing/2014/main" id="{E5677BFD-1D88-644D-8AE8-082D94CF2EAD}"/>
-              </a:ext>
-            </a:extLst>
-          </p:cNvPr>
+          <p:cNvPr id="4" name="Picture 3"/>
           <p:cNvPicPr>
             <a:picLocks noChangeAspect="1"/>
           </p:cNvPicPr>
           <p:nvPr/>
         </p:nvPicPr>
         <p:blipFill>
-          <a:blip r:embed="rId2"/>
+          <a:blip r:embed="rId1"/>
           <a:stretch>
             <a:fillRect/>
           </a:stretch>
@@ -6650,16 +6024,8 @@
       </p:pic>
       <p:sp>
         <p:nvSpPr>
-          <p:cNvPr id="5" name="Content Placeholder 2">
-            <a:extLst>
-              <a:ext uri="{FF2B5EF4-FFF2-40B4-BE49-F238E27FC236}">
-                <a16:creationId xmlns:a16="http://schemas.microsoft.com/office/drawing/2014/main" id="{978E8C40-35DC-694E-9866-2488237460F3}"/>
-              </a:ext>
-            </a:extLst>
-          </p:cNvPr>
-          <p:cNvSpPr txBox="1">
-            <a:spLocks/>
-          </p:cNvSpPr>
+          <p:cNvPr id="5" name="Content Placeholder 2"/>
+          <p:cNvSpPr txBox="1"/>
           <p:nvPr/>
         </p:nvSpPr>
         <p:spPr>
@@ -6683,7 +6049,7 @@
               <a:spcBef>
                 <a:spcPts val="1000"/>
               </a:spcBef>
-              <a:buFont typeface="Arial" panose="020B0604020202020204" pitchFamily="34" charset="0"/>
+              <a:buFont typeface="Arial" panose="02080604020202020204" pitchFamily="34" charset="0"/>
               <a:buChar char="•"/>
               <a:defRPr sz="2800" kern="1200">
                 <a:solidFill>
@@ -6701,7 +6067,7 @@
               <a:spcBef>
                 <a:spcPts val="500"/>
               </a:spcBef>
-              <a:buFont typeface="Arial" panose="020B0604020202020204" pitchFamily="34" charset="0"/>
+              <a:buFont typeface="Arial" panose="02080604020202020204" pitchFamily="34" charset="0"/>
               <a:buChar char="•"/>
               <a:defRPr sz="2400" kern="1200">
                 <a:solidFill>
@@ -6719,7 +6085,7 @@
               <a:spcBef>
                 <a:spcPts val="500"/>
               </a:spcBef>
-              <a:buFont typeface="Arial" panose="020B0604020202020204" pitchFamily="34" charset="0"/>
+              <a:buFont typeface="Arial" panose="02080604020202020204" pitchFamily="34" charset="0"/>
               <a:buChar char="•"/>
               <a:defRPr sz="2000" kern="1200">
                 <a:solidFill>
@@ -6737,7 +6103,7 @@
               <a:spcBef>
                 <a:spcPts val="500"/>
               </a:spcBef>
-              <a:buFont typeface="Arial" panose="020B0604020202020204" pitchFamily="34" charset="0"/>
+              <a:buFont typeface="Arial" panose="02080604020202020204" pitchFamily="34" charset="0"/>
               <a:buChar char="•"/>
               <a:defRPr sz="1800" kern="1200">
                 <a:solidFill>
@@ -6755,7 +6121,7 @@
               <a:spcBef>
                 <a:spcPts val="500"/>
               </a:spcBef>
-              <a:buFont typeface="Arial" panose="020B0604020202020204" pitchFamily="34" charset="0"/>
+              <a:buFont typeface="Arial" panose="02080604020202020204" pitchFamily="34" charset="0"/>
               <a:buChar char="•"/>
               <a:defRPr sz="1800" kern="1200">
                 <a:solidFill>
@@ -6773,7 +6139,7 @@
               <a:spcBef>
                 <a:spcPts val="500"/>
               </a:spcBef>
-              <a:buFont typeface="Arial" panose="020B0604020202020204" pitchFamily="34" charset="0"/>
+              <a:buFont typeface="Arial" panose="02080604020202020204" pitchFamily="34" charset="0"/>
               <a:buChar char="•"/>
               <a:defRPr sz="1800" kern="1200">
                 <a:solidFill>
@@ -6791,7 +6157,7 @@
               <a:spcBef>
                 <a:spcPts val="500"/>
               </a:spcBef>
-              <a:buFont typeface="Arial" panose="020B0604020202020204" pitchFamily="34" charset="0"/>
+              <a:buFont typeface="Arial" panose="02080604020202020204" pitchFamily="34" charset="0"/>
               <a:buChar char="•"/>
               <a:defRPr sz="1800" kern="1200">
                 <a:solidFill>
@@ -6809,7 +6175,7 @@
               <a:spcBef>
                 <a:spcPts val="500"/>
               </a:spcBef>
-              <a:buFont typeface="Arial" panose="020B0604020202020204" pitchFamily="34" charset="0"/>
+              <a:buFont typeface="Arial" panose="02080604020202020204" pitchFamily="34" charset="0"/>
               <a:buChar char="•"/>
               <a:defRPr sz="1800" kern="1200">
                 <a:solidFill>
@@ -6827,7 +6193,7 @@
               <a:spcBef>
                 <a:spcPts val="500"/>
               </a:spcBef>
-              <a:buFont typeface="Arial" panose="020B0604020202020204" pitchFamily="34" charset="0"/>
+              <a:buFont typeface="Arial" panose="02080604020202020204" pitchFamily="34" charset="0"/>
               <a:buChar char="•"/>
               <a:defRPr sz="1800" kern="1200">
                 <a:solidFill>
@@ -6852,24 +6218,20 @@
               <a:rPr lang="en-US" sz="2600" dirty="0"/>
               <a:t> feature map from the second conv layer </a:t>
             </a:r>
+            <a:endParaRPr lang="en-US" sz="2600" dirty="0"/>
           </a:p>
           <a:p>
             <a:r>
               <a:rPr lang="en-US" sz="2600" dirty="0"/>
               <a:t>Dataset: MNIST </a:t>
             </a:r>
-          </a:p>
-        </p:txBody>
-      </p:sp>
-      <p:sp>
-        <p:nvSpPr>
-          <p:cNvPr id="6" name="Rectangle 5">
-            <a:extLst>
-              <a:ext uri="{FF2B5EF4-FFF2-40B4-BE49-F238E27FC236}">
-                <a16:creationId xmlns:a16="http://schemas.microsoft.com/office/drawing/2014/main" id="{4757563C-ECC7-0246-B920-DED763B7A8BE}"/>
-              </a:ext>
-            </a:extLst>
-          </p:cNvPr>
+            <a:endParaRPr lang="en-US" sz="2600" dirty="0"/>
+          </a:p>
+        </p:txBody>
+      </p:sp>
+      <p:sp>
+        <p:nvSpPr>
+          <p:cNvPr id="6" name="Rectangle 5"/>
           <p:cNvSpPr/>
           <p:nvPr/>
         </p:nvSpPr>
@@ -6913,13 +6275,7 @@
       </p:sp>
       <p:sp>
         <p:nvSpPr>
-          <p:cNvPr id="7" name="日期占位符 6">
-            <a:extLst>
-              <a:ext uri="{FF2B5EF4-FFF2-40B4-BE49-F238E27FC236}">
-                <a16:creationId xmlns:a16="http://schemas.microsoft.com/office/drawing/2014/main" id="{EB5A5D22-CF29-4D86-BB05-C2200298FDD4}"/>
-              </a:ext>
-            </a:extLst>
-          </p:cNvPr>
+          <p:cNvPr id="7" name="日期占位符 6"/>
           <p:cNvSpPr>
             <a:spLocks noGrp="1"/>
           </p:cNvSpPr>
@@ -6934,7 +6290,6 @@
           <a:p>
             <a:fld id="{A871C4F0-1127-448D-8D03-CE814C5D2706}" type="datetime1">
               <a:rPr lang="en-US" altLang="zh-CN" smtClean="0"/>
-              <a:t>10/5/19</a:t>
             </a:fld>
             <a:endParaRPr lang="en-US"/>
           </a:p>
@@ -6942,13 +6297,7 @@
       </p:sp>
       <p:sp>
         <p:nvSpPr>
-          <p:cNvPr id="8" name="灯片编号占位符 7">
-            <a:extLst>
-              <a:ext uri="{FF2B5EF4-FFF2-40B4-BE49-F238E27FC236}">
-                <a16:creationId xmlns:a16="http://schemas.microsoft.com/office/drawing/2014/main" id="{5482CCEA-766C-4FE7-BA5B-83AACEB587C8}"/>
-              </a:ext>
-            </a:extLst>
-          </p:cNvPr>
+          <p:cNvPr id="8" name="灯片编号占位符 7"/>
           <p:cNvSpPr>
             <a:spLocks noGrp="1"/>
           </p:cNvSpPr>
@@ -6963,18 +6312,12 @@
           <a:p>
             <a:fld id="{93D7A402-3076-2049-A745-4823B471CC62}" type="slidenum">
               <a:rPr lang="en-US" smtClean="0"/>
-              <a:t>3</a:t>
             </a:fld>
             <a:endParaRPr lang="en-US"/>
           </a:p>
         </p:txBody>
       </p:sp>
     </p:spTree>
-    <p:extLst>
-      <p:ext uri="{BB962C8B-B14F-4D97-AF65-F5344CB8AC3E}">
-        <p14:creationId xmlns:p14="http://schemas.microsoft.com/office/powerpoint/2010/main" val="2634997024"/>
-      </p:ext>
-    </p:extLst>
   </p:cSld>
   <p:clrMapOvr>
     <a:masterClrMapping/>
@@ -7001,13 +6344,7 @@
       </p:grpSpPr>
       <p:sp>
         <p:nvSpPr>
-          <p:cNvPr id="2" name="Title 1">
-            <a:extLst>
-              <a:ext uri="{FF2B5EF4-FFF2-40B4-BE49-F238E27FC236}">
-                <a16:creationId xmlns:a16="http://schemas.microsoft.com/office/drawing/2014/main" id="{B071AE84-1CB7-1C46-9F72-CB3FB82F3447}"/>
-              </a:ext>
-            </a:extLst>
-          </p:cNvPr>
+          <p:cNvPr id="2" name="Title 1"/>
           <p:cNvSpPr>
             <a:spLocks noGrp="1"/>
           </p:cNvSpPr>
@@ -7029,18 +6366,13 @@
               <a:rPr lang="en-US" dirty="0"/>
               <a:t>Alpha=1, epoch: 0, 100, 1000, 10000</a:t>
             </a:r>
+            <a:endParaRPr lang="en-US" dirty="0"/>
           </a:p>
         </p:txBody>
       </p:sp>
       <p:pic>
         <p:nvPicPr>
-          <p:cNvPr id="10" name="Content Placeholder 9">
-            <a:extLst>
-              <a:ext uri="{FF2B5EF4-FFF2-40B4-BE49-F238E27FC236}">
-                <a16:creationId xmlns:a16="http://schemas.microsoft.com/office/drawing/2014/main" id="{D6F003BC-3F8E-B840-A9EB-CFC9D841448A}"/>
-              </a:ext>
-            </a:extLst>
-          </p:cNvPr>
+          <p:cNvPr id="10" name="Content Placeholder 9"/>
           <p:cNvPicPr>
             <a:picLocks noGrp="1" noChangeAspect="1"/>
           </p:cNvPicPr>
@@ -7049,7 +6381,7 @@
           </p:nvPr>
         </p:nvPicPr>
         <p:blipFill>
-          <a:blip r:embed="rId2"/>
+          <a:blip r:embed="rId1"/>
           <a:stretch>
             <a:fillRect/>
           </a:stretch>
@@ -7063,20 +6395,14 @@
       </p:pic>
       <p:pic>
         <p:nvPicPr>
-          <p:cNvPr id="5" name="Picture 4">
-            <a:extLst>
-              <a:ext uri="{FF2B5EF4-FFF2-40B4-BE49-F238E27FC236}">
-                <a16:creationId xmlns:a16="http://schemas.microsoft.com/office/drawing/2014/main" id="{6F1F513B-5567-4342-9F62-9090179FCB59}"/>
-              </a:ext>
-            </a:extLst>
-          </p:cNvPr>
+          <p:cNvPr id="5" name="Picture 4"/>
           <p:cNvPicPr>
             <a:picLocks noChangeAspect="1"/>
           </p:cNvPicPr>
           <p:nvPr/>
         </p:nvPicPr>
         <p:blipFill>
-          <a:blip r:embed="rId3"/>
+          <a:blip r:embed="rId2"/>
           <a:stretch>
             <a:fillRect/>
           </a:stretch>
@@ -7093,20 +6419,14 @@
       </p:pic>
       <p:pic>
         <p:nvPicPr>
-          <p:cNvPr id="6" name="Picture 5">
-            <a:extLst>
-              <a:ext uri="{FF2B5EF4-FFF2-40B4-BE49-F238E27FC236}">
-                <a16:creationId xmlns:a16="http://schemas.microsoft.com/office/drawing/2014/main" id="{2280F9F7-0439-1A4D-B26B-0D3C30A86354}"/>
-              </a:ext>
-            </a:extLst>
-          </p:cNvPr>
+          <p:cNvPr id="6" name="Picture 5"/>
           <p:cNvPicPr>
             <a:picLocks noChangeAspect="1"/>
           </p:cNvPicPr>
           <p:nvPr/>
         </p:nvPicPr>
         <p:blipFill>
-          <a:blip r:embed="rId4"/>
+          <a:blip r:embed="rId3"/>
           <a:stretch>
             <a:fillRect/>
           </a:stretch>
@@ -7123,20 +6443,14 @@
       </p:pic>
       <p:pic>
         <p:nvPicPr>
-          <p:cNvPr id="7" name="Picture 6">
-            <a:extLst>
-              <a:ext uri="{FF2B5EF4-FFF2-40B4-BE49-F238E27FC236}">
-                <a16:creationId xmlns:a16="http://schemas.microsoft.com/office/drawing/2014/main" id="{C30777E6-312A-0E4E-A511-B0535F9E39CD}"/>
-              </a:ext>
-            </a:extLst>
-          </p:cNvPr>
+          <p:cNvPr id="7" name="Picture 6"/>
           <p:cNvPicPr>
             <a:picLocks noChangeAspect="1"/>
           </p:cNvPicPr>
           <p:nvPr/>
         </p:nvPicPr>
         <p:blipFill>
-          <a:blip r:embed="rId5"/>
+          <a:blip r:embed="rId4"/>
           <a:stretch>
             <a:fillRect/>
           </a:stretch>
@@ -7153,20 +6467,14 @@
       </p:pic>
       <p:pic>
         <p:nvPicPr>
-          <p:cNvPr id="8" name="Picture 7">
-            <a:extLst>
-              <a:ext uri="{FF2B5EF4-FFF2-40B4-BE49-F238E27FC236}">
-                <a16:creationId xmlns:a16="http://schemas.microsoft.com/office/drawing/2014/main" id="{294D6528-8FBF-964B-8F98-ED38F49138EF}"/>
-              </a:ext>
-            </a:extLst>
-          </p:cNvPr>
+          <p:cNvPr id="8" name="Picture 7"/>
           <p:cNvPicPr>
             <a:picLocks noChangeAspect="1"/>
           </p:cNvPicPr>
           <p:nvPr/>
         </p:nvPicPr>
         <p:blipFill>
-          <a:blip r:embed="rId6"/>
+          <a:blip r:embed="rId5"/>
           <a:stretch>
             <a:fillRect/>
           </a:stretch>
@@ -7183,20 +6491,14 @@
       </p:pic>
       <p:pic>
         <p:nvPicPr>
-          <p:cNvPr id="12" name="Picture 11">
-            <a:extLst>
-              <a:ext uri="{FF2B5EF4-FFF2-40B4-BE49-F238E27FC236}">
-                <a16:creationId xmlns:a16="http://schemas.microsoft.com/office/drawing/2014/main" id="{8DEA02E7-3750-E24E-820C-65515E72D991}"/>
-              </a:ext>
-            </a:extLst>
-          </p:cNvPr>
+          <p:cNvPr id="12" name="Picture 11"/>
           <p:cNvPicPr>
             <a:picLocks noChangeAspect="1"/>
           </p:cNvPicPr>
           <p:nvPr/>
         </p:nvPicPr>
         <p:blipFill>
-          <a:blip r:embed="rId7"/>
+          <a:blip r:embed="rId6"/>
           <a:stretch>
             <a:fillRect/>
           </a:stretch>
@@ -7213,20 +6515,14 @@
       </p:pic>
       <p:pic>
         <p:nvPicPr>
-          <p:cNvPr id="14" name="Picture 13">
-            <a:extLst>
-              <a:ext uri="{FF2B5EF4-FFF2-40B4-BE49-F238E27FC236}">
-                <a16:creationId xmlns:a16="http://schemas.microsoft.com/office/drawing/2014/main" id="{29A9F39D-2FB2-CB47-9BDF-9946DD39C66C}"/>
-              </a:ext>
-            </a:extLst>
-          </p:cNvPr>
+          <p:cNvPr id="14" name="Picture 13"/>
           <p:cNvPicPr>
             <a:picLocks noChangeAspect="1"/>
           </p:cNvPicPr>
           <p:nvPr/>
         </p:nvPicPr>
         <p:blipFill>
-          <a:blip r:embed="rId8"/>
+          <a:blip r:embed="rId7"/>
           <a:stretch>
             <a:fillRect/>
           </a:stretch>
@@ -7243,20 +6539,14 @@
       </p:pic>
       <p:pic>
         <p:nvPicPr>
-          <p:cNvPr id="16" name="Picture 15">
-            <a:extLst>
-              <a:ext uri="{FF2B5EF4-FFF2-40B4-BE49-F238E27FC236}">
-                <a16:creationId xmlns:a16="http://schemas.microsoft.com/office/drawing/2014/main" id="{C8793A8B-F210-8D45-BAAA-D00443C06D28}"/>
-              </a:ext>
-            </a:extLst>
-          </p:cNvPr>
+          <p:cNvPr id="16" name="Picture 15"/>
           <p:cNvPicPr>
             <a:picLocks noChangeAspect="1"/>
           </p:cNvPicPr>
           <p:nvPr/>
         </p:nvPicPr>
         <p:blipFill>
-          <a:blip r:embed="rId9"/>
+          <a:blip r:embed="rId8"/>
           <a:stretch>
             <a:fillRect/>
           </a:stretch>
@@ -7273,16 +6563,8 @@
       </p:pic>
       <p:sp>
         <p:nvSpPr>
-          <p:cNvPr id="17" name="Title 1">
-            <a:extLst>
-              <a:ext uri="{FF2B5EF4-FFF2-40B4-BE49-F238E27FC236}">
-                <a16:creationId xmlns:a16="http://schemas.microsoft.com/office/drawing/2014/main" id="{61DCCFE1-BEAA-B242-8594-50613EAA300D}"/>
-              </a:ext>
-            </a:extLst>
-          </p:cNvPr>
-          <p:cNvSpPr txBox="1">
-            <a:spLocks/>
-          </p:cNvSpPr>
+          <p:cNvPr id="17" name="Title 1"/>
+          <p:cNvSpPr txBox="1"/>
           <p:nvPr/>
         </p:nvSpPr>
         <p:spPr>
@@ -7322,25 +6604,20 @@
               <a:rPr lang="en-US" dirty="0"/>
               <a:t>Alpha=10, epoch: 0, 100, 1000, 10000</a:t>
             </a:r>
+            <a:endParaRPr lang="en-US" dirty="0"/>
           </a:p>
         </p:txBody>
       </p:sp>
       <p:pic>
         <p:nvPicPr>
-          <p:cNvPr id="18" name="Picture 17">
-            <a:extLst>
-              <a:ext uri="{FF2B5EF4-FFF2-40B4-BE49-F238E27FC236}">
-                <a16:creationId xmlns:a16="http://schemas.microsoft.com/office/drawing/2014/main" id="{6862E2DD-A37A-224C-8FCB-724453FA7D08}"/>
-              </a:ext>
-            </a:extLst>
-          </p:cNvPr>
+          <p:cNvPr id="18" name="Picture 17"/>
           <p:cNvPicPr>
             <a:picLocks noChangeAspect="1"/>
           </p:cNvPicPr>
           <p:nvPr/>
         </p:nvPicPr>
         <p:blipFill>
-          <a:blip r:embed="rId10"/>
+          <a:blip r:embed="rId9"/>
           <a:stretch>
             <a:fillRect/>
           </a:stretch>
@@ -7357,13 +6634,7 @@
       </p:pic>
       <p:cxnSp>
         <p:nvCxnSpPr>
-          <p:cNvPr id="20" name="Straight Arrow Connector 19">
-            <a:extLst>
-              <a:ext uri="{FF2B5EF4-FFF2-40B4-BE49-F238E27FC236}">
-                <a16:creationId xmlns:a16="http://schemas.microsoft.com/office/drawing/2014/main" id="{F884FAAA-15E2-9146-9F1F-762FDD56989F}"/>
-              </a:ext>
-            </a:extLst>
-          </p:cNvPr>
+          <p:cNvPr id="20" name="Straight Arrow Connector 19"/>
           <p:cNvCxnSpPr/>
           <p:nvPr/>
         </p:nvCxnSpPr>
@@ -7396,13 +6667,7 @@
       </p:cxnSp>
       <p:cxnSp>
         <p:nvCxnSpPr>
-          <p:cNvPr id="21" name="Straight Arrow Connector 20">
-            <a:extLst>
-              <a:ext uri="{FF2B5EF4-FFF2-40B4-BE49-F238E27FC236}">
-                <a16:creationId xmlns:a16="http://schemas.microsoft.com/office/drawing/2014/main" id="{BCFE1FFF-D06C-A249-8C3D-A51309B22468}"/>
-              </a:ext>
-            </a:extLst>
-          </p:cNvPr>
+          <p:cNvPr id="21" name="Straight Arrow Connector 20"/>
           <p:cNvCxnSpPr/>
           <p:nvPr/>
         </p:nvCxnSpPr>
@@ -7435,13 +6700,7 @@
       </p:cxnSp>
       <p:sp>
         <p:nvSpPr>
-          <p:cNvPr id="22" name="TextBox 21">
-            <a:extLst>
-              <a:ext uri="{FF2B5EF4-FFF2-40B4-BE49-F238E27FC236}">
-                <a16:creationId xmlns:a16="http://schemas.microsoft.com/office/drawing/2014/main" id="{F6017BA4-AC97-3C47-B414-A817A316B29F}"/>
-              </a:ext>
-            </a:extLst>
-          </p:cNvPr>
+          <p:cNvPr id="22" name="TextBox 21"/>
           <p:cNvSpPr txBox="1"/>
           <p:nvPr/>
         </p:nvSpPr>
@@ -7471,13 +6730,7 @@
       </p:sp>
       <p:sp>
         <p:nvSpPr>
-          <p:cNvPr id="23" name="TextBox 22">
-            <a:extLst>
-              <a:ext uri="{FF2B5EF4-FFF2-40B4-BE49-F238E27FC236}">
-                <a16:creationId xmlns:a16="http://schemas.microsoft.com/office/drawing/2014/main" id="{7EFF5534-E2B2-1D42-9656-DDE98A8DDA72}"/>
-              </a:ext>
-            </a:extLst>
-          </p:cNvPr>
+          <p:cNvPr id="23" name="TextBox 22"/>
           <p:cNvSpPr txBox="1"/>
           <p:nvPr/>
         </p:nvSpPr>
@@ -7507,20 +6760,14 @@
       </p:sp>
       <p:pic>
         <p:nvPicPr>
-          <p:cNvPr id="24" name="Picture 23">
-            <a:extLst>
-              <a:ext uri="{FF2B5EF4-FFF2-40B4-BE49-F238E27FC236}">
-                <a16:creationId xmlns:a16="http://schemas.microsoft.com/office/drawing/2014/main" id="{D5583877-DF0B-7846-899A-E4F619067B16}"/>
-              </a:ext>
-            </a:extLst>
-          </p:cNvPr>
+          <p:cNvPr id="24" name="Picture 23"/>
           <p:cNvPicPr>
             <a:picLocks noChangeAspect="1"/>
           </p:cNvPicPr>
           <p:nvPr/>
         </p:nvPicPr>
         <p:blipFill>
-          <a:blip r:embed="rId11"/>
+          <a:blip r:embed="rId10"/>
           <a:stretch>
             <a:fillRect/>
           </a:stretch>
@@ -7537,13 +6784,7 @@
       </p:pic>
       <p:cxnSp>
         <p:nvCxnSpPr>
-          <p:cNvPr id="25" name="Straight Arrow Connector 24">
-            <a:extLst>
-              <a:ext uri="{FF2B5EF4-FFF2-40B4-BE49-F238E27FC236}">
-                <a16:creationId xmlns:a16="http://schemas.microsoft.com/office/drawing/2014/main" id="{16D619D0-E519-2E4A-B899-43E85019C712}"/>
-              </a:ext>
-            </a:extLst>
-          </p:cNvPr>
+          <p:cNvPr id="25" name="Straight Arrow Connector 24"/>
           <p:cNvCxnSpPr/>
           <p:nvPr/>
         </p:nvCxnSpPr>
@@ -7576,13 +6817,7 @@
       </p:cxnSp>
       <p:sp>
         <p:nvSpPr>
-          <p:cNvPr id="26" name="TextBox 25">
-            <a:extLst>
-              <a:ext uri="{FF2B5EF4-FFF2-40B4-BE49-F238E27FC236}">
-                <a16:creationId xmlns:a16="http://schemas.microsoft.com/office/drawing/2014/main" id="{4EFE7F8A-1ADE-294C-9F64-45BB992D3643}"/>
-              </a:ext>
-            </a:extLst>
-          </p:cNvPr>
+          <p:cNvPr id="26" name="TextBox 25"/>
           <p:cNvSpPr txBox="1"/>
           <p:nvPr/>
         </p:nvSpPr>
@@ -7612,13 +6847,7 @@
       </p:sp>
       <p:cxnSp>
         <p:nvCxnSpPr>
-          <p:cNvPr id="27" name="Straight Arrow Connector 26">
-            <a:extLst>
-              <a:ext uri="{FF2B5EF4-FFF2-40B4-BE49-F238E27FC236}">
-                <a16:creationId xmlns:a16="http://schemas.microsoft.com/office/drawing/2014/main" id="{ECA998AD-996B-0541-A930-633B46E8C665}"/>
-              </a:ext>
-            </a:extLst>
-          </p:cNvPr>
+          <p:cNvPr id="27" name="Straight Arrow Connector 26"/>
           <p:cNvCxnSpPr/>
           <p:nvPr/>
         </p:nvCxnSpPr>
@@ -7651,13 +6880,7 @@
       </p:cxnSp>
       <p:sp>
         <p:nvSpPr>
-          <p:cNvPr id="28" name="TextBox 27">
-            <a:extLst>
-              <a:ext uri="{FF2B5EF4-FFF2-40B4-BE49-F238E27FC236}">
-                <a16:creationId xmlns:a16="http://schemas.microsoft.com/office/drawing/2014/main" id="{B5E4099A-0F2E-BA47-B6DA-11E14EE6F54E}"/>
-              </a:ext>
-            </a:extLst>
-          </p:cNvPr>
+          <p:cNvPr id="28" name="TextBox 27"/>
           <p:cNvSpPr txBox="1"/>
           <p:nvPr/>
         </p:nvSpPr>
@@ -7687,16 +6910,8 @@
       </p:sp>
       <p:cxnSp>
         <p:nvCxnSpPr>
-          <p:cNvPr id="30" name="Straight Arrow Connector 29">
-            <a:extLst>
-              <a:ext uri="{FF2B5EF4-FFF2-40B4-BE49-F238E27FC236}">
-                <a16:creationId xmlns:a16="http://schemas.microsoft.com/office/drawing/2014/main" id="{2103A992-3E77-0740-B1B9-12B67C8199AC}"/>
-              </a:ext>
-            </a:extLst>
-          </p:cNvPr>
-          <p:cNvCxnSpPr>
-            <a:cxnSpLocks/>
-          </p:cNvCxnSpPr>
+          <p:cNvPr id="30" name="Straight Arrow Connector 29"/>
+          <p:cNvCxnSpPr/>
           <p:nvPr/>
         </p:nvCxnSpPr>
         <p:spPr>
@@ -7728,13 +6943,7 @@
       </p:cxnSp>
       <p:sp>
         <p:nvSpPr>
-          <p:cNvPr id="3" name="日期占位符 2">
-            <a:extLst>
-              <a:ext uri="{FF2B5EF4-FFF2-40B4-BE49-F238E27FC236}">
-                <a16:creationId xmlns:a16="http://schemas.microsoft.com/office/drawing/2014/main" id="{10E00656-63CA-4714-BF82-EE1F75978D48}"/>
-              </a:ext>
-            </a:extLst>
-          </p:cNvPr>
+          <p:cNvPr id="3" name="日期占位符 2"/>
           <p:cNvSpPr>
             <a:spLocks noGrp="1"/>
           </p:cNvSpPr>
@@ -7749,7 +6958,6 @@
           <a:p>
             <a:fld id="{1255B269-F348-439F-A6D0-CBB90A314411}" type="datetime1">
               <a:rPr lang="en-US" altLang="zh-CN" smtClean="0"/>
-              <a:t>10/5/19</a:t>
             </a:fld>
             <a:endParaRPr lang="en-US"/>
           </a:p>
@@ -7757,13 +6965,7 @@
       </p:sp>
       <p:sp>
         <p:nvSpPr>
-          <p:cNvPr id="4" name="灯片编号占位符 3">
-            <a:extLst>
-              <a:ext uri="{FF2B5EF4-FFF2-40B4-BE49-F238E27FC236}">
-                <a16:creationId xmlns:a16="http://schemas.microsoft.com/office/drawing/2014/main" id="{20B303A2-06DF-439F-8FD1-47A9E80DC47C}"/>
-              </a:ext>
-            </a:extLst>
-          </p:cNvPr>
+          <p:cNvPr id="4" name="灯片编号占位符 3"/>
           <p:cNvSpPr>
             <a:spLocks noGrp="1"/>
           </p:cNvSpPr>
@@ -7778,18 +6980,12 @@
           <a:p>
             <a:fld id="{93D7A402-3076-2049-A745-4823B471CC62}" type="slidenum">
               <a:rPr lang="en-US" smtClean="0"/>
-              <a:t>4</a:t>
             </a:fld>
             <a:endParaRPr lang="en-US"/>
           </a:p>
         </p:txBody>
       </p:sp>
     </p:spTree>
-    <p:extLst>
-      <p:ext uri="{BB962C8B-B14F-4D97-AF65-F5344CB8AC3E}">
-        <p14:creationId xmlns:p14="http://schemas.microsoft.com/office/powerpoint/2010/main" val="1334384737"/>
-      </p:ext>
-    </p:extLst>
   </p:cSld>
   <p:clrMapOvr>
     <a:masterClrMapping/>
@@ -7816,13 +7012,7 @@
       </p:grpSpPr>
       <p:sp>
         <p:nvSpPr>
-          <p:cNvPr id="2" name="Title 1">
-            <a:extLst>
-              <a:ext uri="{FF2B5EF4-FFF2-40B4-BE49-F238E27FC236}">
-                <a16:creationId xmlns:a16="http://schemas.microsoft.com/office/drawing/2014/main" id="{B071AE84-1CB7-1C46-9F72-CB3FB82F3447}"/>
-              </a:ext>
-            </a:extLst>
-          </p:cNvPr>
+          <p:cNvPr id="2" name="Title 1"/>
           <p:cNvSpPr>
             <a:spLocks noGrp="1"/>
           </p:cNvSpPr>
@@ -7839,18 +7029,13 @@
               <a:rPr lang="en-US" dirty="0"/>
               <a:t>Analysis</a:t>
             </a:r>
-          </a:p>
-        </p:txBody>
-      </p:sp>
-      <p:sp>
-        <p:nvSpPr>
-          <p:cNvPr id="3" name="Content Placeholder 2">
-            <a:extLst>
-              <a:ext uri="{FF2B5EF4-FFF2-40B4-BE49-F238E27FC236}">
-                <a16:creationId xmlns:a16="http://schemas.microsoft.com/office/drawing/2014/main" id="{5DE9B7D8-C997-384D-98CA-E108203C4B9C}"/>
-              </a:ext>
-            </a:extLst>
-          </p:cNvPr>
+            <a:endParaRPr lang="en-US" dirty="0"/>
+          </a:p>
+        </p:txBody>
+      </p:sp>
+      <p:sp>
+        <p:nvSpPr>
+          <p:cNvPr id="3" name="Content Placeholder 2"/>
           <p:cNvSpPr>
             <a:spLocks noGrp="1"/>
           </p:cNvSpPr>
@@ -7923,7 +7108,7 @@
             </a:r>
             <a:r>
               <a:rPr lang="en-US" dirty="0">
-                <a:hlinkClick r:id="rId2"/>
+                <a:hlinkClick r:id="rId1"/>
               </a:rPr>
               <a:t>https://ai.googleblog.com/2015/06/inceptionism-going-deeper-into-neural.html</a:t>
             </a:r>
@@ -8110,6 +7295,7 @@
               <a:rPr lang="en-US" altLang="zh-CN" dirty="0"/>
               <a:t>	</a:t>
             </a:r>
+            <a:endParaRPr lang="en-US" altLang="zh-CN" dirty="0"/>
           </a:p>
           <a:p>
             <a:pPr lvl="1"/>
@@ -8119,13 +7305,7 @@
       </p:sp>
       <p:sp>
         <p:nvSpPr>
-          <p:cNvPr id="4" name="日期占位符 3">
-            <a:extLst>
-              <a:ext uri="{FF2B5EF4-FFF2-40B4-BE49-F238E27FC236}">
-                <a16:creationId xmlns:a16="http://schemas.microsoft.com/office/drawing/2014/main" id="{C994E394-047A-4693-BDC7-386A16AABCF9}"/>
-              </a:ext>
-            </a:extLst>
-          </p:cNvPr>
+          <p:cNvPr id="4" name="日期占位符 3"/>
           <p:cNvSpPr>
             <a:spLocks noGrp="1"/>
           </p:cNvSpPr>
@@ -8140,7 +7320,6 @@
           <a:p>
             <a:fld id="{CF64532A-7BDE-40DC-A051-D57142ED605E}" type="datetime1">
               <a:rPr lang="en-US" altLang="zh-CN" smtClean="0"/>
-              <a:t>10/5/19</a:t>
             </a:fld>
             <a:endParaRPr lang="en-US"/>
           </a:p>
@@ -8148,13 +7327,7 @@
       </p:sp>
       <p:sp>
         <p:nvSpPr>
-          <p:cNvPr id="5" name="灯片编号占位符 4">
-            <a:extLst>
-              <a:ext uri="{FF2B5EF4-FFF2-40B4-BE49-F238E27FC236}">
-                <a16:creationId xmlns:a16="http://schemas.microsoft.com/office/drawing/2014/main" id="{450C055F-2429-430B-834A-EE8B83228E03}"/>
-              </a:ext>
-            </a:extLst>
-          </p:cNvPr>
+          <p:cNvPr id="5" name="灯片编号占位符 4"/>
           <p:cNvSpPr>
             <a:spLocks noGrp="1"/>
           </p:cNvSpPr>
@@ -8169,18 +7342,12 @@
           <a:p>
             <a:fld id="{93D7A402-3076-2049-A745-4823B471CC62}" type="slidenum">
               <a:rPr lang="en-US" smtClean="0"/>
-              <a:t>5</a:t>
             </a:fld>
             <a:endParaRPr lang="en-US"/>
           </a:p>
         </p:txBody>
       </p:sp>
     </p:spTree>
-    <p:extLst>
-      <p:ext uri="{BB962C8B-B14F-4D97-AF65-F5344CB8AC3E}">
-        <p14:creationId xmlns:p14="http://schemas.microsoft.com/office/powerpoint/2010/main" val="4218370991"/>
-      </p:ext>
-    </p:extLst>
   </p:cSld>
   <p:clrMapOvr>
     <a:masterClrMapping/>
@@ -8207,13 +7374,7 @@
       </p:grpSpPr>
       <p:sp>
         <p:nvSpPr>
-          <p:cNvPr id="2" name="Title 1">
-            <a:extLst>
-              <a:ext uri="{FF2B5EF4-FFF2-40B4-BE49-F238E27FC236}">
-                <a16:creationId xmlns:a16="http://schemas.microsoft.com/office/drawing/2014/main" id="{B071AE84-1CB7-1C46-9F72-CB3FB82F3447}"/>
-              </a:ext>
-            </a:extLst>
-          </p:cNvPr>
+          <p:cNvPr id="2" name="Title 1"/>
           <p:cNvSpPr>
             <a:spLocks noGrp="1"/>
           </p:cNvSpPr>
@@ -8230,18 +7391,13 @@
               <a:rPr lang="en-US" dirty="0"/>
               <a:t>Analysis</a:t>
             </a:r>
-          </a:p>
-        </p:txBody>
-      </p:sp>
-      <p:sp>
-        <p:nvSpPr>
-          <p:cNvPr id="3" name="Content Placeholder 2">
-            <a:extLst>
-              <a:ext uri="{FF2B5EF4-FFF2-40B4-BE49-F238E27FC236}">
-                <a16:creationId xmlns:a16="http://schemas.microsoft.com/office/drawing/2014/main" id="{5DE9B7D8-C997-384D-98CA-E108203C4B9C}"/>
-              </a:ext>
-            </a:extLst>
-          </p:cNvPr>
+            <a:endParaRPr lang="en-US" dirty="0"/>
+          </a:p>
+        </p:txBody>
+      </p:sp>
+      <p:sp>
+        <p:nvSpPr>
+          <p:cNvPr id="3" name="Content Placeholder 2"/>
           <p:cNvSpPr>
             <a:spLocks noGrp="1"/>
           </p:cNvSpPr>
@@ -8344,13 +7500,7 @@
       </p:sp>
       <p:sp>
         <p:nvSpPr>
-          <p:cNvPr id="4" name="日期占位符 3">
-            <a:extLst>
-              <a:ext uri="{FF2B5EF4-FFF2-40B4-BE49-F238E27FC236}">
-                <a16:creationId xmlns:a16="http://schemas.microsoft.com/office/drawing/2014/main" id="{459C68B2-B75D-438D-B7C9-B7AEFBC4C2F3}"/>
-              </a:ext>
-            </a:extLst>
-          </p:cNvPr>
+          <p:cNvPr id="4" name="日期占位符 3"/>
           <p:cNvSpPr>
             <a:spLocks noGrp="1"/>
           </p:cNvSpPr>
@@ -8365,7 +7515,6 @@
           <a:p>
             <a:fld id="{57C153ED-CC8E-4B72-9AF7-5F1AF4B98566}" type="datetime1">
               <a:rPr lang="en-US" altLang="zh-CN" smtClean="0"/>
-              <a:t>10/5/19</a:t>
             </a:fld>
             <a:endParaRPr lang="en-US"/>
           </a:p>
@@ -8373,13 +7522,7 @@
       </p:sp>
       <p:sp>
         <p:nvSpPr>
-          <p:cNvPr id="5" name="灯片编号占位符 4">
-            <a:extLst>
-              <a:ext uri="{FF2B5EF4-FFF2-40B4-BE49-F238E27FC236}">
-                <a16:creationId xmlns:a16="http://schemas.microsoft.com/office/drawing/2014/main" id="{75592EBE-4669-4329-9CC3-19C79DCE9255}"/>
-              </a:ext>
-            </a:extLst>
-          </p:cNvPr>
+          <p:cNvPr id="5" name="灯片编号占位符 4"/>
           <p:cNvSpPr>
             <a:spLocks noGrp="1"/>
           </p:cNvSpPr>
@@ -8394,18 +7537,12 @@
           <a:p>
             <a:fld id="{93D7A402-3076-2049-A745-4823B471CC62}" type="slidenum">
               <a:rPr lang="en-US" smtClean="0"/>
-              <a:t>6</a:t>
             </a:fld>
             <a:endParaRPr lang="en-US"/>
           </a:p>
         </p:txBody>
       </p:sp>
     </p:spTree>
-    <p:extLst>
-      <p:ext uri="{BB962C8B-B14F-4D97-AF65-F5344CB8AC3E}">
-        <p14:creationId xmlns:p14="http://schemas.microsoft.com/office/powerpoint/2010/main" val="2788067291"/>
-      </p:ext>
-    </p:extLst>
   </p:cSld>
   <p:clrMapOvr>
     <a:masterClrMapping/>
@@ -8432,13 +7569,7 @@
       </p:grpSpPr>
       <p:sp>
         <p:nvSpPr>
-          <p:cNvPr id="2" name="Title 1">
-            <a:extLst>
-              <a:ext uri="{FF2B5EF4-FFF2-40B4-BE49-F238E27FC236}">
-                <a16:creationId xmlns:a16="http://schemas.microsoft.com/office/drawing/2014/main" id="{B071AE84-1CB7-1C46-9F72-CB3FB82F3447}"/>
-              </a:ext>
-            </a:extLst>
-          </p:cNvPr>
+          <p:cNvPr id="2" name="Title 1"/>
           <p:cNvSpPr>
             <a:spLocks noGrp="1"/>
           </p:cNvSpPr>
@@ -8461,13 +7592,7 @@
       </p:sp>
       <p:sp>
         <p:nvSpPr>
-          <p:cNvPr id="3" name="Content Placeholder 2">
-            <a:extLst>
-              <a:ext uri="{FF2B5EF4-FFF2-40B4-BE49-F238E27FC236}">
-                <a16:creationId xmlns:a16="http://schemas.microsoft.com/office/drawing/2014/main" id="{5DE9B7D8-C997-384D-98CA-E108203C4B9C}"/>
-              </a:ext>
-            </a:extLst>
-          </p:cNvPr>
+          <p:cNvPr id="3" name="Content Placeholder 2"/>
           <p:cNvSpPr>
             <a:spLocks noGrp="1"/>
           </p:cNvSpPr>
@@ -8585,13 +7710,7 @@
       </p:sp>
       <p:sp>
         <p:nvSpPr>
-          <p:cNvPr id="4" name="日期占位符 3">
-            <a:extLst>
-              <a:ext uri="{FF2B5EF4-FFF2-40B4-BE49-F238E27FC236}">
-                <a16:creationId xmlns:a16="http://schemas.microsoft.com/office/drawing/2014/main" id="{2765B96B-3E85-40A3-A296-091D4989186B}"/>
-              </a:ext>
-            </a:extLst>
-          </p:cNvPr>
+          <p:cNvPr id="4" name="日期占位符 3"/>
           <p:cNvSpPr>
             <a:spLocks noGrp="1"/>
           </p:cNvSpPr>
@@ -8606,7 +7725,6 @@
           <a:p>
             <a:fld id="{BF677F50-21D8-40BE-B8F0-B2270733CF6B}" type="datetime1">
               <a:rPr lang="en-US" altLang="zh-CN" smtClean="0"/>
-              <a:t>10/5/19</a:t>
             </a:fld>
             <a:endParaRPr lang="en-US" dirty="0"/>
           </a:p>
@@ -8614,13 +7732,7 @@
       </p:sp>
       <p:sp>
         <p:nvSpPr>
-          <p:cNvPr id="5" name="灯片编号占位符 4">
-            <a:extLst>
-              <a:ext uri="{FF2B5EF4-FFF2-40B4-BE49-F238E27FC236}">
-                <a16:creationId xmlns:a16="http://schemas.microsoft.com/office/drawing/2014/main" id="{57EAF1FF-820C-427B-BE1E-A008AA61BA6C}"/>
-              </a:ext>
-            </a:extLst>
-          </p:cNvPr>
+          <p:cNvPr id="5" name="灯片编号占位符 4"/>
           <p:cNvSpPr>
             <a:spLocks noGrp="1"/>
           </p:cNvSpPr>
@@ -8635,18 +7747,12 @@
           <a:p>
             <a:fld id="{93D7A402-3076-2049-A745-4823B471CC62}" type="slidenum">
               <a:rPr lang="en-US" smtClean="0"/>
-              <a:t>7</a:t>
             </a:fld>
             <a:endParaRPr lang="en-US"/>
           </a:p>
         </p:txBody>
       </p:sp>
     </p:spTree>
-    <p:extLst>
-      <p:ext uri="{BB962C8B-B14F-4D97-AF65-F5344CB8AC3E}">
-        <p14:creationId xmlns:p14="http://schemas.microsoft.com/office/powerpoint/2010/main" val="1298032522"/>
-      </p:ext>
-    </p:extLst>
   </p:cSld>
   <p:clrMapOvr>
     <a:masterClrMapping/>
@@ -8673,13 +7779,7 @@
       </p:grpSpPr>
       <p:sp>
         <p:nvSpPr>
-          <p:cNvPr id="2" name="Title 1">
-            <a:extLst>
-              <a:ext uri="{FF2B5EF4-FFF2-40B4-BE49-F238E27FC236}">
-                <a16:creationId xmlns:a16="http://schemas.microsoft.com/office/drawing/2014/main" id="{B071AE84-1CB7-1C46-9F72-CB3FB82F3447}"/>
-              </a:ext>
-            </a:extLst>
-          </p:cNvPr>
+          <p:cNvPr id="2" name="Title 1"/>
           <p:cNvSpPr>
             <a:spLocks noGrp="1"/>
           </p:cNvSpPr>
@@ -8702,13 +7802,7 @@
       </p:sp>
       <p:sp>
         <p:nvSpPr>
-          <p:cNvPr id="3" name="Content Placeholder 2">
-            <a:extLst>
-              <a:ext uri="{FF2B5EF4-FFF2-40B4-BE49-F238E27FC236}">
-                <a16:creationId xmlns:a16="http://schemas.microsoft.com/office/drawing/2014/main" id="{5DE9B7D8-C997-384D-98CA-E108203C4B9C}"/>
-              </a:ext>
-            </a:extLst>
-          </p:cNvPr>
+          <p:cNvPr id="3" name="Content Placeholder 2"/>
           <p:cNvSpPr>
             <a:spLocks noGrp="1"/>
           </p:cNvSpPr>
@@ -8810,7 +7904,19 @@
             <a:pPr lvl="2"/>
             <a:r>
               <a:rPr lang="zh-CN" altLang="en-US" dirty="0"/>
-              <a:t>平均绝对值幅值最大</a:t>
+              <a:t>平均绝对值幅值最大 </a:t>
+            </a:r>
+            <a:r>
+              <a:rPr lang="" altLang="zh-CN" dirty="0"/>
+              <a:t>-&gt; </a:t>
+            </a:r>
+            <a:r>
+              <a:rPr lang="" altLang="zh-CN" dirty="0">
+                <a:solidFill>
+                  <a:srgbClr val="FF0000"/>
+                </a:solidFill>
+              </a:rPr>
+              <a:t>非零均值</a:t>
             </a:r>
             <a:endParaRPr lang="en-US" altLang="zh-CN" dirty="0"/>
           </a:p>
@@ -8870,13 +7976,7 @@
       </p:sp>
       <p:sp>
         <p:nvSpPr>
-          <p:cNvPr id="4" name="日期占位符 3">
-            <a:extLst>
-              <a:ext uri="{FF2B5EF4-FFF2-40B4-BE49-F238E27FC236}">
-                <a16:creationId xmlns:a16="http://schemas.microsoft.com/office/drawing/2014/main" id="{2765B96B-3E85-40A3-A296-091D4989186B}"/>
-              </a:ext>
-            </a:extLst>
-          </p:cNvPr>
+          <p:cNvPr id="4" name="日期占位符 3"/>
           <p:cNvSpPr>
             <a:spLocks noGrp="1"/>
           </p:cNvSpPr>
@@ -8891,7 +7991,6 @@
           <a:p>
             <a:fld id="{BF677F50-21D8-40BE-B8F0-B2270733CF6B}" type="datetime1">
               <a:rPr lang="en-US" altLang="zh-CN" smtClean="0"/>
-              <a:t>10/5/19</a:t>
             </a:fld>
             <a:endParaRPr lang="en-US"/>
           </a:p>
@@ -8899,13 +7998,7 @@
       </p:sp>
       <p:sp>
         <p:nvSpPr>
-          <p:cNvPr id="5" name="灯片编号占位符 4">
-            <a:extLst>
-              <a:ext uri="{FF2B5EF4-FFF2-40B4-BE49-F238E27FC236}">
-                <a16:creationId xmlns:a16="http://schemas.microsoft.com/office/drawing/2014/main" id="{57EAF1FF-820C-427B-BE1E-A008AA61BA6C}"/>
-              </a:ext>
-            </a:extLst>
-          </p:cNvPr>
+          <p:cNvPr id="5" name="灯片编号占位符 4"/>
           <p:cNvSpPr>
             <a:spLocks noGrp="1"/>
           </p:cNvSpPr>
@@ -8920,18 +8013,12 @@
           <a:p>
             <a:fld id="{93D7A402-3076-2049-A745-4823B471CC62}" type="slidenum">
               <a:rPr lang="en-US" smtClean="0"/>
-              <a:t>8</a:t>
             </a:fld>
             <a:endParaRPr lang="en-US"/>
           </a:p>
         </p:txBody>
       </p:sp>
     </p:spTree>
-    <p:extLst>
-      <p:ext uri="{BB962C8B-B14F-4D97-AF65-F5344CB8AC3E}">
-        <p14:creationId xmlns:p14="http://schemas.microsoft.com/office/powerpoint/2010/main" val="3011895022"/>
-      </p:ext>
-    </p:extLst>
   </p:cSld>
   <p:clrMapOvr>
     <a:masterClrMapping/>
@@ -8958,13 +8045,7 @@
       </p:grpSpPr>
       <p:sp>
         <p:nvSpPr>
-          <p:cNvPr id="2" name="Title 1">
-            <a:extLst>
-              <a:ext uri="{FF2B5EF4-FFF2-40B4-BE49-F238E27FC236}">
-                <a16:creationId xmlns:a16="http://schemas.microsoft.com/office/drawing/2014/main" id="{B071AE84-1CB7-1C46-9F72-CB3FB82F3447}"/>
-              </a:ext>
-            </a:extLst>
-          </p:cNvPr>
+          <p:cNvPr id="2" name="Title 1"/>
           <p:cNvSpPr>
             <a:spLocks noGrp="1"/>
           </p:cNvSpPr>
@@ -8991,13 +8072,7 @@
       </p:sp>
       <p:sp>
         <p:nvSpPr>
-          <p:cNvPr id="3" name="Content Placeholder 2">
-            <a:extLst>
-              <a:ext uri="{FF2B5EF4-FFF2-40B4-BE49-F238E27FC236}">
-                <a16:creationId xmlns:a16="http://schemas.microsoft.com/office/drawing/2014/main" id="{5DE9B7D8-C997-384D-98CA-E108203C4B9C}"/>
-              </a:ext>
-            </a:extLst>
-          </p:cNvPr>
+          <p:cNvPr id="3" name="Content Placeholder 2"/>
           <p:cNvSpPr>
             <a:spLocks noGrp="1"/>
           </p:cNvSpPr>
@@ -9071,13 +8146,7 @@
       </p:sp>
       <p:sp>
         <p:nvSpPr>
-          <p:cNvPr id="4" name="日期占位符 3">
-            <a:extLst>
-              <a:ext uri="{FF2B5EF4-FFF2-40B4-BE49-F238E27FC236}">
-                <a16:creationId xmlns:a16="http://schemas.microsoft.com/office/drawing/2014/main" id="{2765B96B-3E85-40A3-A296-091D4989186B}"/>
-              </a:ext>
-            </a:extLst>
-          </p:cNvPr>
+          <p:cNvPr id="4" name="日期占位符 3"/>
           <p:cNvSpPr>
             <a:spLocks noGrp="1"/>
           </p:cNvSpPr>
@@ -9092,7 +8161,6 @@
           <a:p>
             <a:fld id="{BF677F50-21D8-40BE-B8F0-B2270733CF6B}" type="datetime1">
               <a:rPr lang="en-US" altLang="zh-CN" smtClean="0"/>
-              <a:t>10/5/19</a:t>
             </a:fld>
             <a:endParaRPr lang="en-US"/>
           </a:p>
@@ -9100,13 +8168,7 @@
       </p:sp>
       <p:sp>
         <p:nvSpPr>
-          <p:cNvPr id="5" name="灯片编号占位符 4">
-            <a:extLst>
-              <a:ext uri="{FF2B5EF4-FFF2-40B4-BE49-F238E27FC236}">
-                <a16:creationId xmlns:a16="http://schemas.microsoft.com/office/drawing/2014/main" id="{57EAF1FF-820C-427B-BE1E-A008AA61BA6C}"/>
-              </a:ext>
-            </a:extLst>
-          </p:cNvPr>
+          <p:cNvPr id="5" name="灯片编号占位符 4"/>
           <p:cNvSpPr>
             <a:spLocks noGrp="1"/>
           </p:cNvSpPr>
@@ -9121,18 +8183,12 @@
           <a:p>
             <a:fld id="{93D7A402-3076-2049-A745-4823B471CC62}" type="slidenum">
               <a:rPr lang="en-US" smtClean="0"/>
-              <a:t>9</a:t>
             </a:fld>
             <a:endParaRPr lang="en-US"/>
           </a:p>
         </p:txBody>
       </p:sp>
     </p:spTree>
-    <p:extLst>
-      <p:ext uri="{BB962C8B-B14F-4D97-AF65-F5344CB8AC3E}">
-        <p14:creationId xmlns:p14="http://schemas.microsoft.com/office/powerpoint/2010/main" val="1465195693"/>
-      </p:ext>
-    </p:extLst>
   </p:cSld>
   <p:clrMapOvr>
     <a:masterClrMapping/>
@@ -9183,7 +8239,7 @@
     </a:clrScheme>
     <a:fontScheme name="Office">
       <a:majorFont>
-        <a:latin typeface="Calibri Light" panose="020F0302020204030204"/>
+        <a:latin typeface="Calibri Light"/>
         <a:ea typeface=""/>
         <a:cs typeface=""/>
         <a:font script="Jpan" typeface="游ゴシック Light"/>
@@ -9216,26 +8272,9 @@
         <a:font script="Viet" typeface="Times New Roman"/>
         <a:font script="Uigh" typeface="Microsoft Uighur"/>
         <a:font script="Geor" typeface="Sylfaen"/>
-        <a:font script="Armn" typeface="Arial"/>
-        <a:font script="Bugi" typeface="Leelawadee UI"/>
-        <a:font script="Bopo" typeface="Microsoft JhengHei"/>
-        <a:font script="Java" typeface="Javanese Text"/>
-        <a:font script="Lisu" typeface="Segoe UI"/>
-        <a:font script="Mymr" typeface="Myanmar Text"/>
-        <a:font script="Nkoo" typeface="Ebrima"/>
-        <a:font script="Olck" typeface="Nirmala UI"/>
-        <a:font script="Osma" typeface="Ebrima"/>
-        <a:font script="Phag" typeface="Phagspa"/>
-        <a:font script="Syrn" typeface="Estrangelo Edessa"/>
-        <a:font script="Syrj" typeface="Estrangelo Edessa"/>
-        <a:font script="Syre" typeface="Estrangelo Edessa"/>
-        <a:font script="Sora" typeface="Nirmala UI"/>
-        <a:font script="Tale" typeface="Microsoft Tai Le"/>
-        <a:font script="Talu" typeface="Microsoft New Tai Lue"/>
-        <a:font script="Tfng" typeface="Ebrima"/>
       </a:majorFont>
       <a:minorFont>
-        <a:latin typeface="Calibri" panose="020F0502020204030204"/>
+        <a:latin typeface="Calibri"/>
         <a:ea typeface=""/>
         <a:cs typeface=""/>
         <a:font script="Jpan" typeface="游ゴシック"/>
@@ -9268,23 +8307,6 @@
         <a:font script="Viet" typeface="Arial"/>
         <a:font script="Uigh" typeface="Microsoft Uighur"/>
         <a:font script="Geor" typeface="Sylfaen"/>
-        <a:font script="Armn" typeface="Arial"/>
-        <a:font script="Bugi" typeface="Leelawadee UI"/>
-        <a:font script="Bopo" typeface="Microsoft JhengHei"/>
-        <a:font script="Java" typeface="Javanese Text"/>
-        <a:font script="Lisu" typeface="Segoe UI"/>
-        <a:font script="Mymr" typeface="Myanmar Text"/>
-        <a:font script="Nkoo" typeface="Ebrima"/>
-        <a:font script="Olck" typeface="Nirmala UI"/>
-        <a:font script="Osma" typeface="Ebrima"/>
-        <a:font script="Phag" typeface="Phagspa"/>
-        <a:font script="Syrn" typeface="Estrangelo Edessa"/>
-        <a:font script="Syrj" typeface="Estrangelo Edessa"/>
-        <a:font script="Syre" typeface="Estrangelo Edessa"/>
-        <a:font script="Sora" typeface="Nirmala UI"/>
-        <a:font script="Tale" typeface="Microsoft Tai Le"/>
-        <a:font script="Talu" typeface="Microsoft New Tai Lue"/>
-        <a:font script="Tfng" typeface="Ebrima"/>
       </a:minorFont>
     </a:fontScheme>
     <a:fmtScheme name="Office">
@@ -9425,8 +8447,6 @@
       </a:bgFillStyleLst>
     </a:fmtScheme>
   </a:themeElements>
-  <a:objectDefaults/>
-  <a:extraClrSchemeLst/>
   <a:extLst>
     <a:ext uri="{05A4C25C-085E-4340-85A3-A5531E510DB2}">
       <thm15:themeFamily xmlns:thm15="http://schemas.microsoft.com/office/thememl/2012/main" name="Office Theme" id="{62F939B6-93AF-4DB8-9C6B-D6C7DFDC589F}" vid="{4A3C46E8-61CC-4603-A589-7422A47A8E4A}"/>
@@ -9478,7 +8498,7 @@
     </a:clrScheme>
     <a:fontScheme name="Office">
       <a:majorFont>
-        <a:latin typeface="等线 Light" panose="020F0302020204030204"/>
+        <a:latin typeface="等线 Light"/>
         <a:ea typeface=""/>
         <a:cs typeface=""/>
         <a:font script="Jpan" typeface="游ゴシック Light"/>
@@ -9511,26 +8531,9 @@
         <a:font script="Viet" typeface="Times New Roman"/>
         <a:font script="Uigh" typeface="Microsoft Uighur"/>
         <a:font script="Geor" typeface="Sylfaen"/>
-        <a:font script="Armn" typeface="Arial"/>
-        <a:font script="Bugi" typeface="Leelawadee UI"/>
-        <a:font script="Bopo" typeface="Microsoft JhengHei"/>
-        <a:font script="Java" typeface="Javanese Text"/>
-        <a:font script="Lisu" typeface="Segoe UI"/>
-        <a:font script="Mymr" typeface="Myanmar Text"/>
-        <a:font script="Nkoo" typeface="Ebrima"/>
-        <a:font script="Olck" typeface="Nirmala UI"/>
-        <a:font script="Osma" typeface="Ebrima"/>
-        <a:font script="Phag" typeface="Phagspa"/>
-        <a:font script="Syrn" typeface="Estrangelo Edessa"/>
-        <a:font script="Syrj" typeface="Estrangelo Edessa"/>
-        <a:font script="Syre" typeface="Estrangelo Edessa"/>
-        <a:font script="Sora" typeface="Nirmala UI"/>
-        <a:font script="Tale" typeface="Microsoft Tai Le"/>
-        <a:font script="Talu" typeface="Microsoft New Tai Lue"/>
-        <a:font script="Tfng" typeface="Ebrima"/>
       </a:majorFont>
       <a:minorFont>
-        <a:latin typeface="等线" panose="020F0502020204030204"/>
+        <a:latin typeface="等线"/>
         <a:ea typeface=""/>
         <a:cs typeface=""/>
         <a:font script="Jpan" typeface="游ゴシック"/>
@@ -9563,23 +8566,6 @@
         <a:font script="Viet" typeface="Arial"/>
         <a:font script="Uigh" typeface="Microsoft Uighur"/>
         <a:font script="Geor" typeface="Sylfaen"/>
-        <a:font script="Armn" typeface="Arial"/>
-        <a:font script="Bugi" typeface="Leelawadee UI"/>
-        <a:font script="Bopo" typeface="Microsoft JhengHei"/>
-        <a:font script="Java" typeface="Javanese Text"/>
-        <a:font script="Lisu" typeface="Segoe UI"/>
-        <a:font script="Mymr" typeface="Myanmar Text"/>
-        <a:font script="Nkoo" typeface="Ebrima"/>
-        <a:font script="Olck" typeface="Nirmala UI"/>
-        <a:font script="Osma" typeface="Ebrima"/>
-        <a:font script="Phag" typeface="Phagspa"/>
-        <a:font script="Syrn" typeface="Estrangelo Edessa"/>
-        <a:font script="Syrj" typeface="Estrangelo Edessa"/>
-        <a:font script="Syre" typeface="Estrangelo Edessa"/>
-        <a:font script="Sora" typeface="Nirmala UI"/>
-        <a:font script="Tale" typeface="Microsoft Tai Le"/>
-        <a:font script="Talu" typeface="Microsoft New Tai Lue"/>
-        <a:font script="Tfng" typeface="Ebrima"/>
       </a:minorFont>
     </a:fontScheme>
     <a:fmtScheme name="Office">
@@ -9720,8 +8706,6 @@
       </a:bgFillStyleLst>
     </a:fmtScheme>
   </a:themeElements>
-  <a:objectDefaults/>
-  <a:extraClrSchemeLst/>
   <a:extLst>
     <a:ext uri="{05A4C25C-085E-4340-85A3-A5531E510DB2}">
       <thm15:themeFamily xmlns:thm15="http://schemas.microsoft.com/office/thememl/2012/main" name="Office Theme" id="{62F939B6-93AF-4DB8-9C6B-D6C7DFDC589F}" vid="{4A3C46E8-61CC-4603-A589-7422A47A8E4A}"/>

--- a/ppt/Interpretation-9-20.pptx
+++ b/ppt/Interpretation-9-20.pptx
@@ -28,6 +28,7 @@
     <p:sldId id="275" r:id="rId21"/>
     <p:sldId id="269" r:id="rId22"/>
     <p:sldId id="278" r:id="rId23"/>
+    <p:sldId id="279" r:id="rId24"/>
   </p:sldIdLst>
   <p:sldSz cx="12192000" cy="6858000"/>
   <p:notesSz cx="6858000" cy="9144000"/>
@@ -151,6 +152,7 @@
             <p14:sldId id="275"/>
             <p14:sldId id="269"/>
             <p14:sldId id="278"/>
+            <p14:sldId id="279"/>
           </p14:sldIdLst>
         </p14:section>
       </p14:sectionLst>
@@ -5875,6 +5877,117 @@
               <a:t>NMF</a:t>
             </a:r>
             <a:endParaRPr lang="" altLang="en-US" sz="1800"/>
+          </a:p>
+        </p:txBody>
+      </p:sp>
+      <p:sp>
+        <p:nvSpPr>
+          <p:cNvPr id="4" name="Date Placeholder 3"/>
+          <p:cNvSpPr>
+            <a:spLocks noGrp="1"/>
+          </p:cNvSpPr>
+          <p:nvPr>
+            <p:ph type="dt" sz="half" idx="10"/>
+          </p:nvPr>
+        </p:nvSpPr>
+        <p:spPr/>
+        <p:txBody>
+          <a:bodyPr/>
+          <a:p>
+            <a:fld id="{D483111E-5384-4450-87E5-51B3B2328436}" type="datetime1">
+              <a:rPr lang="en-US" altLang="zh-CN" smtClean="0"/>
+            </a:fld>
+            <a:endParaRPr lang="en-US"/>
+          </a:p>
+        </p:txBody>
+      </p:sp>
+      <p:sp>
+        <p:nvSpPr>
+          <p:cNvPr id="5" name="Slide Number Placeholder 4"/>
+          <p:cNvSpPr>
+            <a:spLocks noGrp="1"/>
+          </p:cNvSpPr>
+          <p:nvPr>
+            <p:ph type="sldNum" sz="quarter" idx="12"/>
+          </p:nvPr>
+        </p:nvSpPr>
+        <p:spPr/>
+        <p:txBody>
+          <a:bodyPr/>
+          <a:p>
+            <a:fld id="{93D7A402-3076-2049-A745-4823B471CC62}" type="slidenum">
+              <a:rPr lang="en-US" smtClean="0"/>
+            </a:fld>
+            <a:endParaRPr lang="en-US"/>
+          </a:p>
+        </p:txBody>
+      </p:sp>
+    </p:spTree>
+  </p:cSld>
+  <p:clrMapOvr>
+    <a:masterClrMapping/>
+  </p:clrMapOvr>
+</p:sld>
+</file>
+
+<file path=ppt/slides/slide21.xml><?xml version="1.0" encoding="utf-8"?>
+<p:sld xmlns:a="http://schemas.openxmlformats.org/drawingml/2006/main" xmlns:r="http://schemas.openxmlformats.org/officeDocument/2006/relationships" xmlns:p="http://schemas.openxmlformats.org/presentationml/2006/main">
+  <p:cSld>
+    <p:spTree>
+      <p:nvGrpSpPr>
+        <p:cNvPr id="1" name=""/>
+        <p:cNvGrpSpPr/>
+        <p:nvPr/>
+      </p:nvGrpSpPr>
+      <p:grpSpPr/>
+      <p:sp>
+        <p:nvSpPr>
+          <p:cNvPr id="2" name="Title 1"/>
+          <p:cNvSpPr>
+            <a:spLocks noGrp="1"/>
+          </p:cNvSpPr>
+          <p:nvPr>
+            <p:ph type="title"/>
+          </p:nvPr>
+        </p:nvSpPr>
+        <p:spPr/>
+        <p:txBody>
+          <a:bodyPr/>
+          <a:p>
+            <a:r>
+              <a:rPr lang="" altLang="en-US"/>
+              <a:t>Network dissection带来的思路</a:t>
+            </a:r>
+            <a:endParaRPr lang="" altLang="en-US"/>
+          </a:p>
+        </p:txBody>
+      </p:sp>
+      <p:sp>
+        <p:nvSpPr>
+          <p:cNvPr id="3" name="Content Placeholder 2"/>
+          <p:cNvSpPr>
+            <a:spLocks noGrp="1"/>
+          </p:cNvSpPr>
+          <p:nvPr>
+            <p:ph idx="1"/>
+          </p:nvPr>
+        </p:nvSpPr>
+        <p:spPr/>
+        <p:txBody>
+          <a:bodyPr/>
+          <a:p>
+            <a:r>
+              <a:rPr lang="" altLang="en-US"/>
+              <a:t>在一个有label各种属性的数据集上，做实验，然后比较是什么label最相近，就知道是什么属性</a:t>
+            </a:r>
+            <a:endParaRPr lang="" altLang="en-US"/>
+          </a:p>
+          <a:p>
+            <a:r>
+              <a:rPr lang="" altLang="en-US"/>
+              <a:t>去除dropout重新训练网络</a:t>
+            </a:r>
+            <a:endParaRPr lang="" altLang="en-US"/>
           </a:p>
         </p:txBody>
       </p:sp>
